--- a/Architect and Design/Final Project/K15T2_Team2_FinalProject/POS_Presentation/POS_PresentationSlide.pptx
+++ b/Architect and Design/Final Project/K15T2_Team2_FinalProject/POS_Presentation/POS_PresentationSlide.pptx
@@ -2052,6 +2052,13 @@
         </dgm:presLayoutVars>
       </dgm:prSet>
       <dgm:spPr/>
+      <dgm:t>
+        <a:bodyPr/>
+        <a:lstStyle/>
+        <a:p>
+          <a:endParaRPr lang="en-US"/>
+        </a:p>
+      </dgm:t>
     </dgm:pt>
     <dgm:pt modelId="{A11FB6AC-83E3-4D80-9363-732573019F94}" type="pres">
       <dgm:prSet presAssocID="{15563F2D-6AEE-4DF8-821E-F6118AAD27A9}" presName="node" presStyleLbl="node1" presStyleIdx="0" presStyleCnt="5">
@@ -2060,6 +2067,13 @@
         </dgm:presLayoutVars>
       </dgm:prSet>
       <dgm:spPr/>
+      <dgm:t>
+        <a:bodyPr/>
+        <a:lstStyle/>
+        <a:p>
+          <a:endParaRPr lang="en-US"/>
+        </a:p>
+      </dgm:t>
     </dgm:pt>
     <dgm:pt modelId="{52E7D06B-0766-4046-9655-CAAA18390206}" type="pres">
       <dgm:prSet presAssocID="{6FEEB3E4-3ED2-4D1D-958D-B5BE4F1D0C73}" presName="sibTrans" presStyleCnt="0"/>
@@ -2072,6 +2086,13 @@
         </dgm:presLayoutVars>
       </dgm:prSet>
       <dgm:spPr/>
+      <dgm:t>
+        <a:bodyPr/>
+        <a:lstStyle/>
+        <a:p>
+          <a:endParaRPr lang="en-US"/>
+        </a:p>
+      </dgm:t>
     </dgm:pt>
     <dgm:pt modelId="{2029E6D7-F972-470B-849C-582378C4F1F6}" type="pres">
       <dgm:prSet presAssocID="{A6B0E23E-E1C9-4C0A-B691-BCFB21D67FDE}" presName="sibTrans" presStyleCnt="0"/>
@@ -2084,6 +2105,13 @@
         </dgm:presLayoutVars>
       </dgm:prSet>
       <dgm:spPr/>
+      <dgm:t>
+        <a:bodyPr/>
+        <a:lstStyle/>
+        <a:p>
+          <a:endParaRPr lang="en-US"/>
+        </a:p>
+      </dgm:t>
     </dgm:pt>
     <dgm:pt modelId="{383BC0F8-FA73-4A48-90D7-9AF81265232C}" type="pres">
       <dgm:prSet presAssocID="{18DF3901-9994-4A70-8A53-E74EBA7DFBEE}" presName="sibTrans" presStyleCnt="0"/>
@@ -2096,6 +2124,13 @@
         </dgm:presLayoutVars>
       </dgm:prSet>
       <dgm:spPr/>
+      <dgm:t>
+        <a:bodyPr/>
+        <a:lstStyle/>
+        <a:p>
+          <a:endParaRPr lang="en-US"/>
+        </a:p>
+      </dgm:t>
     </dgm:pt>
     <dgm:pt modelId="{F0326E00-D488-4445-9D4E-010CE17E612C}" type="pres">
       <dgm:prSet presAssocID="{7525B09F-D1BA-4959-8B1B-C0D998C6EFAF}" presName="sibTrans" presStyleCnt="0"/>
@@ -2108,20 +2143,27 @@
         </dgm:presLayoutVars>
       </dgm:prSet>
       <dgm:spPr/>
+      <dgm:t>
+        <a:bodyPr/>
+        <a:lstStyle/>
+        <a:p>
+          <a:endParaRPr lang="en-US"/>
+        </a:p>
+      </dgm:t>
     </dgm:pt>
   </dgm:ptLst>
   <dgm:cxnLst>
-    <dgm:cxn modelId="{82D4688D-BD1A-44D1-9A99-3C71D099BE9E}" type="presOf" srcId="{15563F2D-6AEE-4DF8-821E-F6118AAD27A9}" destId="{A11FB6AC-83E3-4D80-9363-732573019F94}" srcOrd="0" destOrd="0" presId="urn:microsoft.com/office/officeart/2005/8/layout/default"/>
     <dgm:cxn modelId="{9622D8D3-A0C1-4E45-8861-83F9C941344A}" type="presOf" srcId="{0F2CE07A-B6C4-4BF4-A00C-156E8FB1B237}" destId="{61A231D2-0E8A-4020-8A14-2EE1B966A646}" srcOrd="0" destOrd="0" presId="urn:microsoft.com/office/officeart/2005/8/layout/default"/>
+    <dgm:cxn modelId="{4AE2A2F3-D73D-4121-ABEB-7392BBFA0B84}" type="presOf" srcId="{595FF75A-DDC2-4D49-8994-35DBD8FDA5DA}" destId="{1A262AD7-3E48-4D7A-A8A6-25C811CE3F05}" srcOrd="0" destOrd="0" presId="urn:microsoft.com/office/officeart/2005/8/layout/default"/>
+    <dgm:cxn modelId="{2A011E16-6A8E-47F2-A4BA-6103CA2E33E7}" srcId="{50BEB0D4-520E-4372-9CC0-C96C098B3132}" destId="{0F2CE07A-B6C4-4BF4-A00C-156E8FB1B237}" srcOrd="4" destOrd="0" parTransId="{007C6CB2-2238-4F25-BD7F-A637A1D269FF}" sibTransId="{871589EC-6788-41C9-AE7B-66E18610D70C}"/>
     <dgm:cxn modelId="{A7D16D88-296F-4A30-8905-3512AAD01696}" type="presOf" srcId="{8FDCDDB3-A22B-4AD0-9EF9-B8F318F6F459}" destId="{C2A48631-ECF2-4782-816B-88B918FD58D4}" srcOrd="0" destOrd="0" presId="urn:microsoft.com/office/officeart/2005/8/layout/default"/>
-    <dgm:cxn modelId="{2A011E16-6A8E-47F2-A4BA-6103CA2E33E7}" srcId="{50BEB0D4-520E-4372-9CC0-C96C098B3132}" destId="{0F2CE07A-B6C4-4BF4-A00C-156E8FB1B237}" srcOrd="4" destOrd="0" parTransId="{007C6CB2-2238-4F25-BD7F-A637A1D269FF}" sibTransId="{871589EC-6788-41C9-AE7B-66E18610D70C}"/>
+    <dgm:cxn modelId="{552206C3-AB54-4A9D-84CD-8E2C12D1DACF}" srcId="{50BEB0D4-520E-4372-9CC0-C96C098B3132}" destId="{595FF75A-DDC2-4D49-8994-35DBD8FDA5DA}" srcOrd="3" destOrd="0" parTransId="{1088A8F0-D813-47B9-825E-FC80DCBCBC21}" sibTransId="{7525B09F-D1BA-4959-8B1B-C0D998C6EFAF}"/>
+    <dgm:cxn modelId="{FADC2CF5-639C-4B05-B899-6E42F4892086}" type="presOf" srcId="{50BEB0D4-520E-4372-9CC0-C96C098B3132}" destId="{DE8D2AC2-7D55-4CB1-8D44-0B1DD48D2A96}" srcOrd="0" destOrd="0" presId="urn:microsoft.com/office/officeart/2005/8/layout/default"/>
+    <dgm:cxn modelId="{2273B64B-AB66-43EC-B567-DD8F11171ACA}" type="presOf" srcId="{CBB0AA77-6BFC-40A8-92BD-FFFBE003F6F3}" destId="{EFFCFC20-B7E3-4995-9C3F-963AD793B067}" srcOrd="0" destOrd="0" presId="urn:microsoft.com/office/officeart/2005/8/layout/default"/>
     <dgm:cxn modelId="{FBF6C13F-6FFE-4D80-8841-AA003A855496}" srcId="{50BEB0D4-520E-4372-9CC0-C96C098B3132}" destId="{15563F2D-6AEE-4DF8-821E-F6118AAD27A9}" srcOrd="0" destOrd="0" parTransId="{3B6ED132-7B62-42A2-B05C-71B2748B3463}" sibTransId="{6FEEB3E4-3ED2-4D1D-958D-B5BE4F1D0C73}"/>
     <dgm:cxn modelId="{793A61BE-6ADD-4E2A-B530-8247125C62A4}" srcId="{50BEB0D4-520E-4372-9CC0-C96C098B3132}" destId="{CBB0AA77-6BFC-40A8-92BD-FFFBE003F6F3}" srcOrd="2" destOrd="0" parTransId="{E07FA7F1-6C92-47D1-9DA3-910AE394BD58}" sibTransId="{18DF3901-9994-4A70-8A53-E74EBA7DFBEE}"/>
-    <dgm:cxn modelId="{2273B64B-AB66-43EC-B567-DD8F11171ACA}" type="presOf" srcId="{CBB0AA77-6BFC-40A8-92BD-FFFBE003F6F3}" destId="{EFFCFC20-B7E3-4995-9C3F-963AD793B067}" srcOrd="0" destOrd="0" presId="urn:microsoft.com/office/officeart/2005/8/layout/default"/>
-    <dgm:cxn modelId="{4AE2A2F3-D73D-4121-ABEB-7392BBFA0B84}" type="presOf" srcId="{595FF75A-DDC2-4D49-8994-35DBD8FDA5DA}" destId="{1A262AD7-3E48-4D7A-A8A6-25C811CE3F05}" srcOrd="0" destOrd="0" presId="urn:microsoft.com/office/officeart/2005/8/layout/default"/>
-    <dgm:cxn modelId="{FADC2CF5-639C-4B05-B899-6E42F4892086}" type="presOf" srcId="{50BEB0D4-520E-4372-9CC0-C96C098B3132}" destId="{DE8D2AC2-7D55-4CB1-8D44-0B1DD48D2A96}" srcOrd="0" destOrd="0" presId="urn:microsoft.com/office/officeart/2005/8/layout/default"/>
     <dgm:cxn modelId="{AC00E79F-180A-49E5-95F3-B420DBEFCBB7}" srcId="{50BEB0D4-520E-4372-9CC0-C96C098B3132}" destId="{8FDCDDB3-A22B-4AD0-9EF9-B8F318F6F459}" srcOrd="1" destOrd="0" parTransId="{A80EB71C-4DB2-4081-8166-BAFC63224076}" sibTransId="{A6B0E23E-E1C9-4C0A-B691-BCFB21D67FDE}"/>
-    <dgm:cxn modelId="{552206C3-AB54-4A9D-84CD-8E2C12D1DACF}" srcId="{50BEB0D4-520E-4372-9CC0-C96C098B3132}" destId="{595FF75A-DDC2-4D49-8994-35DBD8FDA5DA}" srcOrd="3" destOrd="0" parTransId="{1088A8F0-D813-47B9-825E-FC80DCBCBC21}" sibTransId="{7525B09F-D1BA-4959-8B1B-C0D998C6EFAF}"/>
+    <dgm:cxn modelId="{82D4688D-BD1A-44D1-9A99-3C71D099BE9E}" type="presOf" srcId="{15563F2D-6AEE-4DF8-821E-F6118AAD27A9}" destId="{A11FB6AC-83E3-4D80-9363-732573019F94}" srcOrd="0" destOrd="0" presId="urn:microsoft.com/office/officeart/2005/8/layout/default"/>
     <dgm:cxn modelId="{007DB98E-0980-4A16-AD78-51EF76D1AA5F}" type="presParOf" srcId="{DE8D2AC2-7D55-4CB1-8D44-0B1DD48D2A96}" destId="{A11FB6AC-83E3-4D80-9363-732573019F94}" srcOrd="0" destOrd="0" presId="urn:microsoft.com/office/officeart/2005/8/layout/default"/>
     <dgm:cxn modelId="{F41CE761-4DA5-42EB-89B0-5534D6985EC8}" type="presParOf" srcId="{DE8D2AC2-7D55-4CB1-8D44-0B1DD48D2A96}" destId="{52E7D06B-0766-4046-9655-CAAA18390206}" srcOrd="1" destOrd="0" presId="urn:microsoft.com/office/officeart/2005/8/layout/default"/>
     <dgm:cxn modelId="{CA2637F3-051F-4D92-AC32-B595710F0B46}" type="presParOf" srcId="{DE8D2AC2-7D55-4CB1-8D44-0B1DD48D2A96}" destId="{C2A48631-ECF2-4782-816B-88B918FD58D4}" srcOrd="2" destOrd="0" presId="urn:microsoft.com/office/officeart/2005/8/layout/default"/>
@@ -2284,6 +2326,13 @@
         </dgm:presLayoutVars>
       </dgm:prSet>
       <dgm:spPr/>
+      <dgm:t>
+        <a:bodyPr/>
+        <a:lstStyle/>
+        <a:p>
+          <a:endParaRPr lang="en-US"/>
+        </a:p>
+      </dgm:t>
     </dgm:pt>
     <dgm:pt modelId="{E6314B89-399E-49FF-8166-EEBFD64D7A9E}" type="pres">
       <dgm:prSet presAssocID="{84CDFEBB-4156-4517-9CFD-C1174123D399}" presName="aSpace" presStyleCnt="0"/>
@@ -2296,6 +2345,13 @@
         </dgm:presLayoutVars>
       </dgm:prSet>
       <dgm:spPr/>
+      <dgm:t>
+        <a:bodyPr/>
+        <a:lstStyle/>
+        <a:p>
+          <a:endParaRPr lang="en-US"/>
+        </a:p>
+      </dgm:t>
     </dgm:pt>
     <dgm:pt modelId="{EE18923B-44F9-46DC-B1C9-989004FC7403}" type="pres">
       <dgm:prSet presAssocID="{C9586AE3-9B06-4555-BD9C-331574642279}" presName="aSpace" presStyleCnt="0"/>
@@ -2308,6 +2364,13 @@
         </dgm:presLayoutVars>
       </dgm:prSet>
       <dgm:spPr/>
+      <dgm:t>
+        <a:bodyPr/>
+        <a:lstStyle/>
+        <a:p>
+          <a:endParaRPr lang="en-US"/>
+        </a:p>
+      </dgm:t>
     </dgm:pt>
     <dgm:pt modelId="{805D9C31-E820-45F9-B037-837D5AA9105D}" type="pres">
       <dgm:prSet presAssocID="{09CB54BD-2512-49E6-BE8A-CFE2954B835A}" presName="aSpace" presStyleCnt="0"/>
@@ -2443,7 +2506,7 @@
         <a:solidFill>
           <a:schemeClr val="accent1">
             <a:shade val="50000"/>
-            <a:hueOff val="-132808"/>
+            <a:hueOff val="-132809"/>
             <a:satOff val="6494"/>
             <a:lumOff val="16418"/>
             <a:alphaOff val="0"/>
@@ -2521,7 +2584,7 @@
         <a:solidFill>
           <a:schemeClr val="accent1">
             <a:shade val="50000"/>
-            <a:hueOff val="-265617"/>
+            <a:hueOff val="-265618"/>
             <a:satOff val="12988"/>
             <a:lumOff val="32836"/>
             <a:alphaOff val="0"/>
@@ -2598,7 +2661,7 @@
         <a:solidFill>
           <a:schemeClr val="accent1">
             <a:shade val="50000"/>
-            <a:hueOff val="-265617"/>
+            <a:hueOff val="-265618"/>
             <a:satOff val="12988"/>
             <a:lumOff val="32836"/>
             <a:alphaOff val="0"/>
@@ -2675,7 +2738,7 @@
         <a:solidFill>
           <a:schemeClr val="accent1">
             <a:shade val="50000"/>
-            <a:hueOff val="-132808"/>
+            <a:hueOff val="-132809"/>
             <a:satOff val="6494"/>
             <a:lumOff val="16418"/>
             <a:alphaOff val="0"/>
@@ -16347,15 +16410,7 @@
                   <a:srgbClr val="C00000"/>
                 </a:solidFill>
               </a:rPr>
-              <a:t>Software </a:t>
-            </a:r>
-            <a:r>
-              <a:rPr lang="en-US" sz="3200" dirty="0" smtClean="0">
-                <a:solidFill>
-                  <a:srgbClr val="C00000"/>
-                </a:solidFill>
-              </a:rPr>
-              <a:t>Architect Design</a:t>
+              <a:t>Software Architect Design</a:t>
             </a:r>
             <a:endParaRPr lang="en-US" sz="3200" dirty="0">
               <a:solidFill>
@@ -16606,11 +16661,6 @@
               </a:rPr>
               <a:t>HIT Team</a:t>
             </a:r>
-            <a:endParaRPr lang="en-US" sz="2800" dirty="0" smtClean="0">
-              <a:solidFill>
-                <a:schemeClr val="tx1"/>
-              </a:solidFill>
-            </a:endParaRPr>
           </a:p>
         </p:txBody>
       </p:sp>
@@ -17633,7 +17683,7 @@
           <a:graphicData uri="http://schemas.openxmlformats.org/presentationml/2006/ole">
             <mc:AlternateContent xmlns:mc="http://schemas.openxmlformats.org/markup-compatibility/2006">
               <mc:Choice xmlns:v="urn:schemas-microsoft-com:vml" Requires="v">
-                <p:oleObj spid="_x0000_s137224" name="Visio" r:id="rId3" imgW="5996197" imgH="8345806" progId="Visio.Drawing.11">
+                <p:oleObj spid="_x0000_s137225" name="Visio" r:id="rId3" imgW="5996197" imgH="8345806" progId="Visio.Drawing.11">
                   <p:embed/>
                 </p:oleObj>
               </mc:Choice>
@@ -17821,11 +17871,7 @@
             <a:pPr lvl="0"/>
             <a:r>
               <a:rPr lang="en-US" dirty="0" smtClean="0"/>
-              <a:t>Business</a:t>
-            </a:r>
-            <a:r>
-              <a:rPr lang="en-US" dirty="0" smtClean="0"/>
-              <a:t> Constrains </a:t>
+              <a:t>Business Constrains </a:t>
             </a:r>
             <a:endParaRPr lang="en-US" dirty="0"/>
           </a:p>
@@ -18499,7 +18545,7 @@
         </p:nvGraphicFramePr>
         <p:xfrm>
           <a:off x="762000" y="1371600"/>
-          <a:ext cx="8229600" cy="5052822"/>
+          <a:ext cx="8229600" cy="5318760"/>
         </p:xfrm>
         <a:graphic>
           <a:graphicData uri="http://schemas.openxmlformats.org/drawingml/2006/table">
@@ -19617,7 +19663,7 @@
         </p:nvGraphicFramePr>
         <p:xfrm>
           <a:off x="152400" y="1600200"/>
-          <a:ext cx="8839200" cy="5108734"/>
+          <a:ext cx="8839200" cy="5279433"/>
         </p:xfrm>
         <a:graphic>
           <a:graphicData uri="http://schemas.openxmlformats.org/drawingml/2006/table">
@@ -35121,7 +35167,7 @@
           <a:graphicData uri="http://schemas.openxmlformats.org/presentationml/2006/ole">
             <mc:AlternateContent xmlns:mc="http://schemas.openxmlformats.org/markup-compatibility/2006">
               <mc:Choice xmlns:v="urn:schemas-microsoft-com:vml" Requires="v">
-                <p:oleObj spid="_x0000_s139272" name="Visio" r:id="rId3" imgW="9089179" imgH="4645287" progId="Visio.Drawing.11">
+                <p:oleObj spid="_x0000_s139273" name="Visio" r:id="rId3" imgW="9089179" imgH="4645287" progId="Visio.Drawing.11">
                   <p:embed/>
                 </p:oleObj>
               </mc:Choice>
@@ -35629,7 +35675,7 @@
           <a:graphicData uri="http://schemas.openxmlformats.org/presentationml/2006/ole">
             <mc:AlternateContent xmlns:mc="http://schemas.openxmlformats.org/markup-compatibility/2006">
               <mc:Choice xmlns:v="urn:schemas-microsoft-com:vml" Requires="v">
-                <p:oleObj spid="_x0000_s140296" name="Visio" r:id="rId3" imgW="11727851" imgH="7171055" progId="Visio.Drawing.11">
+                <p:oleObj spid="_x0000_s140297" name="Visio" r:id="rId3" imgW="11727851" imgH="7171055" progId="Visio.Drawing.11">
                   <p:embed/>
                 </p:oleObj>
               </mc:Choice>
@@ -35973,31 +36019,26 @@
           <a:bodyPr/>
           <a:lstStyle/>
           <a:p>
-            <a:pPr marL="0" indent="0">
-              <a:buNone/>
-            </a:pPr>
-            <a:r>
-              <a:rPr lang="en-US" sz="2000" dirty="0">
-                <a:latin typeface="+mj-lt"/>
-              </a:rPr>
-              <a:t>The project team will develop a sale system on websites with the purpose bring the convenience and helpful in the sale for Company A, a retail chain (hereinafter, the system). POS system will contain a number of functions that help manage product as well as sale process.</a:t>
-            </a:r>
-          </a:p>
-          <a:p>
             <a:pPr marL="0" lvl="0" indent="0">
               <a:buNone/>
             </a:pPr>
             <a:r>
-              <a:rPr lang="en-US" sz="1800" dirty="0">
+              <a:rPr lang="en-US" sz="2400" dirty="0" smtClean="0">
                 <a:latin typeface="+mj-lt"/>
               </a:rPr>
-              <a:t>Administrator can do following function:</a:t>
+              <a:t>Administrator </a:t>
+            </a:r>
+            <a:r>
+              <a:rPr lang="en-US" sz="2400" dirty="0">
+                <a:latin typeface="+mj-lt"/>
+              </a:rPr>
+              <a:t>can do following function:</a:t>
             </a:r>
           </a:p>
           <a:p>
             <a:pPr lvl="0"/>
             <a:r>
-              <a:rPr lang="en-US" sz="1800" dirty="0">
+              <a:rPr lang="en-US" sz="2400" dirty="0">
                 <a:latin typeface="+mj-lt"/>
               </a:rPr>
               <a:t>Add New User</a:t>
@@ -36006,7 +36047,7 @@
           <a:p>
             <a:pPr lvl="0"/>
             <a:r>
-              <a:rPr lang="en-US" sz="1800" dirty="0">
+              <a:rPr lang="en-US" sz="2400" dirty="0">
                 <a:latin typeface="+mj-lt"/>
               </a:rPr>
               <a:t>Search/ View User List</a:t>
@@ -36015,7 +36056,7 @@
           <a:p>
             <a:pPr lvl="0"/>
             <a:r>
-              <a:rPr lang="en-US" sz="1800" dirty="0">
+              <a:rPr lang="en-US" sz="2400" dirty="0">
                 <a:latin typeface="+mj-lt"/>
               </a:rPr>
               <a:t>View User Detail Information</a:t>
@@ -36024,7 +36065,7 @@
           <a:p>
             <a:pPr lvl="0"/>
             <a:r>
-              <a:rPr lang="en-US" sz="1800" dirty="0">
+              <a:rPr lang="en-US" sz="2400" dirty="0">
                 <a:latin typeface="+mj-lt"/>
               </a:rPr>
               <a:t>Update User Information, Assign Authorize</a:t>
@@ -36033,7 +36074,7 @@
           <a:p>
             <a:pPr lvl="0"/>
             <a:r>
-              <a:rPr lang="en-US" sz="1800" dirty="0">
+              <a:rPr lang="en-US" sz="2400" dirty="0">
                 <a:latin typeface="+mj-lt"/>
               </a:rPr>
               <a:t>Add New POST</a:t>
@@ -36042,7 +36083,7 @@
           <a:p>
             <a:pPr lvl="0"/>
             <a:r>
-              <a:rPr lang="en-US" sz="1800" dirty="0">
+              <a:rPr lang="en-US" sz="2400" dirty="0">
                 <a:latin typeface="+mj-lt"/>
               </a:rPr>
               <a:t>Search/ View POST List</a:t>
@@ -36051,7 +36092,7 @@
           <a:p>
             <a:pPr lvl="0"/>
             <a:r>
-              <a:rPr lang="en-US" sz="1800" dirty="0">
+              <a:rPr lang="en-US" sz="2400" dirty="0">
                 <a:latin typeface="+mj-lt"/>
               </a:rPr>
               <a:t>View POST Detail Information</a:t>
@@ -36060,7 +36101,7 @@
           <a:p>
             <a:pPr lvl="0"/>
             <a:r>
-              <a:rPr lang="en-US" sz="1800" dirty="0">
+              <a:rPr lang="en-US" sz="2400" dirty="0">
                 <a:latin typeface="+mj-lt"/>
               </a:rPr>
               <a:t>Update POST Information</a:t>
@@ -36071,7 +36112,7 @@
               <a:buNone/>
             </a:pPr>
             <a:r>
-              <a:rPr lang="en-US" sz="1800" dirty="0">
+              <a:rPr lang="en-US" sz="2400" dirty="0">
                 <a:latin typeface="+mj-lt"/>
               </a:rPr>
               <a:t>Staff can do following function:</a:t>
@@ -36080,7 +36121,7 @@
           <a:p>
             <a:pPr lvl="0"/>
             <a:r>
-              <a:rPr lang="en-US" sz="1800" dirty="0">
+              <a:rPr lang="en-US" sz="2400" dirty="0">
                 <a:latin typeface="+mj-lt"/>
               </a:rPr>
               <a:t>Add New Product</a:t>
@@ -36089,7 +36130,7 @@
           <a:p>
             <a:pPr lvl="0"/>
             <a:r>
-              <a:rPr lang="en-US" sz="1800" dirty="0">
+              <a:rPr lang="en-US" sz="2400" dirty="0">
                 <a:latin typeface="+mj-lt"/>
               </a:rPr>
               <a:t>Search/ View Product List</a:t>

--- a/Architect and Design/Final Project/K15T2_Team2_FinalProject/POS_Presentation/POS_PresentationSlide.pptx
+++ b/Architect and Design/Final Project/K15T2_Team2_FinalProject/POS_Presentation/POS_PresentationSlide.pptx
@@ -5,42 +5,45 @@
     <p:sldMasterId id="2147483648" r:id="rId1"/>
   </p:sldMasterIdLst>
   <p:notesMasterIdLst>
-    <p:notesMasterId r:id="rId35"/>
+    <p:notesMasterId r:id="rId38"/>
   </p:notesMasterIdLst>
   <p:sldIdLst>
     <p:sldId id="256" r:id="rId2"/>
     <p:sldId id="257" r:id="rId3"/>
     <p:sldId id="335" r:id="rId4"/>
-    <p:sldId id="355" r:id="rId5"/>
-    <p:sldId id="379" r:id="rId6"/>
-    <p:sldId id="376" r:id="rId7"/>
-    <p:sldId id="378" r:id="rId8"/>
-    <p:sldId id="356" r:id="rId9"/>
-    <p:sldId id="370" r:id="rId10"/>
-    <p:sldId id="371" r:id="rId11"/>
-    <p:sldId id="372" r:id="rId12"/>
-    <p:sldId id="373" r:id="rId13"/>
-    <p:sldId id="374" r:id="rId14"/>
-    <p:sldId id="375" r:id="rId15"/>
-    <p:sldId id="351" r:id="rId16"/>
-    <p:sldId id="360" r:id="rId17"/>
-    <p:sldId id="359" r:id="rId18"/>
-    <p:sldId id="361" r:id="rId19"/>
-    <p:sldId id="362" r:id="rId20"/>
-    <p:sldId id="363" r:id="rId21"/>
-    <p:sldId id="364" r:id="rId22"/>
-    <p:sldId id="365" r:id="rId23"/>
-    <p:sldId id="366" r:id="rId24"/>
-    <p:sldId id="367" r:id="rId25"/>
-    <p:sldId id="357" r:id="rId26"/>
-    <p:sldId id="353" r:id="rId27"/>
-    <p:sldId id="352" r:id="rId28"/>
-    <p:sldId id="354" r:id="rId29"/>
-    <p:sldId id="368" r:id="rId30"/>
-    <p:sldId id="369" r:id="rId31"/>
-    <p:sldId id="377" r:id="rId32"/>
-    <p:sldId id="358" r:id="rId33"/>
-    <p:sldId id="285" r:id="rId34"/>
+    <p:sldId id="380" r:id="rId5"/>
+    <p:sldId id="355" r:id="rId6"/>
+    <p:sldId id="378" r:id="rId7"/>
+    <p:sldId id="379" r:id="rId8"/>
+    <p:sldId id="376" r:id="rId9"/>
+    <p:sldId id="356" r:id="rId10"/>
+    <p:sldId id="370" r:id="rId11"/>
+    <p:sldId id="371" r:id="rId12"/>
+    <p:sldId id="372" r:id="rId13"/>
+    <p:sldId id="373" r:id="rId14"/>
+    <p:sldId id="374" r:id="rId15"/>
+    <p:sldId id="375" r:id="rId16"/>
+    <p:sldId id="351" r:id="rId17"/>
+    <p:sldId id="382" r:id="rId18"/>
+    <p:sldId id="360" r:id="rId19"/>
+    <p:sldId id="359" r:id="rId20"/>
+    <p:sldId id="361" r:id="rId21"/>
+    <p:sldId id="362" r:id="rId22"/>
+    <p:sldId id="363" r:id="rId23"/>
+    <p:sldId id="364" r:id="rId24"/>
+    <p:sldId id="365" r:id="rId25"/>
+    <p:sldId id="366" r:id="rId26"/>
+    <p:sldId id="367" r:id="rId27"/>
+    <p:sldId id="357" r:id="rId28"/>
+    <p:sldId id="353" r:id="rId29"/>
+    <p:sldId id="352" r:id="rId30"/>
+    <p:sldId id="354" r:id="rId31"/>
+    <p:sldId id="368" r:id="rId32"/>
+    <p:sldId id="369" r:id="rId33"/>
+    <p:sldId id="383" r:id="rId34"/>
+    <p:sldId id="377" r:id="rId35"/>
+    <p:sldId id="358" r:id="rId36"/>
+    <p:sldId id="285" r:id="rId37"/>
   </p:sldIdLst>
   <p:sldSz cx="9144000" cy="6858000" type="screen4x3"/>
   <p:notesSz cx="6858000" cy="9144000"/>
@@ -2506,7 +2509,7 @@
         <a:solidFill>
           <a:schemeClr val="accent1">
             <a:shade val="50000"/>
-            <a:hueOff val="-132809"/>
+            <a:hueOff val="-132808"/>
             <a:satOff val="6494"/>
             <a:lumOff val="16418"/>
             <a:alphaOff val="0"/>
@@ -2584,7 +2587,7 @@
         <a:solidFill>
           <a:schemeClr val="accent1">
             <a:shade val="50000"/>
-            <a:hueOff val="-265618"/>
+            <a:hueOff val="-265617"/>
             <a:satOff val="12988"/>
             <a:lumOff val="32836"/>
             <a:alphaOff val="0"/>
@@ -2661,7 +2664,7 @@
         <a:solidFill>
           <a:schemeClr val="accent1">
             <a:shade val="50000"/>
-            <a:hueOff val="-265618"/>
+            <a:hueOff val="-265617"/>
             <a:satOff val="12988"/>
             <a:lumOff val="32836"/>
             <a:alphaOff val="0"/>
@@ -2738,7 +2741,7 @@
         <a:solidFill>
           <a:schemeClr val="accent1">
             <a:shade val="50000"/>
-            <a:hueOff val="-132809"/>
+            <a:hueOff val="-132808"/>
             <a:satOff val="6494"/>
             <a:lumOff val="16418"/>
             <a:alphaOff val="0"/>
@@ -16889,6 +16892,91 @@
           <a:lstStyle/>
           <a:p>
             <a:r>
+              <a:rPr lang="en-US" dirty="0" smtClean="0"/>
+              <a:t>Entities</a:t>
+            </a:r>
+            <a:endParaRPr lang="en-US" dirty="0"/>
+          </a:p>
+        </p:txBody>
+      </p:sp>
+      <p:graphicFrame>
+        <p:nvGraphicFramePr>
+          <p:cNvPr id="4" name="Content Placeholder 3"/>
+          <p:cNvGraphicFramePr>
+            <a:graphicFrameLocks noGrp="1"/>
+          </p:cNvGraphicFramePr>
+          <p:nvPr>
+            <p:ph idx="1"/>
+            <p:extLst>
+              <p:ext uri="{D42A27DB-BD31-4B8C-83A1-F6EECF244321}">
+                <p14:modId xmlns:p14="http://schemas.microsoft.com/office/powerpoint/2010/main" val="3298328024"/>
+              </p:ext>
+            </p:extLst>
+          </p:nvPr>
+        </p:nvGraphicFramePr>
+        <p:xfrm>
+          <a:off x="1524000" y="2133600"/>
+          <a:ext cx="5867400" cy="2971800"/>
+        </p:xfrm>
+        <a:graphic>
+          <a:graphicData uri="http://schemas.openxmlformats.org/drawingml/2006/diagram">
+            <dgm:relIds xmlns:dgm="http://schemas.openxmlformats.org/drawingml/2006/diagram" xmlns:r="http://schemas.openxmlformats.org/officeDocument/2006/relationships" r:dm="rId2" r:lo="rId3" r:qs="rId4" r:cs="rId5"/>
+          </a:graphicData>
+        </a:graphic>
+      </p:graphicFrame>
+    </p:spTree>
+    <p:extLst>
+      <p:ext uri="{BB962C8B-B14F-4D97-AF65-F5344CB8AC3E}">
+        <p14:creationId xmlns:p14="http://schemas.microsoft.com/office/powerpoint/2010/main" val="2549757625"/>
+      </p:ext>
+    </p:extLst>
+  </p:cSld>
+  <p:clrMapOvr>
+    <a:masterClrMapping/>
+  </p:clrMapOvr>
+  <p:timing>
+    <p:tnLst>
+      <p:par>
+        <p:cTn id="1" dur="indefinite" restart="never" nodeType="tmRoot"/>
+      </p:par>
+    </p:tnLst>
+  </p:timing>
+</p:sld>
+</file>
+
+<file path=ppt/slides/slide11.xml><?xml version="1.0" encoding="utf-8"?>
+<p:sld xmlns:a="http://schemas.openxmlformats.org/drawingml/2006/main" xmlns:r="http://schemas.openxmlformats.org/officeDocument/2006/relationships" xmlns:p="http://schemas.openxmlformats.org/presentationml/2006/main">
+  <p:cSld>
+    <p:spTree>
+      <p:nvGrpSpPr>
+        <p:cNvPr id="1" name=""/>
+        <p:cNvGrpSpPr/>
+        <p:nvPr/>
+      </p:nvGrpSpPr>
+      <p:grpSpPr>
+        <a:xfrm>
+          <a:off x="0" y="0"/>
+          <a:ext cx="0" cy="0"/>
+          <a:chOff x="0" y="0"/>
+          <a:chExt cx="0" cy="0"/>
+        </a:xfrm>
+      </p:grpSpPr>
+      <p:sp>
+        <p:nvSpPr>
+          <p:cNvPr id="2" name="Title 1"/>
+          <p:cNvSpPr>
+            <a:spLocks noGrp="1"/>
+          </p:cNvSpPr>
+          <p:nvPr>
+            <p:ph type="title"/>
+          </p:nvPr>
+        </p:nvSpPr>
+        <p:spPr/>
+        <p:txBody>
+          <a:bodyPr/>
+          <a:lstStyle/>
+          <a:p>
+            <a:r>
               <a:rPr lang="en-US" dirty="0"/>
               <a:t>Entity </a:t>
             </a:r>
@@ -16984,7 +17072,7 @@
 </p:sld>
 </file>
 
-<file path=ppt/slides/slide11.xml><?xml version="1.0" encoding="utf-8"?>
+<file path=ppt/slides/slide12.xml><?xml version="1.0" encoding="utf-8"?>
 <p:sld xmlns:a="http://schemas.openxmlformats.org/drawingml/2006/main" xmlns:r="http://schemas.openxmlformats.org/officeDocument/2006/relationships" xmlns:p="http://schemas.openxmlformats.org/presentationml/2006/main">
   <p:cSld>
     <p:spTree>
@@ -17112,7 +17200,7 @@
 </p:sld>
 </file>
 
-<file path=ppt/slides/slide12.xml><?xml version="1.0" encoding="utf-8"?>
+<file path=ppt/slides/slide13.xml><?xml version="1.0" encoding="utf-8"?>
 <p:sld xmlns:a="http://schemas.openxmlformats.org/drawingml/2006/main" xmlns:r="http://schemas.openxmlformats.org/officeDocument/2006/relationships" xmlns:p="http://schemas.openxmlformats.org/presentationml/2006/main">
   <p:cSld>
     <p:spTree>
@@ -17238,7 +17326,7 @@
 </p:sld>
 </file>
 
-<file path=ppt/slides/slide13.xml><?xml version="1.0" encoding="utf-8"?>
+<file path=ppt/slides/slide14.xml><?xml version="1.0" encoding="utf-8"?>
 <p:sld xmlns:a="http://schemas.openxmlformats.org/drawingml/2006/main" xmlns:r="http://schemas.openxmlformats.org/officeDocument/2006/relationships" xmlns:p="http://schemas.openxmlformats.org/presentationml/2006/main">
   <p:cSld>
     <p:spTree>
@@ -17366,7 +17454,7 @@
 </p:sld>
 </file>
 
-<file path=ppt/slides/slide14.xml><?xml version="1.0" encoding="utf-8"?>
+<file path=ppt/slides/slide15.xml><?xml version="1.0" encoding="utf-8"?>
 <p:sld xmlns:a="http://schemas.openxmlformats.org/drawingml/2006/main" xmlns:r="http://schemas.openxmlformats.org/officeDocument/2006/relationships" xmlns:p="http://schemas.openxmlformats.org/presentationml/2006/main">
   <p:cSld>
     <p:spTree>
@@ -17494,7 +17582,7 @@
 </p:sld>
 </file>
 
-<file path=ppt/slides/slide15.xml><?xml version="1.0" encoding="utf-8"?>
+<file path=ppt/slides/slide16.xml><?xml version="1.0" encoding="utf-8"?>
 <p:sld xmlns:a="http://schemas.openxmlformats.org/drawingml/2006/main" xmlns:r="http://schemas.openxmlformats.org/officeDocument/2006/relationships" xmlns:p="http://schemas.openxmlformats.org/presentationml/2006/main">
   <p:cSld>
     <p:spTree>
@@ -17683,7 +17771,7 @@
           <a:graphicData uri="http://schemas.openxmlformats.org/presentationml/2006/ole">
             <mc:AlternateContent xmlns:mc="http://schemas.openxmlformats.org/markup-compatibility/2006">
               <mc:Choice xmlns:v="urn:schemas-microsoft-com:vml" Requires="v">
-                <p:oleObj spid="_x0000_s137225" name="Visio" r:id="rId3" imgW="5996197" imgH="8345806" progId="Visio.Drawing.11">
+                <p:oleObj spid="_x0000_s137228" name="Visio" r:id="rId3" imgW="5996197" imgH="8345806" progId="Visio.Drawing.11">
                   <p:embed/>
                 </p:oleObj>
               </mc:Choice>
@@ -17836,7 +17924,333 @@
 </p:sld>
 </file>
 
-<file path=ppt/slides/slide16.xml><?xml version="1.0" encoding="utf-8"?>
+<file path=ppt/slides/slide17.xml><?xml version="1.0" encoding="utf-8"?>
+<p:sld xmlns:a="http://schemas.openxmlformats.org/drawingml/2006/main" xmlns:r="http://schemas.openxmlformats.org/officeDocument/2006/relationships" xmlns:p="http://schemas.openxmlformats.org/presentationml/2006/main">
+  <p:cSld>
+    <p:spTree>
+      <p:nvGrpSpPr>
+        <p:cNvPr id="1" name=""/>
+        <p:cNvGrpSpPr/>
+        <p:nvPr/>
+      </p:nvGrpSpPr>
+      <p:grpSpPr>
+        <a:xfrm>
+          <a:off x="0" y="0"/>
+          <a:ext cx="0" cy="0"/>
+          <a:chOff x="0" y="0"/>
+          <a:chExt cx="0" cy="0"/>
+        </a:xfrm>
+      </p:grpSpPr>
+      <p:sp>
+        <p:nvSpPr>
+          <p:cNvPr id="2" name="Title 1"/>
+          <p:cNvSpPr>
+            <a:spLocks noGrp="1"/>
+          </p:cNvSpPr>
+          <p:nvPr>
+            <p:ph type="title"/>
+          </p:nvPr>
+        </p:nvSpPr>
+        <p:spPr/>
+        <p:txBody>
+          <a:bodyPr/>
+          <a:lstStyle/>
+          <a:p>
+            <a:pPr lvl="0"/>
+            <a:r>
+              <a:rPr lang="en-US" dirty="0" smtClean="0"/>
+              <a:t>Use-case</a:t>
+            </a:r>
+            <a:endParaRPr lang="en-US" dirty="0"/>
+          </a:p>
+        </p:txBody>
+      </p:sp>
+      <p:sp>
+        <p:nvSpPr>
+          <p:cNvPr id="4" name="Rectangle 2"/>
+          <p:cNvSpPr>
+            <a:spLocks noChangeArrowheads="1"/>
+          </p:cNvSpPr>
+          <p:nvPr/>
+        </p:nvSpPr>
+        <p:spPr bwMode="auto">
+          <a:xfrm>
+            <a:off x="0" y="0"/>
+            <a:ext cx="9144000" cy="0"/>
+          </a:xfrm>
+          <a:prstGeom prst="rect">
+            <a:avLst/>
+          </a:prstGeom>
+          <a:noFill/>
+          <a:ln>
+            <a:noFill/>
+          </a:ln>
+          <a:effectLst/>
+          <a:extLst>
+            <a:ext uri="{909E8E84-426E-40DD-AFC4-6F175D3DCCD1}">
+              <a14:hiddenFill xmlns:a14="http://schemas.microsoft.com/office/drawing/2010/main">
+                <a:solidFill>
+                  <a:schemeClr val="accent1"/>
+                </a:solidFill>
+              </a14:hiddenFill>
+            </a:ext>
+            <a:ext uri="{91240B29-F687-4F45-9708-019B960494DF}">
+              <a14:hiddenLine xmlns:a14="http://schemas.microsoft.com/office/drawing/2010/main" w="9525">
+                <a:solidFill>
+                  <a:schemeClr val="tx1"/>
+                </a:solidFill>
+                <a:miter lim="800000"/>
+                <a:headEnd/>
+                <a:tailEnd/>
+              </a14:hiddenLine>
+            </a:ext>
+            <a:ext uri="{AF507438-7753-43E0-B8FC-AC1667EBCBE1}">
+              <a14:hiddenEffects xmlns:a14="http://schemas.microsoft.com/office/drawing/2010/main">
+                <a:effectLst>
+                  <a:outerShdw dist="35921" dir="2700000" algn="ctr" rotWithShape="0">
+                    <a:schemeClr val="bg2"/>
+                  </a:outerShdw>
+                </a:effectLst>
+              </a14:hiddenEffects>
+            </a:ext>
+          </a:extLst>
+        </p:spPr>
+        <p:txBody>
+          <a:bodyPr vert="horz" wrap="none" lIns="91440" tIns="45720" rIns="91440" bIns="45720" numCol="1" anchor="ctr" anchorCtr="0" compatLnSpc="1">
+            <a:prstTxWarp prst="textNoShape">
+              <a:avLst/>
+            </a:prstTxWarp>
+            <a:spAutoFit/>
+          </a:bodyPr>
+          <a:lstStyle/>
+          <a:p>
+            <a:endParaRPr lang="en-US" dirty="0"/>
+          </a:p>
+        </p:txBody>
+      </p:sp>
+      <p:sp>
+        <p:nvSpPr>
+          <p:cNvPr id="3" name="Rectangle 2"/>
+          <p:cNvSpPr>
+            <a:spLocks noChangeArrowheads="1"/>
+          </p:cNvSpPr>
+          <p:nvPr/>
+        </p:nvSpPr>
+        <p:spPr bwMode="auto">
+          <a:xfrm>
+            <a:off x="0" y="0"/>
+            <a:ext cx="9144000" cy="0"/>
+          </a:xfrm>
+          <a:prstGeom prst="rect">
+            <a:avLst/>
+          </a:prstGeom>
+          <a:noFill/>
+          <a:ln>
+            <a:noFill/>
+          </a:ln>
+          <a:effectLst/>
+          <a:extLst>
+            <a:ext uri="{909E8E84-426E-40DD-AFC4-6F175D3DCCD1}">
+              <a14:hiddenFill xmlns:a14="http://schemas.microsoft.com/office/drawing/2010/main">
+                <a:solidFill>
+                  <a:schemeClr val="accent1"/>
+                </a:solidFill>
+              </a14:hiddenFill>
+            </a:ext>
+            <a:ext uri="{91240B29-F687-4F45-9708-019B960494DF}">
+              <a14:hiddenLine xmlns:a14="http://schemas.microsoft.com/office/drawing/2010/main" w="9525">
+                <a:solidFill>
+                  <a:schemeClr val="tx1"/>
+                </a:solidFill>
+                <a:miter lim="800000"/>
+                <a:headEnd/>
+                <a:tailEnd/>
+              </a14:hiddenLine>
+            </a:ext>
+            <a:ext uri="{AF507438-7753-43E0-B8FC-AC1667EBCBE1}">
+              <a14:hiddenEffects xmlns:a14="http://schemas.microsoft.com/office/drawing/2010/main">
+                <a:effectLst>
+                  <a:outerShdw dist="35921" dir="2700000" algn="ctr" rotWithShape="0">
+                    <a:schemeClr val="bg2"/>
+                  </a:outerShdw>
+                </a:effectLst>
+              </a14:hiddenEffects>
+            </a:ext>
+          </a:extLst>
+        </p:spPr>
+        <p:txBody>
+          <a:bodyPr vert="horz" wrap="none" lIns="91440" tIns="45720" rIns="91440" bIns="45720" numCol="1" anchor="ctr" anchorCtr="0" compatLnSpc="1">
+            <a:prstTxWarp prst="textNoShape">
+              <a:avLst/>
+            </a:prstTxWarp>
+            <a:spAutoFit/>
+          </a:bodyPr>
+          <a:lstStyle/>
+          <a:p>
+            <a:endParaRPr lang="en-US"/>
+          </a:p>
+        </p:txBody>
+      </p:sp>
+      <p:pic>
+        <p:nvPicPr>
+          <p:cNvPr id="141313" name="Picture 1"/>
+          <p:cNvPicPr>
+            <a:picLocks noChangeAspect="1" noChangeArrowheads="1"/>
+          </p:cNvPicPr>
+          <p:nvPr/>
+        </p:nvPicPr>
+        <p:blipFill>
+          <a:blip r:embed="rId2" cstate="print">
+            <a:extLst>
+              <a:ext uri="{28A0092B-C50C-407E-A947-70E740481C1C}">
+                <a14:useLocalDpi xmlns:a14="http://schemas.microsoft.com/office/drawing/2010/main" val="0"/>
+              </a:ext>
+            </a:extLst>
+          </a:blip>
+          <a:srcRect/>
+          <a:stretch>
+            <a:fillRect/>
+          </a:stretch>
+        </p:blipFill>
+        <p:spPr bwMode="auto">
+          <a:xfrm>
+            <a:off x="711200" y="1219200"/>
+            <a:ext cx="8153400" cy="10738265"/>
+          </a:xfrm>
+          <a:prstGeom prst="rect">
+            <a:avLst/>
+          </a:prstGeom>
+          <a:noFill/>
+          <a:ln>
+            <a:noFill/>
+          </a:ln>
+          <a:effectLst/>
+          <a:extLst>
+            <a:ext uri="{909E8E84-426E-40DD-AFC4-6F175D3DCCD1}">
+              <a14:hiddenFill xmlns:a14="http://schemas.microsoft.com/office/drawing/2010/main">
+                <a:solidFill>
+                  <a:schemeClr val="accent1"/>
+                </a:solidFill>
+              </a14:hiddenFill>
+            </a:ext>
+            <a:ext uri="{91240B29-F687-4F45-9708-019B960494DF}">
+              <a14:hiddenLine xmlns:a14="http://schemas.microsoft.com/office/drawing/2010/main" w="9525">
+                <a:solidFill>
+                  <a:schemeClr val="tx1"/>
+                </a:solidFill>
+                <a:miter lim="800000"/>
+                <a:headEnd/>
+                <a:tailEnd/>
+              </a14:hiddenLine>
+            </a:ext>
+            <a:ext uri="{AF507438-7753-43E0-B8FC-AC1667EBCBE1}">
+              <a14:hiddenEffects xmlns:a14="http://schemas.microsoft.com/office/drawing/2010/main">
+                <a:effectLst>
+                  <a:outerShdw dist="35921" dir="2700000" algn="ctr" rotWithShape="0">
+                    <a:schemeClr val="bg2"/>
+                  </a:outerShdw>
+                </a:effectLst>
+              </a14:hiddenEffects>
+            </a:ext>
+          </a:extLst>
+        </p:spPr>
+      </p:pic>
+    </p:spTree>
+    <p:extLst>
+      <p:ext uri="{BB962C8B-B14F-4D97-AF65-F5344CB8AC3E}">
+        <p14:creationId xmlns:p14="http://schemas.microsoft.com/office/powerpoint/2010/main" val="932463035"/>
+      </p:ext>
+    </p:extLst>
+  </p:cSld>
+  <p:clrMapOvr>
+    <a:masterClrMapping/>
+  </p:clrMapOvr>
+  <mc:AlternateContent xmlns:mc="http://schemas.openxmlformats.org/markup-compatibility/2006" xmlns:p14="http://schemas.microsoft.com/office/powerpoint/2010/main">
+    <mc:Choice Requires="p14">
+      <p:transition>
+        <p14:flash/>
+      </p:transition>
+    </mc:Choice>
+    <mc:Fallback xmlns="">
+      <p:transition>
+        <p:fade/>
+      </p:transition>
+    </mc:Fallback>
+  </mc:AlternateContent>
+  <p:timing>
+    <p:tnLst>
+      <p:par>
+        <p:cTn id="1" dur="indefinite" restart="never" nodeType="tmRoot">
+          <p:childTnLst>
+            <p:seq concurrent="1" nextAc="seek">
+              <p:cTn id="2" dur="indefinite" nodeType="mainSeq">
+                <p:childTnLst>
+                  <p:par>
+                    <p:cTn id="3" fill="hold">
+                      <p:stCondLst>
+                        <p:cond delay="indefinite"/>
+                      </p:stCondLst>
+                      <p:childTnLst>
+                        <p:par>
+                          <p:cTn id="4" fill="hold">
+                            <p:stCondLst>
+                              <p:cond delay="0"/>
+                            </p:stCondLst>
+                            <p:childTnLst>
+                              <p:par>
+                                <p:cTn id="5" presetID="42" presetClass="path" presetSubtype="0" accel="50000" decel="50000" fill="hold" nodeType="clickEffect">
+                                  <p:stCondLst>
+                                    <p:cond delay="0"/>
+                                  </p:stCondLst>
+                                  <p:childTnLst>
+                                    <p:animMotion origin="layout" path="M 0.00278 -0.77176 L 0.00139 0.02222 " pathEditMode="relative" rAng="0" ptsTypes="AA">
+                                      <p:cBhvr>
+                                        <p:cTn id="6" dur="2000" spd="-100000" fill="hold"/>
+                                        <p:tgtEl>
+                                          <p:spTgt spid="141313"/>
+                                        </p:tgtEl>
+                                        <p:attrNameLst>
+                                          <p:attrName>ppt_x</p:attrName>
+                                          <p:attrName>ppt_y</p:attrName>
+                                        </p:attrNameLst>
+                                      </p:cBhvr>
+                                      <p:rCtr x="-69" y="39699"/>
+                                    </p:animMotion>
+                                  </p:childTnLst>
+                                </p:cTn>
+                              </p:par>
+                            </p:childTnLst>
+                          </p:cTn>
+                        </p:par>
+                      </p:childTnLst>
+                    </p:cTn>
+                  </p:par>
+                </p:childTnLst>
+              </p:cTn>
+              <p:prevCondLst>
+                <p:cond evt="onPrev" delay="0">
+                  <p:tgtEl>
+                    <p:sldTgt/>
+                  </p:tgtEl>
+                </p:cond>
+              </p:prevCondLst>
+              <p:nextCondLst>
+                <p:cond evt="onNext" delay="0">
+                  <p:tgtEl>
+                    <p:sldTgt/>
+                  </p:tgtEl>
+                </p:cond>
+              </p:nextCondLst>
+            </p:seq>
+          </p:childTnLst>
+        </p:cTn>
+      </p:par>
+    </p:tnLst>
+  </p:timing>
+</p:sld>
+</file>
+
+<file path=ppt/slides/slide18.xml><?xml version="1.0" encoding="utf-8"?>
 <p:sld xmlns:a="http://schemas.openxmlformats.org/drawingml/2006/main" xmlns:r="http://schemas.openxmlformats.org/officeDocument/2006/relationships" xmlns:p="http://schemas.openxmlformats.org/presentationml/2006/main">
   <p:cSld>
     <p:spTree>
@@ -18362,7 +18776,7 @@
 </p:sld>
 </file>
 
-<file path=ppt/slides/slide17.xml><?xml version="1.0" encoding="utf-8"?>
+<file path=ppt/slides/slide19.xml><?xml version="1.0" encoding="utf-8"?>
 <p:sld xmlns:a="http://schemas.openxmlformats.org/drawingml/2006/main" xmlns:r="http://schemas.openxmlformats.org/officeDocument/2006/relationships" xmlns:p="http://schemas.openxmlformats.org/presentationml/2006/main">
   <p:cSld>
     <p:spTree>
@@ -19231,1534 +19645,6 @@
     <p:extLst>
       <p:ext uri="{BB962C8B-B14F-4D97-AF65-F5344CB8AC3E}">
         <p14:creationId xmlns:p14="http://schemas.microsoft.com/office/powerpoint/2010/main" val="4075581744"/>
-      </p:ext>
-    </p:extLst>
-  </p:cSld>
-  <p:clrMapOvr>
-    <a:masterClrMapping/>
-  </p:clrMapOvr>
-  <mc:AlternateContent xmlns:mc="http://schemas.openxmlformats.org/markup-compatibility/2006" xmlns:p14="http://schemas.microsoft.com/office/powerpoint/2010/main">
-    <mc:Choice Requires="p14">
-      <p:transition>
-        <p14:flash/>
-      </p:transition>
-    </mc:Choice>
-    <mc:Fallback xmlns="">
-      <p:transition>
-        <p:fade/>
-      </p:transition>
-    </mc:Fallback>
-  </mc:AlternateContent>
-  <p:timing>
-    <p:tnLst>
-      <p:par>
-        <p:cTn id="1" dur="indefinite" restart="never" nodeType="tmRoot"/>
-      </p:par>
-    </p:tnLst>
-  </p:timing>
-</p:sld>
-</file>
-
-<file path=ppt/slides/slide18.xml><?xml version="1.0" encoding="utf-8"?>
-<p:sld xmlns:a="http://schemas.openxmlformats.org/drawingml/2006/main" xmlns:r="http://schemas.openxmlformats.org/officeDocument/2006/relationships" xmlns:p="http://schemas.openxmlformats.org/presentationml/2006/main">
-  <p:cSld>
-    <p:spTree>
-      <p:nvGrpSpPr>
-        <p:cNvPr id="1" name=""/>
-        <p:cNvGrpSpPr/>
-        <p:nvPr/>
-      </p:nvGrpSpPr>
-      <p:grpSpPr>
-        <a:xfrm>
-          <a:off x="0" y="0"/>
-          <a:ext cx="0" cy="0"/>
-          <a:chOff x="0" y="0"/>
-          <a:chExt cx="0" cy="0"/>
-        </a:xfrm>
-      </p:grpSpPr>
-      <p:sp>
-        <p:nvSpPr>
-          <p:cNvPr id="2" name="Title 1"/>
-          <p:cNvSpPr>
-            <a:spLocks noGrp="1"/>
-          </p:cNvSpPr>
-          <p:nvPr>
-            <p:ph type="title"/>
-          </p:nvPr>
-        </p:nvSpPr>
-        <p:spPr/>
-        <p:txBody>
-          <a:bodyPr/>
-          <a:lstStyle/>
-          <a:p>
-            <a:pPr lvl="0"/>
-            <a:r>
-              <a:rPr lang="en-US" dirty="0" smtClean="0"/>
-              <a:t>Quality Attributes</a:t>
-            </a:r>
-            <a:endParaRPr lang="en-US" dirty="0"/>
-          </a:p>
-        </p:txBody>
-      </p:sp>
-      <p:sp>
-        <p:nvSpPr>
-          <p:cNvPr id="4" name="Rectangle 2"/>
-          <p:cNvSpPr>
-            <a:spLocks noChangeArrowheads="1"/>
-          </p:cNvSpPr>
-          <p:nvPr/>
-        </p:nvSpPr>
-        <p:spPr bwMode="auto">
-          <a:xfrm>
-            <a:off x="0" y="0"/>
-            <a:ext cx="9144000" cy="0"/>
-          </a:xfrm>
-          <a:prstGeom prst="rect">
-            <a:avLst/>
-          </a:prstGeom>
-          <a:noFill/>
-          <a:ln>
-            <a:noFill/>
-          </a:ln>
-          <a:effectLst/>
-          <a:extLst>
-            <a:ext uri="{909E8E84-426E-40DD-AFC4-6F175D3DCCD1}">
-              <a14:hiddenFill xmlns:a14="http://schemas.microsoft.com/office/drawing/2010/main">
-                <a:solidFill>
-                  <a:schemeClr val="accent1"/>
-                </a:solidFill>
-              </a14:hiddenFill>
-            </a:ext>
-            <a:ext uri="{91240B29-F687-4F45-9708-019B960494DF}">
-              <a14:hiddenLine xmlns:a14="http://schemas.microsoft.com/office/drawing/2010/main" w="9525">
-                <a:solidFill>
-                  <a:schemeClr val="tx1"/>
-                </a:solidFill>
-                <a:miter lim="800000"/>
-                <a:headEnd/>
-                <a:tailEnd/>
-              </a14:hiddenLine>
-            </a:ext>
-            <a:ext uri="{AF507438-7753-43E0-B8FC-AC1667EBCBE1}">
-              <a14:hiddenEffects xmlns:a14="http://schemas.microsoft.com/office/drawing/2010/main">
-                <a:effectLst>
-                  <a:outerShdw dist="35921" dir="2700000" algn="ctr" rotWithShape="0">
-                    <a:schemeClr val="bg2"/>
-                  </a:outerShdw>
-                </a:effectLst>
-              </a14:hiddenEffects>
-            </a:ext>
-          </a:extLst>
-        </p:spPr>
-        <p:txBody>
-          <a:bodyPr vert="horz" wrap="none" lIns="91440" tIns="45720" rIns="91440" bIns="45720" numCol="1" anchor="ctr" anchorCtr="0" compatLnSpc="1">
-            <a:prstTxWarp prst="textNoShape">
-              <a:avLst/>
-            </a:prstTxWarp>
-            <a:spAutoFit/>
-          </a:bodyPr>
-          <a:lstStyle/>
-          <a:p>
-            <a:endParaRPr lang="en-US" dirty="0"/>
-          </a:p>
-        </p:txBody>
-      </p:sp>
-      <p:sp>
-        <p:nvSpPr>
-          <p:cNvPr id="3" name="Rectangle 2"/>
-          <p:cNvSpPr>
-            <a:spLocks noChangeArrowheads="1"/>
-          </p:cNvSpPr>
-          <p:nvPr/>
-        </p:nvSpPr>
-        <p:spPr bwMode="auto">
-          <a:xfrm>
-            <a:off x="0" y="0"/>
-            <a:ext cx="9144000" cy="0"/>
-          </a:xfrm>
-          <a:prstGeom prst="rect">
-            <a:avLst/>
-          </a:prstGeom>
-          <a:noFill/>
-          <a:ln>
-            <a:noFill/>
-          </a:ln>
-          <a:effectLst/>
-          <a:extLst>
-            <a:ext uri="{909E8E84-426E-40DD-AFC4-6F175D3DCCD1}">
-              <a14:hiddenFill xmlns:a14="http://schemas.microsoft.com/office/drawing/2010/main">
-                <a:solidFill>
-                  <a:schemeClr val="accent1"/>
-                </a:solidFill>
-              </a14:hiddenFill>
-            </a:ext>
-            <a:ext uri="{91240B29-F687-4F45-9708-019B960494DF}">
-              <a14:hiddenLine xmlns:a14="http://schemas.microsoft.com/office/drawing/2010/main" w="9525">
-                <a:solidFill>
-                  <a:schemeClr val="tx1"/>
-                </a:solidFill>
-                <a:miter lim="800000"/>
-                <a:headEnd/>
-                <a:tailEnd/>
-              </a14:hiddenLine>
-            </a:ext>
-            <a:ext uri="{AF507438-7753-43E0-B8FC-AC1667EBCBE1}">
-              <a14:hiddenEffects xmlns:a14="http://schemas.microsoft.com/office/drawing/2010/main">
-                <a:effectLst>
-                  <a:outerShdw dist="35921" dir="2700000" algn="ctr" rotWithShape="0">
-                    <a:schemeClr val="bg2"/>
-                  </a:outerShdw>
-                </a:effectLst>
-              </a14:hiddenEffects>
-            </a:ext>
-          </a:extLst>
-        </p:spPr>
-        <p:txBody>
-          <a:bodyPr vert="horz" wrap="none" lIns="91440" tIns="45720" rIns="91440" bIns="45720" numCol="1" anchor="ctr" anchorCtr="0" compatLnSpc="1">
-            <a:prstTxWarp prst="textNoShape">
-              <a:avLst/>
-            </a:prstTxWarp>
-            <a:spAutoFit/>
-          </a:bodyPr>
-          <a:lstStyle/>
-          <a:p>
-            <a:endParaRPr lang="en-US"/>
-          </a:p>
-        </p:txBody>
-      </p:sp>
-      <p:graphicFrame>
-        <p:nvGraphicFramePr>
-          <p:cNvPr id="5" name="Diagram 4"/>
-          <p:cNvGraphicFramePr/>
-          <p:nvPr>
-            <p:extLst>
-              <p:ext uri="{D42A27DB-BD31-4B8C-83A1-F6EECF244321}">
-                <p14:modId xmlns:p14="http://schemas.microsoft.com/office/powerpoint/2010/main" val="1227128205"/>
-              </p:ext>
-            </p:extLst>
-          </p:nvPr>
-        </p:nvGraphicFramePr>
-        <p:xfrm>
-          <a:off x="1524000" y="1981200"/>
-          <a:ext cx="6096000" cy="4064000"/>
-        </p:xfrm>
-        <a:graphic>
-          <a:graphicData uri="http://schemas.openxmlformats.org/drawingml/2006/diagram">
-            <dgm:relIds xmlns:dgm="http://schemas.openxmlformats.org/drawingml/2006/diagram" xmlns:r="http://schemas.openxmlformats.org/officeDocument/2006/relationships" r:dm="rId2" r:lo="rId3" r:qs="rId4" r:cs="rId5"/>
-          </a:graphicData>
-        </a:graphic>
-      </p:graphicFrame>
-    </p:spTree>
-    <p:extLst>
-      <p:ext uri="{BB962C8B-B14F-4D97-AF65-F5344CB8AC3E}">
-        <p14:creationId xmlns:p14="http://schemas.microsoft.com/office/powerpoint/2010/main" val="743891114"/>
-      </p:ext>
-    </p:extLst>
-  </p:cSld>
-  <p:clrMapOvr>
-    <a:masterClrMapping/>
-  </p:clrMapOvr>
-  <mc:AlternateContent xmlns:mc="http://schemas.openxmlformats.org/markup-compatibility/2006" xmlns:p14="http://schemas.microsoft.com/office/powerpoint/2010/main">
-    <mc:Choice Requires="p14">
-      <p:transition>
-        <p14:flash/>
-      </p:transition>
-    </mc:Choice>
-    <mc:Fallback xmlns="">
-      <p:transition>
-        <p:fade/>
-      </p:transition>
-    </mc:Fallback>
-  </mc:AlternateContent>
-  <p:timing>
-    <p:tnLst>
-      <p:par>
-        <p:cTn id="1" dur="indefinite" restart="never" nodeType="tmRoot"/>
-      </p:par>
-    </p:tnLst>
-  </p:timing>
-</p:sld>
-</file>
-
-<file path=ppt/slides/slide19.xml><?xml version="1.0" encoding="utf-8"?>
-<p:sld xmlns:a="http://schemas.openxmlformats.org/drawingml/2006/main" xmlns:r="http://schemas.openxmlformats.org/officeDocument/2006/relationships" xmlns:p="http://schemas.openxmlformats.org/presentationml/2006/main">
-  <p:cSld>
-    <p:spTree>
-      <p:nvGrpSpPr>
-        <p:cNvPr id="1" name=""/>
-        <p:cNvGrpSpPr/>
-        <p:nvPr/>
-      </p:nvGrpSpPr>
-      <p:grpSpPr>
-        <a:xfrm>
-          <a:off x="0" y="0"/>
-          <a:ext cx="0" cy="0"/>
-          <a:chOff x="0" y="0"/>
-          <a:chExt cx="0" cy="0"/>
-        </a:xfrm>
-      </p:grpSpPr>
-      <p:sp>
-        <p:nvSpPr>
-          <p:cNvPr id="2" name="Title 1"/>
-          <p:cNvSpPr>
-            <a:spLocks noGrp="1"/>
-          </p:cNvSpPr>
-          <p:nvPr>
-            <p:ph type="title"/>
-          </p:nvPr>
-        </p:nvSpPr>
-        <p:spPr/>
-        <p:txBody>
-          <a:bodyPr/>
-          <a:lstStyle/>
-          <a:p>
-            <a:pPr lvl="0"/>
-            <a:r>
-              <a:rPr lang="en-US" dirty="0" smtClean="0"/>
-              <a:t>Quality Attribute Scenarios</a:t>
-            </a:r>
-            <a:endParaRPr lang="en-US" dirty="0"/>
-          </a:p>
-        </p:txBody>
-      </p:sp>
-      <p:sp>
-        <p:nvSpPr>
-          <p:cNvPr id="4" name="Rectangle 2"/>
-          <p:cNvSpPr>
-            <a:spLocks noChangeArrowheads="1"/>
-          </p:cNvSpPr>
-          <p:nvPr/>
-        </p:nvSpPr>
-        <p:spPr bwMode="auto">
-          <a:xfrm>
-            <a:off x="0" y="0"/>
-            <a:ext cx="9144000" cy="0"/>
-          </a:xfrm>
-          <a:prstGeom prst="rect">
-            <a:avLst/>
-          </a:prstGeom>
-          <a:noFill/>
-          <a:ln>
-            <a:noFill/>
-          </a:ln>
-          <a:effectLst/>
-          <a:extLst>
-            <a:ext uri="{909E8E84-426E-40DD-AFC4-6F175D3DCCD1}">
-              <a14:hiddenFill xmlns:a14="http://schemas.microsoft.com/office/drawing/2010/main">
-                <a:solidFill>
-                  <a:schemeClr val="accent1"/>
-                </a:solidFill>
-              </a14:hiddenFill>
-            </a:ext>
-            <a:ext uri="{91240B29-F687-4F45-9708-019B960494DF}">
-              <a14:hiddenLine xmlns:a14="http://schemas.microsoft.com/office/drawing/2010/main" w="9525">
-                <a:solidFill>
-                  <a:schemeClr val="tx1"/>
-                </a:solidFill>
-                <a:miter lim="800000"/>
-                <a:headEnd/>
-                <a:tailEnd/>
-              </a14:hiddenLine>
-            </a:ext>
-            <a:ext uri="{AF507438-7753-43E0-B8FC-AC1667EBCBE1}">
-              <a14:hiddenEffects xmlns:a14="http://schemas.microsoft.com/office/drawing/2010/main">
-                <a:effectLst>
-                  <a:outerShdw dist="35921" dir="2700000" algn="ctr" rotWithShape="0">
-                    <a:schemeClr val="bg2"/>
-                  </a:outerShdw>
-                </a:effectLst>
-              </a14:hiddenEffects>
-            </a:ext>
-          </a:extLst>
-        </p:spPr>
-        <p:txBody>
-          <a:bodyPr vert="horz" wrap="none" lIns="91440" tIns="45720" rIns="91440" bIns="45720" numCol="1" anchor="ctr" anchorCtr="0" compatLnSpc="1">
-            <a:prstTxWarp prst="textNoShape">
-              <a:avLst/>
-            </a:prstTxWarp>
-            <a:spAutoFit/>
-          </a:bodyPr>
-          <a:lstStyle/>
-          <a:p>
-            <a:endParaRPr lang="en-US" dirty="0"/>
-          </a:p>
-        </p:txBody>
-      </p:sp>
-      <p:sp>
-        <p:nvSpPr>
-          <p:cNvPr id="3" name="Rectangle 2"/>
-          <p:cNvSpPr>
-            <a:spLocks noChangeArrowheads="1"/>
-          </p:cNvSpPr>
-          <p:nvPr/>
-        </p:nvSpPr>
-        <p:spPr bwMode="auto">
-          <a:xfrm>
-            <a:off x="0" y="0"/>
-            <a:ext cx="9144000" cy="0"/>
-          </a:xfrm>
-          <a:prstGeom prst="rect">
-            <a:avLst/>
-          </a:prstGeom>
-          <a:noFill/>
-          <a:ln>
-            <a:noFill/>
-          </a:ln>
-          <a:effectLst/>
-          <a:extLst>
-            <a:ext uri="{909E8E84-426E-40DD-AFC4-6F175D3DCCD1}">
-              <a14:hiddenFill xmlns:a14="http://schemas.microsoft.com/office/drawing/2010/main">
-                <a:solidFill>
-                  <a:schemeClr val="accent1"/>
-                </a:solidFill>
-              </a14:hiddenFill>
-            </a:ext>
-            <a:ext uri="{91240B29-F687-4F45-9708-019B960494DF}">
-              <a14:hiddenLine xmlns:a14="http://schemas.microsoft.com/office/drawing/2010/main" w="9525">
-                <a:solidFill>
-                  <a:schemeClr val="tx1"/>
-                </a:solidFill>
-                <a:miter lim="800000"/>
-                <a:headEnd/>
-                <a:tailEnd/>
-              </a14:hiddenLine>
-            </a:ext>
-            <a:ext uri="{AF507438-7753-43E0-B8FC-AC1667EBCBE1}">
-              <a14:hiddenEffects xmlns:a14="http://schemas.microsoft.com/office/drawing/2010/main">
-                <a:effectLst>
-                  <a:outerShdw dist="35921" dir="2700000" algn="ctr" rotWithShape="0">
-                    <a:schemeClr val="bg2"/>
-                  </a:outerShdw>
-                </a:effectLst>
-              </a14:hiddenEffects>
-            </a:ext>
-          </a:extLst>
-        </p:spPr>
-        <p:txBody>
-          <a:bodyPr vert="horz" wrap="none" lIns="91440" tIns="45720" rIns="91440" bIns="45720" numCol="1" anchor="ctr" anchorCtr="0" compatLnSpc="1">
-            <a:prstTxWarp prst="textNoShape">
-              <a:avLst/>
-            </a:prstTxWarp>
-            <a:spAutoFit/>
-          </a:bodyPr>
-          <a:lstStyle/>
-          <a:p>
-            <a:endParaRPr lang="en-US"/>
-          </a:p>
-        </p:txBody>
-      </p:sp>
-      <p:graphicFrame>
-        <p:nvGraphicFramePr>
-          <p:cNvPr id="6" name="Table 5"/>
-          <p:cNvGraphicFramePr>
-            <a:graphicFrameLocks noGrp="1"/>
-          </p:cNvGraphicFramePr>
-          <p:nvPr>
-            <p:extLst>
-              <p:ext uri="{D42A27DB-BD31-4B8C-83A1-F6EECF244321}">
-                <p14:modId xmlns:p14="http://schemas.microsoft.com/office/powerpoint/2010/main" val="1090448384"/>
-              </p:ext>
-            </p:extLst>
-          </p:nvPr>
-        </p:nvGraphicFramePr>
-        <p:xfrm>
-          <a:off x="152400" y="1600200"/>
-          <a:ext cx="8839200" cy="5279433"/>
-        </p:xfrm>
-        <a:graphic>
-          <a:graphicData uri="http://schemas.openxmlformats.org/drawingml/2006/table">
-            <a:tbl>
-              <a:tblPr firstRow="1" firstCol="1" bandRow="1">
-                <a:tableStyleId>{FABFCF23-3B69-468F-B69F-88F6DE6A72F2}</a:tableStyleId>
-              </a:tblPr>
-              <a:tblGrid>
-                <a:gridCol w="3576329"/>
-                <a:gridCol w="383905"/>
-                <a:gridCol w="1421058"/>
-                <a:gridCol w="3457908"/>
-              </a:tblGrid>
-              <a:tr h="292599">
-                <a:tc rowSpan="2" gridSpan="2">
-                  <a:txBody>
-                    <a:bodyPr/>
-                    <a:lstStyle/>
-                    <a:p>
-                      <a:pPr marL="0" marR="0">
-                        <a:lnSpc>
-                          <a:spcPct val="115000"/>
-                        </a:lnSpc>
-                        <a:spcBef>
-                          <a:spcPts val="0"/>
-                        </a:spcBef>
-                        <a:spcAft>
-                          <a:spcPts val="0"/>
-                        </a:spcAft>
-                      </a:pPr>
-                      <a:r>
-                        <a:rPr lang="en-US" sz="1800" dirty="0">
-                          <a:solidFill>
-                            <a:schemeClr val="accent5">
-                              <a:lumMod val="25000"/>
-                            </a:schemeClr>
-                          </a:solidFill>
-                          <a:effectLst/>
-                          <a:latin typeface="+mj-lt"/>
-                        </a:rPr>
-                        <a:t>Title of scenario: Sale product when database at Head Office crash </a:t>
-                      </a:r>
-                      <a:endParaRPr lang="en-US" sz="1800" dirty="0">
-                        <a:solidFill>
-                          <a:schemeClr val="accent5">
-                            <a:lumMod val="25000"/>
-                          </a:schemeClr>
-                        </a:solidFill>
-                        <a:effectLst/>
-                        <a:latin typeface="+mj-lt"/>
-                        <a:ea typeface="Calibri"/>
-                        <a:cs typeface="Times New Roman"/>
-                      </a:endParaRPr>
-                    </a:p>
-                  </a:txBody>
-                  <a:tcPr marL="68580" marR="68580" marT="0" marB="0"/>
-                </a:tc>
-                <a:tc rowSpan="2" hMerge="1">
-                  <a:txBody>
-                    <a:bodyPr/>
-                    <a:lstStyle/>
-                    <a:p>
-                      <a:endParaRPr lang="en-US"/>
-                    </a:p>
-                  </a:txBody>
-                  <a:tcPr/>
-                </a:tc>
-                <a:tc rowSpan="2">
-                  <a:txBody>
-                    <a:bodyPr/>
-                    <a:lstStyle/>
-                    <a:p>
-                      <a:pPr marL="0" marR="0">
-                        <a:lnSpc>
-                          <a:spcPct val="115000"/>
-                        </a:lnSpc>
-                        <a:spcBef>
-                          <a:spcPts val="0"/>
-                        </a:spcBef>
-                        <a:spcAft>
-                          <a:spcPts val="0"/>
-                        </a:spcAft>
-                      </a:pPr>
-                      <a:r>
-                        <a:rPr lang="en-US" sz="1800">
-                          <a:solidFill>
-                            <a:schemeClr val="accent5">
-                              <a:lumMod val="25000"/>
-                            </a:schemeClr>
-                          </a:solidFill>
-                          <a:effectLst/>
-                          <a:latin typeface="+mj-lt"/>
-                        </a:rPr>
-                        <a:t>ID: QAS1</a:t>
-                      </a:r>
-                      <a:endParaRPr lang="en-US" sz="1800">
-                        <a:solidFill>
-                          <a:schemeClr val="accent5">
-                            <a:lumMod val="25000"/>
-                          </a:schemeClr>
-                        </a:solidFill>
-                        <a:effectLst/>
-                        <a:latin typeface="+mj-lt"/>
-                        <a:ea typeface="Calibri"/>
-                        <a:cs typeface="Times New Roman"/>
-                      </a:endParaRPr>
-                    </a:p>
-                  </a:txBody>
-                  <a:tcPr marL="68580" marR="68580" marT="0" marB="0"/>
-                </a:tc>
-                <a:tc>
-                  <a:txBody>
-                    <a:bodyPr/>
-                    <a:lstStyle/>
-                    <a:p>
-                      <a:pPr marL="0" marR="0">
-                        <a:lnSpc>
-                          <a:spcPct val="115000"/>
-                        </a:lnSpc>
-                        <a:spcBef>
-                          <a:spcPts val="0"/>
-                        </a:spcBef>
-                        <a:spcAft>
-                          <a:spcPts val="0"/>
-                        </a:spcAft>
-                      </a:pPr>
-                      <a:r>
-                        <a:rPr lang="en-US" sz="1800" dirty="0">
-                          <a:solidFill>
-                            <a:schemeClr val="accent5">
-                              <a:lumMod val="25000"/>
-                            </a:schemeClr>
-                          </a:solidFill>
-                          <a:effectLst/>
-                          <a:latin typeface="+mj-lt"/>
-                        </a:rPr>
-                        <a:t>Version: 1.1</a:t>
-                      </a:r>
-                      <a:endParaRPr lang="en-US" sz="1800" dirty="0">
-                        <a:solidFill>
-                          <a:schemeClr val="accent5">
-                            <a:lumMod val="25000"/>
-                          </a:schemeClr>
-                        </a:solidFill>
-                        <a:effectLst/>
-                        <a:latin typeface="+mj-lt"/>
-                        <a:ea typeface="Calibri"/>
-                        <a:cs typeface="Times New Roman"/>
-                      </a:endParaRPr>
-                    </a:p>
-                  </a:txBody>
-                  <a:tcPr marL="68580" marR="68580" marT="0" marB="0"/>
-                </a:tc>
-              </a:tr>
-              <a:tr h="623131">
-                <a:tc gridSpan="2" vMerge="1">
-                  <a:txBody>
-                    <a:bodyPr/>
-                    <a:lstStyle/>
-                    <a:p>
-                      <a:endParaRPr lang="en-US"/>
-                    </a:p>
-                  </a:txBody>
-                  <a:tcPr/>
-                </a:tc>
-                <a:tc hMerge="1" vMerge="1">
-                  <a:txBody>
-                    <a:bodyPr/>
-                    <a:lstStyle/>
-                    <a:p>
-                      <a:endParaRPr lang="en-US"/>
-                    </a:p>
-                  </a:txBody>
-                  <a:tcPr/>
-                </a:tc>
-                <a:tc vMerge="1">
-                  <a:txBody>
-                    <a:bodyPr/>
-                    <a:lstStyle/>
-                    <a:p>
-                      <a:endParaRPr lang="en-US"/>
-                    </a:p>
-                  </a:txBody>
-                  <a:tcPr/>
-                </a:tc>
-                <a:tc>
-                  <a:txBody>
-                    <a:bodyPr/>
-                    <a:lstStyle/>
-                    <a:p>
-                      <a:pPr marL="0" marR="0">
-                        <a:lnSpc>
-                          <a:spcPct val="115000"/>
-                        </a:lnSpc>
-                        <a:spcBef>
-                          <a:spcPts val="0"/>
-                        </a:spcBef>
-                        <a:spcAft>
-                          <a:spcPts val="0"/>
-                        </a:spcAft>
-                      </a:pPr>
-                      <a:r>
-                        <a:rPr lang="en-US" sz="1800" dirty="0">
-                          <a:solidFill>
-                            <a:schemeClr val="accent5">
-                              <a:lumMod val="25000"/>
-                            </a:schemeClr>
-                          </a:solidFill>
-                          <a:effectLst/>
-                          <a:latin typeface="+mj-lt"/>
-                        </a:rPr>
-                        <a:t>Last Changed: 04/07/2012</a:t>
-                      </a:r>
-                      <a:endParaRPr lang="en-US" sz="1800" dirty="0">
-                        <a:solidFill>
-                          <a:schemeClr val="accent5">
-                            <a:lumMod val="25000"/>
-                          </a:schemeClr>
-                        </a:solidFill>
-                        <a:effectLst/>
-                        <a:latin typeface="+mj-lt"/>
-                        <a:ea typeface="Calibri"/>
-                        <a:cs typeface="Times New Roman"/>
-                      </a:endParaRPr>
-                    </a:p>
-                  </a:txBody>
-                  <a:tcPr marL="68580" marR="68580" marT="0" marB="0"/>
-                </a:tc>
-              </a:tr>
-              <a:tr h="603095">
-                <a:tc gridSpan="2">
-                  <a:txBody>
-                    <a:bodyPr/>
-                    <a:lstStyle/>
-                    <a:p>
-                      <a:pPr marL="0" marR="0">
-                        <a:lnSpc>
-                          <a:spcPct val="115000"/>
-                        </a:lnSpc>
-                        <a:spcBef>
-                          <a:spcPts val="0"/>
-                        </a:spcBef>
-                        <a:spcAft>
-                          <a:spcPts val="0"/>
-                        </a:spcAft>
-                      </a:pPr>
-                      <a:r>
-                        <a:rPr lang="en-US" sz="1800">
-                          <a:effectLst/>
-                          <a:latin typeface="+mj-lt"/>
-                        </a:rPr>
-                        <a:t>Quality attribute: Availability</a:t>
-                      </a:r>
-                      <a:endParaRPr lang="en-US" sz="1800">
-                        <a:effectLst/>
-                        <a:latin typeface="+mj-lt"/>
-                        <a:ea typeface="Calibri"/>
-                        <a:cs typeface="Times New Roman"/>
-                      </a:endParaRPr>
-                    </a:p>
-                  </a:txBody>
-                  <a:tcPr marL="68580" marR="68580" marT="0" marB="0"/>
-                </a:tc>
-                <a:tc hMerge="1">
-                  <a:txBody>
-                    <a:bodyPr/>
-                    <a:lstStyle/>
-                    <a:p>
-                      <a:endParaRPr lang="en-US"/>
-                    </a:p>
-                  </a:txBody>
-                  <a:tcPr/>
-                </a:tc>
-                <a:tc gridSpan="2">
-                  <a:txBody>
-                    <a:bodyPr/>
-                    <a:lstStyle/>
-                    <a:p>
-                      <a:pPr marL="0" marR="0">
-                        <a:lnSpc>
-                          <a:spcPct val="115000"/>
-                        </a:lnSpc>
-                        <a:spcBef>
-                          <a:spcPts val="0"/>
-                        </a:spcBef>
-                        <a:spcAft>
-                          <a:spcPts val="0"/>
-                        </a:spcAft>
-                      </a:pPr>
-                      <a:r>
-                        <a:rPr lang="en-US" sz="1800">
-                          <a:effectLst/>
-                          <a:latin typeface="+mj-lt"/>
-                        </a:rPr>
-                        <a:t>Characterization ID: QA2</a:t>
-                      </a:r>
-                      <a:endParaRPr lang="en-US" sz="1800">
-                        <a:effectLst/>
-                        <a:latin typeface="+mj-lt"/>
-                        <a:ea typeface="Calibri"/>
-                        <a:cs typeface="Times New Roman"/>
-                      </a:endParaRPr>
-                    </a:p>
-                  </a:txBody>
-                  <a:tcPr marL="68580" marR="68580" marT="0" marB="0"/>
-                </a:tc>
-                <a:tc hMerge="1">
-                  <a:txBody>
-                    <a:bodyPr/>
-                    <a:lstStyle/>
-                    <a:p>
-                      <a:endParaRPr lang="en-US"/>
-                    </a:p>
-                  </a:txBody>
-                  <a:tcPr/>
-                </a:tc>
-              </a:tr>
-              <a:tr h="292599">
-                <a:tc gridSpan="4">
-                  <a:txBody>
-                    <a:bodyPr/>
-                    <a:lstStyle/>
-                    <a:p>
-                      <a:pPr marL="0" marR="0">
-                        <a:lnSpc>
-                          <a:spcPct val="115000"/>
-                        </a:lnSpc>
-                        <a:spcBef>
-                          <a:spcPts val="0"/>
-                        </a:spcBef>
-                        <a:spcAft>
-                          <a:spcPts val="0"/>
-                        </a:spcAft>
-                      </a:pPr>
-                      <a:r>
-                        <a:rPr lang="en-US" sz="1800">
-                          <a:effectLst/>
-                          <a:latin typeface="+mj-lt"/>
-                        </a:rPr>
-                        <a:t>Describe stakeholder role proposing the description: Cashier</a:t>
-                      </a:r>
-                      <a:endParaRPr lang="en-US" sz="1800">
-                        <a:effectLst/>
-                        <a:latin typeface="+mj-lt"/>
-                        <a:ea typeface="Calibri"/>
-                        <a:cs typeface="Times New Roman"/>
-                      </a:endParaRPr>
-                    </a:p>
-                  </a:txBody>
-                  <a:tcPr marL="68580" marR="68580" marT="0" marB="0"/>
-                </a:tc>
-                <a:tc hMerge="1">
-                  <a:txBody>
-                    <a:bodyPr/>
-                    <a:lstStyle/>
-                    <a:p>
-                      <a:endParaRPr lang="en-US"/>
-                    </a:p>
-                  </a:txBody>
-                  <a:tcPr/>
-                </a:tc>
-                <a:tc hMerge="1">
-                  <a:txBody>
-                    <a:bodyPr/>
-                    <a:lstStyle/>
-                    <a:p>
-                      <a:endParaRPr lang="en-US"/>
-                    </a:p>
-                  </a:txBody>
-                  <a:tcPr/>
-                </a:tc>
-                <a:tc hMerge="1">
-                  <a:txBody>
-                    <a:bodyPr/>
-                    <a:lstStyle/>
-                    <a:p>
-                      <a:endParaRPr lang="en-US"/>
-                    </a:p>
-                  </a:txBody>
-                  <a:tcPr/>
-                </a:tc>
-              </a:tr>
-              <a:tr h="292599">
-                <a:tc>
-                  <a:txBody>
-                    <a:bodyPr/>
-                    <a:lstStyle/>
-                    <a:p>
-                      <a:pPr marL="0" marR="0">
-                        <a:lnSpc>
-                          <a:spcPct val="115000"/>
-                        </a:lnSpc>
-                        <a:spcBef>
-                          <a:spcPts val="0"/>
-                        </a:spcBef>
-                        <a:spcAft>
-                          <a:spcPts val="0"/>
-                        </a:spcAft>
-                      </a:pPr>
-                      <a:r>
-                        <a:rPr lang="en-US" sz="1800">
-                          <a:effectLst/>
-                          <a:latin typeface="+mj-lt"/>
-                        </a:rPr>
-                        <a:t>Source(s) of the stimulus</a:t>
-                      </a:r>
-                      <a:endParaRPr lang="en-US" sz="1800">
-                        <a:effectLst/>
-                        <a:latin typeface="+mj-lt"/>
-                        <a:ea typeface="Calibri"/>
-                        <a:cs typeface="Times New Roman"/>
-                      </a:endParaRPr>
-                    </a:p>
-                  </a:txBody>
-                  <a:tcPr marL="68580" marR="68580" marT="0" marB="0"/>
-                </a:tc>
-                <a:tc gridSpan="3">
-                  <a:txBody>
-                    <a:bodyPr/>
-                    <a:lstStyle/>
-                    <a:p>
-                      <a:pPr marL="0" marR="0">
-                        <a:lnSpc>
-                          <a:spcPct val="115000"/>
-                        </a:lnSpc>
-                        <a:spcBef>
-                          <a:spcPts val="0"/>
-                        </a:spcBef>
-                        <a:spcAft>
-                          <a:spcPts val="0"/>
-                        </a:spcAft>
-                      </a:pPr>
-                      <a:r>
-                        <a:rPr lang="en-US" sz="1800">
-                          <a:effectLst/>
-                          <a:latin typeface="+mj-lt"/>
-                        </a:rPr>
-                        <a:t>End user</a:t>
-                      </a:r>
-                      <a:endParaRPr lang="en-US" sz="1800">
-                        <a:effectLst/>
-                        <a:latin typeface="+mj-lt"/>
-                        <a:ea typeface="Calibri"/>
-                        <a:cs typeface="Times New Roman"/>
-                      </a:endParaRPr>
-                    </a:p>
-                  </a:txBody>
-                  <a:tcPr marL="68580" marR="68580" marT="0" marB="0"/>
-                </a:tc>
-                <a:tc hMerge="1">
-                  <a:txBody>
-                    <a:bodyPr/>
-                    <a:lstStyle/>
-                    <a:p>
-                      <a:endParaRPr lang="en-US"/>
-                    </a:p>
-                  </a:txBody>
-                  <a:tcPr/>
-                </a:tc>
-                <a:tc hMerge="1">
-                  <a:txBody>
-                    <a:bodyPr/>
-                    <a:lstStyle/>
-                    <a:p>
-                      <a:endParaRPr lang="en-US"/>
-                    </a:p>
-                  </a:txBody>
-                  <a:tcPr/>
-                </a:tc>
-              </a:tr>
-              <a:tr h="603095">
-                <a:tc>
-                  <a:txBody>
-                    <a:bodyPr/>
-                    <a:lstStyle/>
-                    <a:p>
-                      <a:pPr marL="0" marR="0">
-                        <a:lnSpc>
-                          <a:spcPct val="115000"/>
-                        </a:lnSpc>
-                        <a:spcBef>
-                          <a:spcPts val="0"/>
-                        </a:spcBef>
-                        <a:spcAft>
-                          <a:spcPts val="0"/>
-                        </a:spcAft>
-                      </a:pPr>
-                      <a:r>
-                        <a:rPr lang="en-US" sz="1800">
-                          <a:effectLst/>
-                          <a:latin typeface="+mj-lt"/>
-                        </a:rPr>
-                        <a:t>Stimulus</a:t>
-                      </a:r>
-                      <a:endParaRPr lang="en-US" sz="1800">
-                        <a:effectLst/>
-                        <a:latin typeface="+mj-lt"/>
-                        <a:ea typeface="Calibri"/>
-                        <a:cs typeface="Times New Roman"/>
-                      </a:endParaRPr>
-                    </a:p>
-                  </a:txBody>
-                  <a:tcPr marL="68580" marR="68580" marT="0" marB="0"/>
-                </a:tc>
-                <a:tc gridSpan="3">
-                  <a:txBody>
-                    <a:bodyPr/>
-                    <a:lstStyle/>
-                    <a:p>
-                      <a:pPr marL="0" marR="0">
-                        <a:lnSpc>
-                          <a:spcPct val="115000"/>
-                        </a:lnSpc>
-                        <a:spcBef>
-                          <a:spcPts val="0"/>
-                        </a:spcBef>
-                        <a:spcAft>
-                          <a:spcPts val="0"/>
-                        </a:spcAft>
-                      </a:pPr>
-                      <a:r>
-                        <a:rPr lang="en-US" sz="1800" dirty="0">
-                          <a:effectLst/>
-                          <a:latin typeface="+mj-lt"/>
-                        </a:rPr>
-                        <a:t>Send a request to get product information</a:t>
-                      </a:r>
-                      <a:endParaRPr lang="en-US" sz="1800" dirty="0">
-                        <a:effectLst/>
-                        <a:latin typeface="+mj-lt"/>
-                        <a:ea typeface="Calibri"/>
-                        <a:cs typeface="Times New Roman"/>
-                      </a:endParaRPr>
-                    </a:p>
-                  </a:txBody>
-                  <a:tcPr marL="68580" marR="68580" marT="0" marB="0"/>
-                </a:tc>
-                <a:tc hMerge="1">
-                  <a:txBody>
-                    <a:bodyPr/>
-                    <a:lstStyle/>
-                    <a:p>
-                      <a:endParaRPr lang="en-US"/>
-                    </a:p>
-                  </a:txBody>
-                  <a:tcPr/>
-                </a:tc>
-                <a:tc hMerge="1">
-                  <a:txBody>
-                    <a:bodyPr/>
-                    <a:lstStyle/>
-                    <a:p>
-                      <a:endParaRPr lang="en-US"/>
-                    </a:p>
-                  </a:txBody>
-                  <a:tcPr/>
-                </a:tc>
-              </a:tr>
-              <a:tr h="603095">
-                <a:tc>
-                  <a:txBody>
-                    <a:bodyPr/>
-                    <a:lstStyle/>
-                    <a:p>
-                      <a:pPr marL="0" marR="0">
-                        <a:lnSpc>
-                          <a:spcPct val="115000"/>
-                        </a:lnSpc>
-                        <a:spcBef>
-                          <a:spcPts val="0"/>
-                        </a:spcBef>
-                        <a:spcAft>
-                          <a:spcPts val="0"/>
-                        </a:spcAft>
-                      </a:pPr>
-                      <a:r>
-                        <a:rPr lang="en-US" sz="1800">
-                          <a:effectLst/>
-                          <a:latin typeface="+mj-lt"/>
-                        </a:rPr>
-                        <a:t>Relevant environmental conditions</a:t>
-                      </a:r>
-                      <a:endParaRPr lang="en-US" sz="1800">
-                        <a:effectLst/>
-                        <a:latin typeface="+mj-lt"/>
-                        <a:ea typeface="Calibri"/>
-                        <a:cs typeface="Times New Roman"/>
-                      </a:endParaRPr>
-                    </a:p>
-                  </a:txBody>
-                  <a:tcPr marL="68580" marR="68580" marT="0" marB="0"/>
-                </a:tc>
-                <a:tc gridSpan="3">
-                  <a:txBody>
-                    <a:bodyPr/>
-                    <a:lstStyle/>
-                    <a:p>
-                      <a:pPr marL="0" marR="0">
-                        <a:lnSpc>
-                          <a:spcPct val="115000"/>
-                        </a:lnSpc>
-                        <a:spcBef>
-                          <a:spcPts val="0"/>
-                        </a:spcBef>
-                        <a:spcAft>
-                          <a:spcPts val="0"/>
-                        </a:spcAft>
-                      </a:pPr>
-                      <a:r>
-                        <a:rPr lang="en-US" sz="1800">
-                          <a:effectLst/>
-                          <a:latin typeface="+mj-lt"/>
-                        </a:rPr>
-                        <a:t>When the database in the Head Office has been crash.</a:t>
-                      </a:r>
-                      <a:endParaRPr lang="en-US" sz="1800">
-                        <a:effectLst/>
-                        <a:latin typeface="+mj-lt"/>
-                        <a:ea typeface="Calibri"/>
-                        <a:cs typeface="Times New Roman"/>
-                      </a:endParaRPr>
-                    </a:p>
-                  </a:txBody>
-                  <a:tcPr marL="68580" marR="68580" marT="0" marB="0"/>
-                </a:tc>
-                <a:tc hMerge="1">
-                  <a:txBody>
-                    <a:bodyPr/>
-                    <a:lstStyle/>
-                    <a:p>
-                      <a:endParaRPr lang="en-US"/>
-                    </a:p>
-                  </a:txBody>
-                  <a:tcPr/>
-                </a:tc>
-                <a:tc hMerge="1">
-                  <a:txBody>
-                    <a:bodyPr/>
-                    <a:lstStyle/>
-                    <a:p>
-                      <a:endParaRPr lang="en-US"/>
-                    </a:p>
-                  </a:txBody>
-                  <a:tcPr/>
-                </a:tc>
-              </a:tr>
-              <a:tr h="603095">
-                <a:tc>
-                  <a:txBody>
-                    <a:bodyPr/>
-                    <a:lstStyle/>
-                    <a:p>
-                      <a:pPr marL="0" marR="0">
-                        <a:lnSpc>
-                          <a:spcPct val="115000"/>
-                        </a:lnSpc>
-                        <a:spcBef>
-                          <a:spcPts val="0"/>
-                        </a:spcBef>
-                        <a:spcAft>
-                          <a:spcPts val="0"/>
-                        </a:spcAft>
-                      </a:pPr>
-                      <a:r>
-                        <a:rPr lang="en-US" sz="1800">
-                          <a:effectLst/>
-                          <a:latin typeface="+mj-lt"/>
-                        </a:rPr>
-                        <a:t>Architectural elements</a:t>
-                      </a:r>
-                      <a:endParaRPr lang="en-US" sz="1800">
-                        <a:effectLst/>
-                        <a:latin typeface="+mj-lt"/>
-                        <a:ea typeface="Calibri"/>
-                        <a:cs typeface="Times New Roman"/>
-                      </a:endParaRPr>
-                    </a:p>
-                  </a:txBody>
-                  <a:tcPr marL="68580" marR="68580" marT="0" marB="0"/>
-                </a:tc>
-                <a:tc gridSpan="3">
-                  <a:txBody>
-                    <a:bodyPr/>
-                    <a:lstStyle/>
-                    <a:p>
-                      <a:pPr marL="0" marR="0">
-                        <a:lnSpc>
-                          <a:spcPct val="115000"/>
-                        </a:lnSpc>
-                        <a:spcBef>
-                          <a:spcPts val="0"/>
-                        </a:spcBef>
-                        <a:spcAft>
-                          <a:spcPts val="0"/>
-                        </a:spcAft>
-                      </a:pPr>
-                      <a:r>
-                        <a:rPr lang="en-US" sz="1800">
-                          <a:effectLst/>
-                          <a:latin typeface="+mj-lt"/>
-                        </a:rPr>
-                        <a:t>System and the information in the system</a:t>
-                      </a:r>
-                      <a:endParaRPr lang="en-US" sz="1800">
-                        <a:effectLst/>
-                        <a:latin typeface="+mj-lt"/>
-                        <a:ea typeface="Calibri"/>
-                        <a:cs typeface="Times New Roman"/>
-                      </a:endParaRPr>
-                    </a:p>
-                  </a:txBody>
-                  <a:tcPr marL="68580" marR="68580" marT="0" marB="0"/>
-                </a:tc>
-                <a:tc hMerge="1">
-                  <a:txBody>
-                    <a:bodyPr/>
-                    <a:lstStyle/>
-                    <a:p>
-                      <a:endParaRPr lang="en-US"/>
-                    </a:p>
-                  </a:txBody>
-                  <a:tcPr/>
-                </a:tc>
-                <a:tc hMerge="1">
-                  <a:txBody>
-                    <a:bodyPr/>
-                    <a:lstStyle/>
-                    <a:p>
-                      <a:endParaRPr lang="en-US"/>
-                    </a:p>
-                  </a:txBody>
-                  <a:tcPr/>
-                </a:tc>
-              </a:tr>
-              <a:tr h="605307">
-                <a:tc>
-                  <a:txBody>
-                    <a:bodyPr/>
-                    <a:lstStyle/>
-                    <a:p>
-                      <a:pPr marL="0" marR="0">
-                        <a:lnSpc>
-                          <a:spcPct val="115000"/>
-                        </a:lnSpc>
-                        <a:spcBef>
-                          <a:spcPts val="0"/>
-                        </a:spcBef>
-                        <a:spcAft>
-                          <a:spcPts val="0"/>
-                        </a:spcAft>
-                      </a:pPr>
-                      <a:r>
-                        <a:rPr lang="en-US" sz="1800">
-                          <a:effectLst/>
-                          <a:latin typeface="+mj-lt"/>
-                        </a:rPr>
-                        <a:t>System response</a:t>
-                      </a:r>
-                      <a:endParaRPr lang="en-US" sz="1800">
-                        <a:effectLst/>
-                        <a:latin typeface="+mj-lt"/>
-                        <a:ea typeface="Calibri"/>
-                        <a:cs typeface="Times New Roman"/>
-                      </a:endParaRPr>
-                    </a:p>
-                  </a:txBody>
-                  <a:tcPr marL="68580" marR="68580" marT="0" marB="0"/>
-                </a:tc>
-                <a:tc gridSpan="3">
-                  <a:txBody>
-                    <a:bodyPr/>
-                    <a:lstStyle/>
-                    <a:p>
-                      <a:pPr marL="0" marR="0">
-                        <a:lnSpc>
-                          <a:spcPct val="115000"/>
-                        </a:lnSpc>
-                        <a:spcBef>
-                          <a:spcPts val="0"/>
-                        </a:spcBef>
-                        <a:spcAft>
-                          <a:spcPts val="0"/>
-                        </a:spcAft>
-                      </a:pPr>
-                      <a:r>
-                        <a:rPr lang="en-US" sz="1800">
-                          <a:effectLst/>
-                          <a:latin typeface="+mj-lt"/>
-                        </a:rPr>
-                        <a:t>The system get information in backup database and response to client</a:t>
-                      </a:r>
-                      <a:endParaRPr lang="en-US" sz="1800">
-                        <a:effectLst/>
-                        <a:latin typeface="+mj-lt"/>
-                        <a:ea typeface="Calibri"/>
-                        <a:cs typeface="Times New Roman"/>
-                      </a:endParaRPr>
-                    </a:p>
-                  </a:txBody>
-                  <a:tcPr marL="68580" marR="68580" marT="0" marB="0"/>
-                </a:tc>
-                <a:tc hMerge="1">
-                  <a:txBody>
-                    <a:bodyPr/>
-                    <a:lstStyle/>
-                    <a:p>
-                      <a:endParaRPr lang="en-US"/>
-                    </a:p>
-                  </a:txBody>
-                  <a:tcPr/>
-                </a:tc>
-                <a:tc hMerge="1">
-                  <a:txBody>
-                    <a:bodyPr/>
-                    <a:lstStyle/>
-                    <a:p>
-                      <a:endParaRPr lang="en-US"/>
-                    </a:p>
-                  </a:txBody>
-                  <a:tcPr/>
-                </a:tc>
-              </a:tr>
-              <a:tr h="292599">
-                <a:tc>
-                  <a:txBody>
-                    <a:bodyPr/>
-                    <a:lstStyle/>
-                    <a:p>
-                      <a:pPr marL="0" marR="0">
-                        <a:lnSpc>
-                          <a:spcPct val="115000"/>
-                        </a:lnSpc>
-                        <a:spcBef>
-                          <a:spcPts val="0"/>
-                        </a:spcBef>
-                        <a:spcAft>
-                          <a:spcPts val="0"/>
-                        </a:spcAft>
-                      </a:pPr>
-                      <a:r>
-                        <a:rPr lang="en-US" sz="1800">
-                          <a:effectLst/>
-                          <a:latin typeface="+mj-lt"/>
-                        </a:rPr>
-                        <a:t>Response measure(s)</a:t>
-                      </a:r>
-                      <a:endParaRPr lang="en-US" sz="1800">
-                        <a:effectLst/>
-                        <a:latin typeface="+mj-lt"/>
-                        <a:ea typeface="Calibri"/>
-                        <a:cs typeface="Times New Roman"/>
-                      </a:endParaRPr>
-                    </a:p>
-                  </a:txBody>
-                  <a:tcPr marL="68580" marR="68580" marT="0" marB="0"/>
-                </a:tc>
-                <a:tc gridSpan="3">
-                  <a:txBody>
-                    <a:bodyPr/>
-                    <a:lstStyle/>
-                    <a:p>
-                      <a:pPr marL="0" marR="0">
-                        <a:lnSpc>
-                          <a:spcPct val="115000"/>
-                        </a:lnSpc>
-                        <a:spcBef>
-                          <a:spcPts val="0"/>
-                        </a:spcBef>
-                        <a:spcAft>
-                          <a:spcPts val="0"/>
-                        </a:spcAft>
-                      </a:pPr>
-                      <a:r>
-                        <a:rPr lang="en-US" sz="1800">
-                          <a:effectLst/>
-                          <a:latin typeface="+mj-lt"/>
-                        </a:rPr>
-                        <a:t>Response within 5 seconds</a:t>
-                      </a:r>
-                      <a:endParaRPr lang="en-US" sz="1800">
-                        <a:effectLst/>
-                        <a:latin typeface="+mj-lt"/>
-                        <a:ea typeface="Calibri"/>
-                        <a:cs typeface="Times New Roman"/>
-                      </a:endParaRPr>
-                    </a:p>
-                  </a:txBody>
-                  <a:tcPr marL="68580" marR="68580" marT="0" marB="0"/>
-                </a:tc>
-                <a:tc hMerge="1">
-                  <a:txBody>
-                    <a:bodyPr/>
-                    <a:lstStyle/>
-                    <a:p>
-                      <a:endParaRPr lang="en-US"/>
-                    </a:p>
-                  </a:txBody>
-                  <a:tcPr/>
-                </a:tc>
-                <a:tc hMerge="1">
-                  <a:txBody>
-                    <a:bodyPr/>
-                    <a:lstStyle/>
-                    <a:p>
-                      <a:endParaRPr lang="en-US"/>
-                    </a:p>
-                  </a:txBody>
-                  <a:tcPr/>
-                </a:tc>
-              </a:tr>
-              <a:tr h="292599">
-                <a:tc>
-                  <a:txBody>
-                    <a:bodyPr/>
-                    <a:lstStyle/>
-                    <a:p>
-                      <a:pPr marL="0" marR="0">
-                        <a:lnSpc>
-                          <a:spcPct val="115000"/>
-                        </a:lnSpc>
-                        <a:spcBef>
-                          <a:spcPts val="0"/>
-                        </a:spcBef>
-                        <a:spcAft>
-                          <a:spcPts val="0"/>
-                        </a:spcAft>
-                      </a:pPr>
-                      <a:r>
-                        <a:rPr lang="en-US" sz="1800">
-                          <a:effectLst/>
-                          <a:latin typeface="+mj-lt"/>
-                        </a:rPr>
-                        <a:t>Associated risks</a:t>
-                      </a:r>
-                      <a:endParaRPr lang="en-US" sz="1800">
-                        <a:effectLst/>
-                        <a:latin typeface="+mj-lt"/>
-                        <a:ea typeface="Calibri"/>
-                        <a:cs typeface="Times New Roman"/>
-                      </a:endParaRPr>
-                    </a:p>
-                  </a:txBody>
-                  <a:tcPr marL="68580" marR="68580" marT="0" marB="0"/>
-                </a:tc>
-                <a:tc gridSpan="3">
-                  <a:txBody>
-                    <a:bodyPr/>
-                    <a:lstStyle/>
-                    <a:p>
-                      <a:pPr marL="0" marR="0">
-                        <a:lnSpc>
-                          <a:spcPct val="115000"/>
-                        </a:lnSpc>
-                        <a:spcBef>
-                          <a:spcPts val="0"/>
-                        </a:spcBef>
-                        <a:spcAft>
-                          <a:spcPts val="0"/>
-                        </a:spcAft>
-                      </a:pPr>
-                      <a:r>
-                        <a:rPr lang="en-US" sz="1800" dirty="0">
-                          <a:effectLst/>
-                          <a:latin typeface="+mj-lt"/>
-                        </a:rPr>
-                        <a:t> </a:t>
-                      </a:r>
-                      <a:endParaRPr lang="en-US" sz="1800" dirty="0">
-                        <a:effectLst/>
-                        <a:latin typeface="+mj-lt"/>
-                        <a:ea typeface="Calibri"/>
-                        <a:cs typeface="Times New Roman"/>
-                      </a:endParaRPr>
-                    </a:p>
-                  </a:txBody>
-                  <a:tcPr marL="68580" marR="68580" marT="0" marB="0"/>
-                </a:tc>
-                <a:tc hMerge="1">
-                  <a:txBody>
-                    <a:bodyPr/>
-                    <a:lstStyle/>
-                    <a:p>
-                      <a:endParaRPr lang="en-US"/>
-                    </a:p>
-                  </a:txBody>
-                  <a:tcPr/>
-                </a:tc>
-                <a:tc hMerge="1">
-                  <a:txBody>
-                    <a:bodyPr/>
-                    <a:lstStyle/>
-                    <a:p>
-                      <a:endParaRPr lang="en-US"/>
-                    </a:p>
-                  </a:txBody>
-                  <a:tcPr/>
-                </a:tc>
-              </a:tr>
-            </a:tbl>
-          </a:graphicData>
-        </a:graphic>
-      </p:graphicFrame>
-      <p:sp>
-        <p:nvSpPr>
-          <p:cNvPr id="7" name="Rectangle 1"/>
-          <p:cNvSpPr>
-            <a:spLocks noChangeArrowheads="1"/>
-          </p:cNvSpPr>
-          <p:nvPr/>
-        </p:nvSpPr>
-        <p:spPr bwMode="auto">
-          <a:xfrm>
-            <a:off x="2438400" y="1754188"/>
-            <a:ext cx="9144000" cy="457200"/>
-          </a:xfrm>
-          <a:prstGeom prst="rect">
-            <a:avLst/>
-          </a:prstGeom>
-          <a:noFill/>
-          <a:ln>
-            <a:noFill/>
-          </a:ln>
-          <a:effectLst/>
-          <a:extLst>
-            <a:ext uri="{909E8E84-426E-40DD-AFC4-6F175D3DCCD1}">
-              <a14:hiddenFill xmlns:a14="http://schemas.microsoft.com/office/drawing/2010/main">
-                <a:solidFill>
-                  <a:schemeClr val="accent1"/>
-                </a:solidFill>
-              </a14:hiddenFill>
-            </a:ext>
-            <a:ext uri="{91240B29-F687-4F45-9708-019B960494DF}">
-              <a14:hiddenLine xmlns:a14="http://schemas.microsoft.com/office/drawing/2010/main" w="9525">
-                <a:solidFill>
-                  <a:schemeClr val="tx1"/>
-                </a:solidFill>
-                <a:miter lim="800000"/>
-                <a:headEnd/>
-                <a:tailEnd/>
-              </a14:hiddenLine>
-            </a:ext>
-            <a:ext uri="{AF507438-7753-43E0-B8FC-AC1667EBCBE1}">
-              <a14:hiddenEffects xmlns:a14="http://schemas.microsoft.com/office/drawing/2010/main">
-                <a:effectLst>
-                  <a:outerShdw dist="35921" dir="2700000" algn="ctr" rotWithShape="0">
-                    <a:schemeClr val="bg2"/>
-                  </a:outerShdw>
-                </a:effectLst>
-              </a14:hiddenEffects>
-            </a:ext>
-          </a:extLst>
-        </p:spPr>
-        <p:txBody>
-          <a:bodyPr vert="horz" wrap="none" lIns="91440" tIns="45720" rIns="91440" bIns="45720" numCol="1" anchor="ctr" anchorCtr="0" compatLnSpc="1">
-            <a:prstTxWarp prst="textNoShape">
-              <a:avLst/>
-            </a:prstTxWarp>
-            <a:spAutoFit/>
-          </a:bodyPr>
-          <a:lstStyle/>
-          <a:p>
-            <a:pPr marL="0" marR="0" lvl="0" indent="0" algn="l" defTabSz="914400" rtl="0" eaLnBrk="1" fontAlgn="base" latinLnBrk="0" hangingPunct="1">
-              <a:lnSpc>
-                <a:spcPct val="100000"/>
-              </a:lnSpc>
-              <a:spcBef>
-                <a:spcPct val="0"/>
-              </a:spcBef>
-              <a:spcAft>
-                <a:spcPct val="0"/>
-              </a:spcAft>
-              <a:buClrTx/>
-              <a:buSzTx/>
-              <a:buFontTx/>
-              <a:buNone/>
-              <a:tabLst/>
-            </a:pPr>
-            <a:endParaRPr kumimoji="0" lang="en-US" sz="1800" b="0" i="0" u="none" strike="noStrike" cap="none" normalizeH="0" baseline="0" smtClean="0">
-              <a:ln>
-                <a:noFill/>
-              </a:ln>
-              <a:solidFill>
-                <a:schemeClr val="tx1"/>
-              </a:solidFill>
-              <a:effectLst/>
-              <a:latin typeface="Arial" pitchFamily="34" charset="0"/>
-              <a:cs typeface="Arial" pitchFamily="34" charset="0"/>
-            </a:endParaRPr>
-          </a:p>
-        </p:txBody>
-      </p:sp>
-    </p:spTree>
-    <p:extLst>
-      <p:ext uri="{BB962C8B-B14F-4D97-AF65-F5344CB8AC3E}">
-        <p14:creationId xmlns:p14="http://schemas.microsoft.com/office/powerpoint/2010/main" val="2969058912"/>
       </p:ext>
     </p:extLst>
   </p:cSld>
@@ -24359,6 +23245,227 @@
             <a:pPr lvl="0"/>
             <a:r>
               <a:rPr lang="en-US" dirty="0" smtClean="0"/>
+              <a:t>Quality Attributes</a:t>
+            </a:r>
+            <a:endParaRPr lang="en-US" dirty="0"/>
+          </a:p>
+        </p:txBody>
+      </p:sp>
+      <p:sp>
+        <p:nvSpPr>
+          <p:cNvPr id="4" name="Rectangle 2"/>
+          <p:cNvSpPr>
+            <a:spLocks noChangeArrowheads="1"/>
+          </p:cNvSpPr>
+          <p:nvPr/>
+        </p:nvSpPr>
+        <p:spPr bwMode="auto">
+          <a:xfrm>
+            <a:off x="0" y="0"/>
+            <a:ext cx="9144000" cy="0"/>
+          </a:xfrm>
+          <a:prstGeom prst="rect">
+            <a:avLst/>
+          </a:prstGeom>
+          <a:noFill/>
+          <a:ln>
+            <a:noFill/>
+          </a:ln>
+          <a:effectLst/>
+          <a:extLst>
+            <a:ext uri="{909E8E84-426E-40DD-AFC4-6F175D3DCCD1}">
+              <a14:hiddenFill xmlns:a14="http://schemas.microsoft.com/office/drawing/2010/main">
+                <a:solidFill>
+                  <a:schemeClr val="accent1"/>
+                </a:solidFill>
+              </a14:hiddenFill>
+            </a:ext>
+            <a:ext uri="{91240B29-F687-4F45-9708-019B960494DF}">
+              <a14:hiddenLine xmlns:a14="http://schemas.microsoft.com/office/drawing/2010/main" w="9525">
+                <a:solidFill>
+                  <a:schemeClr val="tx1"/>
+                </a:solidFill>
+                <a:miter lim="800000"/>
+                <a:headEnd/>
+                <a:tailEnd/>
+              </a14:hiddenLine>
+            </a:ext>
+            <a:ext uri="{AF507438-7753-43E0-B8FC-AC1667EBCBE1}">
+              <a14:hiddenEffects xmlns:a14="http://schemas.microsoft.com/office/drawing/2010/main">
+                <a:effectLst>
+                  <a:outerShdw dist="35921" dir="2700000" algn="ctr" rotWithShape="0">
+                    <a:schemeClr val="bg2"/>
+                  </a:outerShdw>
+                </a:effectLst>
+              </a14:hiddenEffects>
+            </a:ext>
+          </a:extLst>
+        </p:spPr>
+        <p:txBody>
+          <a:bodyPr vert="horz" wrap="none" lIns="91440" tIns="45720" rIns="91440" bIns="45720" numCol="1" anchor="ctr" anchorCtr="0" compatLnSpc="1">
+            <a:prstTxWarp prst="textNoShape">
+              <a:avLst/>
+            </a:prstTxWarp>
+            <a:spAutoFit/>
+          </a:bodyPr>
+          <a:lstStyle/>
+          <a:p>
+            <a:endParaRPr lang="en-US" dirty="0"/>
+          </a:p>
+        </p:txBody>
+      </p:sp>
+      <p:sp>
+        <p:nvSpPr>
+          <p:cNvPr id="3" name="Rectangle 2"/>
+          <p:cNvSpPr>
+            <a:spLocks noChangeArrowheads="1"/>
+          </p:cNvSpPr>
+          <p:nvPr/>
+        </p:nvSpPr>
+        <p:spPr bwMode="auto">
+          <a:xfrm>
+            <a:off x="0" y="0"/>
+            <a:ext cx="9144000" cy="0"/>
+          </a:xfrm>
+          <a:prstGeom prst="rect">
+            <a:avLst/>
+          </a:prstGeom>
+          <a:noFill/>
+          <a:ln>
+            <a:noFill/>
+          </a:ln>
+          <a:effectLst/>
+          <a:extLst>
+            <a:ext uri="{909E8E84-426E-40DD-AFC4-6F175D3DCCD1}">
+              <a14:hiddenFill xmlns:a14="http://schemas.microsoft.com/office/drawing/2010/main">
+                <a:solidFill>
+                  <a:schemeClr val="accent1"/>
+                </a:solidFill>
+              </a14:hiddenFill>
+            </a:ext>
+            <a:ext uri="{91240B29-F687-4F45-9708-019B960494DF}">
+              <a14:hiddenLine xmlns:a14="http://schemas.microsoft.com/office/drawing/2010/main" w="9525">
+                <a:solidFill>
+                  <a:schemeClr val="tx1"/>
+                </a:solidFill>
+                <a:miter lim="800000"/>
+                <a:headEnd/>
+                <a:tailEnd/>
+              </a14:hiddenLine>
+            </a:ext>
+            <a:ext uri="{AF507438-7753-43E0-B8FC-AC1667EBCBE1}">
+              <a14:hiddenEffects xmlns:a14="http://schemas.microsoft.com/office/drawing/2010/main">
+                <a:effectLst>
+                  <a:outerShdw dist="35921" dir="2700000" algn="ctr" rotWithShape="0">
+                    <a:schemeClr val="bg2"/>
+                  </a:outerShdw>
+                </a:effectLst>
+              </a14:hiddenEffects>
+            </a:ext>
+          </a:extLst>
+        </p:spPr>
+        <p:txBody>
+          <a:bodyPr vert="horz" wrap="none" lIns="91440" tIns="45720" rIns="91440" bIns="45720" numCol="1" anchor="ctr" anchorCtr="0" compatLnSpc="1">
+            <a:prstTxWarp prst="textNoShape">
+              <a:avLst/>
+            </a:prstTxWarp>
+            <a:spAutoFit/>
+          </a:bodyPr>
+          <a:lstStyle/>
+          <a:p>
+            <a:endParaRPr lang="en-US"/>
+          </a:p>
+        </p:txBody>
+      </p:sp>
+      <p:graphicFrame>
+        <p:nvGraphicFramePr>
+          <p:cNvPr id="5" name="Diagram 4"/>
+          <p:cNvGraphicFramePr/>
+          <p:nvPr>
+            <p:extLst>
+              <p:ext uri="{D42A27DB-BD31-4B8C-83A1-F6EECF244321}">
+                <p14:modId xmlns:p14="http://schemas.microsoft.com/office/powerpoint/2010/main" val="1227128205"/>
+              </p:ext>
+            </p:extLst>
+          </p:nvPr>
+        </p:nvGraphicFramePr>
+        <p:xfrm>
+          <a:off x="1524000" y="1981200"/>
+          <a:ext cx="6096000" cy="4064000"/>
+        </p:xfrm>
+        <a:graphic>
+          <a:graphicData uri="http://schemas.openxmlformats.org/drawingml/2006/diagram">
+            <dgm:relIds xmlns:dgm="http://schemas.openxmlformats.org/drawingml/2006/diagram" xmlns:r="http://schemas.openxmlformats.org/officeDocument/2006/relationships" r:dm="rId2" r:lo="rId3" r:qs="rId4" r:cs="rId5"/>
+          </a:graphicData>
+        </a:graphic>
+      </p:graphicFrame>
+    </p:spTree>
+    <p:extLst>
+      <p:ext uri="{BB962C8B-B14F-4D97-AF65-F5344CB8AC3E}">
+        <p14:creationId xmlns:p14="http://schemas.microsoft.com/office/powerpoint/2010/main" val="743891114"/>
+      </p:ext>
+    </p:extLst>
+  </p:cSld>
+  <p:clrMapOvr>
+    <a:masterClrMapping/>
+  </p:clrMapOvr>
+  <mc:AlternateContent xmlns:mc="http://schemas.openxmlformats.org/markup-compatibility/2006" xmlns:p14="http://schemas.microsoft.com/office/powerpoint/2010/main">
+    <mc:Choice Requires="p14">
+      <p:transition>
+        <p14:flash/>
+      </p:transition>
+    </mc:Choice>
+    <mc:Fallback xmlns="">
+      <p:transition>
+        <p:fade/>
+      </p:transition>
+    </mc:Fallback>
+  </mc:AlternateContent>
+  <p:timing>
+    <p:tnLst>
+      <p:par>
+        <p:cTn id="1" dur="indefinite" restart="never" nodeType="tmRoot"/>
+      </p:par>
+    </p:tnLst>
+  </p:timing>
+</p:sld>
+</file>
+
+<file path=ppt/slides/slide21.xml><?xml version="1.0" encoding="utf-8"?>
+<p:sld xmlns:a="http://schemas.openxmlformats.org/drawingml/2006/main" xmlns:r="http://schemas.openxmlformats.org/officeDocument/2006/relationships" xmlns:p="http://schemas.openxmlformats.org/presentationml/2006/main">
+  <p:cSld>
+    <p:spTree>
+      <p:nvGrpSpPr>
+        <p:cNvPr id="1" name=""/>
+        <p:cNvGrpSpPr/>
+        <p:nvPr/>
+      </p:nvGrpSpPr>
+      <p:grpSpPr>
+        <a:xfrm>
+          <a:off x="0" y="0"/>
+          <a:ext cx="0" cy="0"/>
+          <a:chOff x="0" y="0"/>
+          <a:chExt cx="0" cy="0"/>
+        </a:xfrm>
+      </p:grpSpPr>
+      <p:sp>
+        <p:nvSpPr>
+          <p:cNvPr id="2" name="Title 1"/>
+          <p:cNvSpPr>
+            <a:spLocks noGrp="1"/>
+          </p:cNvSpPr>
+          <p:nvPr>
+            <p:ph type="title"/>
+          </p:nvPr>
+        </p:nvSpPr>
+        <p:spPr/>
+        <p:txBody>
+          <a:bodyPr/>
+          <a:lstStyle/>
+          <a:p>
+            <a:pPr lvl="0"/>
+            <a:r>
+              <a:rPr lang="en-US" dirty="0" smtClean="0"/>
               <a:t>Quality Attribute Scenarios</a:t>
             </a:r>
             <a:endParaRPr lang="en-US" dirty="0"/>
@@ -24589,7 +23696,1274 @@
           <p:nvPr>
             <p:extLst>
               <p:ext uri="{D42A27DB-BD31-4B8C-83A1-F6EECF244321}">
-                <p14:modId xmlns:p14="http://schemas.microsoft.com/office/powerpoint/2010/main" val="1399123180"/>
+                <p14:modId xmlns:p14="http://schemas.microsoft.com/office/powerpoint/2010/main" val="1040470137"/>
+              </p:ext>
+            </p:extLst>
+          </p:nvPr>
+        </p:nvGraphicFramePr>
+        <p:xfrm>
+          <a:off x="76200" y="1524000"/>
+          <a:ext cx="8915400" cy="5341793"/>
+        </p:xfrm>
+        <a:graphic>
+          <a:graphicData uri="http://schemas.openxmlformats.org/drawingml/2006/table">
+            <a:tbl>
+              <a:tblPr firstRow="1" firstCol="1" bandRow="1">
+                <a:tableStyleId>{5A111915-BE36-4E01-A7E5-04B1672EAD32}</a:tableStyleId>
+              </a:tblPr>
+              <a:tblGrid>
+                <a:gridCol w="3607160"/>
+                <a:gridCol w="387215"/>
+                <a:gridCol w="1433308"/>
+                <a:gridCol w="3487717"/>
+              </a:tblGrid>
+              <a:tr h="235273">
+                <a:tc rowSpan="2" gridSpan="2">
+                  <a:txBody>
+                    <a:bodyPr/>
+                    <a:lstStyle/>
+                    <a:p>
+                      <a:pPr marL="0" marR="0">
+                        <a:lnSpc>
+                          <a:spcPct val="115000"/>
+                        </a:lnSpc>
+                        <a:spcBef>
+                          <a:spcPts val="0"/>
+                        </a:spcBef>
+                        <a:spcAft>
+                          <a:spcPts val="0"/>
+                        </a:spcAft>
+                      </a:pPr>
+                      <a:r>
+                        <a:rPr lang="en-US" sz="1800" dirty="0">
+                          <a:effectLst/>
+                          <a:latin typeface="+mj-lt"/>
+                        </a:rPr>
+                        <a:t>Title of scenario: Crash database at Head Office </a:t>
+                      </a:r>
+                      <a:endParaRPr lang="en-US" sz="1800" dirty="0">
+                        <a:effectLst/>
+                        <a:latin typeface="+mj-lt"/>
+                        <a:ea typeface="Calibri"/>
+                        <a:cs typeface="Times New Roman"/>
+                      </a:endParaRPr>
+                    </a:p>
+                  </a:txBody>
+                  <a:tcPr marL="68580" marR="68580" marT="0" marB="0"/>
+                </a:tc>
+                <a:tc rowSpan="2" hMerge="1">
+                  <a:txBody>
+                    <a:bodyPr/>
+                    <a:lstStyle/>
+                    <a:p>
+                      <a:endParaRPr lang="en-US"/>
+                    </a:p>
+                  </a:txBody>
+                  <a:tcPr/>
+                </a:tc>
+                <a:tc rowSpan="2">
+                  <a:txBody>
+                    <a:bodyPr/>
+                    <a:lstStyle/>
+                    <a:p>
+                      <a:pPr marL="0" marR="0">
+                        <a:lnSpc>
+                          <a:spcPct val="115000"/>
+                        </a:lnSpc>
+                        <a:spcBef>
+                          <a:spcPts val="0"/>
+                        </a:spcBef>
+                        <a:spcAft>
+                          <a:spcPts val="0"/>
+                        </a:spcAft>
+                      </a:pPr>
+                      <a:r>
+                        <a:rPr lang="en-US" sz="1800">
+                          <a:effectLst/>
+                          <a:latin typeface="+mj-lt"/>
+                        </a:rPr>
+                        <a:t>ID: QAS1</a:t>
+                      </a:r>
+                      <a:endParaRPr lang="en-US" sz="1800">
+                        <a:effectLst/>
+                        <a:latin typeface="+mj-lt"/>
+                        <a:ea typeface="Calibri"/>
+                        <a:cs typeface="Times New Roman"/>
+                      </a:endParaRPr>
+                    </a:p>
+                  </a:txBody>
+                  <a:tcPr marL="68580" marR="68580" marT="0" marB="0"/>
+                </a:tc>
+                <a:tc>
+                  <a:txBody>
+                    <a:bodyPr/>
+                    <a:lstStyle/>
+                    <a:p>
+                      <a:pPr marL="0" marR="0">
+                        <a:lnSpc>
+                          <a:spcPct val="115000"/>
+                        </a:lnSpc>
+                        <a:spcBef>
+                          <a:spcPts val="0"/>
+                        </a:spcBef>
+                        <a:spcAft>
+                          <a:spcPts val="0"/>
+                        </a:spcAft>
+                      </a:pPr>
+                      <a:r>
+                        <a:rPr lang="en-US" sz="1800">
+                          <a:effectLst/>
+                          <a:latin typeface="+mj-lt"/>
+                        </a:rPr>
+                        <a:t>Version: 1.1</a:t>
+                      </a:r>
+                      <a:endParaRPr lang="en-US" sz="1800">
+                        <a:effectLst/>
+                        <a:latin typeface="+mj-lt"/>
+                        <a:ea typeface="Calibri"/>
+                        <a:cs typeface="Times New Roman"/>
+                      </a:endParaRPr>
+                    </a:p>
+                  </a:txBody>
+                  <a:tcPr marL="68580" marR="68580" marT="0" marB="0"/>
+                </a:tc>
+              </a:tr>
+              <a:tr h="514339">
+                <a:tc gridSpan="2" vMerge="1">
+                  <a:txBody>
+                    <a:bodyPr/>
+                    <a:lstStyle/>
+                    <a:p>
+                      <a:endParaRPr lang="en-US"/>
+                    </a:p>
+                  </a:txBody>
+                  <a:tcPr/>
+                </a:tc>
+                <a:tc hMerge="1" vMerge="1">
+                  <a:txBody>
+                    <a:bodyPr/>
+                    <a:lstStyle/>
+                    <a:p>
+                      <a:endParaRPr lang="en-US"/>
+                    </a:p>
+                  </a:txBody>
+                  <a:tcPr/>
+                </a:tc>
+                <a:tc vMerge="1">
+                  <a:txBody>
+                    <a:bodyPr/>
+                    <a:lstStyle/>
+                    <a:p>
+                      <a:endParaRPr lang="en-US"/>
+                    </a:p>
+                  </a:txBody>
+                  <a:tcPr/>
+                </a:tc>
+                <a:tc>
+                  <a:txBody>
+                    <a:bodyPr/>
+                    <a:lstStyle/>
+                    <a:p>
+                      <a:pPr marL="0" marR="0">
+                        <a:lnSpc>
+                          <a:spcPct val="115000"/>
+                        </a:lnSpc>
+                        <a:spcBef>
+                          <a:spcPts val="0"/>
+                        </a:spcBef>
+                        <a:spcAft>
+                          <a:spcPts val="0"/>
+                        </a:spcAft>
+                      </a:pPr>
+                      <a:r>
+                        <a:rPr lang="en-US" sz="1800">
+                          <a:effectLst/>
+                          <a:latin typeface="+mj-lt"/>
+                        </a:rPr>
+                        <a:t>Last Changed: 04/07/2012</a:t>
+                      </a:r>
+                      <a:endParaRPr lang="en-US" sz="1800">
+                        <a:effectLst/>
+                        <a:latin typeface="+mj-lt"/>
+                        <a:ea typeface="Calibri"/>
+                        <a:cs typeface="Times New Roman"/>
+                      </a:endParaRPr>
+                    </a:p>
+                  </a:txBody>
+                  <a:tcPr marL="68580" marR="68580" marT="0" marB="0"/>
+                </a:tc>
+              </a:tr>
+              <a:tr h="492443">
+                <a:tc gridSpan="2">
+                  <a:txBody>
+                    <a:bodyPr/>
+                    <a:lstStyle/>
+                    <a:p>
+                      <a:pPr marL="0" marR="0">
+                        <a:lnSpc>
+                          <a:spcPct val="115000"/>
+                        </a:lnSpc>
+                        <a:spcBef>
+                          <a:spcPts val="0"/>
+                        </a:spcBef>
+                        <a:spcAft>
+                          <a:spcPts val="0"/>
+                        </a:spcAft>
+                      </a:pPr>
+                      <a:r>
+                        <a:rPr lang="en-US" sz="1800">
+                          <a:effectLst/>
+                          <a:latin typeface="+mj-lt"/>
+                        </a:rPr>
+                        <a:t>Quality attribute: Availability</a:t>
+                      </a:r>
+                      <a:endParaRPr lang="en-US" sz="1800">
+                        <a:effectLst/>
+                        <a:latin typeface="+mj-lt"/>
+                        <a:ea typeface="Calibri"/>
+                        <a:cs typeface="Times New Roman"/>
+                      </a:endParaRPr>
+                    </a:p>
+                  </a:txBody>
+                  <a:tcPr marL="68580" marR="68580" marT="0" marB="0"/>
+                </a:tc>
+                <a:tc hMerge="1">
+                  <a:txBody>
+                    <a:bodyPr/>
+                    <a:lstStyle/>
+                    <a:p>
+                      <a:endParaRPr lang="en-US"/>
+                    </a:p>
+                  </a:txBody>
+                  <a:tcPr/>
+                </a:tc>
+                <a:tc gridSpan="2">
+                  <a:txBody>
+                    <a:bodyPr/>
+                    <a:lstStyle/>
+                    <a:p>
+                      <a:pPr marL="0" marR="0">
+                        <a:lnSpc>
+                          <a:spcPct val="115000"/>
+                        </a:lnSpc>
+                        <a:spcBef>
+                          <a:spcPts val="0"/>
+                        </a:spcBef>
+                        <a:spcAft>
+                          <a:spcPts val="0"/>
+                        </a:spcAft>
+                      </a:pPr>
+                      <a:r>
+                        <a:rPr lang="en-US" sz="1800">
+                          <a:effectLst/>
+                          <a:latin typeface="+mj-lt"/>
+                        </a:rPr>
+                        <a:t>Characterization ID: QA2</a:t>
+                      </a:r>
+                      <a:endParaRPr lang="en-US" sz="1800">
+                        <a:effectLst/>
+                        <a:latin typeface="+mj-lt"/>
+                        <a:ea typeface="Calibri"/>
+                        <a:cs typeface="Times New Roman"/>
+                      </a:endParaRPr>
+                    </a:p>
+                  </a:txBody>
+                  <a:tcPr marL="68580" marR="68580" marT="0" marB="0"/>
+                </a:tc>
+                <a:tc hMerge="1">
+                  <a:txBody>
+                    <a:bodyPr/>
+                    <a:lstStyle/>
+                    <a:p>
+                      <a:endParaRPr lang="en-US"/>
+                    </a:p>
+                  </a:txBody>
+                  <a:tcPr/>
+                </a:tc>
+              </a:tr>
+              <a:tr h="492443">
+                <a:tc gridSpan="4">
+                  <a:txBody>
+                    <a:bodyPr/>
+                    <a:lstStyle/>
+                    <a:p>
+                      <a:pPr marL="0" marR="0">
+                        <a:lnSpc>
+                          <a:spcPct val="115000"/>
+                        </a:lnSpc>
+                        <a:spcBef>
+                          <a:spcPts val="0"/>
+                        </a:spcBef>
+                        <a:spcAft>
+                          <a:spcPts val="0"/>
+                        </a:spcAft>
+                      </a:pPr>
+                      <a:r>
+                        <a:rPr lang="en-US" sz="1800">
+                          <a:effectLst/>
+                          <a:latin typeface="+mj-lt"/>
+                        </a:rPr>
+                        <a:t>Describe stakeholder role proposing the description: Cashier</a:t>
+                      </a:r>
+                      <a:endParaRPr lang="en-US" sz="1800">
+                        <a:effectLst/>
+                        <a:latin typeface="+mj-lt"/>
+                        <a:ea typeface="Calibri"/>
+                        <a:cs typeface="Times New Roman"/>
+                      </a:endParaRPr>
+                    </a:p>
+                  </a:txBody>
+                  <a:tcPr marL="68580" marR="68580" marT="0" marB="0"/>
+                </a:tc>
+                <a:tc hMerge="1">
+                  <a:txBody>
+                    <a:bodyPr/>
+                    <a:lstStyle/>
+                    <a:p>
+                      <a:endParaRPr lang="en-US"/>
+                    </a:p>
+                  </a:txBody>
+                  <a:tcPr/>
+                </a:tc>
+                <a:tc hMerge="1">
+                  <a:txBody>
+                    <a:bodyPr/>
+                    <a:lstStyle/>
+                    <a:p>
+                      <a:endParaRPr lang="en-US"/>
+                    </a:p>
+                  </a:txBody>
+                  <a:tcPr/>
+                </a:tc>
+                <a:tc hMerge="1">
+                  <a:txBody>
+                    <a:bodyPr/>
+                    <a:lstStyle/>
+                    <a:p>
+                      <a:endParaRPr lang="en-US"/>
+                    </a:p>
+                  </a:txBody>
+                  <a:tcPr/>
+                </a:tc>
+              </a:tr>
+              <a:tr h="492443">
+                <a:tc>
+                  <a:txBody>
+                    <a:bodyPr/>
+                    <a:lstStyle/>
+                    <a:p>
+                      <a:pPr marL="0" marR="0">
+                        <a:lnSpc>
+                          <a:spcPct val="115000"/>
+                        </a:lnSpc>
+                        <a:spcBef>
+                          <a:spcPts val="0"/>
+                        </a:spcBef>
+                        <a:spcAft>
+                          <a:spcPts val="0"/>
+                        </a:spcAft>
+                      </a:pPr>
+                      <a:r>
+                        <a:rPr lang="en-US" sz="1800">
+                          <a:effectLst/>
+                          <a:latin typeface="+mj-lt"/>
+                        </a:rPr>
+                        <a:t>Source(s) of the stimulus</a:t>
+                      </a:r>
+                      <a:endParaRPr lang="en-US" sz="1800">
+                        <a:effectLst/>
+                        <a:latin typeface="+mj-lt"/>
+                        <a:ea typeface="Calibri"/>
+                        <a:cs typeface="Times New Roman"/>
+                      </a:endParaRPr>
+                    </a:p>
+                  </a:txBody>
+                  <a:tcPr marL="68580" marR="68580" marT="0" marB="0"/>
+                </a:tc>
+                <a:tc gridSpan="3">
+                  <a:txBody>
+                    <a:bodyPr/>
+                    <a:lstStyle/>
+                    <a:p>
+                      <a:pPr marL="0" marR="0">
+                        <a:lnSpc>
+                          <a:spcPct val="115000"/>
+                        </a:lnSpc>
+                        <a:spcBef>
+                          <a:spcPts val="0"/>
+                        </a:spcBef>
+                        <a:spcAft>
+                          <a:spcPts val="0"/>
+                        </a:spcAft>
+                      </a:pPr>
+                      <a:r>
+                        <a:rPr lang="en-US" sz="1800" dirty="0" smtClean="0">
+                          <a:effectLst/>
+                          <a:latin typeface="+mj-lt"/>
+                        </a:rPr>
+                        <a:t>Internal, External</a:t>
+                      </a:r>
+                      <a:endParaRPr lang="en-US" sz="1800" dirty="0">
+                        <a:effectLst/>
+                        <a:latin typeface="+mj-lt"/>
+                        <a:ea typeface="Calibri"/>
+                        <a:cs typeface="Times New Roman"/>
+                      </a:endParaRPr>
+                    </a:p>
+                  </a:txBody>
+                  <a:tcPr marL="68580" marR="68580" marT="0" marB="0"/>
+                </a:tc>
+                <a:tc hMerge="1">
+                  <a:txBody>
+                    <a:bodyPr/>
+                    <a:lstStyle/>
+                    <a:p>
+                      <a:endParaRPr lang="en-US"/>
+                    </a:p>
+                  </a:txBody>
+                  <a:tcPr/>
+                </a:tc>
+                <a:tc hMerge="1">
+                  <a:txBody>
+                    <a:bodyPr/>
+                    <a:lstStyle/>
+                    <a:p>
+                      <a:endParaRPr lang="en-US"/>
+                    </a:p>
+                  </a:txBody>
+                  <a:tcPr/>
+                </a:tc>
+              </a:tr>
+              <a:tr h="235273">
+                <a:tc>
+                  <a:txBody>
+                    <a:bodyPr/>
+                    <a:lstStyle/>
+                    <a:p>
+                      <a:pPr marL="0" marR="0">
+                        <a:lnSpc>
+                          <a:spcPct val="115000"/>
+                        </a:lnSpc>
+                        <a:spcBef>
+                          <a:spcPts val="0"/>
+                        </a:spcBef>
+                        <a:spcAft>
+                          <a:spcPts val="0"/>
+                        </a:spcAft>
+                      </a:pPr>
+                      <a:r>
+                        <a:rPr lang="en-US" sz="1800">
+                          <a:effectLst/>
+                          <a:latin typeface="+mj-lt"/>
+                        </a:rPr>
+                        <a:t>Stimulus</a:t>
+                      </a:r>
+                      <a:endParaRPr lang="en-US" sz="1800">
+                        <a:effectLst/>
+                        <a:latin typeface="+mj-lt"/>
+                        <a:ea typeface="Calibri"/>
+                        <a:cs typeface="Times New Roman"/>
+                      </a:endParaRPr>
+                    </a:p>
+                  </a:txBody>
+                  <a:tcPr marL="68580" marR="68580" marT="0" marB="0"/>
+                </a:tc>
+                <a:tc gridSpan="3">
+                  <a:txBody>
+                    <a:bodyPr/>
+                    <a:lstStyle/>
+                    <a:p>
+                      <a:pPr marL="0" marR="0">
+                        <a:lnSpc>
+                          <a:spcPct val="115000"/>
+                        </a:lnSpc>
+                        <a:spcBef>
+                          <a:spcPts val="0"/>
+                        </a:spcBef>
+                        <a:spcAft>
+                          <a:spcPts val="0"/>
+                        </a:spcAft>
+                      </a:pPr>
+                      <a:r>
+                        <a:rPr lang="en-US" sz="1800">
+                          <a:effectLst/>
+                          <a:latin typeface="+mj-lt"/>
+                        </a:rPr>
+                        <a:t>Omission – Server Crash</a:t>
+                      </a:r>
+                      <a:endParaRPr lang="en-US" sz="1800">
+                        <a:effectLst/>
+                        <a:latin typeface="+mj-lt"/>
+                        <a:ea typeface="Calibri"/>
+                        <a:cs typeface="Times New Roman"/>
+                      </a:endParaRPr>
+                    </a:p>
+                  </a:txBody>
+                  <a:tcPr marL="68580" marR="68580" marT="0" marB="0"/>
+                </a:tc>
+                <a:tc hMerge="1">
+                  <a:txBody>
+                    <a:bodyPr/>
+                    <a:lstStyle/>
+                    <a:p>
+                      <a:endParaRPr lang="en-US"/>
+                    </a:p>
+                  </a:txBody>
+                  <a:tcPr/>
+                </a:tc>
+                <a:tc hMerge="1">
+                  <a:txBody>
+                    <a:bodyPr/>
+                    <a:lstStyle/>
+                    <a:p>
+                      <a:endParaRPr lang="en-US"/>
+                    </a:p>
+                  </a:txBody>
+                  <a:tcPr/>
+                </a:tc>
+              </a:tr>
+              <a:tr h="749613">
+                <a:tc>
+                  <a:txBody>
+                    <a:bodyPr/>
+                    <a:lstStyle/>
+                    <a:p>
+                      <a:pPr marL="0" marR="0">
+                        <a:lnSpc>
+                          <a:spcPct val="115000"/>
+                        </a:lnSpc>
+                        <a:spcBef>
+                          <a:spcPts val="0"/>
+                        </a:spcBef>
+                        <a:spcAft>
+                          <a:spcPts val="0"/>
+                        </a:spcAft>
+                      </a:pPr>
+                      <a:r>
+                        <a:rPr lang="en-US" sz="1800">
+                          <a:effectLst/>
+                          <a:latin typeface="+mj-lt"/>
+                        </a:rPr>
+                        <a:t>Relevant environmental conditions</a:t>
+                      </a:r>
+                      <a:endParaRPr lang="en-US" sz="1800">
+                        <a:effectLst/>
+                        <a:latin typeface="+mj-lt"/>
+                        <a:ea typeface="Calibri"/>
+                        <a:cs typeface="Times New Roman"/>
+                      </a:endParaRPr>
+                    </a:p>
+                  </a:txBody>
+                  <a:tcPr marL="68580" marR="68580" marT="0" marB="0"/>
+                </a:tc>
+                <a:tc gridSpan="3">
+                  <a:txBody>
+                    <a:bodyPr/>
+                    <a:lstStyle/>
+                    <a:p>
+                      <a:pPr marL="0" marR="0">
+                        <a:lnSpc>
+                          <a:spcPct val="115000"/>
+                        </a:lnSpc>
+                        <a:spcBef>
+                          <a:spcPts val="0"/>
+                        </a:spcBef>
+                        <a:spcAft>
+                          <a:spcPts val="0"/>
+                        </a:spcAft>
+                      </a:pPr>
+                      <a:r>
+                        <a:rPr lang="en-US" sz="1800">
+                          <a:effectLst/>
+                          <a:latin typeface="+mj-lt"/>
+                        </a:rPr>
+                        <a:t>System operation normally</a:t>
+                      </a:r>
+                      <a:endParaRPr lang="en-US" sz="1800">
+                        <a:effectLst/>
+                        <a:latin typeface="+mj-lt"/>
+                        <a:ea typeface="Calibri"/>
+                        <a:cs typeface="Times New Roman"/>
+                      </a:endParaRPr>
+                    </a:p>
+                  </a:txBody>
+                  <a:tcPr marL="68580" marR="68580" marT="0" marB="0"/>
+                </a:tc>
+                <a:tc hMerge="1">
+                  <a:txBody>
+                    <a:bodyPr/>
+                    <a:lstStyle/>
+                    <a:p>
+                      <a:endParaRPr lang="en-US"/>
+                    </a:p>
+                  </a:txBody>
+                  <a:tcPr/>
+                </a:tc>
+                <a:tc hMerge="1">
+                  <a:txBody>
+                    <a:bodyPr/>
+                    <a:lstStyle/>
+                    <a:p>
+                      <a:endParaRPr lang="en-US"/>
+                    </a:p>
+                  </a:txBody>
+                  <a:tcPr/>
+                </a:tc>
+              </a:tr>
+              <a:tr h="492443">
+                <a:tc>
+                  <a:txBody>
+                    <a:bodyPr/>
+                    <a:lstStyle/>
+                    <a:p>
+                      <a:pPr marL="0" marR="0">
+                        <a:lnSpc>
+                          <a:spcPct val="115000"/>
+                        </a:lnSpc>
+                        <a:spcBef>
+                          <a:spcPts val="0"/>
+                        </a:spcBef>
+                        <a:spcAft>
+                          <a:spcPts val="0"/>
+                        </a:spcAft>
+                      </a:pPr>
+                      <a:r>
+                        <a:rPr lang="en-US" sz="1800">
+                          <a:effectLst/>
+                          <a:latin typeface="+mj-lt"/>
+                        </a:rPr>
+                        <a:t>Architectural elements</a:t>
+                      </a:r>
+                      <a:endParaRPr lang="en-US" sz="1800">
+                        <a:effectLst/>
+                        <a:latin typeface="+mj-lt"/>
+                        <a:ea typeface="Calibri"/>
+                        <a:cs typeface="Times New Roman"/>
+                      </a:endParaRPr>
+                    </a:p>
+                  </a:txBody>
+                  <a:tcPr marL="68580" marR="68580" marT="0" marB="0"/>
+                </a:tc>
+                <a:tc gridSpan="3">
+                  <a:txBody>
+                    <a:bodyPr/>
+                    <a:lstStyle/>
+                    <a:p>
+                      <a:pPr marL="0" marR="0">
+                        <a:lnSpc>
+                          <a:spcPct val="115000"/>
+                        </a:lnSpc>
+                        <a:spcBef>
+                          <a:spcPts val="0"/>
+                        </a:spcBef>
+                        <a:spcAft>
+                          <a:spcPts val="0"/>
+                        </a:spcAft>
+                      </a:pPr>
+                      <a:r>
+                        <a:rPr lang="en-US" sz="1800">
+                          <a:effectLst/>
+                          <a:latin typeface="+mj-lt"/>
+                        </a:rPr>
+                        <a:t>System and the information in the system</a:t>
+                      </a:r>
+                      <a:endParaRPr lang="en-US" sz="1800">
+                        <a:effectLst/>
+                        <a:latin typeface="+mj-lt"/>
+                        <a:ea typeface="Calibri"/>
+                        <a:cs typeface="Times New Roman"/>
+                      </a:endParaRPr>
+                    </a:p>
+                  </a:txBody>
+                  <a:tcPr marL="68580" marR="68580" marT="0" marB="0"/>
+                </a:tc>
+                <a:tc hMerge="1">
+                  <a:txBody>
+                    <a:bodyPr/>
+                    <a:lstStyle/>
+                    <a:p>
+                      <a:endParaRPr lang="en-US"/>
+                    </a:p>
+                  </a:txBody>
+                  <a:tcPr/>
+                </a:tc>
+                <a:tc hMerge="1">
+                  <a:txBody>
+                    <a:bodyPr/>
+                    <a:lstStyle/>
+                    <a:p>
+                      <a:endParaRPr lang="en-US"/>
+                    </a:p>
+                  </a:txBody>
+                  <a:tcPr/>
+                </a:tc>
+              </a:tr>
+              <a:tr h="749613">
+                <a:tc>
+                  <a:txBody>
+                    <a:bodyPr/>
+                    <a:lstStyle/>
+                    <a:p>
+                      <a:pPr marL="0" marR="0">
+                        <a:lnSpc>
+                          <a:spcPct val="115000"/>
+                        </a:lnSpc>
+                        <a:spcBef>
+                          <a:spcPts val="0"/>
+                        </a:spcBef>
+                        <a:spcAft>
+                          <a:spcPts val="0"/>
+                        </a:spcAft>
+                      </a:pPr>
+                      <a:r>
+                        <a:rPr lang="en-US" sz="1800">
+                          <a:effectLst/>
+                          <a:latin typeface="+mj-lt"/>
+                        </a:rPr>
+                        <a:t>System response</a:t>
+                      </a:r>
+                      <a:endParaRPr lang="en-US" sz="1800">
+                        <a:effectLst/>
+                        <a:latin typeface="+mj-lt"/>
+                        <a:ea typeface="Calibri"/>
+                        <a:cs typeface="Times New Roman"/>
+                      </a:endParaRPr>
+                    </a:p>
+                  </a:txBody>
+                  <a:tcPr marL="68580" marR="68580" marT="0" marB="0"/>
+                </a:tc>
+                <a:tc gridSpan="3">
+                  <a:txBody>
+                    <a:bodyPr/>
+                    <a:lstStyle/>
+                    <a:p>
+                      <a:pPr marL="0" marR="0">
+                        <a:lnSpc>
+                          <a:spcPct val="115000"/>
+                        </a:lnSpc>
+                        <a:spcBef>
+                          <a:spcPts val="0"/>
+                        </a:spcBef>
+                        <a:spcAft>
+                          <a:spcPts val="0"/>
+                        </a:spcAft>
+                      </a:pPr>
+                      <a:r>
+                        <a:rPr lang="en-US" sz="1800">
+                          <a:effectLst/>
+                          <a:latin typeface="+mj-lt"/>
+                        </a:rPr>
+                        <a:t>The system use information in backup database and response to admin</a:t>
+                      </a:r>
+                      <a:endParaRPr lang="en-US" sz="1800">
+                        <a:effectLst/>
+                        <a:latin typeface="+mj-lt"/>
+                        <a:ea typeface="Calibri"/>
+                        <a:cs typeface="Times New Roman"/>
+                      </a:endParaRPr>
+                    </a:p>
+                  </a:txBody>
+                  <a:tcPr marL="68580" marR="68580" marT="0" marB="0"/>
+                </a:tc>
+                <a:tc hMerge="1">
+                  <a:txBody>
+                    <a:bodyPr/>
+                    <a:lstStyle/>
+                    <a:p>
+                      <a:endParaRPr lang="en-US"/>
+                    </a:p>
+                  </a:txBody>
+                  <a:tcPr/>
+                </a:tc>
+                <a:tc hMerge="1">
+                  <a:txBody>
+                    <a:bodyPr/>
+                    <a:lstStyle/>
+                    <a:p>
+                      <a:endParaRPr lang="en-US"/>
+                    </a:p>
+                  </a:txBody>
+                  <a:tcPr/>
+                </a:tc>
+              </a:tr>
+              <a:tr h="492443">
+                <a:tc>
+                  <a:txBody>
+                    <a:bodyPr/>
+                    <a:lstStyle/>
+                    <a:p>
+                      <a:pPr marL="0" marR="0">
+                        <a:lnSpc>
+                          <a:spcPct val="115000"/>
+                        </a:lnSpc>
+                        <a:spcBef>
+                          <a:spcPts val="0"/>
+                        </a:spcBef>
+                        <a:spcAft>
+                          <a:spcPts val="0"/>
+                        </a:spcAft>
+                      </a:pPr>
+                      <a:r>
+                        <a:rPr lang="en-US" sz="1800">
+                          <a:effectLst/>
+                          <a:latin typeface="+mj-lt"/>
+                        </a:rPr>
+                        <a:t>Response measure(s)</a:t>
+                      </a:r>
+                      <a:endParaRPr lang="en-US" sz="1800">
+                        <a:effectLst/>
+                        <a:latin typeface="+mj-lt"/>
+                        <a:ea typeface="Calibri"/>
+                        <a:cs typeface="Times New Roman"/>
+                      </a:endParaRPr>
+                    </a:p>
+                  </a:txBody>
+                  <a:tcPr marL="68580" marR="68580" marT="0" marB="0"/>
+                </a:tc>
+                <a:tc gridSpan="3">
+                  <a:txBody>
+                    <a:bodyPr/>
+                    <a:lstStyle/>
+                    <a:p>
+                      <a:pPr marL="0" marR="0">
+                        <a:lnSpc>
+                          <a:spcPct val="115000"/>
+                        </a:lnSpc>
+                        <a:spcBef>
+                          <a:spcPts val="0"/>
+                        </a:spcBef>
+                        <a:spcAft>
+                          <a:spcPts val="0"/>
+                        </a:spcAft>
+                      </a:pPr>
+                      <a:r>
+                        <a:rPr lang="en-US" sz="1800">
+                          <a:effectLst/>
+                          <a:latin typeface="+mj-lt"/>
+                        </a:rPr>
+                        <a:t>Response within  10  seconds</a:t>
+                      </a:r>
+                      <a:endParaRPr lang="en-US" sz="1800">
+                        <a:effectLst/>
+                        <a:latin typeface="+mj-lt"/>
+                        <a:ea typeface="Calibri"/>
+                        <a:cs typeface="Times New Roman"/>
+                      </a:endParaRPr>
+                    </a:p>
+                  </a:txBody>
+                  <a:tcPr marL="68580" marR="68580" marT="0" marB="0"/>
+                </a:tc>
+                <a:tc hMerge="1">
+                  <a:txBody>
+                    <a:bodyPr/>
+                    <a:lstStyle/>
+                    <a:p>
+                      <a:endParaRPr lang="en-US"/>
+                    </a:p>
+                  </a:txBody>
+                  <a:tcPr/>
+                </a:tc>
+                <a:tc hMerge="1">
+                  <a:txBody>
+                    <a:bodyPr/>
+                    <a:lstStyle/>
+                    <a:p>
+                      <a:endParaRPr lang="en-US"/>
+                    </a:p>
+                  </a:txBody>
+                  <a:tcPr/>
+                </a:tc>
+              </a:tr>
+              <a:tr h="235273">
+                <a:tc>
+                  <a:txBody>
+                    <a:bodyPr/>
+                    <a:lstStyle/>
+                    <a:p>
+                      <a:pPr marL="0" marR="0">
+                        <a:lnSpc>
+                          <a:spcPct val="115000"/>
+                        </a:lnSpc>
+                        <a:spcBef>
+                          <a:spcPts val="0"/>
+                        </a:spcBef>
+                        <a:spcAft>
+                          <a:spcPts val="0"/>
+                        </a:spcAft>
+                      </a:pPr>
+                      <a:r>
+                        <a:rPr lang="en-US" sz="1800">
+                          <a:effectLst/>
+                          <a:latin typeface="+mj-lt"/>
+                        </a:rPr>
+                        <a:t>Associated risks</a:t>
+                      </a:r>
+                      <a:endParaRPr lang="en-US" sz="1800">
+                        <a:effectLst/>
+                        <a:latin typeface="+mj-lt"/>
+                        <a:ea typeface="Calibri"/>
+                        <a:cs typeface="Times New Roman"/>
+                      </a:endParaRPr>
+                    </a:p>
+                  </a:txBody>
+                  <a:tcPr marL="68580" marR="68580" marT="0" marB="0"/>
+                </a:tc>
+                <a:tc gridSpan="3">
+                  <a:txBody>
+                    <a:bodyPr/>
+                    <a:lstStyle/>
+                    <a:p>
+                      <a:pPr marL="0" marR="0">
+                        <a:lnSpc>
+                          <a:spcPct val="115000"/>
+                        </a:lnSpc>
+                        <a:spcBef>
+                          <a:spcPts val="0"/>
+                        </a:spcBef>
+                        <a:spcAft>
+                          <a:spcPts val="0"/>
+                        </a:spcAft>
+                      </a:pPr>
+                      <a:r>
+                        <a:rPr lang="en-US" sz="1800" dirty="0">
+                          <a:effectLst/>
+                          <a:latin typeface="+mj-lt"/>
+                        </a:rPr>
+                        <a:t> </a:t>
+                      </a:r>
+                      <a:endParaRPr lang="en-US" sz="1800" dirty="0">
+                        <a:effectLst/>
+                        <a:latin typeface="+mj-lt"/>
+                        <a:ea typeface="Calibri"/>
+                        <a:cs typeface="Times New Roman"/>
+                      </a:endParaRPr>
+                    </a:p>
+                  </a:txBody>
+                  <a:tcPr marL="68580" marR="68580" marT="0" marB="0"/>
+                </a:tc>
+                <a:tc hMerge="1">
+                  <a:txBody>
+                    <a:bodyPr/>
+                    <a:lstStyle/>
+                    <a:p>
+                      <a:endParaRPr lang="en-US"/>
+                    </a:p>
+                  </a:txBody>
+                  <a:tcPr/>
+                </a:tc>
+                <a:tc hMerge="1">
+                  <a:txBody>
+                    <a:bodyPr/>
+                    <a:lstStyle/>
+                    <a:p>
+                      <a:endParaRPr lang="en-US"/>
+                    </a:p>
+                  </a:txBody>
+                  <a:tcPr/>
+                </a:tc>
+              </a:tr>
+            </a:tbl>
+          </a:graphicData>
+        </a:graphic>
+      </p:graphicFrame>
+    </p:spTree>
+    <p:extLst>
+      <p:ext uri="{BB962C8B-B14F-4D97-AF65-F5344CB8AC3E}">
+        <p14:creationId xmlns:p14="http://schemas.microsoft.com/office/powerpoint/2010/main" val="2969058912"/>
+      </p:ext>
+    </p:extLst>
+  </p:cSld>
+  <p:clrMapOvr>
+    <a:masterClrMapping/>
+  </p:clrMapOvr>
+  <mc:AlternateContent xmlns:mc="http://schemas.openxmlformats.org/markup-compatibility/2006" xmlns:p14="http://schemas.microsoft.com/office/powerpoint/2010/main">
+    <mc:Choice Requires="p14">
+      <p:transition>
+        <p14:flash/>
+      </p:transition>
+    </mc:Choice>
+    <mc:Fallback xmlns="">
+      <p:transition>
+        <p:fade/>
+      </p:transition>
+    </mc:Fallback>
+  </mc:AlternateContent>
+  <p:timing>
+    <p:tnLst>
+      <p:par>
+        <p:cTn id="1" dur="indefinite" restart="never" nodeType="tmRoot"/>
+      </p:par>
+    </p:tnLst>
+  </p:timing>
+</p:sld>
+</file>
+
+<file path=ppt/slides/slide22.xml><?xml version="1.0" encoding="utf-8"?>
+<p:sld xmlns:a="http://schemas.openxmlformats.org/drawingml/2006/main" xmlns:r="http://schemas.openxmlformats.org/officeDocument/2006/relationships" xmlns:p="http://schemas.openxmlformats.org/presentationml/2006/main">
+  <p:cSld>
+    <p:spTree>
+      <p:nvGrpSpPr>
+        <p:cNvPr id="1" name=""/>
+        <p:cNvGrpSpPr/>
+        <p:nvPr/>
+      </p:nvGrpSpPr>
+      <p:grpSpPr>
+        <a:xfrm>
+          <a:off x="0" y="0"/>
+          <a:ext cx="0" cy="0"/>
+          <a:chOff x="0" y="0"/>
+          <a:chExt cx="0" cy="0"/>
+        </a:xfrm>
+      </p:grpSpPr>
+      <p:sp>
+        <p:nvSpPr>
+          <p:cNvPr id="2" name="Title 1"/>
+          <p:cNvSpPr>
+            <a:spLocks noGrp="1"/>
+          </p:cNvSpPr>
+          <p:nvPr>
+            <p:ph type="title"/>
+          </p:nvPr>
+        </p:nvSpPr>
+        <p:spPr/>
+        <p:txBody>
+          <a:bodyPr/>
+          <a:lstStyle/>
+          <a:p>
+            <a:pPr lvl="0"/>
+            <a:r>
+              <a:rPr lang="en-US" dirty="0" smtClean="0"/>
+              <a:t>Quality Attribute Scenarios</a:t>
+            </a:r>
+            <a:endParaRPr lang="en-US" dirty="0"/>
+          </a:p>
+        </p:txBody>
+      </p:sp>
+      <p:sp>
+        <p:nvSpPr>
+          <p:cNvPr id="4" name="Rectangle 2"/>
+          <p:cNvSpPr>
+            <a:spLocks noChangeArrowheads="1"/>
+          </p:cNvSpPr>
+          <p:nvPr/>
+        </p:nvSpPr>
+        <p:spPr bwMode="auto">
+          <a:xfrm>
+            <a:off x="0" y="0"/>
+            <a:ext cx="9144000" cy="0"/>
+          </a:xfrm>
+          <a:prstGeom prst="rect">
+            <a:avLst/>
+          </a:prstGeom>
+          <a:noFill/>
+          <a:ln>
+            <a:noFill/>
+          </a:ln>
+          <a:effectLst/>
+          <a:extLst>
+            <a:ext uri="{909E8E84-426E-40DD-AFC4-6F175D3DCCD1}">
+              <a14:hiddenFill xmlns:a14="http://schemas.microsoft.com/office/drawing/2010/main">
+                <a:solidFill>
+                  <a:schemeClr val="accent1"/>
+                </a:solidFill>
+              </a14:hiddenFill>
+            </a:ext>
+            <a:ext uri="{91240B29-F687-4F45-9708-019B960494DF}">
+              <a14:hiddenLine xmlns:a14="http://schemas.microsoft.com/office/drawing/2010/main" w="9525">
+                <a:solidFill>
+                  <a:schemeClr val="tx1"/>
+                </a:solidFill>
+                <a:miter lim="800000"/>
+                <a:headEnd/>
+                <a:tailEnd/>
+              </a14:hiddenLine>
+            </a:ext>
+            <a:ext uri="{AF507438-7753-43E0-B8FC-AC1667EBCBE1}">
+              <a14:hiddenEffects xmlns:a14="http://schemas.microsoft.com/office/drawing/2010/main">
+                <a:effectLst>
+                  <a:outerShdw dist="35921" dir="2700000" algn="ctr" rotWithShape="0">
+                    <a:schemeClr val="bg2"/>
+                  </a:outerShdw>
+                </a:effectLst>
+              </a14:hiddenEffects>
+            </a:ext>
+          </a:extLst>
+        </p:spPr>
+        <p:txBody>
+          <a:bodyPr vert="horz" wrap="none" lIns="91440" tIns="45720" rIns="91440" bIns="45720" numCol="1" anchor="ctr" anchorCtr="0" compatLnSpc="1">
+            <a:prstTxWarp prst="textNoShape">
+              <a:avLst/>
+            </a:prstTxWarp>
+            <a:spAutoFit/>
+          </a:bodyPr>
+          <a:lstStyle/>
+          <a:p>
+            <a:endParaRPr lang="en-US" dirty="0"/>
+          </a:p>
+        </p:txBody>
+      </p:sp>
+      <p:sp>
+        <p:nvSpPr>
+          <p:cNvPr id="3" name="Rectangle 2"/>
+          <p:cNvSpPr>
+            <a:spLocks noChangeArrowheads="1"/>
+          </p:cNvSpPr>
+          <p:nvPr/>
+        </p:nvSpPr>
+        <p:spPr bwMode="auto">
+          <a:xfrm>
+            <a:off x="0" y="0"/>
+            <a:ext cx="9144000" cy="0"/>
+          </a:xfrm>
+          <a:prstGeom prst="rect">
+            <a:avLst/>
+          </a:prstGeom>
+          <a:noFill/>
+          <a:ln>
+            <a:noFill/>
+          </a:ln>
+          <a:effectLst/>
+          <a:extLst>
+            <a:ext uri="{909E8E84-426E-40DD-AFC4-6F175D3DCCD1}">
+              <a14:hiddenFill xmlns:a14="http://schemas.microsoft.com/office/drawing/2010/main">
+                <a:solidFill>
+                  <a:schemeClr val="accent1"/>
+                </a:solidFill>
+              </a14:hiddenFill>
+            </a:ext>
+            <a:ext uri="{91240B29-F687-4F45-9708-019B960494DF}">
+              <a14:hiddenLine xmlns:a14="http://schemas.microsoft.com/office/drawing/2010/main" w="9525">
+                <a:solidFill>
+                  <a:schemeClr val="tx1"/>
+                </a:solidFill>
+                <a:miter lim="800000"/>
+                <a:headEnd/>
+                <a:tailEnd/>
+              </a14:hiddenLine>
+            </a:ext>
+            <a:ext uri="{AF507438-7753-43E0-B8FC-AC1667EBCBE1}">
+              <a14:hiddenEffects xmlns:a14="http://schemas.microsoft.com/office/drawing/2010/main">
+                <a:effectLst>
+                  <a:outerShdw dist="35921" dir="2700000" algn="ctr" rotWithShape="0">
+                    <a:schemeClr val="bg2"/>
+                  </a:outerShdw>
+                </a:effectLst>
+              </a14:hiddenEffects>
+            </a:ext>
+          </a:extLst>
+        </p:spPr>
+        <p:txBody>
+          <a:bodyPr vert="horz" wrap="none" lIns="91440" tIns="45720" rIns="91440" bIns="45720" numCol="1" anchor="ctr" anchorCtr="0" compatLnSpc="1">
+            <a:prstTxWarp prst="textNoShape">
+              <a:avLst/>
+            </a:prstTxWarp>
+            <a:spAutoFit/>
+          </a:bodyPr>
+          <a:lstStyle/>
+          <a:p>
+            <a:endParaRPr lang="en-US"/>
+          </a:p>
+        </p:txBody>
+      </p:sp>
+      <p:sp>
+        <p:nvSpPr>
+          <p:cNvPr id="7" name="Rectangle 1"/>
+          <p:cNvSpPr>
+            <a:spLocks noChangeArrowheads="1"/>
+          </p:cNvSpPr>
+          <p:nvPr/>
+        </p:nvSpPr>
+        <p:spPr bwMode="auto">
+          <a:xfrm>
+            <a:off x="2438400" y="1754188"/>
+            <a:ext cx="9144000" cy="457200"/>
+          </a:xfrm>
+          <a:prstGeom prst="rect">
+            <a:avLst/>
+          </a:prstGeom>
+          <a:noFill/>
+          <a:ln>
+            <a:noFill/>
+          </a:ln>
+          <a:effectLst/>
+          <a:extLst>
+            <a:ext uri="{909E8E84-426E-40DD-AFC4-6F175D3DCCD1}">
+              <a14:hiddenFill xmlns:a14="http://schemas.microsoft.com/office/drawing/2010/main">
+                <a:solidFill>
+                  <a:schemeClr val="accent1"/>
+                </a:solidFill>
+              </a14:hiddenFill>
+            </a:ext>
+            <a:ext uri="{91240B29-F687-4F45-9708-019B960494DF}">
+              <a14:hiddenLine xmlns:a14="http://schemas.microsoft.com/office/drawing/2010/main" w="9525">
+                <a:solidFill>
+                  <a:schemeClr val="tx1"/>
+                </a:solidFill>
+                <a:miter lim="800000"/>
+                <a:headEnd/>
+                <a:tailEnd/>
+              </a14:hiddenLine>
+            </a:ext>
+            <a:ext uri="{AF507438-7753-43E0-B8FC-AC1667EBCBE1}">
+              <a14:hiddenEffects xmlns:a14="http://schemas.microsoft.com/office/drawing/2010/main">
+                <a:effectLst>
+                  <a:outerShdw dist="35921" dir="2700000" algn="ctr" rotWithShape="0">
+                    <a:schemeClr val="bg2"/>
+                  </a:outerShdw>
+                </a:effectLst>
+              </a14:hiddenEffects>
+            </a:ext>
+          </a:extLst>
+        </p:spPr>
+        <p:txBody>
+          <a:bodyPr vert="horz" wrap="none" lIns="91440" tIns="45720" rIns="91440" bIns="45720" numCol="1" anchor="ctr" anchorCtr="0" compatLnSpc="1">
+            <a:prstTxWarp prst="textNoShape">
+              <a:avLst/>
+            </a:prstTxWarp>
+            <a:spAutoFit/>
+          </a:bodyPr>
+          <a:lstStyle/>
+          <a:p>
+            <a:pPr marL="0" marR="0" lvl="0" indent="0" algn="l" defTabSz="914400" rtl="0" eaLnBrk="1" fontAlgn="base" latinLnBrk="0" hangingPunct="1">
+              <a:lnSpc>
+                <a:spcPct val="100000"/>
+              </a:lnSpc>
+              <a:spcBef>
+                <a:spcPct val="0"/>
+              </a:spcBef>
+              <a:spcAft>
+                <a:spcPct val="0"/>
+              </a:spcAft>
+              <a:buClrTx/>
+              <a:buSzTx/>
+              <a:buFontTx/>
+              <a:buNone/>
+              <a:tabLst/>
+            </a:pPr>
+            <a:endParaRPr kumimoji="0" lang="en-US" sz="1800" b="0" i="0" u="none" strike="noStrike" cap="none" normalizeH="0" baseline="0" smtClean="0">
+              <a:ln>
+                <a:noFill/>
+              </a:ln>
+              <a:solidFill>
+                <a:schemeClr val="tx1"/>
+              </a:solidFill>
+              <a:effectLst/>
+              <a:latin typeface="Arial" pitchFamily="34" charset="0"/>
+              <a:cs typeface="Arial" pitchFamily="34" charset="0"/>
+            </a:endParaRPr>
+          </a:p>
+        </p:txBody>
+      </p:sp>
+      <p:graphicFrame>
+        <p:nvGraphicFramePr>
+          <p:cNvPr id="5" name="Table 4"/>
+          <p:cNvGraphicFramePr>
+            <a:graphicFrameLocks noGrp="1"/>
+          </p:cNvGraphicFramePr>
+          <p:nvPr>
+            <p:extLst>
+              <p:ext uri="{D42A27DB-BD31-4B8C-83A1-F6EECF244321}">
+                <p14:modId xmlns:p14="http://schemas.microsoft.com/office/powerpoint/2010/main" val="344828092"/>
               </p:ext>
             </p:extLst>
           </p:nvPr>
@@ -24637,7 +25011,43 @@
                           <a:effectLst/>
                           <a:latin typeface="+mj-lt"/>
                         </a:rPr>
-                        <a:t>Title of scenario: Bill </a:t>
+                        <a:t>Title of scenario: </a:t>
+                      </a:r>
+                      <a:r>
+                        <a:rPr lang="en-US" sz="1800" dirty="0" smtClean="0">
+                          <a:solidFill>
+                            <a:schemeClr val="accent5">
+                              <a:lumMod val="25000"/>
+                            </a:schemeClr>
+                          </a:solidFill>
+                          <a:effectLst/>
+                          <a:latin typeface="+mj-lt"/>
+                        </a:rPr>
+                        <a:t>Save</a:t>
+                      </a:r>
+                      <a:r>
+                        <a:rPr lang="en-US" sz="1800" baseline="0" dirty="0" smtClean="0">
+                          <a:solidFill>
+                            <a:schemeClr val="accent5">
+                              <a:lumMod val="25000"/>
+                            </a:schemeClr>
+                          </a:solidFill>
+                          <a:effectLst/>
+                          <a:latin typeface="+mj-lt"/>
+                        </a:rPr>
+                        <a:t> </a:t>
+                      </a:r>
+                      <a:r>
+                        <a:rPr lang="en-US" sz="1800" dirty="0" smtClean="0">
+                          <a:solidFill>
+                            <a:schemeClr val="accent5">
+                              <a:lumMod val="25000"/>
+                            </a:schemeClr>
+                          </a:solidFill>
+                          <a:effectLst/>
+                          <a:latin typeface="+mj-lt"/>
+                        </a:rPr>
+                        <a:t>Bill </a:t>
                       </a:r>
                       <a:endParaRPr lang="en-US" sz="1800" dirty="0">
                         <a:solidFill>
@@ -25720,7 +26130,7 @@
 </p:sld>
 </file>
 
-<file path=ppt/slides/slide21.xml><?xml version="1.0" encoding="utf-8"?>
+<file path=ppt/slides/slide23.xml><?xml version="1.0" encoding="utf-8"?>
 <p:sld xmlns:a="http://schemas.openxmlformats.org/drawingml/2006/main" xmlns:r="http://schemas.openxmlformats.org/officeDocument/2006/relationships" xmlns:p="http://schemas.openxmlformats.org/presentationml/2006/main">
   <p:cSld>
     <p:spTree>
@@ -27106,7 +27516,7 @@
 </p:sld>
 </file>
 
-<file path=ppt/slides/slide22.xml><?xml version="1.0" encoding="utf-8"?>
+<file path=ppt/slides/slide24.xml><?xml version="1.0" encoding="utf-8"?>
 <p:sld xmlns:a="http://schemas.openxmlformats.org/drawingml/2006/main" xmlns:r="http://schemas.openxmlformats.org/officeDocument/2006/relationships" xmlns:p="http://schemas.openxmlformats.org/presentationml/2006/main">
   <p:cSld>
     <p:spTree>
@@ -28502,7 +28912,7 @@
 </p:sld>
 </file>
 
-<file path=ppt/slides/slide23.xml><?xml version="1.0" encoding="utf-8"?>
+<file path=ppt/slides/slide25.xml><?xml version="1.0" encoding="utf-8"?>
 <p:sld xmlns:a="http://schemas.openxmlformats.org/drawingml/2006/main" xmlns:r="http://schemas.openxmlformats.org/officeDocument/2006/relationships" xmlns:p="http://schemas.openxmlformats.org/presentationml/2006/main">
   <p:cSld>
     <p:spTree>
@@ -28806,7 +29216,7 @@
                         </a:spcAft>
                       </a:pPr>
                       <a:r>
-                        <a:rPr lang="en-US" sz="1800">
+                        <a:rPr lang="en-US" sz="1800" dirty="0">
                           <a:solidFill>
                             <a:schemeClr val="accent5">
                               <a:lumMod val="25000"/>
@@ -28817,7 +29227,7 @@
                         </a:rPr>
                         <a:t>Title of scenario: Block unauthorized access</a:t>
                       </a:r>
-                      <a:endParaRPr lang="en-US" sz="1800">
+                      <a:endParaRPr lang="en-US" sz="1800" dirty="0">
                         <a:solidFill>
                           <a:schemeClr val="accent5">
                             <a:lumMod val="25000"/>
@@ -29888,7 +30298,7 @@
 </p:sld>
 </file>
 
-<file path=ppt/slides/slide24.xml><?xml version="1.0" encoding="utf-8"?>
+<file path=ppt/slides/slide26.xml><?xml version="1.0" encoding="utf-8"?>
 <p:sld xmlns:a="http://schemas.openxmlformats.org/drawingml/2006/main" xmlns:r="http://schemas.openxmlformats.org/officeDocument/2006/relationships" xmlns:p="http://schemas.openxmlformats.org/presentationml/2006/main">
   <p:cSld>
     <p:spTree>
@@ -31373,7 +31783,7 @@
 </p:sld>
 </file>
 
-<file path=ppt/slides/slide25.xml><?xml version="1.0" encoding="utf-8"?>
+<file path=ppt/slides/slide27.xml><?xml version="1.0" encoding="utf-8"?>
 <p:sld xmlns:a="http://schemas.openxmlformats.org/drawingml/2006/main" xmlns:r="http://schemas.openxmlformats.org/officeDocument/2006/relationships" xmlns:p="http://schemas.openxmlformats.org/presentationml/2006/main">
   <p:cSld>
     <p:spTree>
@@ -34915,7 +35325,7 @@
 </p:sld>
 </file>
 
-<file path=ppt/slides/slide26.xml><?xml version="1.0" encoding="utf-8"?>
+<file path=ppt/slides/slide28.xml><?xml version="1.0" encoding="utf-8"?>
 <p:sld xmlns:a="http://schemas.openxmlformats.org/drawingml/2006/main" xmlns:r="http://schemas.openxmlformats.org/officeDocument/2006/relationships" xmlns:p="http://schemas.openxmlformats.org/presentationml/2006/main">
   <p:cSld>
     <p:spTree>
@@ -35167,7 +35577,7 @@
           <a:graphicData uri="http://schemas.openxmlformats.org/presentationml/2006/ole">
             <mc:AlternateContent xmlns:mc="http://schemas.openxmlformats.org/markup-compatibility/2006">
               <mc:Choice xmlns:v="urn:schemas-microsoft-com:vml" Requires="v">
-                <p:oleObj spid="_x0000_s139273" name="Visio" r:id="rId3" imgW="9089179" imgH="4645287" progId="Visio.Drawing.11">
+                <p:oleObj spid="_x0000_s139276" name="Visio" r:id="rId3" imgW="9089179" imgH="4645287" progId="Visio.Drawing.11">
                   <p:embed/>
                 </p:oleObj>
               </mc:Choice>
@@ -35312,7 +35722,7 @@
 </p:sld>
 </file>
 
-<file path=ppt/slides/slide27.xml><?xml version="1.0" encoding="utf-8"?>
+<file path=ppt/slides/slide29.xml><?xml version="1.0" encoding="utf-8"?>
 <p:sld xmlns:a="http://schemas.openxmlformats.org/drawingml/2006/main" xmlns:r="http://schemas.openxmlformats.org/officeDocument/2006/relationships" xmlns:p="http://schemas.openxmlformats.org/presentationml/2006/main">
   <p:cSld>
     <p:spTree>
@@ -35354,14 +35764,14 @@
       </p:sp>
       <p:pic>
         <p:nvPicPr>
-          <p:cNvPr id="138243" name="Picture 3"/>
+          <p:cNvPr id="143362" name="Picture 2"/>
           <p:cNvPicPr>
             <a:picLocks noChangeAspect="1" noChangeArrowheads="1"/>
           </p:cNvPicPr>
           <p:nvPr/>
         </p:nvPicPr>
         <p:blipFill>
-          <a:blip r:embed="rId2">
+          <a:blip r:embed="rId2" cstate="print">
             <a:extLst>
               <a:ext uri="{28A0092B-C50C-407E-A947-70E740481C1C}">
                 <a14:useLocalDpi xmlns:a14="http://schemas.microsoft.com/office/drawing/2010/main" val="0"/>
@@ -35375,8 +35785,8 @@
         </p:blipFill>
         <p:spPr bwMode="auto">
           <a:xfrm>
-            <a:off x="838200" y="1143000"/>
-            <a:ext cx="7772400" cy="5768564"/>
+            <a:off x="152400" y="1143000"/>
+            <a:ext cx="8991600" cy="5581561"/>
           </a:xfrm>
           <a:prstGeom prst="rect">
             <a:avLst/>
@@ -35429,128 +35839,193 @@
   <p:timing>
     <p:tnLst>
       <p:par>
-        <p:cTn id="1" dur="indefinite" restart="never" nodeType="tmRoot">
-          <p:childTnLst>
-            <p:seq concurrent="1" nextAc="seek">
-              <p:cTn id="2" dur="indefinite" nodeType="mainSeq">
-                <p:childTnLst>
-                  <p:par>
-                    <p:cTn id="3" fill="hold">
-                      <p:stCondLst>
-                        <p:cond delay="indefinite"/>
-                      </p:stCondLst>
-                      <p:childTnLst>
-                        <p:par>
-                          <p:cTn id="4" fill="hold">
-                            <p:stCondLst>
-                              <p:cond delay="0"/>
-                            </p:stCondLst>
-                            <p:childTnLst>
-                              <p:par>
-                                <p:cTn id="5" presetID="2" presetClass="entr" presetSubtype="4" fill="hold" nodeType="clickEffect">
-                                  <p:stCondLst>
-                                    <p:cond delay="0"/>
-                                  </p:stCondLst>
-                                  <p:childTnLst>
-                                    <p:set>
-                                      <p:cBhvr>
-                                        <p:cTn id="6" dur="1" fill="hold">
-                                          <p:stCondLst>
-                                            <p:cond delay="0"/>
-                                          </p:stCondLst>
-                                        </p:cTn>
-                                        <p:tgtEl>
-                                          <p:spTgt spid="138243"/>
-                                        </p:tgtEl>
-                                        <p:attrNameLst>
-                                          <p:attrName>style.visibility</p:attrName>
-                                        </p:attrNameLst>
-                                      </p:cBhvr>
-                                      <p:to>
-                                        <p:strVal val="visible"/>
-                                      </p:to>
-                                    </p:set>
-                                    <p:anim calcmode="lin" valueType="num">
-                                      <p:cBhvr additive="base">
-                                        <p:cTn id="7" dur="500" fill="hold"/>
-                                        <p:tgtEl>
-                                          <p:spTgt spid="138243"/>
-                                        </p:tgtEl>
-                                        <p:attrNameLst>
-                                          <p:attrName>ppt_x</p:attrName>
-                                        </p:attrNameLst>
-                                      </p:cBhvr>
-                                      <p:tavLst>
-                                        <p:tav tm="0">
-                                          <p:val>
-                                            <p:strVal val="#ppt_x"/>
-                                          </p:val>
-                                        </p:tav>
-                                        <p:tav tm="100000">
-                                          <p:val>
-                                            <p:strVal val="#ppt_x"/>
-                                          </p:val>
-                                        </p:tav>
-                                      </p:tavLst>
-                                    </p:anim>
-                                    <p:anim calcmode="lin" valueType="num">
-                                      <p:cBhvr additive="base">
-                                        <p:cTn id="8" dur="500" fill="hold"/>
-                                        <p:tgtEl>
-                                          <p:spTgt spid="138243"/>
-                                        </p:tgtEl>
-                                        <p:attrNameLst>
-                                          <p:attrName>ppt_y</p:attrName>
-                                        </p:attrNameLst>
-                                      </p:cBhvr>
-                                      <p:tavLst>
-                                        <p:tav tm="0">
-                                          <p:val>
-                                            <p:strVal val="1+#ppt_h/2"/>
-                                          </p:val>
-                                        </p:tav>
-                                        <p:tav tm="100000">
-                                          <p:val>
-                                            <p:strVal val="#ppt_y"/>
-                                          </p:val>
-                                        </p:tav>
-                                      </p:tavLst>
-                                    </p:anim>
-                                  </p:childTnLst>
-                                </p:cTn>
-                              </p:par>
-                            </p:childTnLst>
-                          </p:cTn>
-                        </p:par>
-                      </p:childTnLst>
-                    </p:cTn>
-                  </p:par>
-                </p:childTnLst>
-              </p:cTn>
-              <p:prevCondLst>
-                <p:cond evt="onPrev" delay="0">
-                  <p:tgtEl>
-                    <p:sldTgt/>
-                  </p:tgtEl>
-                </p:cond>
-              </p:prevCondLst>
-              <p:nextCondLst>
-                <p:cond evt="onNext" delay="0">
-                  <p:tgtEl>
-                    <p:sldTgt/>
-                  </p:tgtEl>
-                </p:cond>
-              </p:nextCondLst>
-            </p:seq>
-          </p:childTnLst>
-        </p:cTn>
+        <p:cTn id="1" dur="indefinite" restart="never" nodeType="tmRoot"/>
       </p:par>
     </p:tnLst>
   </p:timing>
 </p:sld>
 </file>
 
-<file path=ppt/slides/slide28.xml><?xml version="1.0" encoding="utf-8"?>
+<file path=ppt/slides/slide3.xml><?xml version="1.0" encoding="utf-8"?>
+<p:sld xmlns:a="http://schemas.openxmlformats.org/drawingml/2006/main" xmlns:r="http://schemas.openxmlformats.org/officeDocument/2006/relationships" xmlns:p="http://schemas.openxmlformats.org/presentationml/2006/main">
+  <p:cSld>
+    <p:spTree>
+      <p:nvGrpSpPr>
+        <p:cNvPr id="1" name=""/>
+        <p:cNvGrpSpPr/>
+        <p:nvPr/>
+      </p:nvGrpSpPr>
+      <p:grpSpPr>
+        <a:xfrm>
+          <a:off x="0" y="0"/>
+          <a:ext cx="0" cy="0"/>
+          <a:chOff x="0" y="0"/>
+          <a:chExt cx="0" cy="0"/>
+        </a:xfrm>
+      </p:grpSpPr>
+      <p:sp>
+        <p:nvSpPr>
+          <p:cNvPr id="2" name="Title 1"/>
+          <p:cNvSpPr>
+            <a:spLocks noGrp="1"/>
+          </p:cNvSpPr>
+          <p:nvPr>
+            <p:ph type="title"/>
+          </p:nvPr>
+        </p:nvSpPr>
+        <p:spPr/>
+        <p:txBody>
+          <a:bodyPr/>
+          <a:lstStyle/>
+          <a:p>
+            <a:pPr lvl="0"/>
+            <a:r>
+              <a:rPr lang="en-US" smtClean="0"/>
+              <a:t>Introduction to POS System</a:t>
+            </a:r>
+            <a:endParaRPr lang="en-US" dirty="0"/>
+          </a:p>
+        </p:txBody>
+      </p:sp>
+      <p:sp>
+        <p:nvSpPr>
+          <p:cNvPr id="4" name="Rectangle 2"/>
+          <p:cNvSpPr>
+            <a:spLocks noChangeArrowheads="1"/>
+          </p:cNvSpPr>
+          <p:nvPr/>
+        </p:nvSpPr>
+        <p:spPr bwMode="auto">
+          <a:xfrm>
+            <a:off x="0" y="0"/>
+            <a:ext cx="9144000" cy="0"/>
+          </a:xfrm>
+          <a:prstGeom prst="rect">
+            <a:avLst/>
+          </a:prstGeom>
+          <a:noFill/>
+          <a:ln>
+            <a:noFill/>
+          </a:ln>
+          <a:effectLst/>
+          <a:extLst>
+            <a:ext uri="{909E8E84-426E-40DD-AFC4-6F175D3DCCD1}">
+              <a14:hiddenFill xmlns:a14="http://schemas.microsoft.com/office/drawing/2010/main">
+                <a:solidFill>
+                  <a:schemeClr val="accent1"/>
+                </a:solidFill>
+              </a14:hiddenFill>
+            </a:ext>
+            <a:ext uri="{91240B29-F687-4F45-9708-019B960494DF}">
+              <a14:hiddenLine xmlns:a14="http://schemas.microsoft.com/office/drawing/2010/main" w="9525">
+                <a:solidFill>
+                  <a:schemeClr val="tx1"/>
+                </a:solidFill>
+                <a:miter lim="800000"/>
+                <a:headEnd/>
+                <a:tailEnd/>
+              </a14:hiddenLine>
+            </a:ext>
+            <a:ext uri="{AF507438-7753-43E0-B8FC-AC1667EBCBE1}">
+              <a14:hiddenEffects xmlns:a14="http://schemas.microsoft.com/office/drawing/2010/main">
+                <a:effectLst>
+                  <a:outerShdw dist="35921" dir="2700000" algn="ctr" rotWithShape="0">
+                    <a:schemeClr val="bg2"/>
+                  </a:outerShdw>
+                </a:effectLst>
+              </a14:hiddenEffects>
+            </a:ext>
+          </a:extLst>
+        </p:spPr>
+        <p:txBody>
+          <a:bodyPr vert="horz" wrap="none" lIns="91440" tIns="45720" rIns="91440" bIns="45720" numCol="1" anchor="ctr" anchorCtr="0" compatLnSpc="1">
+            <a:prstTxWarp prst="textNoShape">
+              <a:avLst/>
+            </a:prstTxWarp>
+            <a:spAutoFit/>
+          </a:bodyPr>
+          <a:lstStyle/>
+          <a:p>
+            <a:endParaRPr lang="en-US" dirty="0"/>
+          </a:p>
+        </p:txBody>
+      </p:sp>
+      <p:sp>
+        <p:nvSpPr>
+          <p:cNvPr id="6" name="Content Placeholder 5"/>
+          <p:cNvSpPr>
+            <a:spLocks noGrp="1"/>
+          </p:cNvSpPr>
+          <p:nvPr>
+            <p:ph idx="1"/>
+          </p:nvPr>
+        </p:nvSpPr>
+        <p:spPr>
+          <a:xfrm>
+            <a:off x="762000" y="2362200"/>
+            <a:ext cx="8001000" cy="4191000"/>
+          </a:xfrm>
+        </p:spPr>
+        <p:txBody>
+          <a:bodyPr/>
+          <a:lstStyle/>
+          <a:p>
+            <a:pPr marL="0" indent="0">
+              <a:buNone/>
+            </a:pPr>
+            <a:r>
+              <a:rPr lang="en-US" sz="2400" b="1" i="1" dirty="0">
+                <a:solidFill>
+                  <a:srgbClr val="0070C0"/>
+                </a:solidFill>
+                <a:latin typeface="+mj-lt"/>
+              </a:rPr>
+              <a:t>Company A, a retail chain, has decided to develop a sales system (hereinafter, the system) in conjunction with its launch of a point service. Company A decided to choose the Web solution using ASP.NET MVC 3 framework, only Web browser, no local Database needed for any POS terminal. And authorized managers can display statistic reports from Internet.</a:t>
+            </a:r>
+          </a:p>
+          <a:p>
+            <a:pPr marL="0" indent="0">
+              <a:buNone/>
+            </a:pPr>
+            <a:endParaRPr lang="en-US" sz="1800" dirty="0">
+              <a:latin typeface="+mj-lt"/>
+            </a:endParaRPr>
+          </a:p>
+        </p:txBody>
+      </p:sp>
+    </p:spTree>
+    <p:extLst>
+      <p:ext uri="{BB962C8B-B14F-4D97-AF65-F5344CB8AC3E}">
+        <p14:creationId xmlns:p14="http://schemas.microsoft.com/office/powerpoint/2010/main" val="3644494017"/>
+      </p:ext>
+    </p:extLst>
+  </p:cSld>
+  <p:clrMapOvr>
+    <a:masterClrMapping/>
+  </p:clrMapOvr>
+  <mc:AlternateContent xmlns:mc="http://schemas.openxmlformats.org/markup-compatibility/2006" xmlns:p14="http://schemas.microsoft.com/office/powerpoint/2010/main">
+    <mc:Choice Requires="p14">
+      <p:transition>
+        <p14:flash/>
+      </p:transition>
+    </mc:Choice>
+    <mc:Fallback xmlns="">
+      <p:transition>
+        <p:fade/>
+      </p:transition>
+    </mc:Fallback>
+  </mc:AlternateContent>
+  <p:timing>
+    <p:tnLst>
+      <p:par>
+        <p:cTn id="1" dur="indefinite" restart="never" nodeType="tmRoot"/>
+      </p:par>
+    </p:tnLst>
+  </p:timing>
+</p:sld>
+</file>
+
+<file path=ppt/slides/slide30.xml><?xml version="1.0" encoding="utf-8"?>
 <p:sld xmlns:a="http://schemas.openxmlformats.org/drawingml/2006/main" xmlns:r="http://schemas.openxmlformats.org/officeDocument/2006/relationships" xmlns:p="http://schemas.openxmlformats.org/presentationml/2006/main">
   <p:cSld>
     <p:spTree>
@@ -35675,7 +36150,7 @@
           <a:graphicData uri="http://schemas.openxmlformats.org/presentationml/2006/ole">
             <mc:AlternateContent xmlns:mc="http://schemas.openxmlformats.org/markup-compatibility/2006">
               <mc:Choice xmlns:v="urn:schemas-microsoft-com:vml" Requires="v">
-                <p:oleObj spid="_x0000_s140297" name="Visio" r:id="rId3" imgW="11727851" imgH="7171055" progId="Visio.Drawing.11">
+                <p:oleObj spid="_x0000_s140300" name="Visio" r:id="rId3" imgW="11727851" imgH="7171055" progId="Visio.Drawing.11">
                   <p:embed/>
                 </p:oleObj>
               </mc:Choice>
@@ -35816,7 +36291,7 @@
 </p:sld>
 </file>
 
-<file path=ppt/slides/slide29.xml><?xml version="1.0" encoding="utf-8"?>
+<file path=ppt/slides/slide31.xml><?xml version="1.0" encoding="utf-8"?>
 <p:sld xmlns:a="http://schemas.openxmlformats.org/drawingml/2006/main" xmlns:r="http://schemas.openxmlformats.org/officeDocument/2006/relationships" xmlns:p="http://schemas.openxmlformats.org/presentationml/2006/main">
   <p:cSld>
     <p:spTree>
@@ -35895,290 +36370,7 @@
 </p:sld>
 </file>
 
-<file path=ppt/slides/slide3.xml><?xml version="1.0" encoding="utf-8"?>
-<p:sld xmlns:a="http://schemas.openxmlformats.org/drawingml/2006/main" xmlns:r="http://schemas.openxmlformats.org/officeDocument/2006/relationships" xmlns:p="http://schemas.openxmlformats.org/presentationml/2006/main">
-  <p:cSld>
-    <p:spTree>
-      <p:nvGrpSpPr>
-        <p:cNvPr id="1" name=""/>
-        <p:cNvGrpSpPr/>
-        <p:nvPr/>
-      </p:nvGrpSpPr>
-      <p:grpSpPr>
-        <a:xfrm>
-          <a:off x="0" y="0"/>
-          <a:ext cx="0" cy="0"/>
-          <a:chOff x="0" y="0"/>
-          <a:chExt cx="0" cy="0"/>
-        </a:xfrm>
-      </p:grpSpPr>
-      <p:sp>
-        <p:nvSpPr>
-          <p:cNvPr id="2" name="Title 1"/>
-          <p:cNvSpPr>
-            <a:spLocks noGrp="1"/>
-          </p:cNvSpPr>
-          <p:nvPr>
-            <p:ph type="title"/>
-          </p:nvPr>
-        </p:nvSpPr>
-        <p:spPr/>
-        <p:txBody>
-          <a:bodyPr/>
-          <a:lstStyle/>
-          <a:p>
-            <a:pPr lvl="0"/>
-            <a:r>
-              <a:rPr lang="en-US" dirty="0" smtClean="0"/>
-              <a:t>Introduction to POS System</a:t>
-            </a:r>
-            <a:endParaRPr lang="en-US" dirty="0"/>
-          </a:p>
-        </p:txBody>
-      </p:sp>
-      <p:sp>
-        <p:nvSpPr>
-          <p:cNvPr id="4" name="Rectangle 2"/>
-          <p:cNvSpPr>
-            <a:spLocks noChangeArrowheads="1"/>
-          </p:cNvSpPr>
-          <p:nvPr/>
-        </p:nvSpPr>
-        <p:spPr bwMode="auto">
-          <a:xfrm>
-            <a:off x="0" y="0"/>
-            <a:ext cx="9144000" cy="0"/>
-          </a:xfrm>
-          <a:prstGeom prst="rect">
-            <a:avLst/>
-          </a:prstGeom>
-          <a:noFill/>
-          <a:ln>
-            <a:noFill/>
-          </a:ln>
-          <a:effectLst/>
-          <a:extLst>
-            <a:ext uri="{909E8E84-426E-40DD-AFC4-6F175D3DCCD1}">
-              <a14:hiddenFill xmlns:a14="http://schemas.microsoft.com/office/drawing/2010/main">
-                <a:solidFill>
-                  <a:schemeClr val="accent1"/>
-                </a:solidFill>
-              </a14:hiddenFill>
-            </a:ext>
-            <a:ext uri="{91240B29-F687-4F45-9708-019B960494DF}">
-              <a14:hiddenLine xmlns:a14="http://schemas.microsoft.com/office/drawing/2010/main" w="9525">
-                <a:solidFill>
-                  <a:schemeClr val="tx1"/>
-                </a:solidFill>
-                <a:miter lim="800000"/>
-                <a:headEnd/>
-                <a:tailEnd/>
-              </a14:hiddenLine>
-            </a:ext>
-            <a:ext uri="{AF507438-7753-43E0-B8FC-AC1667EBCBE1}">
-              <a14:hiddenEffects xmlns:a14="http://schemas.microsoft.com/office/drawing/2010/main">
-                <a:effectLst>
-                  <a:outerShdw dist="35921" dir="2700000" algn="ctr" rotWithShape="0">
-                    <a:schemeClr val="bg2"/>
-                  </a:outerShdw>
-                </a:effectLst>
-              </a14:hiddenEffects>
-            </a:ext>
-          </a:extLst>
-        </p:spPr>
-        <p:txBody>
-          <a:bodyPr vert="horz" wrap="none" lIns="91440" tIns="45720" rIns="91440" bIns="45720" numCol="1" anchor="ctr" anchorCtr="0" compatLnSpc="1">
-            <a:prstTxWarp prst="textNoShape">
-              <a:avLst/>
-            </a:prstTxWarp>
-            <a:spAutoFit/>
-          </a:bodyPr>
-          <a:lstStyle/>
-          <a:p>
-            <a:endParaRPr lang="en-US" dirty="0"/>
-          </a:p>
-        </p:txBody>
-      </p:sp>
-      <p:sp>
-        <p:nvSpPr>
-          <p:cNvPr id="6" name="Content Placeholder 5"/>
-          <p:cNvSpPr>
-            <a:spLocks noGrp="1"/>
-          </p:cNvSpPr>
-          <p:nvPr>
-            <p:ph idx="1"/>
-          </p:nvPr>
-        </p:nvSpPr>
-        <p:spPr>
-          <a:xfrm>
-            <a:off x="914400" y="1295400"/>
-            <a:ext cx="8229600" cy="4724400"/>
-          </a:xfrm>
-        </p:spPr>
-        <p:txBody>
-          <a:bodyPr/>
-          <a:lstStyle/>
-          <a:p>
-            <a:pPr marL="0" lvl="0" indent="0">
-              <a:buNone/>
-            </a:pPr>
-            <a:r>
-              <a:rPr lang="en-US" sz="2400" dirty="0" smtClean="0">
-                <a:latin typeface="+mj-lt"/>
-              </a:rPr>
-              <a:t>Administrator </a:t>
-            </a:r>
-            <a:r>
-              <a:rPr lang="en-US" sz="2400" dirty="0">
-                <a:latin typeface="+mj-lt"/>
-              </a:rPr>
-              <a:t>can do following function:</a:t>
-            </a:r>
-          </a:p>
-          <a:p>
-            <a:pPr lvl="0"/>
-            <a:r>
-              <a:rPr lang="en-US" sz="2400" dirty="0">
-                <a:latin typeface="+mj-lt"/>
-              </a:rPr>
-              <a:t>Add New User</a:t>
-            </a:r>
-          </a:p>
-          <a:p>
-            <a:pPr lvl="0"/>
-            <a:r>
-              <a:rPr lang="en-US" sz="2400" dirty="0">
-                <a:latin typeface="+mj-lt"/>
-              </a:rPr>
-              <a:t>Search/ View User List</a:t>
-            </a:r>
-          </a:p>
-          <a:p>
-            <a:pPr lvl="0"/>
-            <a:r>
-              <a:rPr lang="en-US" sz="2400" dirty="0">
-                <a:latin typeface="+mj-lt"/>
-              </a:rPr>
-              <a:t>View User Detail Information</a:t>
-            </a:r>
-          </a:p>
-          <a:p>
-            <a:pPr lvl="0"/>
-            <a:r>
-              <a:rPr lang="en-US" sz="2400" dirty="0">
-                <a:latin typeface="+mj-lt"/>
-              </a:rPr>
-              <a:t>Update User Information, Assign Authorize</a:t>
-            </a:r>
-          </a:p>
-          <a:p>
-            <a:pPr lvl="0"/>
-            <a:r>
-              <a:rPr lang="en-US" sz="2400" dirty="0">
-                <a:latin typeface="+mj-lt"/>
-              </a:rPr>
-              <a:t>Add New POST</a:t>
-            </a:r>
-          </a:p>
-          <a:p>
-            <a:pPr lvl="0"/>
-            <a:r>
-              <a:rPr lang="en-US" sz="2400" dirty="0">
-                <a:latin typeface="+mj-lt"/>
-              </a:rPr>
-              <a:t>Search/ View POST List</a:t>
-            </a:r>
-          </a:p>
-          <a:p>
-            <a:pPr lvl="0"/>
-            <a:r>
-              <a:rPr lang="en-US" sz="2400" dirty="0">
-                <a:latin typeface="+mj-lt"/>
-              </a:rPr>
-              <a:t>View POST Detail Information</a:t>
-            </a:r>
-          </a:p>
-          <a:p>
-            <a:pPr lvl="0"/>
-            <a:r>
-              <a:rPr lang="en-US" sz="2400" dirty="0">
-                <a:latin typeface="+mj-lt"/>
-              </a:rPr>
-              <a:t>Update POST Information</a:t>
-            </a:r>
-          </a:p>
-          <a:p>
-            <a:pPr marL="0" lvl="0" indent="0">
-              <a:buNone/>
-            </a:pPr>
-            <a:r>
-              <a:rPr lang="en-US" sz="2400" dirty="0">
-                <a:latin typeface="+mj-lt"/>
-              </a:rPr>
-              <a:t>Staff can do following function:</a:t>
-            </a:r>
-          </a:p>
-          <a:p>
-            <a:pPr lvl="0"/>
-            <a:r>
-              <a:rPr lang="en-US" sz="2400" dirty="0">
-                <a:latin typeface="+mj-lt"/>
-              </a:rPr>
-              <a:t>Add New Product</a:t>
-            </a:r>
-          </a:p>
-          <a:p>
-            <a:pPr lvl="0"/>
-            <a:r>
-              <a:rPr lang="en-US" sz="2400" dirty="0">
-                <a:latin typeface="+mj-lt"/>
-              </a:rPr>
-              <a:t>Search/ View Product List</a:t>
-            </a:r>
-          </a:p>
-          <a:p>
-            <a:pPr marL="0" indent="0">
-              <a:buNone/>
-            </a:pPr>
-            <a:endParaRPr lang="en-US" sz="1800" dirty="0">
-              <a:latin typeface="+mj-lt"/>
-            </a:endParaRPr>
-          </a:p>
-        </p:txBody>
-      </p:sp>
-    </p:spTree>
-    <p:extLst>
-      <p:ext uri="{BB962C8B-B14F-4D97-AF65-F5344CB8AC3E}">
-        <p14:creationId xmlns:p14="http://schemas.microsoft.com/office/powerpoint/2010/main" val="3644494017"/>
-      </p:ext>
-    </p:extLst>
-  </p:cSld>
-  <p:clrMapOvr>
-    <a:masterClrMapping/>
-  </p:clrMapOvr>
-  <mc:AlternateContent xmlns:mc="http://schemas.openxmlformats.org/markup-compatibility/2006" xmlns:p14="http://schemas.microsoft.com/office/powerpoint/2010/main">
-    <mc:Choice Requires="p14">
-      <p:transition>
-        <p14:flash/>
-      </p:transition>
-    </mc:Choice>
-    <mc:Fallback xmlns="">
-      <p:transition>
-        <p:fade/>
-      </p:transition>
-    </mc:Fallback>
-  </mc:AlternateContent>
-  <p:timing>
-    <p:tnLst>
-      <p:par>
-        <p:cTn id="1" dur="indefinite" restart="never" nodeType="tmRoot"/>
-      </p:par>
-    </p:tnLst>
-  </p:timing>
-</p:sld>
-</file>
-
-<file path=ppt/slides/slide30.xml><?xml version="1.0" encoding="utf-8"?>
+<file path=ppt/slides/slide32.xml><?xml version="1.0" encoding="utf-8"?>
 <p:sld xmlns:a="http://schemas.openxmlformats.org/drawingml/2006/main" xmlns:r="http://schemas.openxmlformats.org/officeDocument/2006/relationships" xmlns:p="http://schemas.openxmlformats.org/presentationml/2006/main">
   <p:cSld>
     <p:spTree>
@@ -36257,7 +36449,86 @@
 </p:sld>
 </file>
 
-<file path=ppt/slides/slide31.xml><?xml version="1.0" encoding="utf-8"?>
+<file path=ppt/slides/slide33.xml><?xml version="1.0" encoding="utf-8"?>
+<p:sld xmlns:a="http://schemas.openxmlformats.org/drawingml/2006/main" xmlns:r="http://schemas.openxmlformats.org/officeDocument/2006/relationships" xmlns:p="http://schemas.openxmlformats.org/presentationml/2006/main">
+  <p:cSld>
+    <p:spTree>
+      <p:nvGrpSpPr>
+        <p:cNvPr id="1" name=""/>
+        <p:cNvGrpSpPr/>
+        <p:nvPr/>
+      </p:nvGrpSpPr>
+      <p:grpSpPr>
+        <a:xfrm>
+          <a:off x="0" y="0"/>
+          <a:ext cx="0" cy="0"/>
+          <a:chOff x="0" y="0"/>
+          <a:chExt cx="0" cy="0"/>
+        </a:xfrm>
+      </p:grpSpPr>
+      <p:sp>
+        <p:nvSpPr>
+          <p:cNvPr id="2" name="Title 1"/>
+          <p:cNvSpPr>
+            <a:spLocks noGrp="1"/>
+          </p:cNvSpPr>
+          <p:nvPr>
+            <p:ph type="title"/>
+          </p:nvPr>
+        </p:nvSpPr>
+        <p:spPr/>
+        <p:txBody>
+          <a:bodyPr/>
+          <a:lstStyle/>
+          <a:p>
+            <a:r>
+              <a:rPr lang="en-US" dirty="0" smtClean="0"/>
+              <a:t>Tactics</a:t>
+            </a:r>
+            <a:endParaRPr lang="en-US" dirty="0"/>
+          </a:p>
+        </p:txBody>
+      </p:sp>
+      <p:sp>
+        <p:nvSpPr>
+          <p:cNvPr id="3" name="Content Placeholder 2"/>
+          <p:cNvSpPr>
+            <a:spLocks noGrp="1"/>
+          </p:cNvSpPr>
+          <p:nvPr>
+            <p:ph idx="1"/>
+          </p:nvPr>
+        </p:nvSpPr>
+        <p:spPr/>
+        <p:txBody>
+          <a:bodyPr/>
+          <a:lstStyle/>
+          <a:p>
+            <a:endParaRPr lang="en-US"/>
+          </a:p>
+        </p:txBody>
+      </p:sp>
+    </p:spTree>
+    <p:extLst>
+      <p:ext uri="{BB962C8B-B14F-4D97-AF65-F5344CB8AC3E}">
+        <p14:creationId xmlns:p14="http://schemas.microsoft.com/office/powerpoint/2010/main" val="165849529"/>
+      </p:ext>
+    </p:extLst>
+  </p:cSld>
+  <p:clrMapOvr>
+    <a:masterClrMapping/>
+  </p:clrMapOvr>
+  <p:timing>
+    <p:tnLst>
+      <p:par>
+        <p:cTn id="1" dur="indefinite" restart="never" nodeType="tmRoot"/>
+      </p:par>
+    </p:tnLst>
+  </p:timing>
+</p:sld>
+</file>
+
+<file path=ppt/slides/slide34.xml><?xml version="1.0" encoding="utf-8"?>
 <p:sld xmlns:a="http://schemas.openxmlformats.org/drawingml/2006/main" xmlns:r="http://schemas.openxmlformats.org/officeDocument/2006/relationships" xmlns:p="http://schemas.openxmlformats.org/presentationml/2006/main">
   <p:cSld>
     <p:spTree>
@@ -36336,7 +36607,7 @@
 </p:sld>
 </file>
 
-<file path=ppt/slides/slide32.xml><?xml version="1.0" encoding="utf-8"?>
+<file path=ppt/slides/slide35.xml><?xml version="1.0" encoding="utf-8"?>
 <p:sld xmlns:a="http://schemas.openxmlformats.org/drawingml/2006/main" xmlns:r="http://schemas.openxmlformats.org/officeDocument/2006/relationships" xmlns:p="http://schemas.openxmlformats.org/presentationml/2006/main">
   <p:cSld>
     <p:spTree>
@@ -39878,7 +40149,7 @@
 </p:sld>
 </file>
 
-<file path=ppt/slides/slide33.xml><?xml version="1.0" encoding="utf-8"?>
+<file path=ppt/slides/slide36.xml><?xml version="1.0" encoding="utf-8"?>
 <p:sld xmlns:a="http://schemas.openxmlformats.org/drawingml/2006/main" xmlns:r="http://schemas.openxmlformats.org/officeDocument/2006/relationships" xmlns:p="http://schemas.openxmlformats.org/presentationml/2006/main">
   <p:cSld>
     <p:spTree>
@@ -40235,6 +40506,229 @@
 </file>
 
 <file path=ppt/slides/slide4.xml><?xml version="1.0" encoding="utf-8"?>
+<p:sld xmlns:a="http://schemas.openxmlformats.org/drawingml/2006/main" xmlns:r="http://schemas.openxmlformats.org/officeDocument/2006/relationships" xmlns:p="http://schemas.openxmlformats.org/presentationml/2006/main">
+  <p:cSld>
+    <p:spTree>
+      <p:nvGrpSpPr>
+        <p:cNvPr id="1" name=""/>
+        <p:cNvGrpSpPr/>
+        <p:nvPr/>
+      </p:nvGrpSpPr>
+      <p:grpSpPr>
+        <a:xfrm>
+          <a:off x="0" y="0"/>
+          <a:ext cx="0" cy="0"/>
+          <a:chOff x="0" y="0"/>
+          <a:chExt cx="0" cy="0"/>
+        </a:xfrm>
+      </p:grpSpPr>
+      <p:sp>
+        <p:nvSpPr>
+          <p:cNvPr id="2" name="Title 1"/>
+          <p:cNvSpPr>
+            <a:spLocks noGrp="1"/>
+          </p:cNvSpPr>
+          <p:nvPr>
+            <p:ph type="title"/>
+          </p:nvPr>
+        </p:nvSpPr>
+        <p:spPr/>
+        <p:txBody>
+          <a:bodyPr/>
+          <a:lstStyle/>
+          <a:p>
+            <a:pPr lvl="0"/>
+            <a:r>
+              <a:rPr lang="en-US" dirty="0" smtClean="0"/>
+              <a:t>Scope</a:t>
+            </a:r>
+            <a:endParaRPr lang="en-US" dirty="0"/>
+          </a:p>
+        </p:txBody>
+      </p:sp>
+      <p:sp>
+        <p:nvSpPr>
+          <p:cNvPr id="4" name="Rectangle 2"/>
+          <p:cNvSpPr>
+            <a:spLocks noChangeArrowheads="1"/>
+          </p:cNvSpPr>
+          <p:nvPr/>
+        </p:nvSpPr>
+        <p:spPr bwMode="auto">
+          <a:xfrm>
+            <a:off x="0" y="0"/>
+            <a:ext cx="9144000" cy="0"/>
+          </a:xfrm>
+          <a:prstGeom prst="rect">
+            <a:avLst/>
+          </a:prstGeom>
+          <a:noFill/>
+          <a:ln>
+            <a:noFill/>
+          </a:ln>
+          <a:effectLst/>
+          <a:extLst>
+            <a:ext uri="{909E8E84-426E-40DD-AFC4-6F175D3DCCD1}">
+              <a14:hiddenFill xmlns:a14="http://schemas.microsoft.com/office/drawing/2010/main">
+                <a:solidFill>
+                  <a:schemeClr val="accent1"/>
+                </a:solidFill>
+              </a14:hiddenFill>
+            </a:ext>
+            <a:ext uri="{91240B29-F687-4F45-9708-019B960494DF}">
+              <a14:hiddenLine xmlns:a14="http://schemas.microsoft.com/office/drawing/2010/main" w="9525">
+                <a:solidFill>
+                  <a:schemeClr val="tx1"/>
+                </a:solidFill>
+                <a:miter lim="800000"/>
+                <a:headEnd/>
+                <a:tailEnd/>
+              </a14:hiddenLine>
+            </a:ext>
+            <a:ext uri="{AF507438-7753-43E0-B8FC-AC1667EBCBE1}">
+              <a14:hiddenEffects xmlns:a14="http://schemas.microsoft.com/office/drawing/2010/main">
+                <a:effectLst>
+                  <a:outerShdw dist="35921" dir="2700000" algn="ctr" rotWithShape="0">
+                    <a:schemeClr val="bg2"/>
+                  </a:outerShdw>
+                </a:effectLst>
+              </a14:hiddenEffects>
+            </a:ext>
+          </a:extLst>
+        </p:spPr>
+        <p:txBody>
+          <a:bodyPr vert="horz" wrap="none" lIns="91440" tIns="45720" rIns="91440" bIns="45720" numCol="1" anchor="ctr" anchorCtr="0" compatLnSpc="1">
+            <a:prstTxWarp prst="textNoShape">
+              <a:avLst/>
+            </a:prstTxWarp>
+            <a:spAutoFit/>
+          </a:bodyPr>
+          <a:lstStyle/>
+          <a:p>
+            <a:endParaRPr lang="en-US" dirty="0"/>
+          </a:p>
+        </p:txBody>
+      </p:sp>
+      <p:sp>
+        <p:nvSpPr>
+          <p:cNvPr id="6" name="Content Placeholder 5"/>
+          <p:cNvSpPr>
+            <a:spLocks noGrp="1"/>
+          </p:cNvSpPr>
+          <p:nvPr>
+            <p:ph idx="1"/>
+          </p:nvPr>
+        </p:nvSpPr>
+        <p:spPr>
+          <a:xfrm>
+            <a:off x="762000" y="1828800"/>
+            <a:ext cx="8229600" cy="4724400"/>
+          </a:xfrm>
+        </p:spPr>
+        <p:txBody>
+          <a:bodyPr/>
+          <a:lstStyle/>
+          <a:p>
+            <a:pPr marL="0" indent="0">
+              <a:buNone/>
+            </a:pPr>
+            <a:r>
+              <a:rPr lang="en-US" sz="1800" dirty="0"/>
+              <a:t>HIT Team will develop POS System on web platform with following targets:</a:t>
+            </a:r>
+          </a:p>
+          <a:p>
+            <a:pPr lvl="0"/>
+            <a:r>
+              <a:rPr lang="en-US" sz="1800" dirty="0"/>
+              <a:t>Quick Checkout: Each cashier will have a bar-code scanners. Products sold at stores have bar codes attached which indicate the product codes.</a:t>
+            </a:r>
+          </a:p>
+          <a:p>
+            <a:pPr lvl="0"/>
+            <a:r>
+              <a:rPr lang="en-US" sz="1800" dirty="0"/>
+              <a:t>Payment Options: Company A offers payment by cash or by using loyalty point.</a:t>
+            </a:r>
+          </a:p>
+          <a:p>
+            <a:pPr lvl="0"/>
+            <a:r>
+              <a:rPr lang="en-US" sz="1800" dirty="0"/>
+              <a:t>Control: Products are classified into product types such as food, general merchandise, etc. Not all stores carry every product type, and the range of product types carried is designated for each store.</a:t>
+            </a:r>
+          </a:p>
+          <a:p>
+            <a:pPr lvl="0"/>
+            <a:r>
+              <a:rPr lang="en-US" sz="1800" dirty="0"/>
+              <a:t>Competitive prices: the system has capable of performing the statistical analysis on the sales records of all stores in near real-time manner.</a:t>
+            </a:r>
+          </a:p>
+          <a:p>
+            <a:pPr lvl="0"/>
+            <a:r>
+              <a:rPr lang="en-US" sz="1800" dirty="0"/>
+              <a:t>Track product popularity and profitability.</a:t>
+            </a:r>
+          </a:p>
+          <a:p>
+            <a:pPr lvl="0"/>
+            <a:r>
+              <a:rPr lang="en-US" sz="1800" dirty="0"/>
+              <a:t>Improve customer throughput with faster service.</a:t>
+            </a:r>
+          </a:p>
+          <a:p>
+            <a:pPr lvl="0"/>
+            <a:r>
+              <a:rPr lang="en-US" sz="1800" dirty="0"/>
+              <a:t>Accelerate inventory turnover by being able to stock the items known to sell quickly.</a:t>
+            </a:r>
+          </a:p>
+          <a:p>
+            <a:pPr marL="0" indent="0">
+              <a:buNone/>
+            </a:pPr>
+            <a:endParaRPr lang="en-US" sz="1800" dirty="0">
+              <a:latin typeface="+mj-lt"/>
+            </a:endParaRPr>
+          </a:p>
+        </p:txBody>
+      </p:sp>
+    </p:spTree>
+    <p:extLst>
+      <p:ext uri="{BB962C8B-B14F-4D97-AF65-F5344CB8AC3E}">
+        <p14:creationId xmlns:p14="http://schemas.microsoft.com/office/powerpoint/2010/main" val="1192639932"/>
+      </p:ext>
+    </p:extLst>
+  </p:cSld>
+  <p:clrMapOvr>
+    <a:masterClrMapping/>
+  </p:clrMapOvr>
+  <mc:AlternateContent xmlns:mc="http://schemas.openxmlformats.org/markup-compatibility/2006" xmlns:p14="http://schemas.microsoft.com/office/powerpoint/2010/main">
+    <mc:Choice Requires="p14">
+      <p:transition>
+        <p14:flash/>
+      </p:transition>
+    </mc:Choice>
+    <mc:Fallback xmlns="">
+      <p:transition>
+        <p:fade/>
+      </p:transition>
+    </mc:Fallback>
+  </mc:AlternateContent>
+  <p:timing>
+    <p:tnLst>
+      <p:par>
+        <p:cTn id="1" dur="indefinite" restart="never" nodeType="tmRoot"/>
+      </p:par>
+    </p:tnLst>
+  </p:timing>
+</p:sld>
+</file>
+
+<file path=ppt/slides/slide5.xml><?xml version="1.0" encoding="utf-8"?>
 <p:sld xmlns:a="http://schemas.openxmlformats.org/drawingml/2006/main" xmlns:r="http://schemas.openxmlformats.org/officeDocument/2006/relationships" xmlns:p="http://schemas.openxmlformats.org/presentationml/2006/main">
   <p:cSld>
     <p:spTree>
@@ -43776,7 +44270,86 @@
 </p:sld>
 </file>
 
-<file path=ppt/slides/slide5.xml><?xml version="1.0" encoding="utf-8"?>
+<file path=ppt/slides/slide6.xml><?xml version="1.0" encoding="utf-8"?>
+<p:sld xmlns:a="http://schemas.openxmlformats.org/drawingml/2006/main" xmlns:r="http://schemas.openxmlformats.org/officeDocument/2006/relationships" xmlns:p="http://schemas.openxmlformats.org/presentationml/2006/main">
+  <p:cSld>
+    <p:spTree>
+      <p:nvGrpSpPr>
+        <p:cNvPr id="1" name=""/>
+        <p:cNvGrpSpPr/>
+        <p:nvPr/>
+      </p:nvGrpSpPr>
+      <p:grpSpPr>
+        <a:xfrm>
+          <a:off x="0" y="0"/>
+          <a:ext cx="0" cy="0"/>
+          <a:chOff x="0" y="0"/>
+          <a:chExt cx="0" cy="0"/>
+        </a:xfrm>
+      </p:grpSpPr>
+      <p:sp>
+        <p:nvSpPr>
+          <p:cNvPr id="2" name="Title 1"/>
+          <p:cNvSpPr>
+            <a:spLocks noGrp="1"/>
+          </p:cNvSpPr>
+          <p:nvPr>
+            <p:ph type="title"/>
+          </p:nvPr>
+        </p:nvSpPr>
+        <p:spPr/>
+        <p:txBody>
+          <a:bodyPr/>
+          <a:lstStyle/>
+          <a:p>
+            <a:r>
+              <a:rPr lang="en-US" dirty="0" smtClean="0"/>
+              <a:t>ACDM Stages</a:t>
+            </a:r>
+            <a:endParaRPr lang="en-US" dirty="0"/>
+          </a:p>
+        </p:txBody>
+      </p:sp>
+      <p:sp>
+        <p:nvSpPr>
+          <p:cNvPr id="3" name="Content Placeholder 2"/>
+          <p:cNvSpPr>
+            <a:spLocks noGrp="1"/>
+          </p:cNvSpPr>
+          <p:nvPr>
+            <p:ph idx="1"/>
+          </p:nvPr>
+        </p:nvSpPr>
+        <p:spPr/>
+        <p:txBody>
+          <a:bodyPr/>
+          <a:lstStyle/>
+          <a:p>
+            <a:endParaRPr lang="en-US"/>
+          </a:p>
+        </p:txBody>
+      </p:sp>
+    </p:spTree>
+    <p:extLst>
+      <p:ext uri="{BB962C8B-B14F-4D97-AF65-F5344CB8AC3E}">
+        <p14:creationId xmlns:p14="http://schemas.microsoft.com/office/powerpoint/2010/main" val="2071662047"/>
+      </p:ext>
+    </p:extLst>
+  </p:cSld>
+  <p:clrMapOvr>
+    <a:masterClrMapping/>
+  </p:clrMapOvr>
+  <p:timing>
+    <p:tnLst>
+      <p:par>
+        <p:cTn id="1" dur="indefinite" restart="never" nodeType="tmRoot"/>
+      </p:par>
+    </p:tnLst>
+  </p:timing>
+</p:sld>
+</file>
+
+<file path=ppt/slides/slide7.xml><?xml version="1.0" encoding="utf-8"?>
 <p:sld xmlns:a="http://schemas.openxmlformats.org/drawingml/2006/main" xmlns:r="http://schemas.openxmlformats.org/officeDocument/2006/relationships" xmlns:p="http://schemas.openxmlformats.org/presentationml/2006/main">
   <p:cSld>
     <p:spTree>
@@ -43855,7 +44428,7 @@
 </p:sld>
 </file>
 
-<file path=ppt/slides/slide6.xml><?xml version="1.0" encoding="utf-8"?>
+<file path=ppt/slides/slide8.xml><?xml version="1.0" encoding="utf-8"?>
 <p:sld xmlns:a="http://schemas.openxmlformats.org/drawingml/2006/main" xmlns:r="http://schemas.openxmlformats.org/officeDocument/2006/relationships" xmlns:p="http://schemas.openxmlformats.org/presentationml/2006/main">
   <p:cSld>
     <p:spTree>
@@ -44010,86 +44583,7 @@
 </p:sld>
 </file>
 
-<file path=ppt/slides/slide7.xml><?xml version="1.0" encoding="utf-8"?>
-<p:sld xmlns:a="http://schemas.openxmlformats.org/drawingml/2006/main" xmlns:r="http://schemas.openxmlformats.org/officeDocument/2006/relationships" xmlns:p="http://schemas.openxmlformats.org/presentationml/2006/main">
-  <p:cSld>
-    <p:spTree>
-      <p:nvGrpSpPr>
-        <p:cNvPr id="1" name=""/>
-        <p:cNvGrpSpPr/>
-        <p:nvPr/>
-      </p:nvGrpSpPr>
-      <p:grpSpPr>
-        <a:xfrm>
-          <a:off x="0" y="0"/>
-          <a:ext cx="0" cy="0"/>
-          <a:chOff x="0" y="0"/>
-          <a:chExt cx="0" cy="0"/>
-        </a:xfrm>
-      </p:grpSpPr>
-      <p:sp>
-        <p:nvSpPr>
-          <p:cNvPr id="2" name="Title 1"/>
-          <p:cNvSpPr>
-            <a:spLocks noGrp="1"/>
-          </p:cNvSpPr>
-          <p:nvPr>
-            <p:ph type="title"/>
-          </p:nvPr>
-        </p:nvSpPr>
-        <p:spPr/>
-        <p:txBody>
-          <a:bodyPr/>
-          <a:lstStyle/>
-          <a:p>
-            <a:r>
-              <a:rPr lang="en-US" dirty="0" smtClean="0"/>
-              <a:t>ACDM Stages</a:t>
-            </a:r>
-            <a:endParaRPr lang="en-US" dirty="0"/>
-          </a:p>
-        </p:txBody>
-      </p:sp>
-      <p:sp>
-        <p:nvSpPr>
-          <p:cNvPr id="3" name="Content Placeholder 2"/>
-          <p:cNvSpPr>
-            <a:spLocks noGrp="1"/>
-          </p:cNvSpPr>
-          <p:nvPr>
-            <p:ph idx="1"/>
-          </p:nvPr>
-        </p:nvSpPr>
-        <p:spPr/>
-        <p:txBody>
-          <a:bodyPr/>
-          <a:lstStyle/>
-          <a:p>
-            <a:endParaRPr lang="en-US"/>
-          </a:p>
-        </p:txBody>
-      </p:sp>
-    </p:spTree>
-    <p:extLst>
-      <p:ext uri="{BB962C8B-B14F-4D97-AF65-F5344CB8AC3E}">
-        <p14:creationId xmlns:p14="http://schemas.microsoft.com/office/powerpoint/2010/main" val="2071662047"/>
-      </p:ext>
-    </p:extLst>
-  </p:cSld>
-  <p:clrMapOvr>
-    <a:masterClrMapping/>
-  </p:clrMapOvr>
-  <p:timing>
-    <p:tnLst>
-      <p:par>
-        <p:cTn id="1" dur="indefinite" restart="never" nodeType="tmRoot"/>
-      </p:par>
-    </p:tnLst>
-  </p:timing>
-</p:sld>
-</file>
-
-<file path=ppt/slides/slide8.xml><?xml version="1.0" encoding="utf-8"?>
+<file path=ppt/slides/slide9.xml><?xml version="1.0" encoding="utf-8"?>
 <p:sld xmlns:a="http://schemas.openxmlformats.org/drawingml/2006/main" xmlns:r="http://schemas.openxmlformats.org/officeDocument/2006/relationships" xmlns:p="http://schemas.openxmlformats.org/presentationml/2006/main">
   <p:cSld>
     <p:spTree>
@@ -47631,91 +48125,6 @@
 </p:sld>
 </file>
 
-<file path=ppt/slides/slide9.xml><?xml version="1.0" encoding="utf-8"?>
-<p:sld xmlns:a="http://schemas.openxmlformats.org/drawingml/2006/main" xmlns:r="http://schemas.openxmlformats.org/officeDocument/2006/relationships" xmlns:p="http://schemas.openxmlformats.org/presentationml/2006/main">
-  <p:cSld>
-    <p:spTree>
-      <p:nvGrpSpPr>
-        <p:cNvPr id="1" name=""/>
-        <p:cNvGrpSpPr/>
-        <p:nvPr/>
-      </p:nvGrpSpPr>
-      <p:grpSpPr>
-        <a:xfrm>
-          <a:off x="0" y="0"/>
-          <a:ext cx="0" cy="0"/>
-          <a:chOff x="0" y="0"/>
-          <a:chExt cx="0" cy="0"/>
-        </a:xfrm>
-      </p:grpSpPr>
-      <p:sp>
-        <p:nvSpPr>
-          <p:cNvPr id="2" name="Title 1"/>
-          <p:cNvSpPr>
-            <a:spLocks noGrp="1"/>
-          </p:cNvSpPr>
-          <p:nvPr>
-            <p:ph type="title"/>
-          </p:nvPr>
-        </p:nvSpPr>
-        <p:spPr/>
-        <p:txBody>
-          <a:bodyPr/>
-          <a:lstStyle/>
-          <a:p>
-            <a:r>
-              <a:rPr lang="en-US" dirty="0" smtClean="0"/>
-              <a:t>Entities</a:t>
-            </a:r>
-            <a:endParaRPr lang="en-US" dirty="0"/>
-          </a:p>
-        </p:txBody>
-      </p:sp>
-      <p:graphicFrame>
-        <p:nvGraphicFramePr>
-          <p:cNvPr id="4" name="Content Placeholder 3"/>
-          <p:cNvGraphicFramePr>
-            <a:graphicFrameLocks noGrp="1"/>
-          </p:cNvGraphicFramePr>
-          <p:nvPr>
-            <p:ph idx="1"/>
-            <p:extLst>
-              <p:ext uri="{D42A27DB-BD31-4B8C-83A1-F6EECF244321}">
-                <p14:modId xmlns:p14="http://schemas.microsoft.com/office/powerpoint/2010/main" val="3298328024"/>
-              </p:ext>
-            </p:extLst>
-          </p:nvPr>
-        </p:nvGraphicFramePr>
-        <p:xfrm>
-          <a:off x="1524000" y="2133600"/>
-          <a:ext cx="5867400" cy="2971800"/>
-        </p:xfrm>
-        <a:graphic>
-          <a:graphicData uri="http://schemas.openxmlformats.org/drawingml/2006/diagram">
-            <dgm:relIds xmlns:dgm="http://schemas.openxmlformats.org/drawingml/2006/diagram" xmlns:r="http://schemas.openxmlformats.org/officeDocument/2006/relationships" r:dm="rId2" r:lo="rId3" r:qs="rId4" r:cs="rId5"/>
-          </a:graphicData>
-        </a:graphic>
-      </p:graphicFrame>
-    </p:spTree>
-    <p:extLst>
-      <p:ext uri="{BB962C8B-B14F-4D97-AF65-F5344CB8AC3E}">
-        <p14:creationId xmlns:p14="http://schemas.microsoft.com/office/powerpoint/2010/main" val="2549757625"/>
-      </p:ext>
-    </p:extLst>
-  </p:cSld>
-  <p:clrMapOvr>
-    <a:masterClrMapping/>
-  </p:clrMapOvr>
-  <p:timing>
-    <p:tnLst>
-      <p:par>
-        <p:cTn id="1" dur="indefinite" restart="never" nodeType="tmRoot"/>
-      </p:par>
-    </p:tnLst>
-  </p:timing>
-</p:sld>
-</file>
-
 <file path=ppt/theme/theme1.xml><?xml version="1.0" encoding="utf-8"?>
 <a:theme xmlns:a="http://schemas.openxmlformats.org/drawingml/2006/main" name="581TGp_gold_light_ani">
   <a:themeElements>

--- a/Architect and Design/Final Project/K15T2_Team2_FinalProject/POS_Presentation/POS_PresentationSlide.pptx
+++ b/Architect and Design/Final Project/K15T2_Team2_FinalProject/POS_Presentation/POS_PresentationSlide.pptx
@@ -5,7 +5,7 @@
     <p:sldMasterId id="2147483648" r:id="rId1"/>
   </p:sldMasterIdLst>
   <p:notesMasterIdLst>
-    <p:notesMasterId r:id="rId38"/>
+    <p:notesMasterId r:id="rId40"/>
   </p:notesMasterIdLst>
   <p:sldIdLst>
     <p:sldId id="256" r:id="rId2"/>
@@ -41,9 +41,11 @@
     <p:sldId id="368" r:id="rId32"/>
     <p:sldId id="369" r:id="rId33"/>
     <p:sldId id="383" r:id="rId34"/>
-    <p:sldId id="377" r:id="rId35"/>
-    <p:sldId id="358" r:id="rId36"/>
-    <p:sldId id="285" r:id="rId37"/>
+    <p:sldId id="384" r:id="rId35"/>
+    <p:sldId id="385" r:id="rId36"/>
+    <p:sldId id="377" r:id="rId37"/>
+    <p:sldId id="358" r:id="rId38"/>
+    <p:sldId id="285" r:id="rId39"/>
   </p:sldIdLst>
   <p:sldSz cx="9144000" cy="6858000" type="screen4x3"/>
   <p:notesSz cx="6858000" cy="9144000"/>
@@ -17771,7 +17773,7 @@
           <a:graphicData uri="http://schemas.openxmlformats.org/presentationml/2006/ole">
             <mc:AlternateContent xmlns:mc="http://schemas.openxmlformats.org/markup-compatibility/2006">
               <mc:Choice xmlns:v="urn:schemas-microsoft-com:vml" Requires="v">
-                <p:oleObj spid="_x0000_s137228" name="Visio" r:id="rId3" imgW="5996197" imgH="8345806" progId="Visio.Drawing.11">
+                <p:oleObj spid="_x0000_s137229" name="Visio" r:id="rId3" imgW="5996197" imgH="8345806" progId="Visio.Drawing.11">
                   <p:embed/>
                 </p:oleObj>
               </mc:Choice>
@@ -23703,7 +23705,7 @@
         </p:nvGraphicFramePr>
         <p:xfrm>
           <a:off x="76200" y="1524000"/>
-          <a:ext cx="8915400" cy="5341793"/>
+          <a:ext cx="8915400" cy="5422184"/>
         </p:xfrm>
         <a:graphic>
           <a:graphicData uri="http://schemas.openxmlformats.org/drawingml/2006/table">
@@ -35577,7 +35579,7 @@
           <a:graphicData uri="http://schemas.openxmlformats.org/presentationml/2006/ole">
             <mc:AlternateContent xmlns:mc="http://schemas.openxmlformats.org/markup-compatibility/2006">
               <mc:Choice xmlns:v="urn:schemas-microsoft-com:vml" Requires="v">
-                <p:oleObj spid="_x0000_s139276" name="Visio" r:id="rId3" imgW="9089179" imgH="4645287" progId="Visio.Drawing.11">
+                <p:oleObj spid="_x0000_s139277" name="Visio" r:id="rId3" imgW="9089179" imgH="4645287" progId="Visio.Drawing.11">
                   <p:embed/>
                 </p:oleObj>
               </mc:Choice>
@@ -36150,7 +36152,7 @@
           <a:graphicData uri="http://schemas.openxmlformats.org/presentationml/2006/ole">
             <mc:AlternateContent xmlns:mc="http://schemas.openxmlformats.org/markup-compatibility/2006">
               <mc:Choice xmlns:v="urn:schemas-microsoft-com:vml" Requires="v">
-                <p:oleObj spid="_x0000_s140300" name="Visio" r:id="rId3" imgW="11727851" imgH="7171055" progId="Visio.Drawing.11">
+                <p:oleObj spid="_x0000_s140301" name="Visio" r:id="rId3" imgW="11727851" imgH="7171055" progId="Visio.Drawing.11">
                   <p:embed/>
                 </p:oleObj>
               </mc:Choice>
@@ -36504,7 +36506,43 @@
           <a:bodyPr/>
           <a:lstStyle/>
           <a:p>
-            <a:endParaRPr lang="en-US"/>
+            <a:pPr marL="0" indent="0">
+              <a:buNone/>
+            </a:pPr>
+            <a:r>
+              <a:rPr lang="en-US" sz="2000" b="1" dirty="0"/>
+              <a:t>Performance: </a:t>
+            </a:r>
+          </a:p>
+          <a:p>
+            <a:r>
+              <a:rPr lang="en-US" sz="2000" dirty="0"/>
+              <a:t>The system must handle requests quickly even when there are many requests </a:t>
+            </a:r>
+          </a:p>
+          <a:p>
+            <a:r>
+              <a:rPr lang="en-US" sz="2000" dirty="0"/>
+              <a:t>Introducing concurrency: Load balance can use to balance the requirements for the two server </a:t>
+            </a:r>
+          </a:p>
+          <a:p>
+            <a:r>
+              <a:rPr lang="en-US" sz="2000" dirty="0"/>
+              <a:t>Increase resources available: use two servers to be able to process multiple requests </a:t>
+            </a:r>
+          </a:p>
+          <a:p>
+            <a:r>
+              <a:rPr lang="en-US" sz="2000" dirty="0"/>
+              <a:t>Maintain multiple copies of either data or computations: When scanning a product code of the product, the system will get the product information and store it on a cache, in the second times  scan that product, the product information will be retrieved from the cache</a:t>
+            </a:r>
+          </a:p>
+          <a:p>
+            <a:pPr marL="0" indent="0">
+              <a:buNone/>
+            </a:pPr>
+            <a:endParaRPr lang="en-US" sz="2000" dirty="0"/>
           </a:p>
         </p:txBody>
       </p:sp>
@@ -36529,6 +36567,291 @@
 </file>
 
 <file path=ppt/slides/slide34.xml><?xml version="1.0" encoding="utf-8"?>
+<p:sld xmlns:a="http://schemas.openxmlformats.org/drawingml/2006/main" xmlns:r="http://schemas.openxmlformats.org/officeDocument/2006/relationships" xmlns:p="http://schemas.openxmlformats.org/presentationml/2006/main">
+  <p:cSld>
+    <p:spTree>
+      <p:nvGrpSpPr>
+        <p:cNvPr id="1" name=""/>
+        <p:cNvGrpSpPr/>
+        <p:nvPr/>
+      </p:nvGrpSpPr>
+      <p:grpSpPr>
+        <a:xfrm>
+          <a:off x="0" y="0"/>
+          <a:ext cx="0" cy="0"/>
+          <a:chOff x="0" y="0"/>
+          <a:chExt cx="0" cy="0"/>
+        </a:xfrm>
+      </p:grpSpPr>
+      <p:sp>
+        <p:nvSpPr>
+          <p:cNvPr id="2" name="Title 1"/>
+          <p:cNvSpPr>
+            <a:spLocks noGrp="1"/>
+          </p:cNvSpPr>
+          <p:nvPr>
+            <p:ph type="title"/>
+          </p:nvPr>
+        </p:nvSpPr>
+        <p:spPr/>
+        <p:txBody>
+          <a:bodyPr/>
+          <a:lstStyle/>
+          <a:p>
+            <a:r>
+              <a:rPr lang="en-US" dirty="0" smtClean="0"/>
+              <a:t>Tactics</a:t>
+            </a:r>
+            <a:endParaRPr lang="en-US" dirty="0"/>
+          </a:p>
+        </p:txBody>
+      </p:sp>
+      <p:sp>
+        <p:nvSpPr>
+          <p:cNvPr id="3" name="Content Placeholder 2"/>
+          <p:cNvSpPr>
+            <a:spLocks noGrp="1"/>
+          </p:cNvSpPr>
+          <p:nvPr>
+            <p:ph idx="1"/>
+          </p:nvPr>
+        </p:nvSpPr>
+        <p:spPr/>
+        <p:txBody>
+          <a:bodyPr/>
+          <a:lstStyle/>
+          <a:p>
+            <a:pPr marL="0" indent="0">
+              <a:buNone/>
+            </a:pPr>
+            <a:r>
+              <a:rPr lang="en-US" sz="2000" b="1" dirty="0"/>
+              <a:t>Security: </a:t>
+            </a:r>
+          </a:p>
+          <a:p>
+            <a:pPr marL="0" indent="0">
+              <a:buNone/>
+            </a:pPr>
+            <a:r>
+              <a:rPr lang="en-US" sz="2000" dirty="0"/>
+              <a:t>Users want to log into the system will need to use one account and a password. Only accounts with the correct password can access the system. </a:t>
+            </a:r>
+          </a:p>
+          <a:p>
+            <a:r>
+              <a:rPr lang="en-US" sz="2000" dirty="0"/>
+              <a:t>Authenticate users: Verify the system's users. Administrator will be created for an account and password for each user to be granted access to the system. Each different users will have different rights in the system, working with different data, this right will be confirmed when a new account</a:t>
+            </a:r>
+          </a:p>
+          <a:p>
+            <a:r>
+              <a:rPr lang="en-US" sz="2000" dirty="0"/>
+              <a:t>Authorize users: Each account will have a different right in the system</a:t>
+            </a:r>
+          </a:p>
+          <a:p>
+            <a:r>
+              <a:rPr lang="en-US" sz="2000" dirty="0"/>
+              <a:t>When logging into the system, account information and passwords will be secured</a:t>
+            </a:r>
+          </a:p>
+          <a:p>
+            <a:pPr marL="0" indent="0">
+              <a:buNone/>
+            </a:pPr>
+            <a:r>
+              <a:rPr lang="en-US" sz="2000" dirty="0"/>
+              <a:t>Maintain data confidentiality: using transmission Secure Sockets Layer (SSL) for a Web-based link to security information and account passwords</a:t>
+            </a:r>
+          </a:p>
+          <a:p>
+            <a:pPr marL="0" indent="0">
+              <a:buNone/>
+            </a:pPr>
+            <a:r>
+              <a:rPr lang="en-US" sz="2000" dirty="0"/>
+              <a:t>Information is transmitted needs to be integrity</a:t>
+            </a:r>
+          </a:p>
+          <a:p>
+            <a:pPr marL="0" indent="0">
+              <a:buNone/>
+            </a:pPr>
+            <a:r>
+              <a:rPr lang="en-US" sz="2000" dirty="0"/>
+              <a:t>Maintain integrity: The information is transferred outside of the contained information is also part of checksum check to ensure the information is not lost on the transmission line</a:t>
+            </a:r>
+          </a:p>
+          <a:p>
+            <a:pPr marL="0" indent="0">
+              <a:buNone/>
+            </a:pPr>
+            <a:r>
+              <a:rPr lang="en-US" sz="2000" dirty="0"/>
+              <a:t>The account sales staff can only log into the system from the computer in sales system </a:t>
+            </a:r>
+          </a:p>
+          <a:p>
+            <a:pPr marL="0" indent="0">
+              <a:buNone/>
+            </a:pPr>
+            <a:r>
+              <a:rPr lang="en-US" sz="2000" dirty="0"/>
+              <a:t>Limit access: Use the computer's MAC address to be able to prevent the sign outside the system </a:t>
+            </a:r>
+          </a:p>
+        </p:txBody>
+      </p:sp>
+    </p:spTree>
+    <p:extLst>
+      <p:ext uri="{BB962C8B-B14F-4D97-AF65-F5344CB8AC3E}">
+        <p14:creationId xmlns:p14="http://schemas.microsoft.com/office/powerpoint/2010/main" val="3996824636"/>
+      </p:ext>
+    </p:extLst>
+  </p:cSld>
+  <p:clrMapOvr>
+    <a:masterClrMapping/>
+  </p:clrMapOvr>
+  <p:timing>
+    <p:tnLst>
+      <p:par>
+        <p:cTn id="1" dur="indefinite" restart="never" nodeType="tmRoot"/>
+      </p:par>
+    </p:tnLst>
+  </p:timing>
+</p:sld>
+</file>
+
+<file path=ppt/slides/slide35.xml><?xml version="1.0" encoding="utf-8"?>
+<p:sld xmlns:a="http://schemas.openxmlformats.org/drawingml/2006/main" xmlns:r="http://schemas.openxmlformats.org/officeDocument/2006/relationships" xmlns:p="http://schemas.openxmlformats.org/presentationml/2006/main">
+  <p:cSld>
+    <p:spTree>
+      <p:nvGrpSpPr>
+        <p:cNvPr id="1" name=""/>
+        <p:cNvGrpSpPr/>
+        <p:nvPr/>
+      </p:nvGrpSpPr>
+      <p:grpSpPr>
+        <a:xfrm>
+          <a:off x="0" y="0"/>
+          <a:ext cx="0" cy="0"/>
+          <a:chOff x="0" y="0"/>
+          <a:chExt cx="0" cy="0"/>
+        </a:xfrm>
+      </p:grpSpPr>
+      <p:sp>
+        <p:nvSpPr>
+          <p:cNvPr id="2" name="Title 1"/>
+          <p:cNvSpPr>
+            <a:spLocks noGrp="1"/>
+          </p:cNvSpPr>
+          <p:nvPr>
+            <p:ph type="title"/>
+          </p:nvPr>
+        </p:nvSpPr>
+        <p:spPr/>
+        <p:txBody>
+          <a:bodyPr/>
+          <a:lstStyle/>
+          <a:p>
+            <a:r>
+              <a:rPr lang="en-US" dirty="0" smtClean="0"/>
+              <a:t>Tactics</a:t>
+            </a:r>
+            <a:endParaRPr lang="en-US" dirty="0"/>
+          </a:p>
+        </p:txBody>
+      </p:sp>
+      <p:sp>
+        <p:nvSpPr>
+          <p:cNvPr id="3" name="Content Placeholder 2"/>
+          <p:cNvSpPr>
+            <a:spLocks noGrp="1"/>
+          </p:cNvSpPr>
+          <p:nvPr>
+            <p:ph idx="1"/>
+          </p:nvPr>
+        </p:nvSpPr>
+        <p:spPr/>
+        <p:txBody>
+          <a:bodyPr/>
+          <a:lstStyle/>
+          <a:p>
+            <a:pPr marL="0" indent="0">
+              <a:buNone/>
+            </a:pPr>
+            <a:r>
+              <a:rPr lang="en-US" sz="2000" b="1" dirty="0"/>
+              <a:t>Security: </a:t>
+            </a:r>
+          </a:p>
+          <a:p>
+            <a:pPr marL="0" indent="0">
+              <a:buNone/>
+            </a:pPr>
+            <a:r>
+              <a:rPr lang="en-US" sz="2000" dirty="0" smtClean="0"/>
+              <a:t>Maintain </a:t>
+            </a:r>
+            <a:r>
+              <a:rPr lang="en-US" sz="2000" dirty="0"/>
+              <a:t>data confidentiality: using transmission Secure Sockets Layer (SSL) for a Web-based link to security information and account passwords</a:t>
+            </a:r>
+          </a:p>
+          <a:p>
+            <a:pPr marL="0" indent="0">
+              <a:buNone/>
+            </a:pPr>
+            <a:r>
+              <a:rPr lang="en-US" sz="2000" dirty="0"/>
+              <a:t>Information is transmitted needs to be integrity</a:t>
+            </a:r>
+          </a:p>
+          <a:p>
+            <a:r>
+              <a:rPr lang="en-US" sz="2000" dirty="0"/>
+              <a:t>Maintain integrity: The information is transferred outside of the contained information is also part of checksum check to ensure the information is not lost on the transmission line</a:t>
+            </a:r>
+          </a:p>
+          <a:p>
+            <a:pPr marL="0" indent="0">
+              <a:buNone/>
+            </a:pPr>
+            <a:r>
+              <a:rPr lang="en-US" sz="2000" dirty="0"/>
+              <a:t>The account sales staff can only log into the system from the computer in sales system </a:t>
+            </a:r>
+          </a:p>
+          <a:p>
+            <a:r>
+              <a:rPr lang="en-US" sz="2000" dirty="0"/>
+              <a:t>Limit access: Use the computer's MAC address to be able to prevent the sign outside the system </a:t>
+            </a:r>
+          </a:p>
+        </p:txBody>
+      </p:sp>
+    </p:spTree>
+    <p:extLst>
+      <p:ext uri="{BB962C8B-B14F-4D97-AF65-F5344CB8AC3E}">
+        <p14:creationId xmlns:p14="http://schemas.microsoft.com/office/powerpoint/2010/main" val="3200898708"/>
+      </p:ext>
+    </p:extLst>
+  </p:cSld>
+  <p:clrMapOvr>
+    <a:masterClrMapping/>
+  </p:clrMapOvr>
+  <p:timing>
+    <p:tnLst>
+      <p:par>
+        <p:cTn id="1" dur="indefinite" restart="never" nodeType="tmRoot"/>
+      </p:par>
+    </p:tnLst>
+  </p:timing>
+</p:sld>
+</file>
+
+<file path=ppt/slides/slide36.xml><?xml version="1.0" encoding="utf-8"?>
 <p:sld xmlns:a="http://schemas.openxmlformats.org/drawingml/2006/main" xmlns:r="http://schemas.openxmlformats.org/officeDocument/2006/relationships" xmlns:p="http://schemas.openxmlformats.org/presentationml/2006/main">
   <p:cSld>
     <p:spTree>
@@ -36607,7 +36930,7 @@
 </p:sld>
 </file>
 
-<file path=ppt/slides/slide35.xml><?xml version="1.0" encoding="utf-8"?>
+<file path=ppt/slides/slide37.xml><?xml version="1.0" encoding="utf-8"?>
 <p:sld xmlns:a="http://schemas.openxmlformats.org/drawingml/2006/main" xmlns:r="http://schemas.openxmlformats.org/officeDocument/2006/relationships" xmlns:p="http://schemas.openxmlformats.org/presentationml/2006/main">
   <p:cSld>
     <p:spTree>
@@ -40149,7 +40472,7 @@
 </p:sld>
 </file>
 
-<file path=ppt/slides/slide36.xml><?xml version="1.0" encoding="utf-8"?>
+<file path=ppt/slides/slide38.xml><?xml version="1.0" encoding="utf-8"?>
 <p:sld xmlns:a="http://schemas.openxmlformats.org/drawingml/2006/main" xmlns:r="http://schemas.openxmlformats.org/officeDocument/2006/relationships" xmlns:p="http://schemas.openxmlformats.org/presentationml/2006/main">
   <p:cSld>
     <p:spTree>

--- a/Architect and Design/Final Project/K15T2_Team2_FinalProject/POS_Presentation/POS_PresentationSlide.pptx
+++ b/Architect and Design/Final Project/K15T2_Team2_FinalProject/POS_Presentation/POS_PresentationSlide.pptx
@@ -5,7 +5,7 @@
     <p:sldMasterId id="2147483648" r:id="rId1"/>
   </p:sldMasterIdLst>
   <p:notesMasterIdLst>
-    <p:notesMasterId r:id="rId36"/>
+    <p:notesMasterId r:id="rId35"/>
   </p:notesMasterIdLst>
   <p:sldIdLst>
     <p:sldId id="256" r:id="rId2"/>
@@ -27,21 +27,20 @@
     <p:sldId id="362" r:id="rId18"/>
     <p:sldId id="363" r:id="rId19"/>
     <p:sldId id="364" r:id="rId20"/>
-    <p:sldId id="365" r:id="rId21"/>
-    <p:sldId id="366" r:id="rId22"/>
-    <p:sldId id="367" r:id="rId23"/>
-    <p:sldId id="357" r:id="rId24"/>
-    <p:sldId id="353" r:id="rId25"/>
-    <p:sldId id="352" r:id="rId26"/>
-    <p:sldId id="354" r:id="rId27"/>
-    <p:sldId id="368" r:id="rId28"/>
-    <p:sldId id="369" r:id="rId29"/>
-    <p:sldId id="383" r:id="rId30"/>
-    <p:sldId id="384" r:id="rId31"/>
-    <p:sldId id="385" r:id="rId32"/>
-    <p:sldId id="377" r:id="rId33"/>
-    <p:sldId id="358" r:id="rId34"/>
-    <p:sldId id="285" r:id="rId35"/>
+    <p:sldId id="366" r:id="rId21"/>
+    <p:sldId id="367" r:id="rId22"/>
+    <p:sldId id="357" r:id="rId23"/>
+    <p:sldId id="353" r:id="rId24"/>
+    <p:sldId id="352" r:id="rId25"/>
+    <p:sldId id="354" r:id="rId26"/>
+    <p:sldId id="368" r:id="rId27"/>
+    <p:sldId id="369" r:id="rId28"/>
+    <p:sldId id="383" r:id="rId29"/>
+    <p:sldId id="384" r:id="rId30"/>
+    <p:sldId id="385" r:id="rId31"/>
+    <p:sldId id="377" r:id="rId32"/>
+    <p:sldId id="358" r:id="rId33"/>
+    <p:sldId id="285" r:id="rId34"/>
   </p:sldIdLst>
   <p:sldSz cx="9144000" cy="6858000" type="screen4x3"/>
   <p:notesSz cx="6858000" cy="9144000"/>
@@ -16982,7 +16981,7 @@
           <a:graphicData uri="http://schemas.openxmlformats.org/presentationml/2006/ole">
             <mc:AlternateContent xmlns:mc="http://schemas.openxmlformats.org/markup-compatibility/2006">
               <mc:Choice xmlns:v="urn:schemas-microsoft-com:vml" Requires="v">
-                <p:oleObj spid="_x0000_s146438" name="Visio" r:id="rId3" imgW="9089179" imgH="4645287" progId="Visio.Drawing.11">
+                <p:oleObj spid="_x0000_s146442" name="Visio" r:id="rId3" imgW="9089179" imgH="4645287" progId="Visio.Drawing.11">
                   <p:embed/>
                 </p:oleObj>
               </mc:Choice>
@@ -17299,7 +17298,7 @@
           <a:graphicData uri="http://schemas.openxmlformats.org/presentationml/2006/ole">
             <mc:AlternateContent xmlns:mc="http://schemas.openxmlformats.org/markup-compatibility/2006">
               <mc:Choice xmlns:v="urn:schemas-microsoft-com:vml" Requires="v">
-                <p:oleObj spid="_x0000_s137237" name="Visio" r:id="rId3" imgW="5996197" imgH="8345806" progId="Visio.Drawing.11">
+                <p:oleObj spid="_x0000_s137241" name="Visio" r:id="rId3" imgW="5996197" imgH="8345806" progId="Visio.Drawing.11">
                   <p:embed/>
                 </p:oleObj>
               </mc:Choice>
@@ -17885,7 +17884,7 @@
         </p:nvGraphicFramePr>
         <p:xfrm>
           <a:off x="838200" y="1752600"/>
-          <a:ext cx="7391400" cy="4521200"/>
+          <a:ext cx="7391400" cy="4572000"/>
         </p:xfrm>
         <a:graphic>
           <a:graphicData uri="http://schemas.openxmlformats.org/drawingml/2006/table">
@@ -19154,7 +19153,7 @@
         </p:nvGraphicFramePr>
         <p:xfrm>
           <a:off x="685800" y="1143000"/>
-          <a:ext cx="8001001" cy="5108956"/>
+          <a:ext cx="8001001" cy="5425440"/>
         </p:xfrm>
         <a:graphic>
           <a:graphicData uri="http://schemas.openxmlformats.org/drawingml/2006/table">
@@ -23489,14 +23488,14 @@
           <p:nvPr>
             <p:extLst>
               <p:ext uri="{D42A27DB-BD31-4B8C-83A1-F6EECF244321}">
-                <p14:modId xmlns:p14="http://schemas.microsoft.com/office/powerpoint/2010/main" val="1040470137"/>
+                <p14:modId xmlns:p14="http://schemas.microsoft.com/office/powerpoint/2010/main" val="915556406"/>
               </p:ext>
             </p:extLst>
           </p:nvPr>
         </p:nvGraphicFramePr>
         <p:xfrm>
           <a:off x="76200" y="1524000"/>
-          <a:ext cx="8915400" cy="5422184"/>
+          <a:ext cx="8763000" cy="4866258"/>
         </p:xfrm>
         <a:graphic>
           <a:graphicData uri="http://schemas.openxmlformats.org/drawingml/2006/table">
@@ -23505,12 +23504,12 @@
                 <a:tableStyleId>{5A111915-BE36-4E01-A7E5-04B1672EAD32}</a:tableStyleId>
               </a:tblPr>
               <a:tblGrid>
-                <a:gridCol w="3607160"/>
-                <a:gridCol w="387215"/>
-                <a:gridCol w="1433308"/>
-                <a:gridCol w="3487717"/>
+                <a:gridCol w="3545499"/>
+                <a:gridCol w="380596"/>
+                <a:gridCol w="1408807"/>
+                <a:gridCol w="3428098"/>
               </a:tblGrid>
-              <a:tr h="235273">
+              <a:tr h="248270">
                 <a:tc rowSpan="2" gridSpan="2">
                   <a:txBody>
                     <a:bodyPr/>
@@ -23621,7 +23620,7 @@
                   <a:tcPr marL="68580" marR="68580" marT="0" marB="0"/>
                 </a:tc>
               </a:tr>
-              <a:tr h="514339">
+              <a:tr h="404779">
                 <a:tc gridSpan="2" vMerge="1">
                   <a:txBody>
                     <a:bodyPr/>
@@ -23686,7 +23685,7 @@
                   <a:tcPr marL="68580" marR="68580" marT="0" marB="0"/>
                 </a:tc>
               </a:tr>
-              <a:tr h="492443">
+              <a:tr h="387547">
                 <a:tc gridSpan="2">
                   <a:txBody>
                     <a:bodyPr/>
@@ -23774,7 +23773,7 @@
                   <a:tcPr/>
                 </a:tc>
               </a:tr>
-              <a:tr h="492443">
+              <a:tr h="387547">
                 <a:tc gridSpan="4">
                   <a:txBody>
                     <a:bodyPr/>
@@ -23839,7 +23838,7 @@
                   <a:tcPr/>
                 </a:tc>
               </a:tr>
-              <a:tr h="492443">
+              <a:tr h="387547">
                 <a:tc>
                   <a:txBody>
                     <a:bodyPr/>
@@ -23927,7 +23926,7 @@
                   <a:tcPr/>
                 </a:tc>
               </a:tr>
-              <a:tr h="235273">
+              <a:tr h="248270">
                 <a:tc>
                   <a:txBody>
                     <a:bodyPr/>
@@ -23978,13 +23977,20 @@
                         </a:spcAft>
                       </a:pPr>
                       <a:r>
-                        <a:rPr lang="en-US" sz="1800">
+                        <a:rPr lang="en-US" sz="1800" dirty="0" smtClean="0">
                           <a:effectLst/>
                           <a:latin typeface="+mj-lt"/>
                         </a:rPr>
-                        <a:t>Omission – Server Crash</a:t>
+                        <a:t> </a:t>
                       </a:r>
-                      <a:endParaRPr lang="en-US" sz="1800">
+                      <a:r>
+                        <a:rPr lang="en-US" sz="1800" dirty="0">
+                          <a:effectLst/>
+                          <a:latin typeface="+mj-lt"/>
+                        </a:rPr>
+                        <a:t>Server Crash</a:t>
+                      </a:r>
+                      <a:endParaRPr lang="en-US" sz="1800" dirty="0">
                         <a:effectLst/>
                         <a:latin typeface="+mj-lt"/>
                         <a:ea typeface="Calibri"/>
@@ -24015,7 +24021,7 @@
                   <a:tcPr/>
                 </a:tc>
               </a:tr>
-              <a:tr h="749613">
+              <a:tr h="589937">
                 <a:tc>
                   <a:txBody>
                     <a:bodyPr/>
@@ -24103,7 +24109,7 @@
                   <a:tcPr/>
                 </a:tc>
               </a:tr>
-              <a:tr h="492443">
+              <a:tr h="387547">
                 <a:tc>
                   <a:txBody>
                     <a:bodyPr/>
@@ -24191,7 +24197,7 @@
                   <a:tcPr/>
                 </a:tc>
               </a:tr>
-              <a:tr h="749613">
+              <a:tr h="589937">
                 <a:tc>
                   <a:txBody>
                     <a:bodyPr/>
@@ -24209,13 +24215,13 @@
                         </a:spcAft>
                       </a:pPr>
                       <a:r>
-                        <a:rPr lang="en-US" sz="1800">
+                        <a:rPr lang="en-US" sz="1800" dirty="0">
                           <a:effectLst/>
                           <a:latin typeface="+mj-lt"/>
                         </a:rPr>
                         <a:t>System response</a:t>
                       </a:r>
-                      <a:endParaRPr lang="en-US" sz="1800">
+                      <a:endParaRPr lang="en-US" sz="1800" dirty="0">
                         <a:effectLst/>
                         <a:latin typeface="+mj-lt"/>
                         <a:ea typeface="Calibri"/>
@@ -24279,7 +24285,7 @@
                   <a:tcPr/>
                 </a:tc>
               </a:tr>
-              <a:tr h="492443">
+              <a:tr h="387547">
                 <a:tc>
                   <a:txBody>
                     <a:bodyPr/>
@@ -24330,13 +24336,13 @@
                         </a:spcAft>
                       </a:pPr>
                       <a:r>
-                        <a:rPr lang="en-US" sz="1800">
+                        <a:rPr lang="en-US" sz="1800" dirty="0">
                           <a:effectLst/>
                           <a:latin typeface="+mj-lt"/>
                         </a:rPr>
                         <a:t>Response within  10  seconds</a:t>
                       </a:r>
-                      <a:endParaRPr lang="en-US" sz="1800">
+                      <a:endParaRPr lang="en-US" sz="1800" dirty="0">
                         <a:effectLst/>
                         <a:latin typeface="+mj-lt"/>
                         <a:ea typeface="Calibri"/>
@@ -24367,13 +24373,13 @@
                   <a:tcPr/>
                 </a:tc>
               </a:tr>
-              <a:tr h="235273">
+              <a:tr h="248270">
                 <a:tc>
                   <a:txBody>
                     <a:bodyPr/>
                     <a:lstStyle/>
                     <a:p>
-                      <a:pPr marL="0" marR="0">
+                      <a:pPr marL="0" marR="0" algn="l" defTabSz="914400" rtl="0" eaLnBrk="1" latinLnBrk="0" hangingPunct="1">
                         <a:lnSpc>
                           <a:spcPct val="115000"/>
                         </a:lnSpc>
@@ -24385,18 +24391,17 @@
                         </a:spcAft>
                       </a:pPr>
                       <a:r>
-                        <a:rPr lang="en-US" sz="1800">
+                        <a:rPr lang="en-US" sz="1800" b="1" kern="1200" dirty="0">
+                          <a:solidFill>
+                            <a:schemeClr val="tx1"/>
+                          </a:solidFill>
                           <a:effectLst/>
                           <a:latin typeface="+mj-lt"/>
+                          <a:ea typeface="+mn-ea"/>
+                          <a:cs typeface="+mn-cs"/>
                         </a:rPr>
-                        <a:t>Associated risks</a:t>
+                        <a:t>Use-case related</a:t>
                       </a:r>
-                      <a:endParaRPr lang="en-US" sz="1800">
-                        <a:effectLst/>
-                        <a:latin typeface="+mj-lt"/>
-                        <a:ea typeface="Calibri"/>
-                        <a:cs typeface="Times New Roman"/>
-                      </a:endParaRPr>
                     </a:p>
                   </a:txBody>
                   <a:tcPr marL="68580" marR="68580" marT="0" marB="0"/>
@@ -24418,12 +24423,100 @@
                         </a:spcAft>
                       </a:pPr>
                       <a:r>
-                        <a:rPr lang="en-US" sz="1800" dirty="0">
+                        <a:rPr lang="en-US" sz="1800" kern="1200" dirty="0" smtClean="0">
+                          <a:solidFill>
+                            <a:schemeClr val="tx1"/>
+                          </a:solidFill>
                           <a:effectLst/>
                           <a:latin typeface="+mj-lt"/>
+                          <a:ea typeface="+mn-ea"/>
+                          <a:cs typeface="+mn-cs"/>
                         </a:rPr>
-                        <a:t> </a:t>
+                        <a:t>All use-case</a:t>
                       </a:r>
+                      <a:endParaRPr lang="en-US" sz="1800" kern="1200" dirty="0">
+                        <a:solidFill>
+                          <a:schemeClr val="tx1"/>
+                        </a:solidFill>
+                        <a:effectLst/>
+                        <a:latin typeface="+mj-lt"/>
+                        <a:ea typeface="+mn-ea"/>
+                        <a:cs typeface="+mn-cs"/>
+                      </a:endParaRPr>
+                    </a:p>
+                  </a:txBody>
+                  <a:tcPr marL="68580" marR="68580" marT="0" marB="0"/>
+                </a:tc>
+                <a:tc hMerge="1">
+                  <a:txBody>
+                    <a:bodyPr/>
+                    <a:lstStyle/>
+                    <a:p>
+                      <a:endParaRPr lang="en-US"/>
+                    </a:p>
+                  </a:txBody>
+                  <a:tcPr/>
+                </a:tc>
+                <a:tc hMerge="1">
+                  <a:txBody>
+                    <a:bodyPr/>
+                    <a:lstStyle/>
+                    <a:p>
+                      <a:endParaRPr lang="en-US"/>
+                    </a:p>
+                  </a:txBody>
+                  <a:tcPr/>
+                </a:tc>
+              </a:tr>
+              <a:tr h="248270">
+                <a:tc>
+                  <a:txBody>
+                    <a:bodyPr/>
+                    <a:lstStyle/>
+                    <a:p>
+                      <a:pPr marL="0" marR="0" algn="l" defTabSz="914400" rtl="0" eaLnBrk="1" latinLnBrk="0" hangingPunct="1">
+                        <a:lnSpc>
+                          <a:spcPct val="115000"/>
+                        </a:lnSpc>
+                        <a:spcBef>
+                          <a:spcPts val="0"/>
+                        </a:spcBef>
+                        <a:spcAft>
+                          <a:spcPts val="0"/>
+                        </a:spcAft>
+                      </a:pPr>
+                      <a:r>
+                        <a:rPr lang="en-US" sz="1800" b="1" kern="1200" dirty="0">
+                          <a:solidFill>
+                            <a:schemeClr val="tx1"/>
+                          </a:solidFill>
+                          <a:effectLst/>
+                          <a:latin typeface="+mj-lt"/>
+                          <a:ea typeface="+mn-ea"/>
+                          <a:cs typeface="+mn-cs"/>
+                        </a:rPr>
+                        <a:t>Concern</a:t>
+                      </a:r>
+                    </a:p>
+                  </a:txBody>
+                  <a:tcPr marL="68580" marR="68580" marT="0" marB="0"/>
+                </a:tc>
+                <a:tc gridSpan="3">
+                  <a:txBody>
+                    <a:bodyPr/>
+                    <a:lstStyle/>
+                    <a:p>
+                      <a:pPr marL="0" marR="0">
+                        <a:lnSpc>
+                          <a:spcPct val="115000"/>
+                        </a:lnSpc>
+                        <a:spcBef>
+                          <a:spcPts val="0"/>
+                        </a:spcBef>
+                        <a:spcAft>
+                          <a:spcPts val="0"/>
+                        </a:spcAft>
+                      </a:pPr>
                       <a:endParaRPr lang="en-US" sz="1800" dirty="0">
                         <a:effectLst/>
                         <a:latin typeface="+mj-lt"/>
@@ -24449,7 +24542,7 @@
                     <a:bodyPr/>
                     <a:lstStyle/>
                     <a:p>
-                      <a:endParaRPr lang="en-US"/>
+                      <a:endParaRPr lang="en-US" dirty="0"/>
                     </a:p>
                   </a:txBody>
                   <a:tcPr/>
@@ -24756,14 +24849,14 @@
           <p:nvPr>
             <p:extLst>
               <p:ext uri="{D42A27DB-BD31-4B8C-83A1-F6EECF244321}">
-                <p14:modId xmlns:p14="http://schemas.microsoft.com/office/powerpoint/2010/main" val="344828092"/>
+                <p14:modId xmlns:p14="http://schemas.microsoft.com/office/powerpoint/2010/main" val="3301279693"/>
               </p:ext>
             </p:extLst>
           </p:nvPr>
         </p:nvGraphicFramePr>
         <p:xfrm>
-          <a:off x="0" y="1555309"/>
-          <a:ext cx="9144000" cy="5302691"/>
+          <a:off x="0" y="1219202"/>
+          <a:ext cx="9144000" cy="5171650"/>
         </p:xfrm>
         <a:graphic>
           <a:graphicData uri="http://schemas.openxmlformats.org/drawingml/2006/table">
@@ -24777,7 +24870,7 @@
                 <a:gridCol w="1470060"/>
                 <a:gridCol w="3577146"/>
               </a:tblGrid>
-              <a:tr h="178592">
+              <a:tr h="310242">
                 <a:tc rowSpan="2" gridSpan="2">
                   <a:txBody>
                     <a:bodyPr/>
@@ -24954,7 +25047,7 @@
                   <a:tcPr marL="68580" marR="68580" marT="0" marB="0"/>
                 </a:tc>
               </a:tr>
-              <a:tr h="390340">
+              <a:tr h="347168">
                 <a:tc gridSpan="2" vMerge="1">
                   <a:txBody>
                     <a:bodyPr/>
@@ -25029,7 +25122,7 @@
                   <a:tcPr marL="68580" marR="68580" marT="0" marB="0"/>
                 </a:tc>
               </a:tr>
-              <a:tr h="568932">
+              <a:tr h="506008">
                 <a:tc gridSpan="2">
                   <a:txBody>
                     <a:bodyPr/>
@@ -25117,7 +25210,7 @@
                   <a:tcPr/>
                 </a:tc>
               </a:tr>
-              <a:tr h="373762">
+              <a:tr h="332423">
                 <a:tc gridSpan="4">
                   <a:txBody>
                     <a:bodyPr/>
@@ -25182,7 +25275,7 @@
                   <a:tcPr/>
                 </a:tc>
               </a:tr>
-              <a:tr h="373762">
+              <a:tr h="332423">
                 <a:tc>
                   <a:txBody>
                     <a:bodyPr/>
@@ -25270,7 +25363,7 @@
                   <a:tcPr/>
                 </a:tc>
               </a:tr>
-              <a:tr h="373762">
+              <a:tr h="332423">
                 <a:tc>
                   <a:txBody>
                     <a:bodyPr/>
@@ -25358,7 +25451,7 @@
                   <a:tcPr/>
                 </a:tc>
               </a:tr>
-              <a:tr h="568932">
+              <a:tr h="649284">
                 <a:tc>
                   <a:txBody>
                     <a:bodyPr/>
@@ -25446,7 +25539,7 @@
                   <a:tcPr/>
                 </a:tc>
               </a:tr>
-              <a:tr h="568932">
+              <a:tr h="506008">
                 <a:tc>
                   <a:txBody>
                     <a:bodyPr/>
@@ -25534,7 +25627,7 @@
                   <a:tcPr/>
                 </a:tc>
               </a:tr>
-              <a:tr h="959273">
+              <a:tr h="853176">
                 <a:tc>
                   <a:txBody>
                     <a:bodyPr/>
@@ -25622,7 +25715,7 @@
                   <a:tcPr/>
                 </a:tc>
               </a:tr>
-              <a:tr h="373762">
+              <a:tr h="332423">
                 <a:tc>
                   <a:txBody>
                     <a:bodyPr/>
@@ -25673,13 +25766,13 @@
                         </a:spcAft>
                       </a:pPr>
                       <a:r>
-                        <a:rPr lang="en-US" sz="1800">
+                        <a:rPr lang="en-US" sz="1800" dirty="0">
                           <a:effectLst/>
                           <a:latin typeface="+mj-lt"/>
                         </a:rPr>
                         <a:t>Response within 5 seconds</a:t>
                       </a:r>
-                      <a:endParaRPr lang="en-US" sz="1800">
+                      <a:endParaRPr lang="en-US" sz="1800" dirty="0">
                         <a:effectLst/>
                         <a:latin typeface="+mj-lt"/>
                         <a:ea typeface="Calibri"/>
@@ -25710,13 +25803,13 @@
                   <a:tcPr/>
                 </a:tc>
               </a:tr>
-              <a:tr h="373762">
+              <a:tr h="332423">
                 <a:tc>
                   <a:txBody>
                     <a:bodyPr/>
                     <a:lstStyle/>
                     <a:p>
-                      <a:pPr marL="0" marR="0">
+                      <a:pPr marL="0" marR="0" algn="l" defTabSz="914400" rtl="0" eaLnBrk="1" latinLnBrk="0" hangingPunct="1">
                         <a:lnSpc>
                           <a:spcPct val="115000"/>
                         </a:lnSpc>
@@ -25728,18 +25821,17 @@
                         </a:spcAft>
                       </a:pPr>
                       <a:r>
-                        <a:rPr lang="en-US" sz="1800">
+                        <a:rPr lang="en-US" sz="1800" b="1" kern="1200" dirty="0">
+                          <a:solidFill>
+                            <a:schemeClr val="tx1"/>
+                          </a:solidFill>
                           <a:effectLst/>
                           <a:latin typeface="+mj-lt"/>
+                          <a:ea typeface="+mn-ea"/>
+                          <a:cs typeface="+mn-cs"/>
                         </a:rPr>
-                        <a:t>Associated risks</a:t>
+                        <a:t>Use-case related</a:t>
                       </a:r>
-                      <a:endParaRPr lang="en-US" sz="1800">
-                        <a:effectLst/>
-                        <a:latin typeface="+mj-lt"/>
-                        <a:ea typeface="Calibri"/>
-                        <a:cs typeface="Times New Roman"/>
-                      </a:endParaRPr>
                     </a:p>
                   </a:txBody>
                   <a:tcPr marL="68580" marR="68580" marT="0" marB="0"/>
@@ -25761,11 +25853,108 @@
                         </a:spcAft>
                       </a:pPr>
                       <a:r>
-                        <a:rPr lang="en-US" sz="1800" dirty="0">
+                        <a:rPr lang="en-US" sz="1800" b="1" kern="1200" dirty="0" smtClean="0">
+                          <a:solidFill>
+                            <a:schemeClr val="tx1"/>
+                          </a:solidFill>
                           <a:effectLst/>
                           <a:latin typeface="+mj-lt"/>
+                          <a:ea typeface="+mn-ea"/>
+                          <a:cs typeface="+mn-cs"/>
                         </a:rPr>
-                        <a:t> </a:t>
+                        <a:t>UC_SM03, UC_PM03, UC_RM03</a:t>
+                      </a:r>
+                      <a:endParaRPr lang="en-US" sz="1800" dirty="0">
+                        <a:effectLst/>
+                        <a:latin typeface="+mj-lt"/>
+                        <a:ea typeface="Calibri"/>
+                        <a:cs typeface="Times New Roman"/>
+                      </a:endParaRPr>
+                    </a:p>
+                  </a:txBody>
+                  <a:tcPr marL="68580" marR="68580" marT="0" marB="0"/>
+                </a:tc>
+                <a:tc hMerge="1">
+                  <a:txBody>
+                    <a:bodyPr/>
+                    <a:lstStyle/>
+                    <a:p>
+                      <a:endParaRPr lang="en-US"/>
+                    </a:p>
+                  </a:txBody>
+                  <a:tcPr/>
+                </a:tc>
+                <a:tc hMerge="1">
+                  <a:txBody>
+                    <a:bodyPr/>
+                    <a:lstStyle/>
+                    <a:p>
+                      <a:endParaRPr lang="en-US"/>
+                    </a:p>
+                  </a:txBody>
+                  <a:tcPr/>
+                </a:tc>
+              </a:tr>
+              <a:tr h="332423">
+                <a:tc>
+                  <a:txBody>
+                    <a:bodyPr/>
+                    <a:lstStyle/>
+                    <a:p>
+                      <a:pPr marL="0" marR="0" algn="l" defTabSz="914400" rtl="0" eaLnBrk="1" latinLnBrk="0" hangingPunct="1">
+                        <a:lnSpc>
+                          <a:spcPct val="115000"/>
+                        </a:lnSpc>
+                        <a:spcBef>
+                          <a:spcPts val="0"/>
+                        </a:spcBef>
+                        <a:spcAft>
+                          <a:spcPts val="0"/>
+                        </a:spcAft>
+                      </a:pPr>
+                      <a:r>
+                        <a:rPr lang="en-US" sz="1800" b="1" kern="1200" dirty="0">
+                          <a:solidFill>
+                            <a:schemeClr val="tx1"/>
+                          </a:solidFill>
+                          <a:effectLst/>
+                          <a:latin typeface="+mj-lt"/>
+                          <a:ea typeface="+mn-ea"/>
+                          <a:cs typeface="+mn-cs"/>
+                        </a:rPr>
+                        <a:t>Concern</a:t>
+                      </a:r>
+                    </a:p>
+                  </a:txBody>
+                  <a:tcPr marL="68580" marR="68580" marT="0" marB="0"/>
+                </a:tc>
+                <a:tc gridSpan="3">
+                  <a:txBody>
+                    <a:bodyPr/>
+                    <a:lstStyle/>
+                    <a:p>
+                      <a:pPr marL="0" marR="0">
+                        <a:lnSpc>
+                          <a:spcPct val="115000"/>
+                        </a:lnSpc>
+                        <a:spcBef>
+                          <a:spcPts val="0"/>
+                        </a:spcBef>
+                        <a:spcAft>
+                          <a:spcPts val="0"/>
+                        </a:spcAft>
+                      </a:pPr>
+                      <a:r>
+                        <a:rPr lang="en-US" sz="1800" kern="1200" dirty="0" smtClean="0">
+                          <a:solidFill>
+                            <a:schemeClr val="tx1"/>
+                          </a:solidFill>
+                          <a:effectLst/>
+                          <a:latin typeface="+mj-lt"/>
+                          <a:ea typeface="+mn-ea"/>
+                          <a:cs typeface="+mn-cs"/>
+                        </a:rPr>
+                        <a:t>Response  time</a:t>
                       </a:r>
                       <a:endParaRPr lang="en-US" sz="1800" dirty="0">
                         <a:effectLst/>
@@ -26188,14 +26377,14 @@
           <p:nvPr>
             <p:extLst>
               <p:ext uri="{D42A27DB-BD31-4B8C-83A1-F6EECF244321}">
-                <p14:modId xmlns:p14="http://schemas.microsoft.com/office/powerpoint/2010/main" val="332483993"/>
+                <p14:modId xmlns:p14="http://schemas.microsoft.com/office/powerpoint/2010/main" val="1931413944"/>
               </p:ext>
             </p:extLst>
           </p:nvPr>
         </p:nvGraphicFramePr>
         <p:xfrm>
-          <a:off x="304802" y="1454529"/>
-          <a:ext cx="8839198" cy="5403471"/>
+          <a:off x="17928" y="1143000"/>
+          <a:ext cx="8897471" cy="5714997"/>
         </p:xfrm>
         <a:graphic>
           <a:graphicData uri="http://schemas.openxmlformats.org/drawingml/2006/table">
@@ -26204,12 +26393,12 @@
                 <a:tableStyleId>{5A111915-BE36-4E01-A7E5-04B1672EAD32}</a:tableStyleId>
               </a:tblPr>
               <a:tblGrid>
-                <a:gridCol w="3576328"/>
-                <a:gridCol w="383905"/>
-                <a:gridCol w="1421058"/>
-                <a:gridCol w="3457907"/>
+                <a:gridCol w="3599905"/>
+                <a:gridCol w="386436"/>
+                <a:gridCol w="1430426"/>
+                <a:gridCol w="3480704"/>
               </a:tblGrid>
-              <a:tr h="302575">
+              <a:tr h="334469">
                 <a:tc rowSpan="2" gridSpan="2">
                   <a:txBody>
                     <a:bodyPr/>
@@ -26350,7 +26539,7 @@
                   <a:tcPr marL="68580" marR="68580" marT="0" marB="0"/>
                 </a:tc>
               </a:tr>
-              <a:tr h="764490">
+              <a:tr h="746820">
                 <a:tc gridSpan="2" vMerge="1">
                   <a:txBody>
                     <a:bodyPr/>
@@ -26415,7 +26604,7 @@
                   <a:tcPr marL="68580" marR="68580" marT="0" marB="0"/>
                 </a:tc>
               </a:tr>
-              <a:tr h="557133">
+              <a:tr h="544255">
                 <a:tc gridSpan="2">
                   <a:txBody>
                     <a:bodyPr/>
@@ -26503,7 +26692,7 @@
                   <a:tcPr/>
                 </a:tc>
               </a:tr>
-              <a:tr h="366011">
+              <a:tr h="357550">
                 <a:tc gridSpan="4">
                   <a:txBody>
                     <a:bodyPr/>
@@ -26568,7 +26757,7 @@
                   <a:tcPr/>
                 </a:tc>
               </a:tr>
-              <a:tr h="366011">
+              <a:tr h="357550">
                 <a:tc>
                   <a:txBody>
                     <a:bodyPr/>
@@ -26656,7 +26845,7 @@
                   <a:tcPr/>
                 </a:tc>
               </a:tr>
-              <a:tr h="366011">
+              <a:tr h="357550">
                 <a:tc>
                   <a:txBody>
                     <a:bodyPr/>
@@ -26744,7 +26933,7 @@
                   <a:tcPr/>
                 </a:tc>
               </a:tr>
-              <a:tr h="605150">
+              <a:tr h="668937">
                 <a:tc>
                   <a:txBody>
                     <a:bodyPr/>
@@ -26832,7 +27021,7 @@
                   <a:tcPr/>
                 </a:tc>
               </a:tr>
-              <a:tr h="557133">
+              <a:tr h="544255">
                 <a:tc>
                   <a:txBody>
                     <a:bodyPr/>
@@ -26920,7 +27109,7 @@
                   <a:tcPr/>
                 </a:tc>
               </a:tr>
-              <a:tr h="748256">
+              <a:tr h="730961">
                 <a:tc>
                   <a:txBody>
                     <a:bodyPr/>
@@ -27008,7 +27197,7 @@
                   <a:tcPr/>
                 </a:tc>
               </a:tr>
-              <a:tr h="366011">
+              <a:tr h="357550">
                 <a:tc>
                   <a:txBody>
                     <a:bodyPr/>
@@ -27059,13 +27248,13 @@
                         </a:spcAft>
                       </a:pPr>
                       <a:r>
-                        <a:rPr lang="en-US" sz="1800">
+                        <a:rPr lang="en-US" sz="1800" dirty="0">
                           <a:effectLst/>
                           <a:latin typeface="+mj-lt"/>
                         </a:rPr>
                         <a:t>Response within 5 seconds</a:t>
                       </a:r>
-                      <a:endParaRPr lang="en-US" sz="1800">
+                      <a:endParaRPr lang="en-US" sz="1800" dirty="0">
                         <a:effectLst/>
                         <a:latin typeface="+mj-lt"/>
                         <a:ea typeface="Calibri"/>
@@ -27096,13 +27285,13 @@
                   <a:tcPr/>
                 </a:tc>
               </a:tr>
-              <a:tr h="366011">
+              <a:tr h="357550">
                 <a:tc>
                   <a:txBody>
                     <a:bodyPr/>
                     <a:lstStyle/>
                     <a:p>
-                      <a:pPr marL="0" marR="0">
+                      <a:pPr marL="0" marR="0" algn="l" defTabSz="914400" rtl="0" eaLnBrk="1" latinLnBrk="0" hangingPunct="1">
                         <a:lnSpc>
                           <a:spcPct val="115000"/>
                         </a:lnSpc>
@@ -27114,18 +27303,17 @@
                         </a:spcAft>
                       </a:pPr>
                       <a:r>
-                        <a:rPr lang="en-US" sz="1800">
+                        <a:rPr lang="en-US" sz="1800" b="1" kern="1200" dirty="0">
+                          <a:solidFill>
+                            <a:schemeClr val="tx1"/>
+                          </a:solidFill>
                           <a:effectLst/>
                           <a:latin typeface="+mj-lt"/>
+                          <a:ea typeface="+mn-ea"/>
+                          <a:cs typeface="+mn-cs"/>
                         </a:rPr>
-                        <a:t>Associated risks</a:t>
+                        <a:t>Use-case related</a:t>
                       </a:r>
-                      <a:endParaRPr lang="en-US" sz="1800">
-                        <a:effectLst/>
-                        <a:latin typeface="+mj-lt"/>
-                        <a:ea typeface="Calibri"/>
-                        <a:cs typeface="Times New Roman"/>
-                      </a:endParaRPr>
                     </a:p>
                   </a:txBody>
                   <a:tcPr marL="68580" marR="68580" marT="0" marB="0"/>
@@ -27147,11 +27335,108 @@
                         </a:spcAft>
                       </a:pPr>
                       <a:r>
-                        <a:rPr lang="en-US" sz="1800" dirty="0">
+                        <a:rPr lang="en-US" sz="1800" b="1" kern="1200" dirty="0" smtClean="0">
+                          <a:solidFill>
+                            <a:schemeClr val="tx1"/>
+                          </a:solidFill>
                           <a:effectLst/>
                           <a:latin typeface="+mj-lt"/>
+                          <a:ea typeface="+mn-ea"/>
+                          <a:cs typeface="+mn-cs"/>
                         </a:rPr>
-                        <a:t> </a:t>
+                        <a:t>UC_S01</a:t>
+                      </a:r>
+                      <a:endParaRPr lang="en-US" sz="1800" dirty="0">
+                        <a:effectLst/>
+                        <a:latin typeface="+mj-lt"/>
+                        <a:ea typeface="Calibri"/>
+                        <a:cs typeface="Times New Roman"/>
+                      </a:endParaRPr>
+                    </a:p>
+                  </a:txBody>
+                  <a:tcPr marL="68580" marR="68580" marT="0" marB="0"/>
+                </a:tc>
+                <a:tc hMerge="1">
+                  <a:txBody>
+                    <a:bodyPr/>
+                    <a:lstStyle/>
+                    <a:p>
+                      <a:endParaRPr lang="en-US"/>
+                    </a:p>
+                  </a:txBody>
+                  <a:tcPr/>
+                </a:tc>
+                <a:tc hMerge="1">
+                  <a:txBody>
+                    <a:bodyPr/>
+                    <a:lstStyle/>
+                    <a:p>
+                      <a:endParaRPr lang="en-US"/>
+                    </a:p>
+                  </a:txBody>
+                  <a:tcPr/>
+                </a:tc>
+              </a:tr>
+              <a:tr h="357550">
+                <a:tc>
+                  <a:txBody>
+                    <a:bodyPr/>
+                    <a:lstStyle/>
+                    <a:p>
+                      <a:pPr marL="0" marR="0" algn="l" defTabSz="914400" rtl="0" eaLnBrk="1" latinLnBrk="0" hangingPunct="1">
+                        <a:lnSpc>
+                          <a:spcPct val="115000"/>
+                        </a:lnSpc>
+                        <a:spcBef>
+                          <a:spcPts val="0"/>
+                        </a:spcBef>
+                        <a:spcAft>
+                          <a:spcPts val="0"/>
+                        </a:spcAft>
+                      </a:pPr>
+                      <a:r>
+                        <a:rPr lang="en-US" sz="1800" b="1" kern="1200" dirty="0">
+                          <a:solidFill>
+                            <a:schemeClr val="tx1"/>
+                          </a:solidFill>
+                          <a:effectLst/>
+                          <a:latin typeface="+mj-lt"/>
+                          <a:ea typeface="+mn-ea"/>
+                          <a:cs typeface="+mn-cs"/>
+                        </a:rPr>
+                        <a:t>Concern</a:t>
+                      </a:r>
+                    </a:p>
+                  </a:txBody>
+                  <a:tcPr marL="68580" marR="68580" marT="0" marB="0"/>
+                </a:tc>
+                <a:tc gridSpan="3">
+                  <a:txBody>
+                    <a:bodyPr/>
+                    <a:lstStyle/>
+                    <a:p>
+                      <a:pPr marL="0" marR="0">
+                        <a:lnSpc>
+                          <a:spcPct val="115000"/>
+                        </a:lnSpc>
+                        <a:spcBef>
+                          <a:spcPts val="0"/>
+                        </a:spcBef>
+                        <a:spcAft>
+                          <a:spcPts val="0"/>
+                        </a:spcAft>
+                      </a:pPr>
+                      <a:r>
+                        <a:rPr lang="en-US" sz="1800" kern="1200" dirty="0" smtClean="0">
+                          <a:solidFill>
+                            <a:schemeClr val="tx1"/>
+                          </a:solidFill>
+                          <a:effectLst/>
+                          <a:latin typeface="+mj-lt"/>
+                          <a:ea typeface="+mn-ea"/>
+                          <a:cs typeface="+mn-cs"/>
+                        </a:rPr>
+                        <a:t>Response  time</a:t>
                       </a:r>
                       <a:endParaRPr lang="en-US" sz="1800" dirty="0">
                         <a:effectLst/>
@@ -31111,14 +31396,14 @@
           <p:nvPr>
             <p:extLst>
               <p:ext uri="{D42A27DB-BD31-4B8C-83A1-F6EECF244321}">
-                <p14:modId xmlns:p14="http://schemas.microsoft.com/office/powerpoint/2010/main" val="1107973539"/>
+                <p14:modId xmlns:p14="http://schemas.microsoft.com/office/powerpoint/2010/main" val="309613149"/>
               </p:ext>
             </p:extLst>
           </p:nvPr>
         </p:nvGraphicFramePr>
         <p:xfrm>
-          <a:off x="198642" y="1447800"/>
-          <a:ext cx="8792959" cy="5403506"/>
+          <a:off x="325678" y="1219200"/>
+          <a:ext cx="8492644" cy="5274523"/>
         </p:xfrm>
         <a:graphic>
           <a:graphicData uri="http://schemas.openxmlformats.org/drawingml/2006/table">
@@ -31127,12 +31412,12 @@
                 <a:tableStyleId>{5A111915-BE36-4E01-A7E5-04B1672EAD32}</a:tableStyleId>
               </a:tblPr>
               <a:tblGrid>
-                <a:gridCol w="3557620"/>
-                <a:gridCol w="381897"/>
-                <a:gridCol w="1413624"/>
-                <a:gridCol w="3439818"/>
+                <a:gridCol w="3436113"/>
+                <a:gridCol w="368854"/>
+                <a:gridCol w="1365343"/>
+                <a:gridCol w="3322334"/>
               </a:tblGrid>
-              <a:tr h="191295">
+              <a:tr h="291228">
                 <a:tc rowSpan="2" gridSpan="2">
                   <a:txBody>
                     <a:bodyPr/>
@@ -31150,7 +31435,7 @@
                         </a:spcAft>
                       </a:pPr>
                       <a:r>
-                        <a:rPr lang="en-US" sz="1800">
+                        <a:rPr lang="en-US" sz="1800" dirty="0">
                           <a:solidFill>
                             <a:schemeClr val="accent5">
                               <a:lumMod val="25000"/>
@@ -31159,9 +31444,9 @@
                           <a:effectLst/>
                           <a:latin typeface="+mj-lt"/>
                         </a:rPr>
-                        <a:t>Title of scenario: Scan customer  </a:t>
+                        <a:t>Title of scenario: Block unauthorized access</a:t>
                       </a:r>
-                      <a:endParaRPr lang="en-US" sz="1800">
+                      <a:endParaRPr lang="en-US" sz="1800" dirty="0">
                         <a:solidFill>
                           <a:schemeClr val="accent5">
                             <a:lumMod val="25000"/>
@@ -31212,7 +31497,7 @@
                           <a:effectLst/>
                           <a:latin typeface="+mj-lt"/>
                         </a:rPr>
-                        <a:t>ID: QAS4</a:t>
+                        <a:t>ID: QAS5</a:t>
                       </a:r>
                       <a:endParaRPr lang="en-US" sz="1800">
                         <a:solidFill>
@@ -31273,7 +31558,7 @@
                   <a:tcPr marL="68580" marR="68580" marT="0" marB="0"/>
                 </a:tc>
               </a:tr>
-              <a:tr h="418106">
+              <a:tr h="552989">
                 <a:tc gridSpan="2" vMerge="1">
                   <a:txBody>
                     <a:bodyPr/>
@@ -31322,22 +31607,12 @@
                       </a:pPr>
                       <a:r>
                         <a:rPr lang="en-US" sz="1800" dirty="0">
-                          <a:solidFill>
-                            <a:schemeClr val="accent5">
-                              <a:lumMod val="25000"/>
-                            </a:schemeClr>
-                          </a:solidFill>
                           <a:effectLst/>
                           <a:latin typeface="+mj-lt"/>
                         </a:rPr>
                         <a:t>Last Changed: 04/07/2012</a:t>
                       </a:r>
                       <a:endParaRPr lang="en-US" sz="1800" dirty="0">
-                        <a:solidFill>
-                          <a:schemeClr val="accent5">
-                            <a:lumMod val="25000"/>
-                          </a:schemeClr>
-                        </a:solidFill>
                         <a:effectLst/>
                         <a:latin typeface="+mj-lt"/>
                         <a:ea typeface="Calibri"/>
@@ -31348,7 +31623,7 @@
                   <a:tcPr marL="68580" marR="68580" marT="0" marB="0"/>
                 </a:tc>
               </a:tr>
-              <a:tr h="609401">
+              <a:tr h="537331">
                 <a:tc gridSpan="2">
                   <a:txBody>
                     <a:bodyPr/>
@@ -31370,7 +31645,7 @@
                           <a:effectLst/>
                           <a:latin typeface="+mj-lt"/>
                         </a:rPr>
-                        <a:t>Quality attribute: Performance </a:t>
+                        <a:t>Quality attribute: Security</a:t>
                       </a:r>
                       <a:endParaRPr lang="en-US" sz="1800">
                         <a:effectLst/>
@@ -31413,7 +31688,7 @@
                           <a:effectLst/>
                           <a:latin typeface="+mj-lt"/>
                         </a:rPr>
-                        <a:t>Characterization ID: QA2</a:t>
+                        <a:t>Characterization ID: QA1</a:t>
                       </a:r>
                       <a:endParaRPr lang="en-US" sz="1800">
                         <a:effectLst/>
@@ -31436,7 +31711,7 @@
                   <a:tcPr/>
                 </a:tc>
               </a:tr>
-              <a:tr h="400348">
+              <a:tr h="582456">
                 <a:tc gridSpan="4">
                   <a:txBody>
                     <a:bodyPr/>
@@ -31458,7 +31733,7 @@
                           <a:effectLst/>
                           <a:latin typeface="+mj-lt"/>
                         </a:rPr>
-                        <a:t>Describe stakeholder role proposing the description: Cashier </a:t>
+                        <a:t>Describe stakeholder role proposing the description: Cashier, manager, staff</a:t>
                       </a:r>
                       <a:endParaRPr lang="en-US" sz="1800">
                         <a:effectLst/>
@@ -31501,7 +31776,7 @@
                   <a:tcPr/>
                 </a:tc>
               </a:tr>
-              <a:tr h="400348">
+              <a:tr h="353002">
                 <a:tc>
                   <a:txBody>
                     <a:bodyPr/>
@@ -31556,7 +31831,7 @@
                           <a:effectLst/>
                           <a:latin typeface="+mj-lt"/>
                         </a:rPr>
-                        <a:t>End user</a:t>
+                        <a:t>unknown identity </a:t>
                       </a:r>
                       <a:endParaRPr lang="en-US" sz="1800">
                         <a:effectLst/>
@@ -31589,7 +31864,7 @@
                   <a:tcPr/>
                 </a:tc>
               </a:tr>
-              <a:tr h="400348">
+              <a:tr h="353002">
                 <a:tc>
                   <a:txBody>
                     <a:bodyPr/>
@@ -31644,7 +31919,7 @@
                           <a:effectLst/>
                           <a:latin typeface="+mj-lt"/>
                         </a:rPr>
-                        <a:t>Send a request to get customer information</a:t>
+                        <a:t>Try to access the system illegitimacy</a:t>
                       </a:r>
                       <a:endParaRPr lang="en-US" sz="1800">
                         <a:effectLst/>
@@ -31677,7 +31952,7 @@
                   <a:tcPr/>
                 </a:tc>
               </a:tr>
-              <a:tr h="609401">
+              <a:tr h="582456">
                 <a:tc>
                   <a:txBody>
                     <a:bodyPr/>
@@ -31765,7 +32040,7 @@
                   <a:tcPr/>
                 </a:tc>
               </a:tr>
-              <a:tr h="609401">
+              <a:tr h="537331">
                 <a:tc>
                   <a:txBody>
                     <a:bodyPr/>
@@ -31853,7 +32128,7 @@
                   <a:tcPr/>
                 </a:tc>
               </a:tr>
-              <a:tr h="818454">
+              <a:tr h="353002">
                 <a:tc>
                   <a:txBody>
                     <a:bodyPr/>
@@ -31908,7 +32183,7 @@
                           <a:effectLst/>
                           <a:latin typeface="+mj-lt"/>
                         </a:rPr>
-                        <a:t>The system get information in primary database and response to client </a:t>
+                        <a:t>The system block this request </a:t>
                       </a:r>
                       <a:endParaRPr lang="en-US" sz="1800">
                         <a:effectLst/>
@@ -31941,7 +32216,7 @@
                   <a:tcPr/>
                 </a:tc>
               </a:tr>
-              <a:tr h="400348">
+              <a:tr h="353002">
                 <a:tc>
                   <a:txBody>
                     <a:bodyPr/>
@@ -31964,94 +32239,6 @@
                           <a:latin typeface="+mj-lt"/>
                         </a:rPr>
                         <a:t>Response measure(s)</a:t>
-                      </a:r>
-                      <a:endParaRPr lang="en-US" sz="1800">
-                        <a:effectLst/>
-                        <a:latin typeface="+mj-lt"/>
-                        <a:ea typeface="Calibri"/>
-                        <a:cs typeface="Times New Roman"/>
-                      </a:endParaRPr>
-                    </a:p>
-                  </a:txBody>
-                  <a:tcPr marL="68580" marR="68580" marT="0" marB="0"/>
-                </a:tc>
-                <a:tc gridSpan="3">
-                  <a:txBody>
-                    <a:bodyPr/>
-                    <a:lstStyle/>
-                    <a:p>
-                      <a:pPr marL="0" marR="0">
-                        <a:lnSpc>
-                          <a:spcPct val="115000"/>
-                        </a:lnSpc>
-                        <a:spcBef>
-                          <a:spcPts val="0"/>
-                        </a:spcBef>
-                        <a:spcAft>
-                          <a:spcPts val="0"/>
-                        </a:spcAft>
-                      </a:pPr>
-                      <a:r>
-                        <a:rPr lang="en-US" sz="1800">
-                          <a:effectLst/>
-                          <a:latin typeface="+mj-lt"/>
-                        </a:rPr>
-                        <a:t>Response within 3 seconds</a:t>
-                      </a:r>
-                      <a:endParaRPr lang="en-US" sz="1800">
-                        <a:effectLst/>
-                        <a:latin typeface="+mj-lt"/>
-                        <a:ea typeface="Calibri"/>
-                        <a:cs typeface="Times New Roman"/>
-                      </a:endParaRPr>
-                    </a:p>
-                  </a:txBody>
-                  <a:tcPr marL="68580" marR="68580" marT="0" marB="0"/>
-                </a:tc>
-                <a:tc hMerge="1">
-                  <a:txBody>
-                    <a:bodyPr/>
-                    <a:lstStyle/>
-                    <a:p>
-                      <a:endParaRPr lang="en-US"/>
-                    </a:p>
-                  </a:txBody>
-                  <a:tcPr/>
-                </a:tc>
-                <a:tc hMerge="1">
-                  <a:txBody>
-                    <a:bodyPr/>
-                    <a:lstStyle/>
-                    <a:p>
-                      <a:endParaRPr lang="en-US"/>
-                    </a:p>
-                  </a:txBody>
-                  <a:tcPr/>
-                </a:tc>
-              </a:tr>
-              <a:tr h="400348">
-                <a:tc>
-                  <a:txBody>
-                    <a:bodyPr/>
-                    <a:lstStyle/>
-                    <a:p>
-                      <a:pPr marL="0" marR="0">
-                        <a:lnSpc>
-                          <a:spcPct val="115000"/>
-                        </a:lnSpc>
-                        <a:spcBef>
-                          <a:spcPts val="0"/>
-                        </a:spcBef>
-                        <a:spcAft>
-                          <a:spcPts val="0"/>
-                        </a:spcAft>
-                      </a:pPr>
-                      <a:r>
-                        <a:rPr lang="en-US" sz="1800">
-                          <a:effectLst/>
-                          <a:latin typeface="+mj-lt"/>
-                        </a:rPr>
-                        <a:t>Associated risks</a:t>
                       </a:r>
                       <a:endParaRPr lang="en-US" sz="1800">
                         <a:effectLst/>
@@ -32117,6 +32304,190 @@
                   <a:tcPr/>
                 </a:tc>
               </a:tr>
+              <a:tr h="353002">
+                <a:tc>
+                  <a:txBody>
+                    <a:bodyPr/>
+                    <a:lstStyle/>
+                    <a:p>
+                      <a:pPr marL="0" marR="0" algn="l" defTabSz="914400" rtl="0" eaLnBrk="1" latinLnBrk="0" hangingPunct="1">
+                        <a:lnSpc>
+                          <a:spcPct val="115000"/>
+                        </a:lnSpc>
+                        <a:spcBef>
+                          <a:spcPts val="0"/>
+                        </a:spcBef>
+                        <a:spcAft>
+                          <a:spcPts val="0"/>
+                        </a:spcAft>
+                      </a:pPr>
+                      <a:r>
+                        <a:rPr lang="en-US" sz="1800" b="1" kern="1200" dirty="0">
+                          <a:solidFill>
+                            <a:schemeClr val="tx1"/>
+                          </a:solidFill>
+                          <a:effectLst/>
+                          <a:latin typeface="+mj-lt"/>
+                          <a:ea typeface="+mn-ea"/>
+                          <a:cs typeface="+mn-cs"/>
+                        </a:rPr>
+                        <a:t>Use-case related</a:t>
+                      </a:r>
+                    </a:p>
+                  </a:txBody>
+                  <a:tcPr marL="68580" marR="68580" marT="0" marB="0"/>
+                </a:tc>
+                <a:tc gridSpan="3">
+                  <a:txBody>
+                    <a:bodyPr/>
+                    <a:lstStyle/>
+                    <a:p>
+                      <a:pPr marL="0" marR="0">
+                        <a:lnSpc>
+                          <a:spcPct val="115000"/>
+                        </a:lnSpc>
+                        <a:spcBef>
+                          <a:spcPts val="0"/>
+                        </a:spcBef>
+                        <a:spcAft>
+                          <a:spcPts val="0"/>
+                        </a:spcAft>
+                      </a:pPr>
+                      <a:r>
+                        <a:rPr lang="en-US" sz="1800" b="1" kern="1200" dirty="0" smtClean="0">
+                          <a:solidFill>
+                            <a:schemeClr val="tx1"/>
+                          </a:solidFill>
+                          <a:effectLst/>
+                          <a:latin typeface="+mj-lt"/>
+                          <a:ea typeface="+mn-ea"/>
+                          <a:cs typeface="+mn-cs"/>
+                        </a:rPr>
+                        <a:t>Login</a:t>
+                      </a:r>
+                      <a:endParaRPr lang="en-US" sz="1800" dirty="0">
+                        <a:effectLst/>
+                        <a:latin typeface="+mj-lt"/>
+                        <a:ea typeface="Calibri"/>
+                        <a:cs typeface="Times New Roman"/>
+                      </a:endParaRPr>
+                    </a:p>
+                  </a:txBody>
+                  <a:tcPr marL="68580" marR="68580" marT="0" marB="0"/>
+                </a:tc>
+                <a:tc hMerge="1">
+                  <a:txBody>
+                    <a:bodyPr/>
+                    <a:lstStyle/>
+                    <a:p>
+                      <a:endParaRPr lang="en-US"/>
+                    </a:p>
+                  </a:txBody>
+                  <a:tcPr/>
+                </a:tc>
+                <a:tc hMerge="1">
+                  <a:txBody>
+                    <a:bodyPr/>
+                    <a:lstStyle/>
+                    <a:p>
+                      <a:endParaRPr lang="en-US"/>
+                    </a:p>
+                  </a:txBody>
+                  <a:tcPr/>
+                </a:tc>
+              </a:tr>
+              <a:tr h="353002">
+                <a:tc>
+                  <a:txBody>
+                    <a:bodyPr/>
+                    <a:lstStyle/>
+                    <a:p>
+                      <a:pPr marL="0" marR="0" algn="l" defTabSz="914400" rtl="0" eaLnBrk="1" latinLnBrk="0" hangingPunct="1">
+                        <a:lnSpc>
+                          <a:spcPct val="115000"/>
+                        </a:lnSpc>
+                        <a:spcBef>
+                          <a:spcPts val="0"/>
+                        </a:spcBef>
+                        <a:spcAft>
+                          <a:spcPts val="0"/>
+                        </a:spcAft>
+                      </a:pPr>
+                      <a:r>
+                        <a:rPr lang="en-US" sz="1800" b="1" kern="1200" dirty="0">
+                          <a:solidFill>
+                            <a:schemeClr val="tx1"/>
+                          </a:solidFill>
+                          <a:effectLst/>
+                          <a:latin typeface="+mj-lt"/>
+                          <a:ea typeface="+mn-ea"/>
+                          <a:cs typeface="+mn-cs"/>
+                        </a:rPr>
+                        <a:t>Concern</a:t>
+                      </a:r>
+                    </a:p>
+                  </a:txBody>
+                  <a:tcPr marL="68580" marR="68580" marT="0" marB="0"/>
+                </a:tc>
+                <a:tc gridSpan="3">
+                  <a:txBody>
+                    <a:bodyPr/>
+                    <a:lstStyle/>
+                    <a:p>
+                      <a:pPr marL="0" marR="0">
+                        <a:lnSpc>
+                          <a:spcPct val="115000"/>
+                        </a:lnSpc>
+                        <a:spcBef>
+                          <a:spcPts val="0"/>
+                        </a:spcBef>
+                        <a:spcAft>
+                          <a:spcPts val="0"/>
+                        </a:spcAft>
+                      </a:pPr>
+                      <a:r>
+                        <a:rPr lang="en-US" sz="1800" kern="1200" dirty="0" smtClean="0">
+                          <a:solidFill>
+                            <a:schemeClr val="tx1"/>
+                          </a:solidFill>
+                          <a:effectLst/>
+                          <a:latin typeface="+mj-lt"/>
+                          <a:ea typeface="+mn-ea"/>
+                          <a:cs typeface="+mn-cs"/>
+                        </a:rPr>
+                        <a:t>Identification</a:t>
+                      </a:r>
+                      <a:endParaRPr lang="en-US" sz="1800" dirty="0">
+                        <a:effectLst/>
+                        <a:latin typeface="+mj-lt"/>
+                        <a:ea typeface="Calibri"/>
+                        <a:cs typeface="Times New Roman"/>
+                      </a:endParaRPr>
+                    </a:p>
+                  </a:txBody>
+                  <a:tcPr marL="68580" marR="68580" marT="0" marB="0"/>
+                </a:tc>
+                <a:tc hMerge="1">
+                  <a:txBody>
+                    <a:bodyPr/>
+                    <a:lstStyle/>
+                    <a:p>
+                      <a:endParaRPr lang="en-US"/>
+                    </a:p>
+                  </a:txBody>
+                  <a:tcPr/>
+                </a:tc>
+                <a:tc hMerge="1">
+                  <a:txBody>
+                    <a:bodyPr/>
+                    <a:lstStyle/>
+                    <a:p>
+                      <a:endParaRPr lang="en-US"/>
+                    </a:p>
+                  </a:txBody>
+                  <a:tcPr/>
+                </a:tc>
+              </a:tr>
             </a:tbl>
           </a:graphicData>
         </a:graphic>
@@ -32131,7 +32502,7 @@
         </p:nvSpPr>
         <p:spPr bwMode="auto">
           <a:xfrm>
-            <a:off x="2438400" y="1754188"/>
+            <a:off x="2438400" y="1963738"/>
             <a:ext cx="9144000" cy="457200"/>
           </a:xfrm>
           <a:prstGeom prst="rect">
@@ -32498,1392 +32869,6 @@
           </a:p>
         </p:txBody>
       </p:sp>
-      <p:graphicFrame>
-        <p:nvGraphicFramePr>
-          <p:cNvPr id="5" name="Table 4"/>
-          <p:cNvGraphicFramePr>
-            <a:graphicFrameLocks noGrp="1"/>
-          </p:cNvGraphicFramePr>
-          <p:nvPr>
-            <p:extLst>
-              <p:ext uri="{D42A27DB-BD31-4B8C-83A1-F6EECF244321}">
-                <p14:modId xmlns:p14="http://schemas.microsoft.com/office/powerpoint/2010/main" val="1818638197"/>
-              </p:ext>
-            </p:extLst>
-          </p:nvPr>
-        </p:nvGraphicFramePr>
-        <p:xfrm>
-          <a:off x="270357" y="1447801"/>
-          <a:ext cx="8416442" cy="5252381"/>
-        </p:xfrm>
-        <a:graphic>
-          <a:graphicData uri="http://schemas.openxmlformats.org/drawingml/2006/table">
-            <a:tbl>
-              <a:tblPr firstRow="1" firstCol="1" bandRow="1">
-                <a:tableStyleId>{5A111915-BE36-4E01-A7E5-04B1672EAD32}</a:tableStyleId>
-              </a:tblPr>
-              <a:tblGrid>
-                <a:gridCol w="3405282"/>
-                <a:gridCol w="365544"/>
-                <a:gridCol w="1353092"/>
-                <a:gridCol w="3292524"/>
-              </a:tblGrid>
-              <a:tr h="301312">
-                <a:tc rowSpan="2" gridSpan="2">
-                  <a:txBody>
-                    <a:bodyPr/>
-                    <a:lstStyle/>
-                    <a:p>
-                      <a:pPr marL="0" marR="0">
-                        <a:lnSpc>
-                          <a:spcPct val="115000"/>
-                        </a:lnSpc>
-                        <a:spcBef>
-                          <a:spcPts val="0"/>
-                        </a:spcBef>
-                        <a:spcAft>
-                          <a:spcPts val="0"/>
-                        </a:spcAft>
-                      </a:pPr>
-                      <a:r>
-                        <a:rPr lang="en-US" sz="1800" dirty="0">
-                          <a:solidFill>
-                            <a:schemeClr val="accent5">
-                              <a:lumMod val="25000"/>
-                            </a:schemeClr>
-                          </a:solidFill>
-                          <a:effectLst/>
-                          <a:latin typeface="+mj-lt"/>
-                        </a:rPr>
-                        <a:t>Title of scenario: Block unauthorized access</a:t>
-                      </a:r>
-                      <a:endParaRPr lang="en-US" sz="1800" dirty="0">
-                        <a:solidFill>
-                          <a:schemeClr val="accent5">
-                            <a:lumMod val="25000"/>
-                          </a:schemeClr>
-                        </a:solidFill>
-                        <a:effectLst/>
-                        <a:latin typeface="+mj-lt"/>
-                        <a:ea typeface="Calibri"/>
-                        <a:cs typeface="Times New Roman"/>
-                      </a:endParaRPr>
-                    </a:p>
-                  </a:txBody>
-                  <a:tcPr marL="68580" marR="68580" marT="0" marB="0"/>
-                </a:tc>
-                <a:tc rowSpan="2" hMerge="1">
-                  <a:txBody>
-                    <a:bodyPr/>
-                    <a:lstStyle/>
-                    <a:p>
-                      <a:endParaRPr lang="en-US"/>
-                    </a:p>
-                  </a:txBody>
-                  <a:tcPr/>
-                </a:tc>
-                <a:tc rowSpan="2">
-                  <a:txBody>
-                    <a:bodyPr/>
-                    <a:lstStyle/>
-                    <a:p>
-                      <a:pPr marL="0" marR="0">
-                        <a:lnSpc>
-                          <a:spcPct val="115000"/>
-                        </a:lnSpc>
-                        <a:spcBef>
-                          <a:spcPts val="0"/>
-                        </a:spcBef>
-                        <a:spcAft>
-                          <a:spcPts val="0"/>
-                        </a:spcAft>
-                      </a:pPr>
-                      <a:r>
-                        <a:rPr lang="en-US" sz="1800">
-                          <a:solidFill>
-                            <a:schemeClr val="accent5">
-                              <a:lumMod val="25000"/>
-                            </a:schemeClr>
-                          </a:solidFill>
-                          <a:effectLst/>
-                          <a:latin typeface="+mj-lt"/>
-                        </a:rPr>
-                        <a:t>ID: QAS5</a:t>
-                      </a:r>
-                      <a:endParaRPr lang="en-US" sz="1800">
-                        <a:solidFill>
-                          <a:schemeClr val="accent5">
-                            <a:lumMod val="25000"/>
-                          </a:schemeClr>
-                        </a:solidFill>
-                        <a:effectLst/>
-                        <a:latin typeface="+mj-lt"/>
-                        <a:ea typeface="Calibri"/>
-                        <a:cs typeface="Times New Roman"/>
-                      </a:endParaRPr>
-                    </a:p>
-                  </a:txBody>
-                  <a:tcPr marL="68580" marR="68580" marT="0" marB="0"/>
-                </a:tc>
-                <a:tc>
-                  <a:txBody>
-                    <a:bodyPr/>
-                    <a:lstStyle/>
-                    <a:p>
-                      <a:pPr marL="0" marR="0">
-                        <a:lnSpc>
-                          <a:spcPct val="115000"/>
-                        </a:lnSpc>
-                        <a:spcBef>
-                          <a:spcPts val="0"/>
-                        </a:spcBef>
-                        <a:spcAft>
-                          <a:spcPts val="0"/>
-                        </a:spcAft>
-                      </a:pPr>
-                      <a:r>
-                        <a:rPr lang="en-US" sz="1800" dirty="0">
-                          <a:solidFill>
-                            <a:schemeClr val="accent5">
-                              <a:lumMod val="25000"/>
-                            </a:schemeClr>
-                          </a:solidFill>
-                          <a:effectLst/>
-                          <a:latin typeface="+mj-lt"/>
-                        </a:rPr>
-                        <a:t>Version: 1.1</a:t>
-                      </a:r>
-                      <a:endParaRPr lang="en-US" sz="1800" dirty="0">
-                        <a:solidFill>
-                          <a:schemeClr val="accent5">
-                            <a:lumMod val="25000"/>
-                          </a:schemeClr>
-                        </a:solidFill>
-                        <a:effectLst/>
-                        <a:latin typeface="+mj-lt"/>
-                        <a:ea typeface="Calibri"/>
-                        <a:cs typeface="Times New Roman"/>
-                      </a:endParaRPr>
-                    </a:p>
-                  </a:txBody>
-                  <a:tcPr marL="68580" marR="68580" marT="0" marB="0"/>
-                </a:tc>
-              </a:tr>
-              <a:tr h="599016">
-                <a:tc gridSpan="2" vMerge="1">
-                  <a:txBody>
-                    <a:bodyPr/>
-                    <a:lstStyle/>
-                    <a:p>
-                      <a:endParaRPr lang="en-US"/>
-                    </a:p>
-                  </a:txBody>
-                  <a:tcPr/>
-                </a:tc>
-                <a:tc hMerge="1" vMerge="1">
-                  <a:txBody>
-                    <a:bodyPr/>
-                    <a:lstStyle/>
-                    <a:p>
-                      <a:endParaRPr lang="en-US"/>
-                    </a:p>
-                  </a:txBody>
-                  <a:tcPr/>
-                </a:tc>
-                <a:tc vMerge="1">
-                  <a:txBody>
-                    <a:bodyPr/>
-                    <a:lstStyle/>
-                    <a:p>
-                      <a:endParaRPr lang="en-US"/>
-                    </a:p>
-                  </a:txBody>
-                  <a:tcPr/>
-                </a:tc>
-                <a:tc>
-                  <a:txBody>
-                    <a:bodyPr/>
-                    <a:lstStyle/>
-                    <a:p>
-                      <a:pPr marL="0" marR="0">
-                        <a:lnSpc>
-                          <a:spcPct val="115000"/>
-                        </a:lnSpc>
-                        <a:spcBef>
-                          <a:spcPts val="0"/>
-                        </a:spcBef>
-                        <a:spcAft>
-                          <a:spcPts val="0"/>
-                        </a:spcAft>
-                      </a:pPr>
-                      <a:r>
-                        <a:rPr lang="en-US" sz="1800" dirty="0">
-                          <a:effectLst/>
-                          <a:latin typeface="+mj-lt"/>
-                        </a:rPr>
-                        <a:t>Last Changed: 04/07/2012</a:t>
-                      </a:r>
-                      <a:endParaRPr lang="en-US" sz="1800" dirty="0">
-                        <a:effectLst/>
-                        <a:latin typeface="+mj-lt"/>
-                        <a:ea typeface="Calibri"/>
-                        <a:cs typeface="Times New Roman"/>
-                      </a:endParaRPr>
-                    </a:p>
-                  </a:txBody>
-                  <a:tcPr marL="68580" marR="68580" marT="0" marB="0"/>
-                </a:tc>
-              </a:tr>
-              <a:tr h="582055">
-                <a:tc gridSpan="2">
-                  <a:txBody>
-                    <a:bodyPr/>
-                    <a:lstStyle/>
-                    <a:p>
-                      <a:pPr marL="0" marR="0">
-                        <a:lnSpc>
-                          <a:spcPct val="115000"/>
-                        </a:lnSpc>
-                        <a:spcBef>
-                          <a:spcPts val="0"/>
-                        </a:spcBef>
-                        <a:spcAft>
-                          <a:spcPts val="0"/>
-                        </a:spcAft>
-                      </a:pPr>
-                      <a:r>
-                        <a:rPr lang="en-US" sz="1800">
-                          <a:effectLst/>
-                          <a:latin typeface="+mj-lt"/>
-                        </a:rPr>
-                        <a:t>Quality attribute: Security</a:t>
-                      </a:r>
-                      <a:endParaRPr lang="en-US" sz="1800">
-                        <a:effectLst/>
-                        <a:latin typeface="+mj-lt"/>
-                        <a:ea typeface="Calibri"/>
-                        <a:cs typeface="Times New Roman"/>
-                      </a:endParaRPr>
-                    </a:p>
-                  </a:txBody>
-                  <a:tcPr marL="68580" marR="68580" marT="0" marB="0"/>
-                </a:tc>
-                <a:tc hMerge="1">
-                  <a:txBody>
-                    <a:bodyPr/>
-                    <a:lstStyle/>
-                    <a:p>
-                      <a:endParaRPr lang="en-US"/>
-                    </a:p>
-                  </a:txBody>
-                  <a:tcPr/>
-                </a:tc>
-                <a:tc gridSpan="2">
-                  <a:txBody>
-                    <a:bodyPr/>
-                    <a:lstStyle/>
-                    <a:p>
-                      <a:pPr marL="0" marR="0">
-                        <a:lnSpc>
-                          <a:spcPct val="115000"/>
-                        </a:lnSpc>
-                        <a:spcBef>
-                          <a:spcPts val="0"/>
-                        </a:spcBef>
-                        <a:spcAft>
-                          <a:spcPts val="0"/>
-                        </a:spcAft>
-                      </a:pPr>
-                      <a:r>
-                        <a:rPr lang="en-US" sz="1800">
-                          <a:effectLst/>
-                          <a:latin typeface="+mj-lt"/>
-                        </a:rPr>
-                        <a:t>Characterization ID: QA1</a:t>
-                      </a:r>
-                      <a:endParaRPr lang="en-US" sz="1800">
-                        <a:effectLst/>
-                        <a:latin typeface="+mj-lt"/>
-                        <a:ea typeface="Calibri"/>
-                        <a:cs typeface="Times New Roman"/>
-                      </a:endParaRPr>
-                    </a:p>
-                  </a:txBody>
-                  <a:tcPr marL="68580" marR="68580" marT="0" marB="0"/>
-                </a:tc>
-                <a:tc hMerge="1">
-                  <a:txBody>
-                    <a:bodyPr/>
-                    <a:lstStyle/>
-                    <a:p>
-                      <a:endParaRPr lang="en-US"/>
-                    </a:p>
-                  </a:txBody>
-                  <a:tcPr/>
-                </a:tc>
-              </a:tr>
-              <a:tr h="602624">
-                <a:tc gridSpan="4">
-                  <a:txBody>
-                    <a:bodyPr/>
-                    <a:lstStyle/>
-                    <a:p>
-                      <a:pPr marL="0" marR="0">
-                        <a:lnSpc>
-                          <a:spcPct val="115000"/>
-                        </a:lnSpc>
-                        <a:spcBef>
-                          <a:spcPts val="0"/>
-                        </a:spcBef>
-                        <a:spcAft>
-                          <a:spcPts val="0"/>
-                        </a:spcAft>
-                      </a:pPr>
-                      <a:r>
-                        <a:rPr lang="en-US" sz="1800">
-                          <a:effectLst/>
-                          <a:latin typeface="+mj-lt"/>
-                        </a:rPr>
-                        <a:t>Describe stakeholder role proposing the description: Cashier, manager, staff</a:t>
-                      </a:r>
-                      <a:endParaRPr lang="en-US" sz="1800">
-                        <a:effectLst/>
-                        <a:latin typeface="+mj-lt"/>
-                        <a:ea typeface="Calibri"/>
-                        <a:cs typeface="Times New Roman"/>
-                      </a:endParaRPr>
-                    </a:p>
-                  </a:txBody>
-                  <a:tcPr marL="68580" marR="68580" marT="0" marB="0"/>
-                </a:tc>
-                <a:tc hMerge="1">
-                  <a:txBody>
-                    <a:bodyPr/>
-                    <a:lstStyle/>
-                    <a:p>
-                      <a:endParaRPr lang="en-US"/>
-                    </a:p>
-                  </a:txBody>
-                  <a:tcPr/>
-                </a:tc>
-                <a:tc hMerge="1">
-                  <a:txBody>
-                    <a:bodyPr/>
-                    <a:lstStyle/>
-                    <a:p>
-                      <a:endParaRPr lang="en-US"/>
-                    </a:p>
-                  </a:txBody>
-                  <a:tcPr/>
-                </a:tc>
-                <a:tc hMerge="1">
-                  <a:txBody>
-                    <a:bodyPr/>
-                    <a:lstStyle/>
-                    <a:p>
-                      <a:endParaRPr lang="en-US"/>
-                    </a:p>
-                  </a:txBody>
-                  <a:tcPr/>
-                </a:tc>
-              </a:tr>
-              <a:tr h="382383">
-                <a:tc>
-                  <a:txBody>
-                    <a:bodyPr/>
-                    <a:lstStyle/>
-                    <a:p>
-                      <a:pPr marL="0" marR="0">
-                        <a:lnSpc>
-                          <a:spcPct val="115000"/>
-                        </a:lnSpc>
-                        <a:spcBef>
-                          <a:spcPts val="0"/>
-                        </a:spcBef>
-                        <a:spcAft>
-                          <a:spcPts val="0"/>
-                        </a:spcAft>
-                      </a:pPr>
-                      <a:r>
-                        <a:rPr lang="en-US" sz="1800">
-                          <a:effectLst/>
-                          <a:latin typeface="+mj-lt"/>
-                        </a:rPr>
-                        <a:t>Source(s) of the stimulus</a:t>
-                      </a:r>
-                      <a:endParaRPr lang="en-US" sz="1800">
-                        <a:effectLst/>
-                        <a:latin typeface="+mj-lt"/>
-                        <a:ea typeface="Calibri"/>
-                        <a:cs typeface="Times New Roman"/>
-                      </a:endParaRPr>
-                    </a:p>
-                  </a:txBody>
-                  <a:tcPr marL="68580" marR="68580" marT="0" marB="0"/>
-                </a:tc>
-                <a:tc gridSpan="3">
-                  <a:txBody>
-                    <a:bodyPr/>
-                    <a:lstStyle/>
-                    <a:p>
-                      <a:pPr marL="0" marR="0">
-                        <a:lnSpc>
-                          <a:spcPct val="115000"/>
-                        </a:lnSpc>
-                        <a:spcBef>
-                          <a:spcPts val="0"/>
-                        </a:spcBef>
-                        <a:spcAft>
-                          <a:spcPts val="0"/>
-                        </a:spcAft>
-                      </a:pPr>
-                      <a:r>
-                        <a:rPr lang="en-US" sz="1800">
-                          <a:effectLst/>
-                          <a:latin typeface="+mj-lt"/>
-                        </a:rPr>
-                        <a:t>unknown identity </a:t>
-                      </a:r>
-                      <a:endParaRPr lang="en-US" sz="1800">
-                        <a:effectLst/>
-                        <a:latin typeface="+mj-lt"/>
-                        <a:ea typeface="Calibri"/>
-                        <a:cs typeface="Times New Roman"/>
-                      </a:endParaRPr>
-                    </a:p>
-                  </a:txBody>
-                  <a:tcPr marL="68580" marR="68580" marT="0" marB="0"/>
-                </a:tc>
-                <a:tc hMerge="1">
-                  <a:txBody>
-                    <a:bodyPr/>
-                    <a:lstStyle/>
-                    <a:p>
-                      <a:endParaRPr lang="en-US"/>
-                    </a:p>
-                  </a:txBody>
-                  <a:tcPr/>
-                </a:tc>
-                <a:tc hMerge="1">
-                  <a:txBody>
-                    <a:bodyPr/>
-                    <a:lstStyle/>
-                    <a:p>
-                      <a:endParaRPr lang="en-US"/>
-                    </a:p>
-                  </a:txBody>
-                  <a:tcPr/>
-                </a:tc>
-              </a:tr>
-              <a:tr h="382383">
-                <a:tc>
-                  <a:txBody>
-                    <a:bodyPr/>
-                    <a:lstStyle/>
-                    <a:p>
-                      <a:pPr marL="0" marR="0">
-                        <a:lnSpc>
-                          <a:spcPct val="115000"/>
-                        </a:lnSpc>
-                        <a:spcBef>
-                          <a:spcPts val="0"/>
-                        </a:spcBef>
-                        <a:spcAft>
-                          <a:spcPts val="0"/>
-                        </a:spcAft>
-                      </a:pPr>
-                      <a:r>
-                        <a:rPr lang="en-US" sz="1800">
-                          <a:effectLst/>
-                          <a:latin typeface="+mj-lt"/>
-                        </a:rPr>
-                        <a:t>Stimulus</a:t>
-                      </a:r>
-                      <a:endParaRPr lang="en-US" sz="1800">
-                        <a:effectLst/>
-                        <a:latin typeface="+mj-lt"/>
-                        <a:ea typeface="Calibri"/>
-                        <a:cs typeface="Times New Roman"/>
-                      </a:endParaRPr>
-                    </a:p>
-                  </a:txBody>
-                  <a:tcPr marL="68580" marR="68580" marT="0" marB="0"/>
-                </a:tc>
-                <a:tc gridSpan="3">
-                  <a:txBody>
-                    <a:bodyPr/>
-                    <a:lstStyle/>
-                    <a:p>
-                      <a:pPr marL="0" marR="0">
-                        <a:lnSpc>
-                          <a:spcPct val="115000"/>
-                        </a:lnSpc>
-                        <a:spcBef>
-                          <a:spcPts val="0"/>
-                        </a:spcBef>
-                        <a:spcAft>
-                          <a:spcPts val="0"/>
-                        </a:spcAft>
-                      </a:pPr>
-                      <a:r>
-                        <a:rPr lang="en-US" sz="1800">
-                          <a:effectLst/>
-                          <a:latin typeface="+mj-lt"/>
-                        </a:rPr>
-                        <a:t>Try to access the system illegitimacy</a:t>
-                      </a:r>
-                      <a:endParaRPr lang="en-US" sz="1800">
-                        <a:effectLst/>
-                        <a:latin typeface="+mj-lt"/>
-                        <a:ea typeface="Calibri"/>
-                        <a:cs typeface="Times New Roman"/>
-                      </a:endParaRPr>
-                    </a:p>
-                  </a:txBody>
-                  <a:tcPr marL="68580" marR="68580" marT="0" marB="0"/>
-                </a:tc>
-                <a:tc hMerge="1">
-                  <a:txBody>
-                    <a:bodyPr/>
-                    <a:lstStyle/>
-                    <a:p>
-                      <a:endParaRPr lang="en-US"/>
-                    </a:p>
-                  </a:txBody>
-                  <a:tcPr/>
-                </a:tc>
-                <a:tc hMerge="1">
-                  <a:txBody>
-                    <a:bodyPr/>
-                    <a:lstStyle/>
-                    <a:p>
-                      <a:endParaRPr lang="en-US"/>
-                    </a:p>
-                  </a:txBody>
-                  <a:tcPr/>
-                </a:tc>
-              </a:tr>
-              <a:tr h="602624">
-                <a:tc>
-                  <a:txBody>
-                    <a:bodyPr/>
-                    <a:lstStyle/>
-                    <a:p>
-                      <a:pPr marL="0" marR="0">
-                        <a:lnSpc>
-                          <a:spcPct val="115000"/>
-                        </a:lnSpc>
-                        <a:spcBef>
-                          <a:spcPts val="0"/>
-                        </a:spcBef>
-                        <a:spcAft>
-                          <a:spcPts val="0"/>
-                        </a:spcAft>
-                      </a:pPr>
-                      <a:r>
-                        <a:rPr lang="en-US" sz="1800">
-                          <a:effectLst/>
-                          <a:latin typeface="+mj-lt"/>
-                        </a:rPr>
-                        <a:t>Relevant environmental conditions</a:t>
-                      </a:r>
-                      <a:endParaRPr lang="en-US" sz="1800">
-                        <a:effectLst/>
-                        <a:latin typeface="+mj-lt"/>
-                        <a:ea typeface="Calibri"/>
-                        <a:cs typeface="Times New Roman"/>
-                      </a:endParaRPr>
-                    </a:p>
-                  </a:txBody>
-                  <a:tcPr marL="68580" marR="68580" marT="0" marB="0"/>
-                </a:tc>
-                <a:tc gridSpan="3">
-                  <a:txBody>
-                    <a:bodyPr/>
-                    <a:lstStyle/>
-                    <a:p>
-                      <a:pPr marL="0" marR="0">
-                        <a:lnSpc>
-                          <a:spcPct val="115000"/>
-                        </a:lnSpc>
-                        <a:spcBef>
-                          <a:spcPts val="0"/>
-                        </a:spcBef>
-                        <a:spcAft>
-                          <a:spcPts val="0"/>
-                        </a:spcAft>
-                      </a:pPr>
-                      <a:r>
-                        <a:rPr lang="en-US" sz="1800">
-                          <a:effectLst/>
-                          <a:latin typeface="+mj-lt"/>
-                        </a:rPr>
-                        <a:t>When the system operation normally.</a:t>
-                      </a:r>
-                      <a:endParaRPr lang="en-US" sz="1800">
-                        <a:effectLst/>
-                        <a:latin typeface="+mj-lt"/>
-                        <a:ea typeface="Calibri"/>
-                        <a:cs typeface="Times New Roman"/>
-                      </a:endParaRPr>
-                    </a:p>
-                  </a:txBody>
-                  <a:tcPr marL="68580" marR="68580" marT="0" marB="0"/>
-                </a:tc>
-                <a:tc hMerge="1">
-                  <a:txBody>
-                    <a:bodyPr/>
-                    <a:lstStyle/>
-                    <a:p>
-                      <a:endParaRPr lang="en-US"/>
-                    </a:p>
-                  </a:txBody>
-                  <a:tcPr/>
-                </a:tc>
-                <a:tc hMerge="1">
-                  <a:txBody>
-                    <a:bodyPr/>
-                    <a:lstStyle/>
-                    <a:p>
-                      <a:endParaRPr lang="en-US"/>
-                    </a:p>
-                  </a:txBody>
-                  <a:tcPr/>
-                </a:tc>
-              </a:tr>
-              <a:tr h="582055">
-                <a:tc>
-                  <a:txBody>
-                    <a:bodyPr/>
-                    <a:lstStyle/>
-                    <a:p>
-                      <a:pPr marL="0" marR="0">
-                        <a:lnSpc>
-                          <a:spcPct val="115000"/>
-                        </a:lnSpc>
-                        <a:spcBef>
-                          <a:spcPts val="0"/>
-                        </a:spcBef>
-                        <a:spcAft>
-                          <a:spcPts val="0"/>
-                        </a:spcAft>
-                      </a:pPr>
-                      <a:r>
-                        <a:rPr lang="en-US" sz="1800">
-                          <a:effectLst/>
-                          <a:latin typeface="+mj-lt"/>
-                        </a:rPr>
-                        <a:t>Architectural elements</a:t>
-                      </a:r>
-                      <a:endParaRPr lang="en-US" sz="1800">
-                        <a:effectLst/>
-                        <a:latin typeface="+mj-lt"/>
-                        <a:ea typeface="Calibri"/>
-                        <a:cs typeface="Times New Roman"/>
-                      </a:endParaRPr>
-                    </a:p>
-                  </a:txBody>
-                  <a:tcPr marL="68580" marR="68580" marT="0" marB="0"/>
-                </a:tc>
-                <a:tc gridSpan="3">
-                  <a:txBody>
-                    <a:bodyPr/>
-                    <a:lstStyle/>
-                    <a:p>
-                      <a:pPr marL="0" marR="0">
-                        <a:lnSpc>
-                          <a:spcPct val="115000"/>
-                        </a:lnSpc>
-                        <a:spcBef>
-                          <a:spcPts val="0"/>
-                        </a:spcBef>
-                        <a:spcAft>
-                          <a:spcPts val="0"/>
-                        </a:spcAft>
-                      </a:pPr>
-                      <a:r>
-                        <a:rPr lang="en-US" sz="1800">
-                          <a:effectLst/>
-                          <a:latin typeface="+mj-lt"/>
-                        </a:rPr>
-                        <a:t>System and the information in the system</a:t>
-                      </a:r>
-                      <a:endParaRPr lang="en-US" sz="1800">
-                        <a:effectLst/>
-                        <a:latin typeface="+mj-lt"/>
-                        <a:ea typeface="Calibri"/>
-                        <a:cs typeface="Times New Roman"/>
-                      </a:endParaRPr>
-                    </a:p>
-                  </a:txBody>
-                  <a:tcPr marL="68580" marR="68580" marT="0" marB="0"/>
-                </a:tc>
-                <a:tc hMerge="1">
-                  <a:txBody>
-                    <a:bodyPr/>
-                    <a:lstStyle/>
-                    <a:p>
-                      <a:endParaRPr lang="en-US"/>
-                    </a:p>
-                  </a:txBody>
-                  <a:tcPr/>
-                </a:tc>
-                <a:tc hMerge="1">
-                  <a:txBody>
-                    <a:bodyPr/>
-                    <a:lstStyle/>
-                    <a:p>
-                      <a:endParaRPr lang="en-US"/>
-                    </a:p>
-                  </a:txBody>
-                  <a:tcPr/>
-                </a:tc>
-              </a:tr>
-              <a:tr h="382383">
-                <a:tc>
-                  <a:txBody>
-                    <a:bodyPr/>
-                    <a:lstStyle/>
-                    <a:p>
-                      <a:pPr marL="0" marR="0">
-                        <a:lnSpc>
-                          <a:spcPct val="115000"/>
-                        </a:lnSpc>
-                        <a:spcBef>
-                          <a:spcPts val="0"/>
-                        </a:spcBef>
-                        <a:spcAft>
-                          <a:spcPts val="0"/>
-                        </a:spcAft>
-                      </a:pPr>
-                      <a:r>
-                        <a:rPr lang="en-US" sz="1800">
-                          <a:effectLst/>
-                          <a:latin typeface="+mj-lt"/>
-                        </a:rPr>
-                        <a:t>System response</a:t>
-                      </a:r>
-                      <a:endParaRPr lang="en-US" sz="1800">
-                        <a:effectLst/>
-                        <a:latin typeface="+mj-lt"/>
-                        <a:ea typeface="Calibri"/>
-                        <a:cs typeface="Times New Roman"/>
-                      </a:endParaRPr>
-                    </a:p>
-                  </a:txBody>
-                  <a:tcPr marL="68580" marR="68580" marT="0" marB="0"/>
-                </a:tc>
-                <a:tc gridSpan="3">
-                  <a:txBody>
-                    <a:bodyPr/>
-                    <a:lstStyle/>
-                    <a:p>
-                      <a:pPr marL="0" marR="0">
-                        <a:lnSpc>
-                          <a:spcPct val="115000"/>
-                        </a:lnSpc>
-                        <a:spcBef>
-                          <a:spcPts val="0"/>
-                        </a:spcBef>
-                        <a:spcAft>
-                          <a:spcPts val="0"/>
-                        </a:spcAft>
-                      </a:pPr>
-                      <a:r>
-                        <a:rPr lang="en-US" sz="1800">
-                          <a:effectLst/>
-                          <a:latin typeface="+mj-lt"/>
-                        </a:rPr>
-                        <a:t>The system block this request </a:t>
-                      </a:r>
-                      <a:endParaRPr lang="en-US" sz="1800">
-                        <a:effectLst/>
-                        <a:latin typeface="+mj-lt"/>
-                        <a:ea typeface="Calibri"/>
-                        <a:cs typeface="Times New Roman"/>
-                      </a:endParaRPr>
-                    </a:p>
-                  </a:txBody>
-                  <a:tcPr marL="68580" marR="68580" marT="0" marB="0"/>
-                </a:tc>
-                <a:tc hMerge="1">
-                  <a:txBody>
-                    <a:bodyPr/>
-                    <a:lstStyle/>
-                    <a:p>
-                      <a:endParaRPr lang="en-US"/>
-                    </a:p>
-                  </a:txBody>
-                  <a:tcPr/>
-                </a:tc>
-                <a:tc hMerge="1">
-                  <a:txBody>
-                    <a:bodyPr/>
-                    <a:lstStyle/>
-                    <a:p>
-                      <a:endParaRPr lang="en-US"/>
-                    </a:p>
-                  </a:txBody>
-                  <a:tcPr/>
-                </a:tc>
-              </a:tr>
-              <a:tr h="382383">
-                <a:tc>
-                  <a:txBody>
-                    <a:bodyPr/>
-                    <a:lstStyle/>
-                    <a:p>
-                      <a:pPr marL="0" marR="0">
-                        <a:lnSpc>
-                          <a:spcPct val="115000"/>
-                        </a:lnSpc>
-                        <a:spcBef>
-                          <a:spcPts val="0"/>
-                        </a:spcBef>
-                        <a:spcAft>
-                          <a:spcPts val="0"/>
-                        </a:spcAft>
-                      </a:pPr>
-                      <a:r>
-                        <a:rPr lang="en-US" sz="1800">
-                          <a:effectLst/>
-                          <a:latin typeface="+mj-lt"/>
-                        </a:rPr>
-                        <a:t>Response measure(s)</a:t>
-                      </a:r>
-                      <a:endParaRPr lang="en-US" sz="1800">
-                        <a:effectLst/>
-                        <a:latin typeface="+mj-lt"/>
-                        <a:ea typeface="Calibri"/>
-                        <a:cs typeface="Times New Roman"/>
-                      </a:endParaRPr>
-                    </a:p>
-                  </a:txBody>
-                  <a:tcPr marL="68580" marR="68580" marT="0" marB="0"/>
-                </a:tc>
-                <a:tc gridSpan="3">
-                  <a:txBody>
-                    <a:bodyPr/>
-                    <a:lstStyle/>
-                    <a:p>
-                      <a:pPr marL="0" marR="0">
-                        <a:lnSpc>
-                          <a:spcPct val="115000"/>
-                        </a:lnSpc>
-                        <a:spcBef>
-                          <a:spcPts val="0"/>
-                        </a:spcBef>
-                        <a:spcAft>
-                          <a:spcPts val="0"/>
-                        </a:spcAft>
-                      </a:pPr>
-                      <a:r>
-                        <a:rPr lang="en-US" sz="1800">
-                          <a:effectLst/>
-                          <a:latin typeface="+mj-lt"/>
-                        </a:rPr>
-                        <a:t> </a:t>
-                      </a:r>
-                      <a:endParaRPr lang="en-US" sz="1800">
-                        <a:effectLst/>
-                        <a:latin typeface="+mj-lt"/>
-                        <a:ea typeface="Calibri"/>
-                        <a:cs typeface="Times New Roman"/>
-                      </a:endParaRPr>
-                    </a:p>
-                  </a:txBody>
-                  <a:tcPr marL="68580" marR="68580" marT="0" marB="0"/>
-                </a:tc>
-                <a:tc hMerge="1">
-                  <a:txBody>
-                    <a:bodyPr/>
-                    <a:lstStyle/>
-                    <a:p>
-                      <a:endParaRPr lang="en-US"/>
-                    </a:p>
-                  </a:txBody>
-                  <a:tcPr/>
-                </a:tc>
-                <a:tc hMerge="1">
-                  <a:txBody>
-                    <a:bodyPr/>
-                    <a:lstStyle/>
-                    <a:p>
-                      <a:endParaRPr lang="en-US"/>
-                    </a:p>
-                  </a:txBody>
-                  <a:tcPr/>
-                </a:tc>
-              </a:tr>
-              <a:tr h="382383">
-                <a:tc>
-                  <a:txBody>
-                    <a:bodyPr/>
-                    <a:lstStyle/>
-                    <a:p>
-                      <a:pPr marL="0" marR="0">
-                        <a:lnSpc>
-                          <a:spcPct val="115000"/>
-                        </a:lnSpc>
-                        <a:spcBef>
-                          <a:spcPts val="0"/>
-                        </a:spcBef>
-                        <a:spcAft>
-                          <a:spcPts val="0"/>
-                        </a:spcAft>
-                      </a:pPr>
-                      <a:r>
-                        <a:rPr lang="en-US" sz="1800">
-                          <a:effectLst/>
-                          <a:latin typeface="+mj-lt"/>
-                        </a:rPr>
-                        <a:t>Associated risks</a:t>
-                      </a:r>
-                      <a:endParaRPr lang="en-US" sz="1800">
-                        <a:effectLst/>
-                        <a:latin typeface="+mj-lt"/>
-                        <a:ea typeface="Calibri"/>
-                        <a:cs typeface="Times New Roman"/>
-                      </a:endParaRPr>
-                    </a:p>
-                  </a:txBody>
-                  <a:tcPr marL="68580" marR="68580" marT="0" marB="0"/>
-                </a:tc>
-                <a:tc gridSpan="3">
-                  <a:txBody>
-                    <a:bodyPr/>
-                    <a:lstStyle/>
-                    <a:p>
-                      <a:pPr marL="0" marR="0">
-                        <a:lnSpc>
-                          <a:spcPct val="115000"/>
-                        </a:lnSpc>
-                        <a:spcBef>
-                          <a:spcPts val="0"/>
-                        </a:spcBef>
-                        <a:spcAft>
-                          <a:spcPts val="0"/>
-                        </a:spcAft>
-                      </a:pPr>
-                      <a:r>
-                        <a:rPr lang="en-US" sz="1800" dirty="0">
-                          <a:effectLst/>
-                          <a:latin typeface="+mj-lt"/>
-                        </a:rPr>
-                        <a:t> </a:t>
-                      </a:r>
-                      <a:endParaRPr lang="en-US" sz="1800" dirty="0">
-                        <a:effectLst/>
-                        <a:latin typeface="+mj-lt"/>
-                        <a:ea typeface="Calibri"/>
-                        <a:cs typeface="Times New Roman"/>
-                      </a:endParaRPr>
-                    </a:p>
-                  </a:txBody>
-                  <a:tcPr marL="68580" marR="68580" marT="0" marB="0"/>
-                </a:tc>
-                <a:tc hMerge="1">
-                  <a:txBody>
-                    <a:bodyPr/>
-                    <a:lstStyle/>
-                    <a:p>
-                      <a:endParaRPr lang="en-US"/>
-                    </a:p>
-                  </a:txBody>
-                  <a:tcPr/>
-                </a:tc>
-                <a:tc hMerge="1">
-                  <a:txBody>
-                    <a:bodyPr/>
-                    <a:lstStyle/>
-                    <a:p>
-                      <a:endParaRPr lang="en-US"/>
-                    </a:p>
-                  </a:txBody>
-                  <a:tcPr/>
-                </a:tc>
-              </a:tr>
-            </a:tbl>
-          </a:graphicData>
-        </a:graphic>
-      </p:graphicFrame>
-      <p:sp>
-        <p:nvSpPr>
-          <p:cNvPr id="8" name="Rectangle 1"/>
-          <p:cNvSpPr>
-            <a:spLocks noChangeArrowheads="1"/>
-          </p:cNvSpPr>
-          <p:nvPr/>
-        </p:nvSpPr>
-        <p:spPr bwMode="auto">
-          <a:xfrm>
-            <a:off x="2438400" y="1963738"/>
-            <a:ext cx="9144000" cy="457200"/>
-          </a:xfrm>
-          <a:prstGeom prst="rect">
-            <a:avLst/>
-          </a:prstGeom>
-          <a:noFill/>
-          <a:ln>
-            <a:noFill/>
-          </a:ln>
-          <a:effectLst/>
-          <a:extLst>
-            <a:ext uri="{909E8E84-426E-40DD-AFC4-6F175D3DCCD1}">
-              <a14:hiddenFill xmlns:a14="http://schemas.microsoft.com/office/drawing/2010/main">
-                <a:solidFill>
-                  <a:schemeClr val="accent1"/>
-                </a:solidFill>
-              </a14:hiddenFill>
-            </a:ext>
-            <a:ext uri="{91240B29-F687-4F45-9708-019B960494DF}">
-              <a14:hiddenLine xmlns:a14="http://schemas.microsoft.com/office/drawing/2010/main" w="9525">
-                <a:solidFill>
-                  <a:schemeClr val="tx1"/>
-                </a:solidFill>
-                <a:miter lim="800000"/>
-                <a:headEnd/>
-                <a:tailEnd/>
-              </a14:hiddenLine>
-            </a:ext>
-            <a:ext uri="{AF507438-7753-43E0-B8FC-AC1667EBCBE1}">
-              <a14:hiddenEffects xmlns:a14="http://schemas.microsoft.com/office/drawing/2010/main">
-                <a:effectLst>
-                  <a:outerShdw dist="35921" dir="2700000" algn="ctr" rotWithShape="0">
-                    <a:schemeClr val="bg2"/>
-                  </a:outerShdw>
-                </a:effectLst>
-              </a14:hiddenEffects>
-            </a:ext>
-          </a:extLst>
-        </p:spPr>
-        <p:txBody>
-          <a:bodyPr vert="horz" wrap="none" lIns="91440" tIns="45720" rIns="91440" bIns="45720" numCol="1" anchor="ctr" anchorCtr="0" compatLnSpc="1">
-            <a:prstTxWarp prst="textNoShape">
-              <a:avLst/>
-            </a:prstTxWarp>
-            <a:spAutoFit/>
-          </a:bodyPr>
-          <a:lstStyle/>
-          <a:p>
-            <a:pPr marL="0" marR="0" lvl="0" indent="0" algn="l" defTabSz="914400" rtl="0" eaLnBrk="1" fontAlgn="base" latinLnBrk="0" hangingPunct="1">
-              <a:lnSpc>
-                <a:spcPct val="100000"/>
-              </a:lnSpc>
-              <a:spcBef>
-                <a:spcPct val="0"/>
-              </a:spcBef>
-              <a:spcAft>
-                <a:spcPct val="0"/>
-              </a:spcAft>
-              <a:buClrTx/>
-              <a:buSzTx/>
-              <a:buFontTx/>
-              <a:buNone/>
-              <a:tabLst/>
-            </a:pPr>
-            <a:endParaRPr kumimoji="0" lang="en-US" sz="1800" b="0" i="0" u="none" strike="noStrike" cap="none" normalizeH="0" baseline="0" smtClean="0">
-              <a:ln>
-                <a:noFill/>
-              </a:ln>
-              <a:solidFill>
-                <a:schemeClr val="tx1"/>
-              </a:solidFill>
-              <a:effectLst/>
-              <a:latin typeface="Arial" pitchFamily="34" charset="0"/>
-              <a:cs typeface="Arial" pitchFamily="34" charset="0"/>
-            </a:endParaRPr>
-          </a:p>
-        </p:txBody>
-      </p:sp>
-    </p:spTree>
-    <p:extLst>
-      <p:ext uri="{BB962C8B-B14F-4D97-AF65-F5344CB8AC3E}">
-        <p14:creationId xmlns:p14="http://schemas.microsoft.com/office/powerpoint/2010/main" val="3927922261"/>
-      </p:ext>
-    </p:extLst>
-  </p:cSld>
-  <p:clrMapOvr>
-    <a:masterClrMapping/>
-  </p:clrMapOvr>
-  <mc:AlternateContent xmlns:mc="http://schemas.openxmlformats.org/markup-compatibility/2006" xmlns:p14="http://schemas.microsoft.com/office/powerpoint/2010/main">
-    <mc:Choice Requires="p14">
-      <p:transition>
-        <p14:flash/>
-      </p:transition>
-    </mc:Choice>
-    <mc:Fallback xmlns="">
-      <p:transition>
-        <p:fade/>
-      </p:transition>
-    </mc:Fallback>
-  </mc:AlternateContent>
-  <p:timing>
-    <p:tnLst>
-      <p:par>
-        <p:cTn id="1" dur="indefinite" restart="never" nodeType="tmRoot"/>
-      </p:par>
-    </p:tnLst>
-  </p:timing>
-</p:sld>
-</file>
-
-<file path=ppt/slides/slide22.xml><?xml version="1.0" encoding="utf-8"?>
-<p:sld xmlns:a="http://schemas.openxmlformats.org/drawingml/2006/main" xmlns:r="http://schemas.openxmlformats.org/officeDocument/2006/relationships" xmlns:p="http://schemas.openxmlformats.org/presentationml/2006/main">
-  <p:cSld>
-    <p:spTree>
-      <p:nvGrpSpPr>
-        <p:cNvPr id="1" name=""/>
-        <p:cNvGrpSpPr/>
-        <p:nvPr/>
-      </p:nvGrpSpPr>
-      <p:grpSpPr>
-        <a:xfrm>
-          <a:off x="0" y="0"/>
-          <a:ext cx="0" cy="0"/>
-          <a:chOff x="0" y="0"/>
-          <a:chExt cx="0" cy="0"/>
-        </a:xfrm>
-      </p:grpSpPr>
-      <p:sp>
-        <p:nvSpPr>
-          <p:cNvPr id="2" name="Title 1"/>
-          <p:cNvSpPr>
-            <a:spLocks noGrp="1"/>
-          </p:cNvSpPr>
-          <p:nvPr>
-            <p:ph type="title"/>
-          </p:nvPr>
-        </p:nvSpPr>
-        <p:spPr/>
-        <p:txBody>
-          <a:bodyPr/>
-          <a:lstStyle/>
-          <a:p>
-            <a:pPr lvl="0"/>
-            <a:r>
-              <a:rPr lang="en-US" dirty="0" smtClean="0"/>
-              <a:t>Quality Attribute Scenarios</a:t>
-            </a:r>
-            <a:endParaRPr lang="en-US" dirty="0"/>
-          </a:p>
-        </p:txBody>
-      </p:sp>
-      <p:sp>
-        <p:nvSpPr>
-          <p:cNvPr id="4" name="Rectangle 2"/>
-          <p:cNvSpPr>
-            <a:spLocks noChangeArrowheads="1"/>
-          </p:cNvSpPr>
-          <p:nvPr/>
-        </p:nvSpPr>
-        <p:spPr bwMode="auto">
-          <a:xfrm>
-            <a:off x="0" y="0"/>
-            <a:ext cx="9144000" cy="0"/>
-          </a:xfrm>
-          <a:prstGeom prst="rect">
-            <a:avLst/>
-          </a:prstGeom>
-          <a:noFill/>
-          <a:ln>
-            <a:noFill/>
-          </a:ln>
-          <a:effectLst/>
-          <a:extLst>
-            <a:ext uri="{909E8E84-426E-40DD-AFC4-6F175D3DCCD1}">
-              <a14:hiddenFill xmlns:a14="http://schemas.microsoft.com/office/drawing/2010/main">
-                <a:solidFill>
-                  <a:schemeClr val="accent1"/>
-                </a:solidFill>
-              </a14:hiddenFill>
-            </a:ext>
-            <a:ext uri="{91240B29-F687-4F45-9708-019B960494DF}">
-              <a14:hiddenLine xmlns:a14="http://schemas.microsoft.com/office/drawing/2010/main" w="9525">
-                <a:solidFill>
-                  <a:schemeClr val="tx1"/>
-                </a:solidFill>
-                <a:miter lim="800000"/>
-                <a:headEnd/>
-                <a:tailEnd/>
-              </a14:hiddenLine>
-            </a:ext>
-            <a:ext uri="{AF507438-7753-43E0-B8FC-AC1667EBCBE1}">
-              <a14:hiddenEffects xmlns:a14="http://schemas.microsoft.com/office/drawing/2010/main">
-                <a:effectLst>
-                  <a:outerShdw dist="35921" dir="2700000" algn="ctr" rotWithShape="0">
-                    <a:schemeClr val="bg2"/>
-                  </a:outerShdw>
-                </a:effectLst>
-              </a14:hiddenEffects>
-            </a:ext>
-          </a:extLst>
-        </p:spPr>
-        <p:txBody>
-          <a:bodyPr vert="horz" wrap="none" lIns="91440" tIns="45720" rIns="91440" bIns="45720" numCol="1" anchor="ctr" anchorCtr="0" compatLnSpc="1">
-            <a:prstTxWarp prst="textNoShape">
-              <a:avLst/>
-            </a:prstTxWarp>
-            <a:spAutoFit/>
-          </a:bodyPr>
-          <a:lstStyle/>
-          <a:p>
-            <a:endParaRPr lang="en-US" dirty="0"/>
-          </a:p>
-        </p:txBody>
-      </p:sp>
-      <p:sp>
-        <p:nvSpPr>
-          <p:cNvPr id="3" name="Rectangle 2"/>
-          <p:cNvSpPr>
-            <a:spLocks noChangeArrowheads="1"/>
-          </p:cNvSpPr>
-          <p:nvPr/>
-        </p:nvSpPr>
-        <p:spPr bwMode="auto">
-          <a:xfrm>
-            <a:off x="0" y="0"/>
-            <a:ext cx="9144000" cy="0"/>
-          </a:xfrm>
-          <a:prstGeom prst="rect">
-            <a:avLst/>
-          </a:prstGeom>
-          <a:noFill/>
-          <a:ln>
-            <a:noFill/>
-          </a:ln>
-          <a:effectLst/>
-          <a:extLst>
-            <a:ext uri="{909E8E84-426E-40DD-AFC4-6F175D3DCCD1}">
-              <a14:hiddenFill xmlns:a14="http://schemas.microsoft.com/office/drawing/2010/main">
-                <a:solidFill>
-                  <a:schemeClr val="accent1"/>
-                </a:solidFill>
-              </a14:hiddenFill>
-            </a:ext>
-            <a:ext uri="{91240B29-F687-4F45-9708-019B960494DF}">
-              <a14:hiddenLine xmlns:a14="http://schemas.microsoft.com/office/drawing/2010/main" w="9525">
-                <a:solidFill>
-                  <a:schemeClr val="tx1"/>
-                </a:solidFill>
-                <a:miter lim="800000"/>
-                <a:headEnd/>
-                <a:tailEnd/>
-              </a14:hiddenLine>
-            </a:ext>
-            <a:ext uri="{AF507438-7753-43E0-B8FC-AC1667EBCBE1}">
-              <a14:hiddenEffects xmlns:a14="http://schemas.microsoft.com/office/drawing/2010/main">
-                <a:effectLst>
-                  <a:outerShdw dist="35921" dir="2700000" algn="ctr" rotWithShape="0">
-                    <a:schemeClr val="bg2"/>
-                  </a:outerShdw>
-                </a:effectLst>
-              </a14:hiddenEffects>
-            </a:ext>
-          </a:extLst>
-        </p:spPr>
-        <p:txBody>
-          <a:bodyPr vert="horz" wrap="none" lIns="91440" tIns="45720" rIns="91440" bIns="45720" numCol="1" anchor="ctr" anchorCtr="0" compatLnSpc="1">
-            <a:prstTxWarp prst="textNoShape">
-              <a:avLst/>
-            </a:prstTxWarp>
-            <a:spAutoFit/>
-          </a:bodyPr>
-          <a:lstStyle/>
-          <a:p>
-            <a:endParaRPr lang="en-US"/>
-          </a:p>
-        </p:txBody>
-      </p:sp>
-      <p:sp>
-        <p:nvSpPr>
-          <p:cNvPr id="7" name="Rectangle 1"/>
-          <p:cNvSpPr>
-            <a:spLocks noChangeArrowheads="1"/>
-          </p:cNvSpPr>
-          <p:nvPr/>
-        </p:nvSpPr>
-        <p:spPr bwMode="auto">
-          <a:xfrm>
-            <a:off x="2438400" y="1754188"/>
-            <a:ext cx="9144000" cy="457200"/>
-          </a:xfrm>
-          <a:prstGeom prst="rect">
-            <a:avLst/>
-          </a:prstGeom>
-          <a:noFill/>
-          <a:ln>
-            <a:noFill/>
-          </a:ln>
-          <a:effectLst/>
-          <a:extLst>
-            <a:ext uri="{909E8E84-426E-40DD-AFC4-6F175D3DCCD1}">
-              <a14:hiddenFill xmlns:a14="http://schemas.microsoft.com/office/drawing/2010/main">
-                <a:solidFill>
-                  <a:schemeClr val="accent1"/>
-                </a:solidFill>
-              </a14:hiddenFill>
-            </a:ext>
-            <a:ext uri="{91240B29-F687-4F45-9708-019B960494DF}">
-              <a14:hiddenLine xmlns:a14="http://schemas.microsoft.com/office/drawing/2010/main" w="9525">
-                <a:solidFill>
-                  <a:schemeClr val="tx1"/>
-                </a:solidFill>
-                <a:miter lim="800000"/>
-                <a:headEnd/>
-                <a:tailEnd/>
-              </a14:hiddenLine>
-            </a:ext>
-            <a:ext uri="{AF507438-7753-43E0-B8FC-AC1667EBCBE1}">
-              <a14:hiddenEffects xmlns:a14="http://schemas.microsoft.com/office/drawing/2010/main">
-                <a:effectLst>
-                  <a:outerShdw dist="35921" dir="2700000" algn="ctr" rotWithShape="0">
-                    <a:schemeClr val="bg2"/>
-                  </a:outerShdw>
-                </a:effectLst>
-              </a14:hiddenEffects>
-            </a:ext>
-          </a:extLst>
-        </p:spPr>
-        <p:txBody>
-          <a:bodyPr vert="horz" wrap="none" lIns="91440" tIns="45720" rIns="91440" bIns="45720" numCol="1" anchor="ctr" anchorCtr="0" compatLnSpc="1">
-            <a:prstTxWarp prst="textNoShape">
-              <a:avLst/>
-            </a:prstTxWarp>
-            <a:spAutoFit/>
-          </a:bodyPr>
-          <a:lstStyle/>
-          <a:p>
-            <a:pPr marL="0" marR="0" lvl="0" indent="0" algn="l" defTabSz="914400" rtl="0" eaLnBrk="1" fontAlgn="base" latinLnBrk="0" hangingPunct="1">
-              <a:lnSpc>
-                <a:spcPct val="100000"/>
-              </a:lnSpc>
-              <a:spcBef>
-                <a:spcPct val="0"/>
-              </a:spcBef>
-              <a:spcAft>
-                <a:spcPct val="0"/>
-              </a:spcAft>
-              <a:buClrTx/>
-              <a:buSzTx/>
-              <a:buFontTx/>
-              <a:buNone/>
-              <a:tabLst/>
-            </a:pPr>
-            <a:endParaRPr kumimoji="0" lang="en-US" sz="1800" b="0" i="0" u="none" strike="noStrike" cap="none" normalizeH="0" baseline="0" smtClean="0">
-              <a:ln>
-                <a:noFill/>
-              </a:ln>
-              <a:solidFill>
-                <a:schemeClr val="tx1"/>
-              </a:solidFill>
-              <a:effectLst/>
-              <a:latin typeface="Arial" pitchFamily="34" charset="0"/>
-              <a:cs typeface="Arial" pitchFamily="34" charset="0"/>
-            </a:endParaRPr>
-          </a:p>
-        </p:txBody>
-      </p:sp>
       <p:sp>
         <p:nvSpPr>
           <p:cNvPr id="8" name="Rectangle 1"/>
@@ -33982,14 +32967,14 @@
           <p:nvPr>
             <p:extLst>
               <p:ext uri="{D42A27DB-BD31-4B8C-83A1-F6EECF244321}">
-                <p14:modId xmlns:p14="http://schemas.microsoft.com/office/powerpoint/2010/main" val="981661858"/>
+                <p14:modId xmlns:p14="http://schemas.microsoft.com/office/powerpoint/2010/main" val="2061639090"/>
               </p:ext>
             </p:extLst>
           </p:nvPr>
         </p:nvGraphicFramePr>
         <p:xfrm>
-          <a:off x="342076" y="1219200"/>
-          <a:ext cx="8649525" cy="5398447"/>
+          <a:off x="342077" y="1219200"/>
+          <a:ext cx="8497125" cy="5496359"/>
         </p:xfrm>
         <a:graphic>
           <a:graphicData uri="http://schemas.openxmlformats.org/drawingml/2006/table">
@@ -33998,12 +32983,12 @@
                 <a:tableStyleId>{5A111915-BE36-4E01-A7E5-04B1672EAD32}</a:tableStyleId>
               </a:tblPr>
               <a:tblGrid>
-                <a:gridCol w="3499587"/>
-                <a:gridCol w="375668"/>
-                <a:gridCol w="1390564"/>
-                <a:gridCol w="3383706"/>
+                <a:gridCol w="3437926"/>
+                <a:gridCol w="369049"/>
+                <a:gridCol w="1366063"/>
+                <a:gridCol w="3324087"/>
               </a:tblGrid>
-              <a:tr h="288015">
+              <a:tr h="293928">
                 <a:tc rowSpan="2" gridSpan="2">
                   <a:txBody>
                     <a:bodyPr/>
@@ -34144,7 +33129,7 @@
                   <a:tcPr marL="68580" marR="68580" marT="0" marB="0"/>
                 </a:tc>
               </a:tr>
-              <a:tr h="426332">
+              <a:tr h="397223">
                 <a:tc gridSpan="2" vMerge="1">
                   <a:txBody>
                     <a:bodyPr/>
@@ -34219,7 +33204,7 @@
                   <a:tcPr marL="68580" marR="68580" marT="0" marB="0"/>
                 </a:tc>
               </a:tr>
-              <a:tr h="621392">
+              <a:tr h="578964">
                 <a:tc gridSpan="2">
                   <a:txBody>
                     <a:bodyPr/>
@@ -34307,7 +33292,7 @@
                   <a:tcPr/>
                 </a:tc>
               </a:tr>
-              <a:tr h="621392">
+              <a:tr h="578964">
                 <a:tc gridSpan="4">
                   <a:txBody>
                     <a:bodyPr/>
@@ -34372,7 +33357,7 @@
                   <a:tcPr/>
                 </a:tc>
               </a:tr>
-              <a:tr h="408225">
+              <a:tr h="380352">
                 <a:tc>
                   <a:txBody>
                     <a:bodyPr/>
@@ -34460,7 +33445,7 @@
                   <a:tcPr/>
                 </a:tc>
               </a:tr>
-              <a:tr h="288015">
+              <a:tr h="293928">
                 <a:tc>
                   <a:txBody>
                     <a:bodyPr/>
@@ -34548,7 +33533,7 @@
                   <a:tcPr/>
                 </a:tc>
               </a:tr>
-              <a:tr h="621392">
+              <a:tr h="587857">
                 <a:tc>
                   <a:txBody>
                     <a:bodyPr/>
@@ -34636,7 +33621,7 @@
                   <a:tcPr/>
                 </a:tc>
               </a:tr>
-              <a:tr h="621392">
+              <a:tr h="578964">
                 <a:tc>
                   <a:txBody>
                     <a:bodyPr/>
@@ -34724,7 +33709,7 @@
                   <a:tcPr/>
                 </a:tc>
               </a:tr>
-              <a:tr h="621392">
+              <a:tr h="578964">
                 <a:tc>
                   <a:txBody>
                     <a:bodyPr/>
@@ -34812,7 +33797,7 @@
                   <a:tcPr/>
                 </a:tc>
               </a:tr>
-              <a:tr h="408225">
+              <a:tr h="380352">
                 <a:tc>
                   <a:txBody>
                     <a:bodyPr/>
@@ -34863,13 +33848,13 @@
                         </a:spcAft>
                       </a:pPr>
                       <a:r>
-                        <a:rPr lang="en-US" sz="1800">
+                        <a:rPr lang="en-US" sz="1800" dirty="0">
                           <a:effectLst/>
                           <a:latin typeface="+mj-lt"/>
                         </a:rPr>
                         <a:t> </a:t>
                       </a:r>
-                      <a:endParaRPr lang="en-US" sz="1800">
+                      <a:endParaRPr lang="en-US" sz="1800" dirty="0">
                         <a:effectLst/>
                         <a:latin typeface="+mj-lt"/>
                         <a:ea typeface="Calibri"/>
@@ -34900,13 +33885,13 @@
                   <a:tcPr/>
                 </a:tc>
               </a:tr>
-              <a:tr h="408225">
+              <a:tr h="380352">
                 <a:tc>
                   <a:txBody>
                     <a:bodyPr/>
                     <a:lstStyle/>
                     <a:p>
-                      <a:pPr marL="0" marR="0">
+                      <a:pPr marL="0" marR="0" algn="l" defTabSz="914400" rtl="0" eaLnBrk="1" latinLnBrk="0" hangingPunct="1">
                         <a:lnSpc>
                           <a:spcPct val="115000"/>
                         </a:lnSpc>
@@ -34918,18 +33903,17 @@
                         </a:spcAft>
                       </a:pPr>
                       <a:r>
-                        <a:rPr lang="en-US" sz="1800">
+                        <a:rPr lang="en-US" sz="1800" b="1" kern="1200" dirty="0">
+                          <a:solidFill>
+                            <a:schemeClr val="tx1"/>
+                          </a:solidFill>
                           <a:effectLst/>
                           <a:latin typeface="+mj-lt"/>
+                          <a:ea typeface="+mn-ea"/>
+                          <a:cs typeface="+mn-cs"/>
                         </a:rPr>
-                        <a:t>Associated risks</a:t>
+                        <a:t>Use-case related</a:t>
                       </a:r>
-                      <a:endParaRPr lang="en-US" sz="1800">
-                        <a:effectLst/>
-                        <a:latin typeface="+mj-lt"/>
-                        <a:ea typeface="Calibri"/>
-                        <a:cs typeface="Times New Roman"/>
-                      </a:endParaRPr>
                     </a:p>
                   </a:txBody>
                   <a:tcPr marL="68580" marR="68580" marT="0" marB="0"/>
@@ -34951,11 +33935,108 @@
                         </a:spcAft>
                       </a:pPr>
                       <a:r>
-                        <a:rPr lang="en-US" sz="1800" dirty="0">
+                        <a:rPr lang="en-US" sz="1800" b="1" kern="1200" dirty="0" smtClean="0">
+                          <a:solidFill>
+                            <a:schemeClr val="tx1"/>
+                          </a:solidFill>
                           <a:effectLst/>
                           <a:latin typeface="+mj-lt"/>
+                          <a:ea typeface="+mn-ea"/>
+                          <a:cs typeface="+mn-cs"/>
                         </a:rPr>
-                        <a:t> </a:t>
+                        <a:t>Login</a:t>
+                      </a:r>
+                      <a:endParaRPr lang="en-US" sz="1800" dirty="0">
+                        <a:effectLst/>
+                        <a:latin typeface="+mj-lt"/>
+                        <a:ea typeface="Calibri"/>
+                        <a:cs typeface="Times New Roman"/>
+                      </a:endParaRPr>
+                    </a:p>
+                  </a:txBody>
+                  <a:tcPr marL="68580" marR="68580" marT="0" marB="0"/>
+                </a:tc>
+                <a:tc hMerge="1">
+                  <a:txBody>
+                    <a:bodyPr/>
+                    <a:lstStyle/>
+                    <a:p>
+                      <a:endParaRPr lang="en-US"/>
+                    </a:p>
+                  </a:txBody>
+                  <a:tcPr/>
+                </a:tc>
+                <a:tc hMerge="1">
+                  <a:txBody>
+                    <a:bodyPr/>
+                    <a:lstStyle/>
+                    <a:p>
+                      <a:endParaRPr lang="en-US"/>
+                    </a:p>
+                  </a:txBody>
+                  <a:tcPr/>
+                </a:tc>
+              </a:tr>
+              <a:tr h="380352">
+                <a:tc>
+                  <a:txBody>
+                    <a:bodyPr/>
+                    <a:lstStyle/>
+                    <a:p>
+                      <a:pPr marL="0" marR="0" algn="l" defTabSz="914400" rtl="0" eaLnBrk="1" latinLnBrk="0" hangingPunct="1">
+                        <a:lnSpc>
+                          <a:spcPct val="115000"/>
+                        </a:lnSpc>
+                        <a:spcBef>
+                          <a:spcPts val="0"/>
+                        </a:spcBef>
+                        <a:spcAft>
+                          <a:spcPts val="0"/>
+                        </a:spcAft>
+                      </a:pPr>
+                      <a:r>
+                        <a:rPr lang="en-US" sz="1800" b="1" kern="1200" dirty="0">
+                          <a:solidFill>
+                            <a:schemeClr val="tx1"/>
+                          </a:solidFill>
+                          <a:effectLst/>
+                          <a:latin typeface="+mj-lt"/>
+                          <a:ea typeface="+mn-ea"/>
+                          <a:cs typeface="+mn-cs"/>
+                        </a:rPr>
+                        <a:t>Concern</a:t>
+                      </a:r>
+                    </a:p>
+                  </a:txBody>
+                  <a:tcPr marL="68580" marR="68580" marT="0" marB="0"/>
+                </a:tc>
+                <a:tc gridSpan="3">
+                  <a:txBody>
+                    <a:bodyPr/>
+                    <a:lstStyle/>
+                    <a:p>
+                      <a:pPr marL="0" marR="0">
+                        <a:lnSpc>
+                          <a:spcPct val="115000"/>
+                        </a:lnSpc>
+                        <a:spcBef>
+                          <a:spcPts val="0"/>
+                        </a:spcBef>
+                        <a:spcAft>
+                          <a:spcPts val="0"/>
+                        </a:spcAft>
+                      </a:pPr>
+                      <a:r>
+                        <a:rPr lang="en-US" sz="1800" kern="1200" dirty="0" smtClean="0">
+                          <a:solidFill>
+                            <a:schemeClr val="tx1"/>
+                          </a:solidFill>
+                          <a:effectLst/>
+                          <a:latin typeface="+mj-lt"/>
+                          <a:ea typeface="+mn-ea"/>
+                          <a:cs typeface="+mn-cs"/>
+                        </a:rPr>
+                        <a:t>Authority</a:t>
                       </a:r>
                       <a:endParaRPr lang="en-US" sz="1800" dirty="0">
                         <a:effectLst/>
@@ -35113,7 +34194,7 @@
 </p:sld>
 </file>
 
-<file path=ppt/slides/slide23.xml><?xml version="1.0" encoding="utf-8"?>
+<file path=ppt/slides/slide22.xml><?xml version="1.0" encoding="utf-8"?>
 <p:sld xmlns:a="http://schemas.openxmlformats.org/drawingml/2006/main" xmlns:r="http://schemas.openxmlformats.org/officeDocument/2006/relationships" xmlns:p="http://schemas.openxmlformats.org/presentationml/2006/main">
   <p:cSld>
     <p:spTree>
@@ -38655,7 +37736,7 @@
 </p:sld>
 </file>
 
-<file path=ppt/slides/slide24.xml><?xml version="1.0" encoding="utf-8"?>
+<file path=ppt/slides/slide23.xml><?xml version="1.0" encoding="utf-8"?>
 <p:sld xmlns:a="http://schemas.openxmlformats.org/drawingml/2006/main" xmlns:r="http://schemas.openxmlformats.org/officeDocument/2006/relationships" xmlns:p="http://schemas.openxmlformats.org/presentationml/2006/main">
   <p:cSld>
     <p:spTree>
@@ -38907,7 +37988,7 @@
           <a:graphicData uri="http://schemas.openxmlformats.org/presentationml/2006/ole">
             <mc:AlternateContent xmlns:mc="http://schemas.openxmlformats.org/markup-compatibility/2006">
               <mc:Choice xmlns:v="urn:schemas-microsoft-com:vml" Requires="v">
-                <p:oleObj spid="_x0000_s139282" name="Visio" r:id="rId3" imgW="9089179" imgH="4645287" progId="Visio.Drawing.11">
+                <p:oleObj spid="_x0000_s139286" name="Visio" r:id="rId3" imgW="9089179" imgH="4645287" progId="Visio.Drawing.11">
                   <p:embed/>
                 </p:oleObj>
               </mc:Choice>
@@ -39052,7 +38133,7 @@
 </p:sld>
 </file>
 
-<file path=ppt/slides/slide25.xml><?xml version="1.0" encoding="utf-8"?>
+<file path=ppt/slides/slide24.xml><?xml version="1.0" encoding="utf-8"?>
 <p:sld xmlns:a="http://schemas.openxmlformats.org/drawingml/2006/main" xmlns:r="http://schemas.openxmlformats.org/officeDocument/2006/relationships" xmlns:p="http://schemas.openxmlformats.org/presentationml/2006/main">
   <p:cSld>
     <p:spTree>
@@ -39094,14 +38175,16 @@
       </p:sp>
       <p:pic>
         <p:nvPicPr>
-          <p:cNvPr id="150530" name="Picture 2"/>
+          <p:cNvPr id="150530" name="Picture 2">
+            <a:hlinkClick r:id="rId2" action="ppaction://hlinkfile"/>
+          </p:cNvPr>
           <p:cNvPicPr>
             <a:picLocks noChangeAspect="1" noChangeArrowheads="1"/>
           </p:cNvPicPr>
           <p:nvPr/>
         </p:nvPicPr>
         <p:blipFill>
-          <a:blip r:embed="rId2" cstate="print">
+          <a:blip r:embed="rId3" cstate="print">
             <a:extLst>
               <a:ext uri="{28A0092B-C50C-407E-A947-70E740481C1C}">
                 <a14:useLocalDpi xmlns:a14="http://schemas.microsoft.com/office/drawing/2010/main" val="0"/>
@@ -39176,7 +38259,7 @@
 </p:sld>
 </file>
 
-<file path=ppt/slides/slide26.xml><?xml version="1.0" encoding="utf-8"?>
+<file path=ppt/slides/slide25.xml><?xml version="1.0" encoding="utf-8"?>
 <p:sld xmlns:a="http://schemas.openxmlformats.org/drawingml/2006/main" xmlns:r="http://schemas.openxmlformats.org/officeDocument/2006/relationships" xmlns:p="http://schemas.openxmlformats.org/presentationml/2006/main">
   <p:cSld>
     <p:spTree>
@@ -39288,20 +38371,20 @@
           <p:nvPr>
             <p:extLst>
               <p:ext uri="{D42A27DB-BD31-4B8C-83A1-F6EECF244321}">
-                <p14:modId xmlns:p14="http://schemas.microsoft.com/office/powerpoint/2010/main" val="3433223799"/>
+                <p14:modId xmlns:p14="http://schemas.microsoft.com/office/powerpoint/2010/main" val="4184761690"/>
               </p:ext>
             </p:extLst>
           </p:nvPr>
         </p:nvGraphicFramePr>
         <p:xfrm>
-          <a:off x="457200" y="1447799"/>
-          <a:ext cx="8686800" cy="5294465"/>
+          <a:off x="-228600" y="1143000"/>
+          <a:ext cx="10497787" cy="5943600"/>
         </p:xfrm>
         <a:graphic>
           <a:graphicData uri="http://schemas.openxmlformats.org/presentationml/2006/ole">
             <mc:AlternateContent xmlns:mc="http://schemas.openxmlformats.org/markup-compatibility/2006">
               <mc:Choice xmlns:v="urn:schemas-microsoft-com:vml" Requires="v">
-                <p:oleObj spid="_x0000_s140306" name="Visio" r:id="rId3" imgW="11727851" imgH="7171055" progId="Visio.Drawing.11">
+                <p:oleObj spid="_x0000_s140310" name="Visio" r:id="rId3" imgW="11727851" imgH="7171055" progId="Visio.Drawing.11">
                   <p:embed/>
                 </p:oleObj>
               </mc:Choice>
@@ -39317,13 +38400,7 @@
                       <p:nvPr/>
                     </p:nvPicPr>
                     <p:blipFill>
-                      <a:blip r:embed="rId4">
-                        <a:extLst>
-                          <a:ext uri="{28A0092B-C50C-407E-A947-70E740481C1C}">
-                            <a14:useLocalDpi xmlns:a14="http://schemas.microsoft.com/office/drawing/2010/main" val="0"/>
-                          </a:ext>
-                        </a:extLst>
-                      </a:blip>
+                      <a:blip r:embed="rId4"/>
                       <a:srcRect/>
                       <a:stretch>
                         <a:fillRect/>
@@ -39331,8 +38408,8 @@
                     </p:blipFill>
                     <p:spPr bwMode="auto">
                       <a:xfrm>
-                        <a:off x="457200" y="1447799"/>
-                        <a:ext cx="8686800" cy="5294465"/>
+                        <a:off x="-228600" y="1143000"/>
+                        <a:ext cx="10497787" cy="5943600"/>
                       </a:xfrm>
                       <a:prstGeom prst="rect">
                         <a:avLst/>
@@ -39442,7 +38519,7 @@
 </p:sld>
 </file>
 
-<file path=ppt/slides/slide27.xml><?xml version="1.0" encoding="utf-8"?>
+<file path=ppt/slides/slide26.xml><?xml version="1.0" encoding="utf-8"?>
 <p:sld xmlns:a="http://schemas.openxmlformats.org/drawingml/2006/main" xmlns:r="http://schemas.openxmlformats.org/officeDocument/2006/relationships" xmlns:p="http://schemas.openxmlformats.org/presentationml/2006/main">
   <p:cSld>
     <p:spTree>
@@ -39497,7 +38574,139 @@
           <a:bodyPr/>
           <a:lstStyle/>
           <a:p>
-            <a:endParaRPr lang="en-US"/>
+            <a:r>
+              <a:rPr lang="en-US" dirty="0">
+                <a:hlinkClick r:id="rId2" action="ppaction://hlinkfile"/>
+              </a:rPr>
+              <a:t>A combined Layer – Decomposition – Use </a:t>
+            </a:r>
+            <a:r>
+              <a:rPr lang="en-US" dirty="0" smtClean="0">
+                <a:hlinkClick r:id="rId2" action="ppaction://hlinkfile"/>
+              </a:rPr>
+              <a:t>view</a:t>
+            </a:r>
+            <a:endParaRPr lang="en-US" dirty="0" smtClean="0"/>
+          </a:p>
+          <a:p>
+            <a:pPr lvl="1"/>
+            <a:r>
+              <a:rPr lang="en-US" dirty="0" smtClean="0">
+                <a:hlinkClick r:id="rId3" action="ppaction://hlinkfile"/>
+              </a:rPr>
+              <a:t>View Packet 1</a:t>
+            </a:r>
+            <a:endParaRPr lang="en-US" dirty="0" smtClean="0"/>
+          </a:p>
+          <a:p>
+            <a:pPr lvl="1"/>
+            <a:r>
+              <a:rPr lang="en-US" dirty="0">
+                <a:hlinkClick r:id="rId4" action="ppaction://hlinkfile"/>
+              </a:rPr>
+              <a:t>View Packet </a:t>
+            </a:r>
+            <a:r>
+              <a:rPr lang="en-US" dirty="0" smtClean="0">
+                <a:hlinkClick r:id="rId4" action="ppaction://hlinkfile"/>
+              </a:rPr>
+              <a:t>2</a:t>
+            </a:r>
+            <a:endParaRPr lang="en-US" dirty="0"/>
+          </a:p>
+          <a:p>
+            <a:pPr lvl="1"/>
+            <a:r>
+              <a:rPr lang="en-US" dirty="0">
+                <a:hlinkClick r:id="rId5" action="ppaction://hlinkfile"/>
+              </a:rPr>
+              <a:t>View Packet </a:t>
+            </a:r>
+            <a:r>
+              <a:rPr lang="en-US" dirty="0" smtClean="0">
+                <a:hlinkClick r:id="rId5" action="ppaction://hlinkfile"/>
+              </a:rPr>
+              <a:t>3</a:t>
+            </a:r>
+            <a:endParaRPr lang="en-US" dirty="0"/>
+          </a:p>
+          <a:p>
+            <a:pPr lvl="1"/>
+            <a:r>
+              <a:rPr lang="en-US" dirty="0">
+                <a:hlinkClick r:id="rId6" action="ppaction://hlinkfile"/>
+              </a:rPr>
+              <a:t>View Packet </a:t>
+            </a:r>
+            <a:r>
+              <a:rPr lang="en-US" dirty="0" smtClean="0">
+                <a:hlinkClick r:id="rId6" action="ppaction://hlinkfile"/>
+              </a:rPr>
+              <a:t>4</a:t>
+            </a:r>
+            <a:endParaRPr lang="en-US" dirty="0"/>
+          </a:p>
+          <a:p>
+            <a:pPr lvl="1"/>
+            <a:r>
+              <a:rPr lang="en-US" dirty="0">
+                <a:hlinkClick r:id="rId7" action="ppaction://hlinkfile"/>
+              </a:rPr>
+              <a:t>View Packet </a:t>
+            </a:r>
+            <a:r>
+              <a:rPr lang="en-US" dirty="0" smtClean="0">
+                <a:hlinkClick r:id="rId7" action="ppaction://hlinkfile"/>
+              </a:rPr>
+              <a:t>5</a:t>
+            </a:r>
+            <a:endParaRPr lang="en-US" dirty="0"/>
+          </a:p>
+          <a:p>
+            <a:pPr lvl="1"/>
+            <a:r>
+              <a:rPr lang="en-US" dirty="0">
+                <a:hlinkClick r:id="rId8" action="ppaction://hlinkfile"/>
+              </a:rPr>
+              <a:t>View Packet </a:t>
+            </a:r>
+            <a:r>
+              <a:rPr lang="en-US" dirty="0" smtClean="0">
+                <a:hlinkClick r:id="rId8" action="ppaction://hlinkfile"/>
+              </a:rPr>
+              <a:t>6</a:t>
+            </a:r>
+            <a:endParaRPr lang="en-US" dirty="0"/>
+          </a:p>
+          <a:p>
+            <a:pPr lvl="1"/>
+            <a:r>
+              <a:rPr lang="en-US" dirty="0">
+                <a:hlinkClick r:id="rId9" action="ppaction://hlinkfile"/>
+              </a:rPr>
+              <a:t>View Packet </a:t>
+            </a:r>
+            <a:r>
+              <a:rPr lang="en-US" dirty="0" smtClean="0">
+                <a:hlinkClick r:id="rId9" action="ppaction://hlinkfile"/>
+              </a:rPr>
+              <a:t>7</a:t>
+            </a:r>
+            <a:endParaRPr lang="en-US" dirty="0" smtClean="0"/>
+          </a:p>
+          <a:p>
+            <a:pPr lvl="1"/>
+            <a:r>
+              <a:rPr lang="en-US" dirty="0">
+                <a:hlinkClick r:id="rId10" action="ppaction://hlinkfile"/>
+              </a:rPr>
+              <a:t>View Packet 8</a:t>
+            </a:r>
+            <a:endParaRPr lang="en-US" dirty="0"/>
+          </a:p>
+          <a:p>
+            <a:pPr lvl="1"/>
+            <a:endParaRPr lang="en-US" dirty="0"/>
           </a:p>
         </p:txBody>
       </p:sp>
@@ -39521,7 +38730,7 @@
 </p:sld>
 </file>
 
-<file path=ppt/slides/slide28.xml><?xml version="1.0" encoding="utf-8"?>
+<file path=ppt/slides/slide27.xml><?xml version="1.0" encoding="utf-8"?>
 <p:sld xmlns:a="http://schemas.openxmlformats.org/drawingml/2006/main" xmlns:r="http://schemas.openxmlformats.org/officeDocument/2006/relationships" xmlns:p="http://schemas.openxmlformats.org/presentationml/2006/main">
   <p:cSld>
     <p:spTree>
@@ -39563,20 +38772,128 @@
       </p:sp>
       <p:sp>
         <p:nvSpPr>
-          <p:cNvPr id="3" name="Content Placeholder 2"/>
-          <p:cNvSpPr>
-            <a:spLocks noGrp="1"/>
-          </p:cNvSpPr>
-          <p:nvPr>
-            <p:ph idx="1"/>
-          </p:nvPr>
+          <p:cNvPr id="4" name="Rectangle 3">
+            <a:hlinkClick r:id="rId2" action="ppaction://hlinkfile"/>
+          </p:cNvPr>
+          <p:cNvSpPr/>
+          <p:nvPr/>
         </p:nvSpPr>
-        <p:spPr/>
+        <p:spPr bwMode="auto">
+          <a:xfrm>
+            <a:off x="3733800" y="3429000"/>
+            <a:ext cx="1524000" cy="990600"/>
+          </a:xfrm>
+          <a:prstGeom prst="rect">
+            <a:avLst/>
+          </a:prstGeom>
+          <a:ln>
+            <a:headEnd type="none" w="med" len="med"/>
+            <a:tailEnd type="none" w="med" len="med"/>
+          </a:ln>
+          <a:extLst/>
+        </p:spPr>
+        <p:style>
+          <a:lnRef idx="1">
+            <a:schemeClr val="accent5"/>
+          </a:lnRef>
+          <a:fillRef idx="3">
+            <a:schemeClr val="accent5"/>
+          </a:fillRef>
+          <a:effectRef idx="2">
+            <a:schemeClr val="accent5"/>
+          </a:effectRef>
+          <a:fontRef idx="minor">
+            <a:schemeClr val="lt1"/>
+          </a:fontRef>
+        </p:style>
         <p:txBody>
-          <a:bodyPr/>
+          <a:bodyPr vert="horz" wrap="square" lIns="91440" tIns="45720" rIns="91440" bIns="45720" numCol="1" rtlCol="0" anchor="t" anchorCtr="0" compatLnSpc="1">
+            <a:prstTxWarp prst="textNoShape">
+              <a:avLst/>
+            </a:prstTxWarp>
+          </a:bodyPr>
           <a:lstStyle/>
           <a:p>
-            <a:endParaRPr lang="en-US"/>
+            <a:pPr marL="0" marR="0" indent="0" algn="l" defTabSz="914400" rtl="0" eaLnBrk="1" fontAlgn="base" latinLnBrk="0" hangingPunct="1">
+              <a:lnSpc>
+                <a:spcPct val="100000"/>
+              </a:lnSpc>
+              <a:spcBef>
+                <a:spcPct val="0"/>
+              </a:spcBef>
+              <a:spcAft>
+                <a:spcPct val="0"/>
+              </a:spcAft>
+              <a:buClrTx/>
+              <a:buSzTx/>
+              <a:buFontTx/>
+              <a:buNone/>
+              <a:tabLst/>
+            </a:pPr>
+            <a:endParaRPr kumimoji="0" lang="en-US" sz="1800" b="1" i="0" u="none" strike="noStrike" cap="none" normalizeH="0" baseline="0" dirty="0" smtClean="0">
+              <a:ln>
+                <a:noFill/>
+              </a:ln>
+              <a:solidFill>
+                <a:schemeClr val="tx1"/>
+              </a:solidFill>
+              <a:effectLst/>
+              <a:latin typeface="Arial" charset="0"/>
+            </a:endParaRPr>
+          </a:p>
+          <a:p>
+            <a:pPr marL="0" marR="0" indent="0" algn="l" defTabSz="914400" rtl="0" eaLnBrk="1" fontAlgn="base" latinLnBrk="0" hangingPunct="1">
+              <a:lnSpc>
+                <a:spcPct val="100000"/>
+              </a:lnSpc>
+              <a:spcBef>
+                <a:spcPct val="0"/>
+              </a:spcBef>
+              <a:spcAft>
+                <a:spcPct val="0"/>
+              </a:spcAft>
+              <a:buClrTx/>
+              <a:buSzTx/>
+              <a:buFontTx/>
+              <a:buNone/>
+              <a:tabLst/>
+            </a:pPr>
+            <a:r>
+              <a:rPr kumimoji="0" lang="en-US" sz="1800" b="1" i="0" u="none" strike="noStrike" cap="none" normalizeH="0" baseline="0" dirty="0" smtClean="0">
+                <a:ln>
+                  <a:noFill/>
+                </a:ln>
+                <a:solidFill>
+                  <a:schemeClr val="tx1"/>
+                </a:solidFill>
+                <a:effectLst/>
+                <a:latin typeface="Arial" charset="0"/>
+              </a:rPr>
+              <a:t>C &amp; C</a:t>
+            </a:r>
+            <a:r>
+              <a:rPr kumimoji="0" lang="en-US" sz="1800" b="1" i="0" u="none" strike="noStrike" cap="none" normalizeH="0" dirty="0" smtClean="0">
+                <a:ln>
+                  <a:noFill/>
+                </a:ln>
+                <a:solidFill>
+                  <a:schemeClr val="tx1"/>
+                </a:solidFill>
+                <a:effectLst/>
+                <a:latin typeface="Arial" charset="0"/>
+              </a:rPr>
+              <a:t> View</a:t>
+            </a:r>
+            <a:endParaRPr kumimoji="0" lang="en-US" sz="1800" b="1" i="0" u="none" strike="noStrike" cap="none" normalizeH="0" baseline="0" dirty="0" smtClean="0">
+              <a:ln>
+                <a:noFill/>
+              </a:ln>
+              <a:solidFill>
+                <a:schemeClr val="tx1"/>
+              </a:solidFill>
+              <a:effectLst/>
+              <a:latin typeface="Arial" charset="0"/>
+            </a:endParaRPr>
           </a:p>
         </p:txBody>
       </p:sp>
@@ -39600,7 +38917,7 @@
 </p:sld>
 </file>
 
-<file path=ppt/slides/slide29.xml><?xml version="1.0" encoding="utf-8"?>
+<file path=ppt/slides/slide28.xml><?xml version="1.0" encoding="utf-8"?>
 <p:sld xmlns:a="http://schemas.openxmlformats.org/drawingml/2006/main" xmlns:r="http://schemas.openxmlformats.org/officeDocument/2006/relationships" xmlns:p="http://schemas.openxmlformats.org/presentationml/2006/main">
   <p:cSld>
     <p:spTree>
@@ -39699,6 +39016,123 @@
     <p:extLst>
       <p:ext uri="{BB962C8B-B14F-4D97-AF65-F5344CB8AC3E}">
         <p14:creationId xmlns:p14="http://schemas.microsoft.com/office/powerpoint/2010/main" val="165849529"/>
+      </p:ext>
+    </p:extLst>
+  </p:cSld>
+  <p:clrMapOvr>
+    <a:masterClrMapping/>
+  </p:clrMapOvr>
+  <p:timing>
+    <p:tnLst>
+      <p:par>
+        <p:cTn id="1" dur="indefinite" restart="never" nodeType="tmRoot"/>
+      </p:par>
+    </p:tnLst>
+  </p:timing>
+</p:sld>
+</file>
+
+<file path=ppt/slides/slide29.xml><?xml version="1.0" encoding="utf-8"?>
+<p:sld xmlns:a="http://schemas.openxmlformats.org/drawingml/2006/main" xmlns:r="http://schemas.openxmlformats.org/officeDocument/2006/relationships" xmlns:p="http://schemas.openxmlformats.org/presentationml/2006/main">
+  <p:cSld>
+    <p:spTree>
+      <p:nvGrpSpPr>
+        <p:cNvPr id="1" name=""/>
+        <p:cNvGrpSpPr/>
+        <p:nvPr/>
+      </p:nvGrpSpPr>
+      <p:grpSpPr>
+        <a:xfrm>
+          <a:off x="0" y="0"/>
+          <a:ext cx="0" cy="0"/>
+          <a:chOff x="0" y="0"/>
+          <a:chExt cx="0" cy="0"/>
+        </a:xfrm>
+      </p:grpSpPr>
+      <p:sp>
+        <p:nvSpPr>
+          <p:cNvPr id="2" name="Title 1"/>
+          <p:cNvSpPr>
+            <a:spLocks noGrp="1"/>
+          </p:cNvSpPr>
+          <p:nvPr>
+            <p:ph type="title"/>
+          </p:nvPr>
+        </p:nvSpPr>
+        <p:spPr/>
+        <p:txBody>
+          <a:bodyPr/>
+          <a:lstStyle/>
+          <a:p>
+            <a:r>
+              <a:rPr lang="en-US" dirty="0" smtClean="0"/>
+              <a:t>Tactics</a:t>
+            </a:r>
+            <a:endParaRPr lang="en-US" dirty="0"/>
+          </a:p>
+        </p:txBody>
+      </p:sp>
+      <p:sp>
+        <p:nvSpPr>
+          <p:cNvPr id="3" name="Content Placeholder 2"/>
+          <p:cNvSpPr>
+            <a:spLocks noGrp="1"/>
+          </p:cNvSpPr>
+          <p:nvPr>
+            <p:ph idx="1"/>
+          </p:nvPr>
+        </p:nvSpPr>
+        <p:spPr/>
+        <p:txBody>
+          <a:bodyPr/>
+          <a:lstStyle/>
+          <a:p>
+            <a:pPr marL="0" indent="0">
+              <a:buNone/>
+            </a:pPr>
+            <a:r>
+              <a:rPr lang="en-US" sz="2000" b="1" dirty="0"/>
+              <a:t>Security: </a:t>
+            </a:r>
+          </a:p>
+          <a:p>
+            <a:pPr marL="0" indent="0">
+              <a:buNone/>
+            </a:pPr>
+            <a:r>
+              <a:rPr lang="en-US" sz="2000" dirty="0"/>
+              <a:t>Users want to log into the system will need to use one account and a password. Only accounts with the correct password can access the system. </a:t>
+            </a:r>
+          </a:p>
+          <a:p>
+            <a:r>
+              <a:rPr lang="en-US" sz="2000" dirty="0"/>
+              <a:t>Authenticate users: Verify the system's users. Administrator will be created for an account and password for each user to be granted access to the system. Each different users will have different rights in the system, working with different data, this right will be confirmed when a new account</a:t>
+            </a:r>
+          </a:p>
+          <a:p>
+            <a:r>
+              <a:rPr lang="en-US" sz="2000" dirty="0"/>
+              <a:t>Authorize users: Each account will have a different right in the system</a:t>
+            </a:r>
+          </a:p>
+          <a:p>
+            <a:r>
+              <a:rPr lang="en-US" sz="2000" dirty="0"/>
+              <a:t>When logging into the system, account information and passwords will be </a:t>
+            </a:r>
+            <a:r>
+              <a:rPr lang="en-US" sz="2000" dirty="0" smtClean="0"/>
+              <a:t>secured</a:t>
+            </a:r>
+            <a:endParaRPr lang="en-US" sz="2000" dirty="0"/>
+          </a:p>
+        </p:txBody>
+      </p:sp>
+    </p:spTree>
+    <p:extLst>
+      <p:ext uri="{BB962C8B-B14F-4D97-AF65-F5344CB8AC3E}">
+        <p14:creationId xmlns:p14="http://schemas.microsoft.com/office/powerpoint/2010/main" val="3996824636"/>
       </p:ext>
     </p:extLst>
   </p:cSld>
@@ -39962,123 +39396,6 @@
               <a:buNone/>
             </a:pPr>
             <a:r>
-              <a:rPr lang="en-US" sz="2000" dirty="0"/>
-              <a:t>Users want to log into the system will need to use one account and a password. Only accounts with the correct password can access the system. </a:t>
-            </a:r>
-          </a:p>
-          <a:p>
-            <a:r>
-              <a:rPr lang="en-US" sz="2000" dirty="0"/>
-              <a:t>Authenticate users: Verify the system's users. Administrator will be created for an account and password for each user to be granted access to the system. Each different users will have different rights in the system, working with different data, this right will be confirmed when a new account</a:t>
-            </a:r>
-          </a:p>
-          <a:p>
-            <a:r>
-              <a:rPr lang="en-US" sz="2000" dirty="0"/>
-              <a:t>Authorize users: Each account will have a different right in the system</a:t>
-            </a:r>
-          </a:p>
-          <a:p>
-            <a:r>
-              <a:rPr lang="en-US" sz="2000" dirty="0"/>
-              <a:t>When logging into the system, account information and passwords will be </a:t>
-            </a:r>
-            <a:r>
-              <a:rPr lang="en-US" sz="2000" dirty="0" smtClean="0"/>
-              <a:t>secured</a:t>
-            </a:r>
-            <a:endParaRPr lang="en-US" sz="2000" dirty="0"/>
-          </a:p>
-        </p:txBody>
-      </p:sp>
-    </p:spTree>
-    <p:extLst>
-      <p:ext uri="{BB962C8B-B14F-4D97-AF65-F5344CB8AC3E}">
-        <p14:creationId xmlns:p14="http://schemas.microsoft.com/office/powerpoint/2010/main" val="3996824636"/>
-      </p:ext>
-    </p:extLst>
-  </p:cSld>
-  <p:clrMapOvr>
-    <a:masterClrMapping/>
-  </p:clrMapOvr>
-  <p:timing>
-    <p:tnLst>
-      <p:par>
-        <p:cTn id="1" dur="indefinite" restart="never" nodeType="tmRoot"/>
-      </p:par>
-    </p:tnLst>
-  </p:timing>
-</p:sld>
-</file>
-
-<file path=ppt/slides/slide31.xml><?xml version="1.0" encoding="utf-8"?>
-<p:sld xmlns:a="http://schemas.openxmlformats.org/drawingml/2006/main" xmlns:r="http://schemas.openxmlformats.org/officeDocument/2006/relationships" xmlns:p="http://schemas.openxmlformats.org/presentationml/2006/main">
-  <p:cSld>
-    <p:spTree>
-      <p:nvGrpSpPr>
-        <p:cNvPr id="1" name=""/>
-        <p:cNvGrpSpPr/>
-        <p:nvPr/>
-      </p:nvGrpSpPr>
-      <p:grpSpPr>
-        <a:xfrm>
-          <a:off x="0" y="0"/>
-          <a:ext cx="0" cy="0"/>
-          <a:chOff x="0" y="0"/>
-          <a:chExt cx="0" cy="0"/>
-        </a:xfrm>
-      </p:grpSpPr>
-      <p:sp>
-        <p:nvSpPr>
-          <p:cNvPr id="2" name="Title 1"/>
-          <p:cNvSpPr>
-            <a:spLocks noGrp="1"/>
-          </p:cNvSpPr>
-          <p:nvPr>
-            <p:ph type="title"/>
-          </p:nvPr>
-        </p:nvSpPr>
-        <p:spPr/>
-        <p:txBody>
-          <a:bodyPr/>
-          <a:lstStyle/>
-          <a:p>
-            <a:r>
-              <a:rPr lang="en-US" dirty="0" smtClean="0"/>
-              <a:t>Tactics</a:t>
-            </a:r>
-            <a:endParaRPr lang="en-US" dirty="0"/>
-          </a:p>
-        </p:txBody>
-      </p:sp>
-      <p:sp>
-        <p:nvSpPr>
-          <p:cNvPr id="3" name="Content Placeholder 2"/>
-          <p:cNvSpPr>
-            <a:spLocks noGrp="1"/>
-          </p:cNvSpPr>
-          <p:nvPr>
-            <p:ph idx="1"/>
-          </p:nvPr>
-        </p:nvSpPr>
-        <p:spPr/>
-        <p:txBody>
-          <a:bodyPr/>
-          <a:lstStyle/>
-          <a:p>
-            <a:pPr marL="0" indent="0">
-              <a:buNone/>
-            </a:pPr>
-            <a:r>
-              <a:rPr lang="en-US" sz="2000" b="1" dirty="0"/>
-              <a:t>Security: </a:t>
-            </a:r>
-          </a:p>
-          <a:p>
-            <a:pPr marL="0" indent="0">
-              <a:buNone/>
-            </a:pPr>
-            <a:r>
               <a:rPr lang="en-US" sz="2000" dirty="0" smtClean="0"/>
               <a:t>Maintain </a:t>
             </a:r>
@@ -40139,7 +39456,7 @@
 </p:sld>
 </file>
 
-<file path=ppt/slides/slide32.xml><?xml version="1.0" encoding="utf-8"?>
+<file path=ppt/slides/slide31.xml><?xml version="1.0" encoding="utf-8"?>
 <p:sld xmlns:a="http://schemas.openxmlformats.org/drawingml/2006/main" xmlns:r="http://schemas.openxmlformats.org/officeDocument/2006/relationships" xmlns:p="http://schemas.openxmlformats.org/presentationml/2006/main">
   <p:cSld>
     <p:spTree>
@@ -40181,20 +39498,87 @@
       </p:sp>
       <p:sp>
         <p:nvSpPr>
-          <p:cNvPr id="3" name="Content Placeholder 2"/>
-          <p:cNvSpPr>
-            <a:spLocks noGrp="1"/>
-          </p:cNvSpPr>
-          <p:nvPr>
-            <p:ph idx="1"/>
-          </p:nvPr>
+          <p:cNvPr id="4" name="Rectangle 3">
+            <a:hlinkClick r:id="rId2" action="ppaction://hlinkfile"/>
+          </p:cNvPr>
+          <p:cNvSpPr/>
+          <p:nvPr/>
         </p:nvSpPr>
-        <p:spPr/>
+        <p:spPr bwMode="auto">
+          <a:xfrm>
+            <a:off x="3352800" y="2933700"/>
+            <a:ext cx="1905000" cy="419100"/>
+          </a:xfrm>
+          <a:prstGeom prst="rect">
+            <a:avLst/>
+          </a:prstGeom>
+          <a:ln>
+            <a:headEnd type="none" w="med" len="med"/>
+            <a:tailEnd type="none" w="med" len="med"/>
+          </a:ln>
+          <a:extLst/>
+        </p:spPr>
+        <p:style>
+          <a:lnRef idx="1">
+            <a:schemeClr val="accent2"/>
+          </a:lnRef>
+          <a:fillRef idx="3">
+            <a:schemeClr val="accent2"/>
+          </a:fillRef>
+          <a:effectRef idx="2">
+            <a:schemeClr val="accent2"/>
+          </a:effectRef>
+          <a:fontRef idx="minor">
+            <a:schemeClr val="lt1"/>
+          </a:fontRef>
+        </p:style>
         <p:txBody>
-          <a:bodyPr/>
+          <a:bodyPr vert="horz" wrap="square" lIns="91440" tIns="45720" rIns="91440" bIns="45720" numCol="1" rtlCol="0" anchor="t" anchorCtr="0" compatLnSpc="1">
+            <a:prstTxWarp prst="textNoShape">
+              <a:avLst/>
+            </a:prstTxWarp>
+          </a:bodyPr>
           <a:lstStyle/>
           <a:p>
-            <a:endParaRPr lang="en-US"/>
+            <a:pPr marL="0" marR="0" indent="0" algn="l" defTabSz="914400" rtl="0" eaLnBrk="1" fontAlgn="base" latinLnBrk="0" hangingPunct="1">
+              <a:lnSpc>
+                <a:spcPct val="100000"/>
+              </a:lnSpc>
+              <a:spcBef>
+                <a:spcPct val="0"/>
+              </a:spcBef>
+              <a:spcAft>
+                <a:spcPct val="0"/>
+              </a:spcAft>
+              <a:buClrTx/>
+              <a:buSzTx/>
+              <a:buFontTx/>
+              <a:buNone/>
+              <a:tabLst/>
+            </a:pPr>
+            <a:r>
+              <a:rPr kumimoji="0" lang="en-US" sz="1800" b="1" i="0" u="none" strike="noStrike" cap="none" normalizeH="0" baseline="0" dirty="0" smtClean="0">
+                <a:ln>
+                  <a:noFill/>
+                </a:ln>
+                <a:solidFill>
+                  <a:schemeClr val="tx1"/>
+                </a:solidFill>
+                <a:effectLst/>
+                <a:latin typeface="Arial" charset="0"/>
+              </a:rPr>
+              <a:t>Mapping View</a:t>
+            </a:r>
+            <a:endParaRPr kumimoji="0" lang="en-US" sz="1800" b="1" i="0" u="none" strike="noStrike" cap="none" normalizeH="0" baseline="0" dirty="0" smtClean="0">
+              <a:ln>
+                <a:noFill/>
+              </a:ln>
+              <a:solidFill>
+                <a:schemeClr val="tx1"/>
+              </a:solidFill>
+              <a:effectLst/>
+              <a:latin typeface="Arial" charset="0"/>
+            </a:endParaRPr>
           </a:p>
         </p:txBody>
       </p:sp>
@@ -40218,7 +39602,7 @@
 </p:sld>
 </file>
 
-<file path=ppt/slides/slide33.xml><?xml version="1.0" encoding="utf-8"?>
+<file path=ppt/slides/slide32.xml><?xml version="1.0" encoding="utf-8"?>
 <p:sld xmlns:a="http://schemas.openxmlformats.org/drawingml/2006/main" xmlns:r="http://schemas.openxmlformats.org/officeDocument/2006/relationships" xmlns:p="http://schemas.openxmlformats.org/presentationml/2006/main">
   <p:cSld>
     <p:spTree>
@@ -43760,7 +43144,7 @@
 </p:sld>
 </file>
 
-<file path=ppt/slides/slide34.xml><?xml version="1.0" encoding="utf-8"?>
+<file path=ppt/slides/slide33.xml><?xml version="1.0" encoding="utf-8"?>
 <p:sld xmlns:a="http://schemas.openxmlformats.org/drawingml/2006/main" xmlns:r="http://schemas.openxmlformats.org/officeDocument/2006/relationships" xmlns:p="http://schemas.openxmlformats.org/presentationml/2006/main">
   <p:cSld>
     <p:spTree>
@@ -47918,6 +47302,129 @@
               <a:t>ACDM Stages</a:t>
             </a:r>
             <a:endParaRPr lang="en-US" dirty="0"/>
+          </a:p>
+        </p:txBody>
+      </p:sp>
+      <p:sp>
+        <p:nvSpPr>
+          <p:cNvPr id="3" name="Rectangle 2">
+            <a:hlinkClick r:id="rId2" action="ppaction://hlinkfile"/>
+          </p:cNvPr>
+          <p:cNvSpPr/>
+          <p:nvPr/>
+        </p:nvSpPr>
+        <p:spPr bwMode="auto">
+          <a:xfrm>
+            <a:off x="3886200" y="3276600"/>
+            <a:ext cx="1295400" cy="762000"/>
+          </a:xfrm>
+          <a:prstGeom prst="rect">
+            <a:avLst/>
+          </a:prstGeom>
+          <a:ln>
+            <a:headEnd type="none" w="med" len="med"/>
+            <a:tailEnd type="none" w="med" len="med"/>
+          </a:ln>
+          <a:extLst/>
+        </p:spPr>
+        <p:style>
+          <a:lnRef idx="3">
+            <a:schemeClr val="lt1"/>
+          </a:lnRef>
+          <a:fillRef idx="1">
+            <a:schemeClr val="accent2"/>
+          </a:fillRef>
+          <a:effectRef idx="1">
+            <a:schemeClr val="accent2"/>
+          </a:effectRef>
+          <a:fontRef idx="minor">
+            <a:schemeClr val="lt1"/>
+          </a:fontRef>
+        </p:style>
+        <p:txBody>
+          <a:bodyPr vert="horz" wrap="square" lIns="91440" tIns="45720" rIns="91440" bIns="45720" numCol="1" rtlCol="0" anchor="t" anchorCtr="0" compatLnSpc="1">
+            <a:prstTxWarp prst="textNoShape">
+              <a:avLst/>
+            </a:prstTxWarp>
+          </a:bodyPr>
+          <a:lstStyle/>
+          <a:p>
+            <a:pPr marL="0" marR="0" indent="0" algn="l" defTabSz="914400" rtl="0" eaLnBrk="1" fontAlgn="base" latinLnBrk="0" hangingPunct="1">
+              <a:lnSpc>
+                <a:spcPct val="100000"/>
+              </a:lnSpc>
+              <a:spcBef>
+                <a:spcPct val="0"/>
+              </a:spcBef>
+              <a:spcAft>
+                <a:spcPct val="0"/>
+              </a:spcAft>
+              <a:buClrTx/>
+              <a:buSzTx/>
+              <a:buFontTx/>
+              <a:buNone/>
+              <a:tabLst/>
+            </a:pPr>
+            <a:endParaRPr kumimoji="0" lang="en-US" sz="1800" b="1" i="0" u="none" strike="noStrike" cap="none" normalizeH="0" baseline="0" dirty="0" smtClean="0">
+              <a:ln>
+                <a:noFill/>
+              </a:ln>
+              <a:solidFill>
+                <a:schemeClr val="tx1"/>
+              </a:solidFill>
+              <a:effectLst/>
+              <a:latin typeface="Arial" charset="0"/>
+            </a:endParaRPr>
+          </a:p>
+          <a:p>
+            <a:pPr marL="0" marR="0" indent="0" algn="l" defTabSz="914400" rtl="0" eaLnBrk="1" fontAlgn="base" latinLnBrk="0" hangingPunct="1">
+              <a:lnSpc>
+                <a:spcPct val="100000"/>
+              </a:lnSpc>
+              <a:spcBef>
+                <a:spcPct val="0"/>
+              </a:spcBef>
+              <a:spcAft>
+                <a:spcPct val="0"/>
+              </a:spcAft>
+              <a:buClrTx/>
+              <a:buSzTx/>
+              <a:buFontTx/>
+              <a:buNone/>
+              <a:tabLst/>
+            </a:pPr>
+            <a:r>
+              <a:rPr lang="en-US" dirty="0" smtClean="0">
+                <a:solidFill>
+                  <a:schemeClr val="tx1"/>
+                </a:solidFill>
+                <a:latin typeface="Arial" charset="0"/>
+              </a:rPr>
+              <a:t>    </a:t>
+            </a:r>
+            <a:r>
+              <a:rPr kumimoji="0" lang="en-US" sz="1800" b="1" i="0" u="none" strike="noStrike" cap="none" normalizeH="0" baseline="0" dirty="0" smtClean="0">
+                <a:ln>
+                  <a:noFill/>
+                </a:ln>
+                <a:solidFill>
+                  <a:schemeClr val="tx1"/>
+                </a:solidFill>
+                <a:effectLst/>
+                <a:latin typeface="Arial" charset="0"/>
+              </a:rPr>
+              <a:t>ACDM</a:t>
+            </a:r>
+            <a:endParaRPr kumimoji="0" lang="en-US" sz="1800" b="1" i="0" u="none" strike="noStrike" cap="none" normalizeH="0" baseline="0" dirty="0" smtClean="0">
+              <a:ln>
+                <a:noFill/>
+              </a:ln>
+              <a:solidFill>
+                <a:schemeClr val="tx1"/>
+              </a:solidFill>
+              <a:effectLst/>
+              <a:latin typeface="Arial" charset="0"/>
+            </a:endParaRPr>
           </a:p>
         </p:txBody>
       </p:sp>

--- a/Architect and Design/Final Project/K15T2_Team2_FinalProject/POS_Presentation/POS_PresentationSlide.pptx
+++ b/Architect and Design/Final Project/K15T2_Team2_FinalProject/POS_Presentation/POS_PresentationSlide.pptx
@@ -5,7 +5,7 @@
     <p:sldMasterId id="2147483648" r:id="rId1"/>
   </p:sldMasterIdLst>
   <p:notesMasterIdLst>
-    <p:notesMasterId r:id="rId35"/>
+    <p:notesMasterId r:id="rId33"/>
   </p:notesMasterIdLst>
   <p:sldIdLst>
     <p:sldId id="256" r:id="rId2"/>
@@ -19,28 +19,26 @@
     <p:sldId id="370" r:id="rId10"/>
     <p:sldId id="375" r:id="rId11"/>
     <p:sldId id="351" r:id="rId12"/>
-    <p:sldId id="382" r:id="rId13"/>
-    <p:sldId id="360" r:id="rId14"/>
-    <p:sldId id="359" r:id="rId15"/>
-    <p:sldId id="361" r:id="rId16"/>
-    <p:sldId id="386" r:id="rId17"/>
-    <p:sldId id="362" r:id="rId18"/>
-    <p:sldId id="363" r:id="rId19"/>
-    <p:sldId id="364" r:id="rId20"/>
-    <p:sldId id="366" r:id="rId21"/>
-    <p:sldId id="367" r:id="rId22"/>
-    <p:sldId id="357" r:id="rId23"/>
-    <p:sldId id="353" r:id="rId24"/>
-    <p:sldId id="352" r:id="rId25"/>
-    <p:sldId id="354" r:id="rId26"/>
-    <p:sldId id="368" r:id="rId27"/>
-    <p:sldId id="369" r:id="rId28"/>
-    <p:sldId id="383" r:id="rId29"/>
-    <p:sldId id="384" r:id="rId30"/>
-    <p:sldId id="385" r:id="rId31"/>
-    <p:sldId id="377" r:id="rId32"/>
-    <p:sldId id="358" r:id="rId33"/>
-    <p:sldId id="285" r:id="rId34"/>
+    <p:sldId id="360" r:id="rId13"/>
+    <p:sldId id="359" r:id="rId14"/>
+    <p:sldId id="361" r:id="rId15"/>
+    <p:sldId id="386" r:id="rId16"/>
+    <p:sldId id="362" r:id="rId17"/>
+    <p:sldId id="363" r:id="rId18"/>
+    <p:sldId id="364" r:id="rId19"/>
+    <p:sldId id="366" r:id="rId20"/>
+    <p:sldId id="367" r:id="rId21"/>
+    <p:sldId id="357" r:id="rId22"/>
+    <p:sldId id="352" r:id="rId23"/>
+    <p:sldId id="354" r:id="rId24"/>
+    <p:sldId id="368" r:id="rId25"/>
+    <p:sldId id="369" r:id="rId26"/>
+    <p:sldId id="383" r:id="rId27"/>
+    <p:sldId id="384" r:id="rId28"/>
+    <p:sldId id="385" r:id="rId29"/>
+    <p:sldId id="377" r:id="rId30"/>
+    <p:sldId id="358" r:id="rId31"/>
+    <p:sldId id="285" r:id="rId32"/>
   </p:sldIdLst>
   <p:sldSz cx="9144000" cy="6858000" type="screen4x3"/>
   <p:notesSz cx="6858000" cy="9144000"/>
@@ -16981,7 +16979,7 @@
           <a:graphicData uri="http://schemas.openxmlformats.org/presentationml/2006/ole">
             <mc:AlternateContent xmlns:mc="http://schemas.openxmlformats.org/markup-compatibility/2006">
               <mc:Choice xmlns:v="urn:schemas-microsoft-com:vml" Requires="v">
-                <p:oleObj spid="_x0000_s146442" name="Visio" r:id="rId3" imgW="9089179" imgH="4645287" progId="Visio.Drawing.11">
+                <p:oleObj spid="_x0000_s146445" name="Visio" r:id="rId3" imgW="9089179" imgH="4645287" progId="Visio.Drawing.11">
                   <p:embed/>
                 </p:oleObj>
               </mc:Choice>
@@ -17298,7 +17296,7 @@
           <a:graphicData uri="http://schemas.openxmlformats.org/presentationml/2006/ole">
             <mc:AlternateContent xmlns:mc="http://schemas.openxmlformats.org/markup-compatibility/2006">
               <mc:Choice xmlns:v="urn:schemas-microsoft-com:vml" Requires="v">
-                <p:oleObj spid="_x0000_s137241" name="Visio" r:id="rId3" imgW="5996197" imgH="8345806" progId="Visio.Drawing.11">
+                <p:oleObj spid="_x0000_s137244" name="Visio" r:id="rId3" imgW="5996197" imgH="8345806" progId="Visio.Drawing.11">
                   <p:embed/>
                 </p:oleObj>
               </mc:Choice>
@@ -17376,332 +17374,6 @@
 </file>
 
 <file path=ppt/slides/slide12.xml><?xml version="1.0" encoding="utf-8"?>
-<p:sld xmlns:a="http://schemas.openxmlformats.org/drawingml/2006/main" xmlns:r="http://schemas.openxmlformats.org/officeDocument/2006/relationships" xmlns:p="http://schemas.openxmlformats.org/presentationml/2006/main">
-  <p:cSld>
-    <p:spTree>
-      <p:nvGrpSpPr>
-        <p:cNvPr id="1" name=""/>
-        <p:cNvGrpSpPr/>
-        <p:nvPr/>
-      </p:nvGrpSpPr>
-      <p:grpSpPr>
-        <a:xfrm>
-          <a:off x="0" y="0"/>
-          <a:ext cx="0" cy="0"/>
-          <a:chOff x="0" y="0"/>
-          <a:chExt cx="0" cy="0"/>
-        </a:xfrm>
-      </p:grpSpPr>
-      <p:sp>
-        <p:nvSpPr>
-          <p:cNvPr id="2" name="Title 1"/>
-          <p:cNvSpPr>
-            <a:spLocks noGrp="1"/>
-          </p:cNvSpPr>
-          <p:nvPr>
-            <p:ph type="title"/>
-          </p:nvPr>
-        </p:nvSpPr>
-        <p:spPr/>
-        <p:txBody>
-          <a:bodyPr/>
-          <a:lstStyle/>
-          <a:p>
-            <a:pPr lvl="0"/>
-            <a:r>
-              <a:rPr lang="en-US" dirty="0" smtClean="0"/>
-              <a:t>Use-case</a:t>
-            </a:r>
-            <a:endParaRPr lang="en-US" dirty="0"/>
-          </a:p>
-        </p:txBody>
-      </p:sp>
-      <p:sp>
-        <p:nvSpPr>
-          <p:cNvPr id="4" name="Rectangle 2"/>
-          <p:cNvSpPr>
-            <a:spLocks noChangeArrowheads="1"/>
-          </p:cNvSpPr>
-          <p:nvPr/>
-        </p:nvSpPr>
-        <p:spPr bwMode="auto">
-          <a:xfrm>
-            <a:off x="0" y="0"/>
-            <a:ext cx="9144000" cy="0"/>
-          </a:xfrm>
-          <a:prstGeom prst="rect">
-            <a:avLst/>
-          </a:prstGeom>
-          <a:noFill/>
-          <a:ln>
-            <a:noFill/>
-          </a:ln>
-          <a:effectLst/>
-          <a:extLst>
-            <a:ext uri="{909E8E84-426E-40DD-AFC4-6F175D3DCCD1}">
-              <a14:hiddenFill xmlns:a14="http://schemas.microsoft.com/office/drawing/2010/main">
-                <a:solidFill>
-                  <a:schemeClr val="accent1"/>
-                </a:solidFill>
-              </a14:hiddenFill>
-            </a:ext>
-            <a:ext uri="{91240B29-F687-4F45-9708-019B960494DF}">
-              <a14:hiddenLine xmlns:a14="http://schemas.microsoft.com/office/drawing/2010/main" w="9525">
-                <a:solidFill>
-                  <a:schemeClr val="tx1"/>
-                </a:solidFill>
-                <a:miter lim="800000"/>
-                <a:headEnd/>
-                <a:tailEnd/>
-              </a14:hiddenLine>
-            </a:ext>
-            <a:ext uri="{AF507438-7753-43E0-B8FC-AC1667EBCBE1}">
-              <a14:hiddenEffects xmlns:a14="http://schemas.microsoft.com/office/drawing/2010/main">
-                <a:effectLst>
-                  <a:outerShdw dist="35921" dir="2700000" algn="ctr" rotWithShape="0">
-                    <a:schemeClr val="bg2"/>
-                  </a:outerShdw>
-                </a:effectLst>
-              </a14:hiddenEffects>
-            </a:ext>
-          </a:extLst>
-        </p:spPr>
-        <p:txBody>
-          <a:bodyPr vert="horz" wrap="none" lIns="91440" tIns="45720" rIns="91440" bIns="45720" numCol="1" anchor="ctr" anchorCtr="0" compatLnSpc="1">
-            <a:prstTxWarp prst="textNoShape">
-              <a:avLst/>
-            </a:prstTxWarp>
-            <a:spAutoFit/>
-          </a:bodyPr>
-          <a:lstStyle/>
-          <a:p>
-            <a:endParaRPr lang="en-US" dirty="0"/>
-          </a:p>
-        </p:txBody>
-      </p:sp>
-      <p:sp>
-        <p:nvSpPr>
-          <p:cNvPr id="3" name="Rectangle 2"/>
-          <p:cNvSpPr>
-            <a:spLocks noChangeArrowheads="1"/>
-          </p:cNvSpPr>
-          <p:nvPr/>
-        </p:nvSpPr>
-        <p:spPr bwMode="auto">
-          <a:xfrm>
-            <a:off x="0" y="0"/>
-            <a:ext cx="9144000" cy="0"/>
-          </a:xfrm>
-          <a:prstGeom prst="rect">
-            <a:avLst/>
-          </a:prstGeom>
-          <a:noFill/>
-          <a:ln>
-            <a:noFill/>
-          </a:ln>
-          <a:effectLst/>
-          <a:extLst>
-            <a:ext uri="{909E8E84-426E-40DD-AFC4-6F175D3DCCD1}">
-              <a14:hiddenFill xmlns:a14="http://schemas.microsoft.com/office/drawing/2010/main">
-                <a:solidFill>
-                  <a:schemeClr val="accent1"/>
-                </a:solidFill>
-              </a14:hiddenFill>
-            </a:ext>
-            <a:ext uri="{91240B29-F687-4F45-9708-019B960494DF}">
-              <a14:hiddenLine xmlns:a14="http://schemas.microsoft.com/office/drawing/2010/main" w="9525">
-                <a:solidFill>
-                  <a:schemeClr val="tx1"/>
-                </a:solidFill>
-                <a:miter lim="800000"/>
-                <a:headEnd/>
-                <a:tailEnd/>
-              </a14:hiddenLine>
-            </a:ext>
-            <a:ext uri="{AF507438-7753-43E0-B8FC-AC1667EBCBE1}">
-              <a14:hiddenEffects xmlns:a14="http://schemas.microsoft.com/office/drawing/2010/main">
-                <a:effectLst>
-                  <a:outerShdw dist="35921" dir="2700000" algn="ctr" rotWithShape="0">
-                    <a:schemeClr val="bg2"/>
-                  </a:outerShdw>
-                </a:effectLst>
-              </a14:hiddenEffects>
-            </a:ext>
-          </a:extLst>
-        </p:spPr>
-        <p:txBody>
-          <a:bodyPr vert="horz" wrap="none" lIns="91440" tIns="45720" rIns="91440" bIns="45720" numCol="1" anchor="ctr" anchorCtr="0" compatLnSpc="1">
-            <a:prstTxWarp prst="textNoShape">
-              <a:avLst/>
-            </a:prstTxWarp>
-            <a:spAutoFit/>
-          </a:bodyPr>
-          <a:lstStyle/>
-          <a:p>
-            <a:endParaRPr lang="en-US"/>
-          </a:p>
-        </p:txBody>
-      </p:sp>
-      <p:pic>
-        <p:nvPicPr>
-          <p:cNvPr id="141313" name="Picture 1"/>
-          <p:cNvPicPr>
-            <a:picLocks noChangeAspect="1" noChangeArrowheads="1"/>
-          </p:cNvPicPr>
-          <p:nvPr/>
-        </p:nvPicPr>
-        <p:blipFill>
-          <a:blip r:embed="rId2" cstate="print">
-            <a:extLst>
-              <a:ext uri="{28A0092B-C50C-407E-A947-70E740481C1C}">
-                <a14:useLocalDpi xmlns:a14="http://schemas.microsoft.com/office/drawing/2010/main" val="0"/>
-              </a:ext>
-            </a:extLst>
-          </a:blip>
-          <a:srcRect/>
-          <a:stretch>
-            <a:fillRect/>
-          </a:stretch>
-        </p:blipFill>
-        <p:spPr bwMode="auto">
-          <a:xfrm>
-            <a:off x="711200" y="1219200"/>
-            <a:ext cx="8153400" cy="10738265"/>
-          </a:xfrm>
-          <a:prstGeom prst="rect">
-            <a:avLst/>
-          </a:prstGeom>
-          <a:noFill/>
-          <a:ln>
-            <a:noFill/>
-          </a:ln>
-          <a:effectLst/>
-          <a:extLst>
-            <a:ext uri="{909E8E84-426E-40DD-AFC4-6F175D3DCCD1}">
-              <a14:hiddenFill xmlns:a14="http://schemas.microsoft.com/office/drawing/2010/main">
-                <a:solidFill>
-                  <a:schemeClr val="accent1"/>
-                </a:solidFill>
-              </a14:hiddenFill>
-            </a:ext>
-            <a:ext uri="{91240B29-F687-4F45-9708-019B960494DF}">
-              <a14:hiddenLine xmlns:a14="http://schemas.microsoft.com/office/drawing/2010/main" w="9525">
-                <a:solidFill>
-                  <a:schemeClr val="tx1"/>
-                </a:solidFill>
-                <a:miter lim="800000"/>
-                <a:headEnd/>
-                <a:tailEnd/>
-              </a14:hiddenLine>
-            </a:ext>
-            <a:ext uri="{AF507438-7753-43E0-B8FC-AC1667EBCBE1}">
-              <a14:hiddenEffects xmlns:a14="http://schemas.microsoft.com/office/drawing/2010/main">
-                <a:effectLst>
-                  <a:outerShdw dist="35921" dir="2700000" algn="ctr" rotWithShape="0">
-                    <a:schemeClr val="bg2"/>
-                  </a:outerShdw>
-                </a:effectLst>
-              </a14:hiddenEffects>
-            </a:ext>
-          </a:extLst>
-        </p:spPr>
-      </p:pic>
-    </p:spTree>
-    <p:extLst>
-      <p:ext uri="{BB962C8B-B14F-4D97-AF65-F5344CB8AC3E}">
-        <p14:creationId xmlns:p14="http://schemas.microsoft.com/office/powerpoint/2010/main" val="932463035"/>
-      </p:ext>
-    </p:extLst>
-  </p:cSld>
-  <p:clrMapOvr>
-    <a:masterClrMapping/>
-  </p:clrMapOvr>
-  <mc:AlternateContent xmlns:mc="http://schemas.openxmlformats.org/markup-compatibility/2006" xmlns:p14="http://schemas.microsoft.com/office/powerpoint/2010/main">
-    <mc:Choice Requires="p14">
-      <p:transition>
-        <p14:flash/>
-      </p:transition>
-    </mc:Choice>
-    <mc:Fallback xmlns="">
-      <p:transition>
-        <p:fade/>
-      </p:transition>
-    </mc:Fallback>
-  </mc:AlternateContent>
-  <p:timing>
-    <p:tnLst>
-      <p:par>
-        <p:cTn id="1" dur="indefinite" restart="never" nodeType="tmRoot">
-          <p:childTnLst>
-            <p:seq concurrent="1" nextAc="seek">
-              <p:cTn id="2" dur="indefinite" nodeType="mainSeq">
-                <p:childTnLst>
-                  <p:par>
-                    <p:cTn id="3" fill="hold">
-                      <p:stCondLst>
-                        <p:cond delay="indefinite"/>
-                      </p:stCondLst>
-                      <p:childTnLst>
-                        <p:par>
-                          <p:cTn id="4" fill="hold">
-                            <p:stCondLst>
-                              <p:cond delay="0"/>
-                            </p:stCondLst>
-                            <p:childTnLst>
-                              <p:par>
-                                <p:cTn id="5" presetID="42" presetClass="path" presetSubtype="0" accel="50000" decel="50000" fill="hold" nodeType="clickEffect">
-                                  <p:stCondLst>
-                                    <p:cond delay="0"/>
-                                  </p:stCondLst>
-                                  <p:childTnLst>
-                                    <p:animMotion origin="layout" path="M 0.00278 -0.77176 L 0.00139 0.02222 " pathEditMode="relative" rAng="0" ptsTypes="AA">
-                                      <p:cBhvr>
-                                        <p:cTn id="6" dur="2000" spd="-100000" fill="hold"/>
-                                        <p:tgtEl>
-                                          <p:spTgt spid="141313"/>
-                                        </p:tgtEl>
-                                        <p:attrNameLst>
-                                          <p:attrName>ppt_x</p:attrName>
-                                          <p:attrName>ppt_y</p:attrName>
-                                        </p:attrNameLst>
-                                      </p:cBhvr>
-                                      <p:rCtr x="-69" y="39699"/>
-                                    </p:animMotion>
-                                  </p:childTnLst>
-                                </p:cTn>
-                              </p:par>
-                            </p:childTnLst>
-                          </p:cTn>
-                        </p:par>
-                      </p:childTnLst>
-                    </p:cTn>
-                  </p:par>
-                </p:childTnLst>
-              </p:cTn>
-              <p:prevCondLst>
-                <p:cond evt="onPrev" delay="0">
-                  <p:tgtEl>
-                    <p:sldTgt/>
-                  </p:tgtEl>
-                </p:cond>
-              </p:prevCondLst>
-              <p:nextCondLst>
-                <p:cond evt="onNext" delay="0">
-                  <p:tgtEl>
-                    <p:sldTgt/>
-                  </p:tgtEl>
-                </p:cond>
-              </p:nextCondLst>
-            </p:seq>
-          </p:childTnLst>
-        </p:cTn>
-      </p:par>
-    </p:tnLst>
-  </p:timing>
-</p:sld>
-</file>
-
-<file path=ppt/slides/slide13.xml><?xml version="1.0" encoding="utf-8"?>
 <p:sld xmlns:a="http://schemas.openxmlformats.org/drawingml/2006/main" xmlns:r="http://schemas.openxmlformats.org/officeDocument/2006/relationships" xmlns:p="http://schemas.openxmlformats.org/presentationml/2006/main">
   <p:cSld>
     <p:spTree>
@@ -18970,7 +18642,7 @@
 </p:sld>
 </file>
 
-<file path=ppt/slides/slide14.xml><?xml version="1.0" encoding="utf-8"?>
+<file path=ppt/slides/slide13.xml><?xml version="1.0" encoding="utf-8"?>
 <p:sld xmlns:a="http://schemas.openxmlformats.org/drawingml/2006/main" xmlns:r="http://schemas.openxmlformats.org/officeDocument/2006/relationships" xmlns:p="http://schemas.openxmlformats.org/presentationml/2006/main">
   <p:cSld>
     <p:spTree>
@@ -20717,7 +20389,7 @@
 </p:sld>
 </file>
 
-<file path=ppt/slides/slide15.xml><?xml version="1.0" encoding="utf-8"?>
+<file path=ppt/slides/slide14.xml><?xml version="1.0" encoding="utf-8"?>
 <p:sld xmlns:a="http://schemas.openxmlformats.org/drawingml/2006/main" xmlns:r="http://schemas.openxmlformats.org/officeDocument/2006/relationships" xmlns:p="http://schemas.openxmlformats.org/presentationml/2006/main">
   <p:cSld>
     <p:spTree>
@@ -20938,7 +20610,7 @@
 </p:sld>
 </file>
 
-<file path=ppt/slides/slide16.xml><?xml version="1.0" encoding="utf-8"?>
+<file path=ppt/slides/slide15.xml><?xml version="1.0" encoding="utf-8"?>
 <p:sld xmlns:a="http://schemas.openxmlformats.org/drawingml/2006/main" xmlns:r="http://schemas.openxmlformats.org/officeDocument/2006/relationships" xmlns:p="http://schemas.openxmlformats.org/presentationml/2006/main">
   <p:cSld>
     <p:spTree>
@@ -23223,7 +22895,7 @@
 </p:sld>
 </file>
 
-<file path=ppt/slides/slide17.xml><?xml version="1.0" encoding="utf-8"?>
+<file path=ppt/slides/slide16.xml><?xml version="1.0" encoding="utf-8"?>
 <p:sld xmlns:a="http://schemas.openxmlformats.org/drawingml/2006/main" xmlns:r="http://schemas.openxmlformats.org/officeDocument/2006/relationships" xmlns:p="http://schemas.openxmlformats.org/presentationml/2006/main">
   <p:cSld>
     <p:spTree>
@@ -24584,7 +24256,7 @@
 </p:sld>
 </file>
 
-<file path=ppt/slides/slide18.xml><?xml version="1.0" encoding="utf-8"?>
+<file path=ppt/slides/slide17.xml><?xml version="1.0" encoding="utf-8"?>
 <p:sld xmlns:a="http://schemas.openxmlformats.org/drawingml/2006/main" xmlns:r="http://schemas.openxmlformats.org/officeDocument/2006/relationships" xmlns:p="http://schemas.openxmlformats.org/presentationml/2006/main">
   <p:cSld>
     <p:spTree>
@@ -26112,7 +25784,7 @@
 </p:sld>
 </file>
 
-<file path=ppt/slides/slide19.xml><?xml version="1.0" encoding="utf-8"?>
+<file path=ppt/slides/slide18.xml><?xml version="1.0" encoding="utf-8"?>
 <p:sld xmlns:a="http://schemas.openxmlformats.org/drawingml/2006/main" xmlns:r="http://schemas.openxmlformats.org/officeDocument/2006/relationships" xmlns:p="http://schemas.openxmlformats.org/presentationml/2006/main">
   <p:cSld>
     <p:spTree>
@@ -27484,6 +27156,1488 @@
         <p:spPr bwMode="auto">
           <a:xfrm>
             <a:off x="2438400" y="1858963"/>
+            <a:ext cx="9144000" cy="457200"/>
+          </a:xfrm>
+          <a:prstGeom prst="rect">
+            <a:avLst/>
+          </a:prstGeom>
+          <a:noFill/>
+          <a:ln>
+            <a:noFill/>
+          </a:ln>
+          <a:effectLst/>
+          <a:extLst>
+            <a:ext uri="{909E8E84-426E-40DD-AFC4-6F175D3DCCD1}">
+              <a14:hiddenFill xmlns:a14="http://schemas.microsoft.com/office/drawing/2010/main">
+                <a:solidFill>
+                  <a:schemeClr val="accent1"/>
+                </a:solidFill>
+              </a14:hiddenFill>
+            </a:ext>
+            <a:ext uri="{91240B29-F687-4F45-9708-019B960494DF}">
+              <a14:hiddenLine xmlns:a14="http://schemas.microsoft.com/office/drawing/2010/main" w="9525">
+                <a:solidFill>
+                  <a:schemeClr val="tx1"/>
+                </a:solidFill>
+                <a:miter lim="800000"/>
+                <a:headEnd/>
+                <a:tailEnd/>
+              </a14:hiddenLine>
+            </a:ext>
+            <a:ext uri="{AF507438-7753-43E0-B8FC-AC1667EBCBE1}">
+              <a14:hiddenEffects xmlns:a14="http://schemas.microsoft.com/office/drawing/2010/main">
+                <a:effectLst>
+                  <a:outerShdw dist="35921" dir="2700000" algn="ctr" rotWithShape="0">
+                    <a:schemeClr val="bg2"/>
+                  </a:outerShdw>
+                </a:effectLst>
+              </a14:hiddenEffects>
+            </a:ext>
+          </a:extLst>
+        </p:spPr>
+        <p:txBody>
+          <a:bodyPr vert="horz" wrap="none" lIns="91440" tIns="45720" rIns="91440" bIns="45720" numCol="1" anchor="ctr" anchorCtr="0" compatLnSpc="1">
+            <a:prstTxWarp prst="textNoShape">
+              <a:avLst/>
+            </a:prstTxWarp>
+            <a:spAutoFit/>
+          </a:bodyPr>
+          <a:lstStyle/>
+          <a:p>
+            <a:pPr marL="0" marR="0" lvl="0" indent="0" algn="l" defTabSz="914400" rtl="0" eaLnBrk="1" fontAlgn="base" latinLnBrk="0" hangingPunct="1">
+              <a:lnSpc>
+                <a:spcPct val="100000"/>
+              </a:lnSpc>
+              <a:spcBef>
+                <a:spcPct val="0"/>
+              </a:spcBef>
+              <a:spcAft>
+                <a:spcPct val="0"/>
+              </a:spcAft>
+              <a:buClrTx/>
+              <a:buSzTx/>
+              <a:buFontTx/>
+              <a:buNone/>
+              <a:tabLst/>
+            </a:pPr>
+            <a:endParaRPr kumimoji="0" lang="en-US" sz="1800" b="0" i="0" u="none" strike="noStrike" cap="none" normalizeH="0" baseline="0" smtClean="0">
+              <a:ln>
+                <a:noFill/>
+              </a:ln>
+              <a:solidFill>
+                <a:schemeClr val="tx1"/>
+              </a:solidFill>
+              <a:effectLst/>
+              <a:latin typeface="Arial" pitchFamily="34" charset="0"/>
+              <a:cs typeface="Arial" pitchFamily="34" charset="0"/>
+            </a:endParaRPr>
+          </a:p>
+        </p:txBody>
+      </p:sp>
+    </p:spTree>
+    <p:extLst>
+      <p:ext uri="{BB962C8B-B14F-4D97-AF65-F5344CB8AC3E}">
+        <p14:creationId xmlns:p14="http://schemas.microsoft.com/office/powerpoint/2010/main" val="3927922261"/>
+      </p:ext>
+    </p:extLst>
+  </p:cSld>
+  <p:clrMapOvr>
+    <a:masterClrMapping/>
+  </p:clrMapOvr>
+  <mc:AlternateContent xmlns:mc="http://schemas.openxmlformats.org/markup-compatibility/2006" xmlns:p14="http://schemas.microsoft.com/office/powerpoint/2010/main">
+    <mc:Choice Requires="p14">
+      <p:transition>
+        <p14:flash/>
+      </p:transition>
+    </mc:Choice>
+    <mc:Fallback xmlns="">
+      <p:transition>
+        <p:fade/>
+      </p:transition>
+    </mc:Fallback>
+  </mc:AlternateContent>
+  <p:timing>
+    <p:tnLst>
+      <p:par>
+        <p:cTn id="1" dur="indefinite" restart="never" nodeType="tmRoot"/>
+      </p:par>
+    </p:tnLst>
+  </p:timing>
+</p:sld>
+</file>
+
+<file path=ppt/slides/slide19.xml><?xml version="1.0" encoding="utf-8"?>
+<p:sld xmlns:a="http://schemas.openxmlformats.org/drawingml/2006/main" xmlns:r="http://schemas.openxmlformats.org/officeDocument/2006/relationships" xmlns:p="http://schemas.openxmlformats.org/presentationml/2006/main">
+  <p:cSld>
+    <p:spTree>
+      <p:nvGrpSpPr>
+        <p:cNvPr id="1" name=""/>
+        <p:cNvGrpSpPr/>
+        <p:nvPr/>
+      </p:nvGrpSpPr>
+      <p:grpSpPr>
+        <a:xfrm>
+          <a:off x="0" y="0"/>
+          <a:ext cx="0" cy="0"/>
+          <a:chOff x="0" y="0"/>
+          <a:chExt cx="0" cy="0"/>
+        </a:xfrm>
+      </p:grpSpPr>
+      <p:sp>
+        <p:nvSpPr>
+          <p:cNvPr id="2" name="Title 1"/>
+          <p:cNvSpPr>
+            <a:spLocks noGrp="1"/>
+          </p:cNvSpPr>
+          <p:nvPr>
+            <p:ph type="title"/>
+          </p:nvPr>
+        </p:nvSpPr>
+        <p:spPr/>
+        <p:txBody>
+          <a:bodyPr/>
+          <a:lstStyle/>
+          <a:p>
+            <a:pPr lvl="0"/>
+            <a:r>
+              <a:rPr lang="en-US" dirty="0" smtClean="0"/>
+              <a:t>Quality Attribute Scenarios</a:t>
+            </a:r>
+            <a:endParaRPr lang="en-US" dirty="0"/>
+          </a:p>
+        </p:txBody>
+      </p:sp>
+      <p:sp>
+        <p:nvSpPr>
+          <p:cNvPr id="4" name="Rectangle 2"/>
+          <p:cNvSpPr>
+            <a:spLocks noChangeArrowheads="1"/>
+          </p:cNvSpPr>
+          <p:nvPr/>
+        </p:nvSpPr>
+        <p:spPr bwMode="auto">
+          <a:xfrm>
+            <a:off x="0" y="0"/>
+            <a:ext cx="9144000" cy="0"/>
+          </a:xfrm>
+          <a:prstGeom prst="rect">
+            <a:avLst/>
+          </a:prstGeom>
+          <a:noFill/>
+          <a:ln>
+            <a:noFill/>
+          </a:ln>
+          <a:effectLst/>
+          <a:extLst>
+            <a:ext uri="{909E8E84-426E-40DD-AFC4-6F175D3DCCD1}">
+              <a14:hiddenFill xmlns:a14="http://schemas.microsoft.com/office/drawing/2010/main">
+                <a:solidFill>
+                  <a:schemeClr val="accent1"/>
+                </a:solidFill>
+              </a14:hiddenFill>
+            </a:ext>
+            <a:ext uri="{91240B29-F687-4F45-9708-019B960494DF}">
+              <a14:hiddenLine xmlns:a14="http://schemas.microsoft.com/office/drawing/2010/main" w="9525">
+                <a:solidFill>
+                  <a:schemeClr val="tx1"/>
+                </a:solidFill>
+                <a:miter lim="800000"/>
+                <a:headEnd/>
+                <a:tailEnd/>
+              </a14:hiddenLine>
+            </a:ext>
+            <a:ext uri="{AF507438-7753-43E0-B8FC-AC1667EBCBE1}">
+              <a14:hiddenEffects xmlns:a14="http://schemas.microsoft.com/office/drawing/2010/main">
+                <a:effectLst>
+                  <a:outerShdw dist="35921" dir="2700000" algn="ctr" rotWithShape="0">
+                    <a:schemeClr val="bg2"/>
+                  </a:outerShdw>
+                </a:effectLst>
+              </a14:hiddenEffects>
+            </a:ext>
+          </a:extLst>
+        </p:spPr>
+        <p:txBody>
+          <a:bodyPr vert="horz" wrap="none" lIns="91440" tIns="45720" rIns="91440" bIns="45720" numCol="1" anchor="ctr" anchorCtr="0" compatLnSpc="1">
+            <a:prstTxWarp prst="textNoShape">
+              <a:avLst/>
+            </a:prstTxWarp>
+            <a:spAutoFit/>
+          </a:bodyPr>
+          <a:lstStyle/>
+          <a:p>
+            <a:endParaRPr lang="en-US" dirty="0"/>
+          </a:p>
+        </p:txBody>
+      </p:sp>
+      <p:sp>
+        <p:nvSpPr>
+          <p:cNvPr id="3" name="Rectangle 2"/>
+          <p:cNvSpPr>
+            <a:spLocks noChangeArrowheads="1"/>
+          </p:cNvSpPr>
+          <p:nvPr/>
+        </p:nvSpPr>
+        <p:spPr bwMode="auto">
+          <a:xfrm>
+            <a:off x="0" y="0"/>
+            <a:ext cx="9144000" cy="0"/>
+          </a:xfrm>
+          <a:prstGeom prst="rect">
+            <a:avLst/>
+          </a:prstGeom>
+          <a:noFill/>
+          <a:ln>
+            <a:noFill/>
+          </a:ln>
+          <a:effectLst/>
+          <a:extLst>
+            <a:ext uri="{909E8E84-426E-40DD-AFC4-6F175D3DCCD1}">
+              <a14:hiddenFill xmlns:a14="http://schemas.microsoft.com/office/drawing/2010/main">
+                <a:solidFill>
+                  <a:schemeClr val="accent1"/>
+                </a:solidFill>
+              </a14:hiddenFill>
+            </a:ext>
+            <a:ext uri="{91240B29-F687-4F45-9708-019B960494DF}">
+              <a14:hiddenLine xmlns:a14="http://schemas.microsoft.com/office/drawing/2010/main" w="9525">
+                <a:solidFill>
+                  <a:schemeClr val="tx1"/>
+                </a:solidFill>
+                <a:miter lim="800000"/>
+                <a:headEnd/>
+                <a:tailEnd/>
+              </a14:hiddenLine>
+            </a:ext>
+            <a:ext uri="{AF507438-7753-43E0-B8FC-AC1667EBCBE1}">
+              <a14:hiddenEffects xmlns:a14="http://schemas.microsoft.com/office/drawing/2010/main">
+                <a:effectLst>
+                  <a:outerShdw dist="35921" dir="2700000" algn="ctr" rotWithShape="0">
+                    <a:schemeClr val="bg2"/>
+                  </a:outerShdw>
+                </a:effectLst>
+              </a14:hiddenEffects>
+            </a:ext>
+          </a:extLst>
+        </p:spPr>
+        <p:txBody>
+          <a:bodyPr vert="horz" wrap="none" lIns="91440" tIns="45720" rIns="91440" bIns="45720" numCol="1" anchor="ctr" anchorCtr="0" compatLnSpc="1">
+            <a:prstTxWarp prst="textNoShape">
+              <a:avLst/>
+            </a:prstTxWarp>
+            <a:spAutoFit/>
+          </a:bodyPr>
+          <a:lstStyle/>
+          <a:p>
+            <a:endParaRPr lang="en-US"/>
+          </a:p>
+        </p:txBody>
+      </p:sp>
+      <p:sp>
+        <p:nvSpPr>
+          <p:cNvPr id="7" name="Rectangle 1"/>
+          <p:cNvSpPr>
+            <a:spLocks noChangeArrowheads="1"/>
+          </p:cNvSpPr>
+          <p:nvPr/>
+        </p:nvSpPr>
+        <p:spPr bwMode="auto">
+          <a:xfrm>
+            <a:off x="2438400" y="1754188"/>
+            <a:ext cx="9144000" cy="457200"/>
+          </a:xfrm>
+          <a:prstGeom prst="rect">
+            <a:avLst/>
+          </a:prstGeom>
+          <a:noFill/>
+          <a:ln>
+            <a:noFill/>
+          </a:ln>
+          <a:effectLst/>
+          <a:extLst>
+            <a:ext uri="{909E8E84-426E-40DD-AFC4-6F175D3DCCD1}">
+              <a14:hiddenFill xmlns:a14="http://schemas.microsoft.com/office/drawing/2010/main">
+                <a:solidFill>
+                  <a:schemeClr val="accent1"/>
+                </a:solidFill>
+              </a14:hiddenFill>
+            </a:ext>
+            <a:ext uri="{91240B29-F687-4F45-9708-019B960494DF}">
+              <a14:hiddenLine xmlns:a14="http://schemas.microsoft.com/office/drawing/2010/main" w="9525">
+                <a:solidFill>
+                  <a:schemeClr val="tx1"/>
+                </a:solidFill>
+                <a:miter lim="800000"/>
+                <a:headEnd/>
+                <a:tailEnd/>
+              </a14:hiddenLine>
+            </a:ext>
+            <a:ext uri="{AF507438-7753-43E0-B8FC-AC1667EBCBE1}">
+              <a14:hiddenEffects xmlns:a14="http://schemas.microsoft.com/office/drawing/2010/main">
+                <a:effectLst>
+                  <a:outerShdw dist="35921" dir="2700000" algn="ctr" rotWithShape="0">
+                    <a:schemeClr val="bg2"/>
+                  </a:outerShdw>
+                </a:effectLst>
+              </a14:hiddenEffects>
+            </a:ext>
+          </a:extLst>
+        </p:spPr>
+        <p:txBody>
+          <a:bodyPr vert="horz" wrap="none" lIns="91440" tIns="45720" rIns="91440" bIns="45720" numCol="1" anchor="ctr" anchorCtr="0" compatLnSpc="1">
+            <a:prstTxWarp prst="textNoShape">
+              <a:avLst/>
+            </a:prstTxWarp>
+            <a:spAutoFit/>
+          </a:bodyPr>
+          <a:lstStyle/>
+          <a:p>
+            <a:pPr marL="0" marR="0" lvl="0" indent="0" algn="l" defTabSz="914400" rtl="0" eaLnBrk="1" fontAlgn="base" latinLnBrk="0" hangingPunct="1">
+              <a:lnSpc>
+                <a:spcPct val="100000"/>
+              </a:lnSpc>
+              <a:spcBef>
+                <a:spcPct val="0"/>
+              </a:spcBef>
+              <a:spcAft>
+                <a:spcPct val="0"/>
+              </a:spcAft>
+              <a:buClrTx/>
+              <a:buSzTx/>
+              <a:buFontTx/>
+              <a:buNone/>
+              <a:tabLst/>
+            </a:pPr>
+            <a:endParaRPr kumimoji="0" lang="en-US" sz="1800" b="0" i="0" u="none" strike="noStrike" cap="none" normalizeH="0" baseline="0" smtClean="0">
+              <a:ln>
+                <a:noFill/>
+              </a:ln>
+              <a:solidFill>
+                <a:schemeClr val="tx1"/>
+              </a:solidFill>
+              <a:effectLst/>
+              <a:latin typeface="Arial" pitchFamily="34" charset="0"/>
+              <a:cs typeface="Arial" pitchFamily="34" charset="0"/>
+            </a:endParaRPr>
+          </a:p>
+        </p:txBody>
+      </p:sp>
+      <p:graphicFrame>
+        <p:nvGraphicFramePr>
+          <p:cNvPr id="5" name="Table 4"/>
+          <p:cNvGraphicFramePr>
+            <a:graphicFrameLocks noGrp="1"/>
+          </p:cNvGraphicFramePr>
+          <p:nvPr>
+            <p:extLst>
+              <p:ext uri="{D42A27DB-BD31-4B8C-83A1-F6EECF244321}">
+                <p14:modId xmlns:p14="http://schemas.microsoft.com/office/powerpoint/2010/main" val="309613149"/>
+              </p:ext>
+            </p:extLst>
+          </p:nvPr>
+        </p:nvGraphicFramePr>
+        <p:xfrm>
+          <a:off x="325678" y="1219200"/>
+          <a:ext cx="8492644" cy="5274523"/>
+        </p:xfrm>
+        <a:graphic>
+          <a:graphicData uri="http://schemas.openxmlformats.org/drawingml/2006/table">
+            <a:tbl>
+              <a:tblPr firstRow="1" firstCol="1" bandRow="1">
+                <a:tableStyleId>{5A111915-BE36-4E01-A7E5-04B1672EAD32}</a:tableStyleId>
+              </a:tblPr>
+              <a:tblGrid>
+                <a:gridCol w="3436113"/>
+                <a:gridCol w="368854"/>
+                <a:gridCol w="1365343"/>
+                <a:gridCol w="3322334"/>
+              </a:tblGrid>
+              <a:tr h="291228">
+                <a:tc rowSpan="2" gridSpan="2">
+                  <a:txBody>
+                    <a:bodyPr/>
+                    <a:lstStyle/>
+                    <a:p>
+                      <a:pPr marL="0" marR="0">
+                        <a:lnSpc>
+                          <a:spcPct val="115000"/>
+                        </a:lnSpc>
+                        <a:spcBef>
+                          <a:spcPts val="0"/>
+                        </a:spcBef>
+                        <a:spcAft>
+                          <a:spcPts val="0"/>
+                        </a:spcAft>
+                      </a:pPr>
+                      <a:r>
+                        <a:rPr lang="en-US" sz="1800" dirty="0">
+                          <a:solidFill>
+                            <a:schemeClr val="accent5">
+                              <a:lumMod val="25000"/>
+                            </a:schemeClr>
+                          </a:solidFill>
+                          <a:effectLst/>
+                          <a:latin typeface="+mj-lt"/>
+                        </a:rPr>
+                        <a:t>Title of scenario: Block unauthorized access</a:t>
+                      </a:r>
+                      <a:endParaRPr lang="en-US" sz="1800" dirty="0">
+                        <a:solidFill>
+                          <a:schemeClr val="accent5">
+                            <a:lumMod val="25000"/>
+                          </a:schemeClr>
+                        </a:solidFill>
+                        <a:effectLst/>
+                        <a:latin typeface="+mj-lt"/>
+                        <a:ea typeface="Calibri"/>
+                        <a:cs typeface="Times New Roman"/>
+                      </a:endParaRPr>
+                    </a:p>
+                  </a:txBody>
+                  <a:tcPr marL="68580" marR="68580" marT="0" marB="0"/>
+                </a:tc>
+                <a:tc rowSpan="2" hMerge="1">
+                  <a:txBody>
+                    <a:bodyPr/>
+                    <a:lstStyle/>
+                    <a:p>
+                      <a:endParaRPr lang="en-US"/>
+                    </a:p>
+                  </a:txBody>
+                  <a:tcPr/>
+                </a:tc>
+                <a:tc rowSpan="2">
+                  <a:txBody>
+                    <a:bodyPr/>
+                    <a:lstStyle/>
+                    <a:p>
+                      <a:pPr marL="0" marR="0">
+                        <a:lnSpc>
+                          <a:spcPct val="115000"/>
+                        </a:lnSpc>
+                        <a:spcBef>
+                          <a:spcPts val="0"/>
+                        </a:spcBef>
+                        <a:spcAft>
+                          <a:spcPts val="0"/>
+                        </a:spcAft>
+                      </a:pPr>
+                      <a:r>
+                        <a:rPr lang="en-US" sz="1800">
+                          <a:solidFill>
+                            <a:schemeClr val="accent5">
+                              <a:lumMod val="25000"/>
+                            </a:schemeClr>
+                          </a:solidFill>
+                          <a:effectLst/>
+                          <a:latin typeface="+mj-lt"/>
+                        </a:rPr>
+                        <a:t>ID: QAS5</a:t>
+                      </a:r>
+                      <a:endParaRPr lang="en-US" sz="1800">
+                        <a:solidFill>
+                          <a:schemeClr val="accent5">
+                            <a:lumMod val="25000"/>
+                          </a:schemeClr>
+                        </a:solidFill>
+                        <a:effectLst/>
+                        <a:latin typeface="+mj-lt"/>
+                        <a:ea typeface="Calibri"/>
+                        <a:cs typeface="Times New Roman"/>
+                      </a:endParaRPr>
+                    </a:p>
+                  </a:txBody>
+                  <a:tcPr marL="68580" marR="68580" marT="0" marB="0"/>
+                </a:tc>
+                <a:tc>
+                  <a:txBody>
+                    <a:bodyPr/>
+                    <a:lstStyle/>
+                    <a:p>
+                      <a:pPr marL="0" marR="0">
+                        <a:lnSpc>
+                          <a:spcPct val="115000"/>
+                        </a:lnSpc>
+                        <a:spcBef>
+                          <a:spcPts val="0"/>
+                        </a:spcBef>
+                        <a:spcAft>
+                          <a:spcPts val="0"/>
+                        </a:spcAft>
+                      </a:pPr>
+                      <a:r>
+                        <a:rPr lang="en-US" sz="1800" dirty="0">
+                          <a:solidFill>
+                            <a:schemeClr val="accent5">
+                              <a:lumMod val="25000"/>
+                            </a:schemeClr>
+                          </a:solidFill>
+                          <a:effectLst/>
+                          <a:latin typeface="+mj-lt"/>
+                        </a:rPr>
+                        <a:t>Version: 1.1</a:t>
+                      </a:r>
+                      <a:endParaRPr lang="en-US" sz="1800" dirty="0">
+                        <a:solidFill>
+                          <a:schemeClr val="accent5">
+                            <a:lumMod val="25000"/>
+                          </a:schemeClr>
+                        </a:solidFill>
+                        <a:effectLst/>
+                        <a:latin typeface="+mj-lt"/>
+                        <a:ea typeface="Calibri"/>
+                        <a:cs typeface="Times New Roman"/>
+                      </a:endParaRPr>
+                    </a:p>
+                  </a:txBody>
+                  <a:tcPr marL="68580" marR="68580" marT="0" marB="0"/>
+                </a:tc>
+              </a:tr>
+              <a:tr h="552989">
+                <a:tc gridSpan="2" vMerge="1">
+                  <a:txBody>
+                    <a:bodyPr/>
+                    <a:lstStyle/>
+                    <a:p>
+                      <a:endParaRPr lang="en-US"/>
+                    </a:p>
+                  </a:txBody>
+                  <a:tcPr/>
+                </a:tc>
+                <a:tc hMerge="1" vMerge="1">
+                  <a:txBody>
+                    <a:bodyPr/>
+                    <a:lstStyle/>
+                    <a:p>
+                      <a:endParaRPr lang="en-US"/>
+                    </a:p>
+                  </a:txBody>
+                  <a:tcPr/>
+                </a:tc>
+                <a:tc vMerge="1">
+                  <a:txBody>
+                    <a:bodyPr/>
+                    <a:lstStyle/>
+                    <a:p>
+                      <a:endParaRPr lang="en-US"/>
+                    </a:p>
+                  </a:txBody>
+                  <a:tcPr/>
+                </a:tc>
+                <a:tc>
+                  <a:txBody>
+                    <a:bodyPr/>
+                    <a:lstStyle/>
+                    <a:p>
+                      <a:pPr marL="0" marR="0">
+                        <a:lnSpc>
+                          <a:spcPct val="115000"/>
+                        </a:lnSpc>
+                        <a:spcBef>
+                          <a:spcPts val="0"/>
+                        </a:spcBef>
+                        <a:spcAft>
+                          <a:spcPts val="0"/>
+                        </a:spcAft>
+                      </a:pPr>
+                      <a:r>
+                        <a:rPr lang="en-US" sz="1800" dirty="0">
+                          <a:effectLst/>
+                          <a:latin typeface="+mj-lt"/>
+                        </a:rPr>
+                        <a:t>Last Changed: 04/07/2012</a:t>
+                      </a:r>
+                      <a:endParaRPr lang="en-US" sz="1800" dirty="0">
+                        <a:effectLst/>
+                        <a:latin typeface="+mj-lt"/>
+                        <a:ea typeface="Calibri"/>
+                        <a:cs typeface="Times New Roman"/>
+                      </a:endParaRPr>
+                    </a:p>
+                  </a:txBody>
+                  <a:tcPr marL="68580" marR="68580" marT="0" marB="0"/>
+                </a:tc>
+              </a:tr>
+              <a:tr h="537331">
+                <a:tc gridSpan="2">
+                  <a:txBody>
+                    <a:bodyPr/>
+                    <a:lstStyle/>
+                    <a:p>
+                      <a:pPr marL="0" marR="0">
+                        <a:lnSpc>
+                          <a:spcPct val="115000"/>
+                        </a:lnSpc>
+                        <a:spcBef>
+                          <a:spcPts val="0"/>
+                        </a:spcBef>
+                        <a:spcAft>
+                          <a:spcPts val="0"/>
+                        </a:spcAft>
+                      </a:pPr>
+                      <a:r>
+                        <a:rPr lang="en-US" sz="1800">
+                          <a:effectLst/>
+                          <a:latin typeface="+mj-lt"/>
+                        </a:rPr>
+                        <a:t>Quality attribute: Security</a:t>
+                      </a:r>
+                      <a:endParaRPr lang="en-US" sz="1800">
+                        <a:effectLst/>
+                        <a:latin typeface="+mj-lt"/>
+                        <a:ea typeface="Calibri"/>
+                        <a:cs typeface="Times New Roman"/>
+                      </a:endParaRPr>
+                    </a:p>
+                  </a:txBody>
+                  <a:tcPr marL="68580" marR="68580" marT="0" marB="0"/>
+                </a:tc>
+                <a:tc hMerge="1">
+                  <a:txBody>
+                    <a:bodyPr/>
+                    <a:lstStyle/>
+                    <a:p>
+                      <a:endParaRPr lang="en-US"/>
+                    </a:p>
+                  </a:txBody>
+                  <a:tcPr/>
+                </a:tc>
+                <a:tc gridSpan="2">
+                  <a:txBody>
+                    <a:bodyPr/>
+                    <a:lstStyle/>
+                    <a:p>
+                      <a:pPr marL="0" marR="0">
+                        <a:lnSpc>
+                          <a:spcPct val="115000"/>
+                        </a:lnSpc>
+                        <a:spcBef>
+                          <a:spcPts val="0"/>
+                        </a:spcBef>
+                        <a:spcAft>
+                          <a:spcPts val="0"/>
+                        </a:spcAft>
+                      </a:pPr>
+                      <a:r>
+                        <a:rPr lang="en-US" sz="1800">
+                          <a:effectLst/>
+                          <a:latin typeface="+mj-lt"/>
+                        </a:rPr>
+                        <a:t>Characterization ID: QA1</a:t>
+                      </a:r>
+                      <a:endParaRPr lang="en-US" sz="1800">
+                        <a:effectLst/>
+                        <a:latin typeface="+mj-lt"/>
+                        <a:ea typeface="Calibri"/>
+                        <a:cs typeface="Times New Roman"/>
+                      </a:endParaRPr>
+                    </a:p>
+                  </a:txBody>
+                  <a:tcPr marL="68580" marR="68580" marT="0" marB="0"/>
+                </a:tc>
+                <a:tc hMerge="1">
+                  <a:txBody>
+                    <a:bodyPr/>
+                    <a:lstStyle/>
+                    <a:p>
+                      <a:endParaRPr lang="en-US"/>
+                    </a:p>
+                  </a:txBody>
+                  <a:tcPr/>
+                </a:tc>
+              </a:tr>
+              <a:tr h="582456">
+                <a:tc gridSpan="4">
+                  <a:txBody>
+                    <a:bodyPr/>
+                    <a:lstStyle/>
+                    <a:p>
+                      <a:pPr marL="0" marR="0">
+                        <a:lnSpc>
+                          <a:spcPct val="115000"/>
+                        </a:lnSpc>
+                        <a:spcBef>
+                          <a:spcPts val="0"/>
+                        </a:spcBef>
+                        <a:spcAft>
+                          <a:spcPts val="0"/>
+                        </a:spcAft>
+                      </a:pPr>
+                      <a:r>
+                        <a:rPr lang="en-US" sz="1800">
+                          <a:effectLst/>
+                          <a:latin typeface="+mj-lt"/>
+                        </a:rPr>
+                        <a:t>Describe stakeholder role proposing the description: Cashier, manager, staff</a:t>
+                      </a:r>
+                      <a:endParaRPr lang="en-US" sz="1800">
+                        <a:effectLst/>
+                        <a:latin typeface="+mj-lt"/>
+                        <a:ea typeface="Calibri"/>
+                        <a:cs typeface="Times New Roman"/>
+                      </a:endParaRPr>
+                    </a:p>
+                  </a:txBody>
+                  <a:tcPr marL="68580" marR="68580" marT="0" marB="0"/>
+                </a:tc>
+                <a:tc hMerge="1">
+                  <a:txBody>
+                    <a:bodyPr/>
+                    <a:lstStyle/>
+                    <a:p>
+                      <a:endParaRPr lang="en-US"/>
+                    </a:p>
+                  </a:txBody>
+                  <a:tcPr/>
+                </a:tc>
+                <a:tc hMerge="1">
+                  <a:txBody>
+                    <a:bodyPr/>
+                    <a:lstStyle/>
+                    <a:p>
+                      <a:endParaRPr lang="en-US"/>
+                    </a:p>
+                  </a:txBody>
+                  <a:tcPr/>
+                </a:tc>
+                <a:tc hMerge="1">
+                  <a:txBody>
+                    <a:bodyPr/>
+                    <a:lstStyle/>
+                    <a:p>
+                      <a:endParaRPr lang="en-US"/>
+                    </a:p>
+                  </a:txBody>
+                  <a:tcPr/>
+                </a:tc>
+              </a:tr>
+              <a:tr h="353002">
+                <a:tc>
+                  <a:txBody>
+                    <a:bodyPr/>
+                    <a:lstStyle/>
+                    <a:p>
+                      <a:pPr marL="0" marR="0">
+                        <a:lnSpc>
+                          <a:spcPct val="115000"/>
+                        </a:lnSpc>
+                        <a:spcBef>
+                          <a:spcPts val="0"/>
+                        </a:spcBef>
+                        <a:spcAft>
+                          <a:spcPts val="0"/>
+                        </a:spcAft>
+                      </a:pPr>
+                      <a:r>
+                        <a:rPr lang="en-US" sz="1800">
+                          <a:effectLst/>
+                          <a:latin typeface="+mj-lt"/>
+                        </a:rPr>
+                        <a:t>Source(s) of the stimulus</a:t>
+                      </a:r>
+                      <a:endParaRPr lang="en-US" sz="1800">
+                        <a:effectLst/>
+                        <a:latin typeface="+mj-lt"/>
+                        <a:ea typeface="Calibri"/>
+                        <a:cs typeface="Times New Roman"/>
+                      </a:endParaRPr>
+                    </a:p>
+                  </a:txBody>
+                  <a:tcPr marL="68580" marR="68580" marT="0" marB="0"/>
+                </a:tc>
+                <a:tc gridSpan="3">
+                  <a:txBody>
+                    <a:bodyPr/>
+                    <a:lstStyle/>
+                    <a:p>
+                      <a:pPr marL="0" marR="0">
+                        <a:lnSpc>
+                          <a:spcPct val="115000"/>
+                        </a:lnSpc>
+                        <a:spcBef>
+                          <a:spcPts val="0"/>
+                        </a:spcBef>
+                        <a:spcAft>
+                          <a:spcPts val="0"/>
+                        </a:spcAft>
+                      </a:pPr>
+                      <a:r>
+                        <a:rPr lang="en-US" sz="1800">
+                          <a:effectLst/>
+                          <a:latin typeface="+mj-lt"/>
+                        </a:rPr>
+                        <a:t>unknown identity </a:t>
+                      </a:r>
+                      <a:endParaRPr lang="en-US" sz="1800">
+                        <a:effectLst/>
+                        <a:latin typeface="+mj-lt"/>
+                        <a:ea typeface="Calibri"/>
+                        <a:cs typeface="Times New Roman"/>
+                      </a:endParaRPr>
+                    </a:p>
+                  </a:txBody>
+                  <a:tcPr marL="68580" marR="68580" marT="0" marB="0"/>
+                </a:tc>
+                <a:tc hMerge="1">
+                  <a:txBody>
+                    <a:bodyPr/>
+                    <a:lstStyle/>
+                    <a:p>
+                      <a:endParaRPr lang="en-US"/>
+                    </a:p>
+                  </a:txBody>
+                  <a:tcPr/>
+                </a:tc>
+                <a:tc hMerge="1">
+                  <a:txBody>
+                    <a:bodyPr/>
+                    <a:lstStyle/>
+                    <a:p>
+                      <a:endParaRPr lang="en-US"/>
+                    </a:p>
+                  </a:txBody>
+                  <a:tcPr/>
+                </a:tc>
+              </a:tr>
+              <a:tr h="353002">
+                <a:tc>
+                  <a:txBody>
+                    <a:bodyPr/>
+                    <a:lstStyle/>
+                    <a:p>
+                      <a:pPr marL="0" marR="0">
+                        <a:lnSpc>
+                          <a:spcPct val="115000"/>
+                        </a:lnSpc>
+                        <a:spcBef>
+                          <a:spcPts val="0"/>
+                        </a:spcBef>
+                        <a:spcAft>
+                          <a:spcPts val="0"/>
+                        </a:spcAft>
+                      </a:pPr>
+                      <a:r>
+                        <a:rPr lang="en-US" sz="1800">
+                          <a:effectLst/>
+                          <a:latin typeface="+mj-lt"/>
+                        </a:rPr>
+                        <a:t>Stimulus</a:t>
+                      </a:r>
+                      <a:endParaRPr lang="en-US" sz="1800">
+                        <a:effectLst/>
+                        <a:latin typeface="+mj-lt"/>
+                        <a:ea typeface="Calibri"/>
+                        <a:cs typeface="Times New Roman"/>
+                      </a:endParaRPr>
+                    </a:p>
+                  </a:txBody>
+                  <a:tcPr marL="68580" marR="68580" marT="0" marB="0"/>
+                </a:tc>
+                <a:tc gridSpan="3">
+                  <a:txBody>
+                    <a:bodyPr/>
+                    <a:lstStyle/>
+                    <a:p>
+                      <a:pPr marL="0" marR="0">
+                        <a:lnSpc>
+                          <a:spcPct val="115000"/>
+                        </a:lnSpc>
+                        <a:spcBef>
+                          <a:spcPts val="0"/>
+                        </a:spcBef>
+                        <a:spcAft>
+                          <a:spcPts val="0"/>
+                        </a:spcAft>
+                      </a:pPr>
+                      <a:r>
+                        <a:rPr lang="en-US" sz="1800">
+                          <a:effectLst/>
+                          <a:latin typeface="+mj-lt"/>
+                        </a:rPr>
+                        <a:t>Try to access the system illegitimacy</a:t>
+                      </a:r>
+                      <a:endParaRPr lang="en-US" sz="1800">
+                        <a:effectLst/>
+                        <a:latin typeface="+mj-lt"/>
+                        <a:ea typeface="Calibri"/>
+                        <a:cs typeface="Times New Roman"/>
+                      </a:endParaRPr>
+                    </a:p>
+                  </a:txBody>
+                  <a:tcPr marL="68580" marR="68580" marT="0" marB="0"/>
+                </a:tc>
+                <a:tc hMerge="1">
+                  <a:txBody>
+                    <a:bodyPr/>
+                    <a:lstStyle/>
+                    <a:p>
+                      <a:endParaRPr lang="en-US"/>
+                    </a:p>
+                  </a:txBody>
+                  <a:tcPr/>
+                </a:tc>
+                <a:tc hMerge="1">
+                  <a:txBody>
+                    <a:bodyPr/>
+                    <a:lstStyle/>
+                    <a:p>
+                      <a:endParaRPr lang="en-US"/>
+                    </a:p>
+                  </a:txBody>
+                  <a:tcPr/>
+                </a:tc>
+              </a:tr>
+              <a:tr h="582456">
+                <a:tc>
+                  <a:txBody>
+                    <a:bodyPr/>
+                    <a:lstStyle/>
+                    <a:p>
+                      <a:pPr marL="0" marR="0">
+                        <a:lnSpc>
+                          <a:spcPct val="115000"/>
+                        </a:lnSpc>
+                        <a:spcBef>
+                          <a:spcPts val="0"/>
+                        </a:spcBef>
+                        <a:spcAft>
+                          <a:spcPts val="0"/>
+                        </a:spcAft>
+                      </a:pPr>
+                      <a:r>
+                        <a:rPr lang="en-US" sz="1800">
+                          <a:effectLst/>
+                          <a:latin typeface="+mj-lt"/>
+                        </a:rPr>
+                        <a:t>Relevant environmental conditions</a:t>
+                      </a:r>
+                      <a:endParaRPr lang="en-US" sz="1800">
+                        <a:effectLst/>
+                        <a:latin typeface="+mj-lt"/>
+                        <a:ea typeface="Calibri"/>
+                        <a:cs typeface="Times New Roman"/>
+                      </a:endParaRPr>
+                    </a:p>
+                  </a:txBody>
+                  <a:tcPr marL="68580" marR="68580" marT="0" marB="0"/>
+                </a:tc>
+                <a:tc gridSpan="3">
+                  <a:txBody>
+                    <a:bodyPr/>
+                    <a:lstStyle/>
+                    <a:p>
+                      <a:pPr marL="0" marR="0">
+                        <a:lnSpc>
+                          <a:spcPct val="115000"/>
+                        </a:lnSpc>
+                        <a:spcBef>
+                          <a:spcPts val="0"/>
+                        </a:spcBef>
+                        <a:spcAft>
+                          <a:spcPts val="0"/>
+                        </a:spcAft>
+                      </a:pPr>
+                      <a:r>
+                        <a:rPr lang="en-US" sz="1800">
+                          <a:effectLst/>
+                          <a:latin typeface="+mj-lt"/>
+                        </a:rPr>
+                        <a:t>When the system operation normally.</a:t>
+                      </a:r>
+                      <a:endParaRPr lang="en-US" sz="1800">
+                        <a:effectLst/>
+                        <a:latin typeface="+mj-lt"/>
+                        <a:ea typeface="Calibri"/>
+                        <a:cs typeface="Times New Roman"/>
+                      </a:endParaRPr>
+                    </a:p>
+                  </a:txBody>
+                  <a:tcPr marL="68580" marR="68580" marT="0" marB="0"/>
+                </a:tc>
+                <a:tc hMerge="1">
+                  <a:txBody>
+                    <a:bodyPr/>
+                    <a:lstStyle/>
+                    <a:p>
+                      <a:endParaRPr lang="en-US"/>
+                    </a:p>
+                  </a:txBody>
+                  <a:tcPr/>
+                </a:tc>
+                <a:tc hMerge="1">
+                  <a:txBody>
+                    <a:bodyPr/>
+                    <a:lstStyle/>
+                    <a:p>
+                      <a:endParaRPr lang="en-US"/>
+                    </a:p>
+                  </a:txBody>
+                  <a:tcPr/>
+                </a:tc>
+              </a:tr>
+              <a:tr h="537331">
+                <a:tc>
+                  <a:txBody>
+                    <a:bodyPr/>
+                    <a:lstStyle/>
+                    <a:p>
+                      <a:pPr marL="0" marR="0">
+                        <a:lnSpc>
+                          <a:spcPct val="115000"/>
+                        </a:lnSpc>
+                        <a:spcBef>
+                          <a:spcPts val="0"/>
+                        </a:spcBef>
+                        <a:spcAft>
+                          <a:spcPts val="0"/>
+                        </a:spcAft>
+                      </a:pPr>
+                      <a:r>
+                        <a:rPr lang="en-US" sz="1800">
+                          <a:effectLst/>
+                          <a:latin typeface="+mj-lt"/>
+                        </a:rPr>
+                        <a:t>Architectural elements</a:t>
+                      </a:r>
+                      <a:endParaRPr lang="en-US" sz="1800">
+                        <a:effectLst/>
+                        <a:latin typeface="+mj-lt"/>
+                        <a:ea typeface="Calibri"/>
+                        <a:cs typeface="Times New Roman"/>
+                      </a:endParaRPr>
+                    </a:p>
+                  </a:txBody>
+                  <a:tcPr marL="68580" marR="68580" marT="0" marB="0"/>
+                </a:tc>
+                <a:tc gridSpan="3">
+                  <a:txBody>
+                    <a:bodyPr/>
+                    <a:lstStyle/>
+                    <a:p>
+                      <a:pPr marL="0" marR="0">
+                        <a:lnSpc>
+                          <a:spcPct val="115000"/>
+                        </a:lnSpc>
+                        <a:spcBef>
+                          <a:spcPts val="0"/>
+                        </a:spcBef>
+                        <a:spcAft>
+                          <a:spcPts val="0"/>
+                        </a:spcAft>
+                      </a:pPr>
+                      <a:r>
+                        <a:rPr lang="en-US" sz="1800">
+                          <a:effectLst/>
+                          <a:latin typeface="+mj-lt"/>
+                        </a:rPr>
+                        <a:t>System and the information in the system</a:t>
+                      </a:r>
+                      <a:endParaRPr lang="en-US" sz="1800">
+                        <a:effectLst/>
+                        <a:latin typeface="+mj-lt"/>
+                        <a:ea typeface="Calibri"/>
+                        <a:cs typeface="Times New Roman"/>
+                      </a:endParaRPr>
+                    </a:p>
+                  </a:txBody>
+                  <a:tcPr marL="68580" marR="68580" marT="0" marB="0"/>
+                </a:tc>
+                <a:tc hMerge="1">
+                  <a:txBody>
+                    <a:bodyPr/>
+                    <a:lstStyle/>
+                    <a:p>
+                      <a:endParaRPr lang="en-US"/>
+                    </a:p>
+                  </a:txBody>
+                  <a:tcPr/>
+                </a:tc>
+                <a:tc hMerge="1">
+                  <a:txBody>
+                    <a:bodyPr/>
+                    <a:lstStyle/>
+                    <a:p>
+                      <a:endParaRPr lang="en-US"/>
+                    </a:p>
+                  </a:txBody>
+                  <a:tcPr/>
+                </a:tc>
+              </a:tr>
+              <a:tr h="353002">
+                <a:tc>
+                  <a:txBody>
+                    <a:bodyPr/>
+                    <a:lstStyle/>
+                    <a:p>
+                      <a:pPr marL="0" marR="0">
+                        <a:lnSpc>
+                          <a:spcPct val="115000"/>
+                        </a:lnSpc>
+                        <a:spcBef>
+                          <a:spcPts val="0"/>
+                        </a:spcBef>
+                        <a:spcAft>
+                          <a:spcPts val="0"/>
+                        </a:spcAft>
+                      </a:pPr>
+                      <a:r>
+                        <a:rPr lang="en-US" sz="1800">
+                          <a:effectLst/>
+                          <a:latin typeface="+mj-lt"/>
+                        </a:rPr>
+                        <a:t>System response</a:t>
+                      </a:r>
+                      <a:endParaRPr lang="en-US" sz="1800">
+                        <a:effectLst/>
+                        <a:latin typeface="+mj-lt"/>
+                        <a:ea typeface="Calibri"/>
+                        <a:cs typeface="Times New Roman"/>
+                      </a:endParaRPr>
+                    </a:p>
+                  </a:txBody>
+                  <a:tcPr marL="68580" marR="68580" marT="0" marB="0"/>
+                </a:tc>
+                <a:tc gridSpan="3">
+                  <a:txBody>
+                    <a:bodyPr/>
+                    <a:lstStyle/>
+                    <a:p>
+                      <a:pPr marL="0" marR="0">
+                        <a:lnSpc>
+                          <a:spcPct val="115000"/>
+                        </a:lnSpc>
+                        <a:spcBef>
+                          <a:spcPts val="0"/>
+                        </a:spcBef>
+                        <a:spcAft>
+                          <a:spcPts val="0"/>
+                        </a:spcAft>
+                      </a:pPr>
+                      <a:r>
+                        <a:rPr lang="en-US" sz="1800">
+                          <a:effectLst/>
+                          <a:latin typeface="+mj-lt"/>
+                        </a:rPr>
+                        <a:t>The system block this request </a:t>
+                      </a:r>
+                      <a:endParaRPr lang="en-US" sz="1800">
+                        <a:effectLst/>
+                        <a:latin typeface="+mj-lt"/>
+                        <a:ea typeface="Calibri"/>
+                        <a:cs typeface="Times New Roman"/>
+                      </a:endParaRPr>
+                    </a:p>
+                  </a:txBody>
+                  <a:tcPr marL="68580" marR="68580" marT="0" marB="0"/>
+                </a:tc>
+                <a:tc hMerge="1">
+                  <a:txBody>
+                    <a:bodyPr/>
+                    <a:lstStyle/>
+                    <a:p>
+                      <a:endParaRPr lang="en-US"/>
+                    </a:p>
+                  </a:txBody>
+                  <a:tcPr/>
+                </a:tc>
+                <a:tc hMerge="1">
+                  <a:txBody>
+                    <a:bodyPr/>
+                    <a:lstStyle/>
+                    <a:p>
+                      <a:endParaRPr lang="en-US"/>
+                    </a:p>
+                  </a:txBody>
+                  <a:tcPr/>
+                </a:tc>
+              </a:tr>
+              <a:tr h="353002">
+                <a:tc>
+                  <a:txBody>
+                    <a:bodyPr/>
+                    <a:lstStyle/>
+                    <a:p>
+                      <a:pPr marL="0" marR="0">
+                        <a:lnSpc>
+                          <a:spcPct val="115000"/>
+                        </a:lnSpc>
+                        <a:spcBef>
+                          <a:spcPts val="0"/>
+                        </a:spcBef>
+                        <a:spcAft>
+                          <a:spcPts val="0"/>
+                        </a:spcAft>
+                      </a:pPr>
+                      <a:r>
+                        <a:rPr lang="en-US" sz="1800">
+                          <a:effectLst/>
+                          <a:latin typeface="+mj-lt"/>
+                        </a:rPr>
+                        <a:t>Response measure(s)</a:t>
+                      </a:r>
+                      <a:endParaRPr lang="en-US" sz="1800">
+                        <a:effectLst/>
+                        <a:latin typeface="+mj-lt"/>
+                        <a:ea typeface="Calibri"/>
+                        <a:cs typeface="Times New Roman"/>
+                      </a:endParaRPr>
+                    </a:p>
+                  </a:txBody>
+                  <a:tcPr marL="68580" marR="68580" marT="0" marB="0"/>
+                </a:tc>
+                <a:tc gridSpan="3">
+                  <a:txBody>
+                    <a:bodyPr/>
+                    <a:lstStyle/>
+                    <a:p>
+                      <a:pPr marL="0" marR="0">
+                        <a:lnSpc>
+                          <a:spcPct val="115000"/>
+                        </a:lnSpc>
+                        <a:spcBef>
+                          <a:spcPts val="0"/>
+                        </a:spcBef>
+                        <a:spcAft>
+                          <a:spcPts val="0"/>
+                        </a:spcAft>
+                      </a:pPr>
+                      <a:r>
+                        <a:rPr lang="en-US" sz="1800" dirty="0">
+                          <a:effectLst/>
+                          <a:latin typeface="+mj-lt"/>
+                        </a:rPr>
+                        <a:t> </a:t>
+                      </a:r>
+                      <a:endParaRPr lang="en-US" sz="1800" dirty="0">
+                        <a:effectLst/>
+                        <a:latin typeface="+mj-lt"/>
+                        <a:ea typeface="Calibri"/>
+                        <a:cs typeface="Times New Roman"/>
+                      </a:endParaRPr>
+                    </a:p>
+                  </a:txBody>
+                  <a:tcPr marL="68580" marR="68580" marT="0" marB="0"/>
+                </a:tc>
+                <a:tc hMerge="1">
+                  <a:txBody>
+                    <a:bodyPr/>
+                    <a:lstStyle/>
+                    <a:p>
+                      <a:endParaRPr lang="en-US"/>
+                    </a:p>
+                  </a:txBody>
+                  <a:tcPr/>
+                </a:tc>
+                <a:tc hMerge="1">
+                  <a:txBody>
+                    <a:bodyPr/>
+                    <a:lstStyle/>
+                    <a:p>
+                      <a:endParaRPr lang="en-US"/>
+                    </a:p>
+                  </a:txBody>
+                  <a:tcPr/>
+                </a:tc>
+              </a:tr>
+              <a:tr h="353002">
+                <a:tc>
+                  <a:txBody>
+                    <a:bodyPr/>
+                    <a:lstStyle/>
+                    <a:p>
+                      <a:pPr marL="0" marR="0" algn="l" defTabSz="914400" rtl="0" eaLnBrk="1" latinLnBrk="0" hangingPunct="1">
+                        <a:lnSpc>
+                          <a:spcPct val="115000"/>
+                        </a:lnSpc>
+                        <a:spcBef>
+                          <a:spcPts val="0"/>
+                        </a:spcBef>
+                        <a:spcAft>
+                          <a:spcPts val="0"/>
+                        </a:spcAft>
+                      </a:pPr>
+                      <a:r>
+                        <a:rPr lang="en-US" sz="1800" b="1" kern="1200" dirty="0">
+                          <a:solidFill>
+                            <a:schemeClr val="tx1"/>
+                          </a:solidFill>
+                          <a:effectLst/>
+                          <a:latin typeface="+mj-lt"/>
+                          <a:ea typeface="+mn-ea"/>
+                          <a:cs typeface="+mn-cs"/>
+                        </a:rPr>
+                        <a:t>Use-case related</a:t>
+                      </a:r>
+                    </a:p>
+                  </a:txBody>
+                  <a:tcPr marL="68580" marR="68580" marT="0" marB="0"/>
+                </a:tc>
+                <a:tc gridSpan="3">
+                  <a:txBody>
+                    <a:bodyPr/>
+                    <a:lstStyle/>
+                    <a:p>
+                      <a:pPr marL="0" marR="0">
+                        <a:lnSpc>
+                          <a:spcPct val="115000"/>
+                        </a:lnSpc>
+                        <a:spcBef>
+                          <a:spcPts val="0"/>
+                        </a:spcBef>
+                        <a:spcAft>
+                          <a:spcPts val="0"/>
+                        </a:spcAft>
+                      </a:pPr>
+                      <a:r>
+                        <a:rPr lang="en-US" sz="1800" b="1" kern="1200" dirty="0" smtClean="0">
+                          <a:solidFill>
+                            <a:schemeClr val="tx1"/>
+                          </a:solidFill>
+                          <a:effectLst/>
+                          <a:latin typeface="+mj-lt"/>
+                          <a:ea typeface="+mn-ea"/>
+                          <a:cs typeface="+mn-cs"/>
+                        </a:rPr>
+                        <a:t>Login</a:t>
+                      </a:r>
+                      <a:endParaRPr lang="en-US" sz="1800" dirty="0">
+                        <a:effectLst/>
+                        <a:latin typeface="+mj-lt"/>
+                        <a:ea typeface="Calibri"/>
+                        <a:cs typeface="Times New Roman"/>
+                      </a:endParaRPr>
+                    </a:p>
+                  </a:txBody>
+                  <a:tcPr marL="68580" marR="68580" marT="0" marB="0"/>
+                </a:tc>
+                <a:tc hMerge="1">
+                  <a:txBody>
+                    <a:bodyPr/>
+                    <a:lstStyle/>
+                    <a:p>
+                      <a:endParaRPr lang="en-US"/>
+                    </a:p>
+                  </a:txBody>
+                  <a:tcPr/>
+                </a:tc>
+                <a:tc hMerge="1">
+                  <a:txBody>
+                    <a:bodyPr/>
+                    <a:lstStyle/>
+                    <a:p>
+                      <a:endParaRPr lang="en-US"/>
+                    </a:p>
+                  </a:txBody>
+                  <a:tcPr/>
+                </a:tc>
+              </a:tr>
+              <a:tr h="353002">
+                <a:tc>
+                  <a:txBody>
+                    <a:bodyPr/>
+                    <a:lstStyle/>
+                    <a:p>
+                      <a:pPr marL="0" marR="0" algn="l" defTabSz="914400" rtl="0" eaLnBrk="1" latinLnBrk="0" hangingPunct="1">
+                        <a:lnSpc>
+                          <a:spcPct val="115000"/>
+                        </a:lnSpc>
+                        <a:spcBef>
+                          <a:spcPts val="0"/>
+                        </a:spcBef>
+                        <a:spcAft>
+                          <a:spcPts val="0"/>
+                        </a:spcAft>
+                      </a:pPr>
+                      <a:r>
+                        <a:rPr lang="en-US" sz="1800" b="1" kern="1200" dirty="0">
+                          <a:solidFill>
+                            <a:schemeClr val="tx1"/>
+                          </a:solidFill>
+                          <a:effectLst/>
+                          <a:latin typeface="+mj-lt"/>
+                          <a:ea typeface="+mn-ea"/>
+                          <a:cs typeface="+mn-cs"/>
+                        </a:rPr>
+                        <a:t>Concern</a:t>
+                      </a:r>
+                    </a:p>
+                  </a:txBody>
+                  <a:tcPr marL="68580" marR="68580" marT="0" marB="0"/>
+                </a:tc>
+                <a:tc gridSpan="3">
+                  <a:txBody>
+                    <a:bodyPr/>
+                    <a:lstStyle/>
+                    <a:p>
+                      <a:pPr marL="0" marR="0">
+                        <a:lnSpc>
+                          <a:spcPct val="115000"/>
+                        </a:lnSpc>
+                        <a:spcBef>
+                          <a:spcPts val="0"/>
+                        </a:spcBef>
+                        <a:spcAft>
+                          <a:spcPts val="0"/>
+                        </a:spcAft>
+                      </a:pPr>
+                      <a:r>
+                        <a:rPr lang="en-US" sz="1800" kern="1200" dirty="0" smtClean="0">
+                          <a:solidFill>
+                            <a:schemeClr val="tx1"/>
+                          </a:solidFill>
+                          <a:effectLst/>
+                          <a:latin typeface="+mj-lt"/>
+                          <a:ea typeface="+mn-ea"/>
+                          <a:cs typeface="+mn-cs"/>
+                        </a:rPr>
+                        <a:t>Identification</a:t>
+                      </a:r>
+                      <a:endParaRPr lang="en-US" sz="1800" dirty="0">
+                        <a:effectLst/>
+                        <a:latin typeface="+mj-lt"/>
+                        <a:ea typeface="Calibri"/>
+                        <a:cs typeface="Times New Roman"/>
+                      </a:endParaRPr>
+                    </a:p>
+                  </a:txBody>
+                  <a:tcPr marL="68580" marR="68580" marT="0" marB="0"/>
+                </a:tc>
+                <a:tc hMerge="1">
+                  <a:txBody>
+                    <a:bodyPr/>
+                    <a:lstStyle/>
+                    <a:p>
+                      <a:endParaRPr lang="en-US"/>
+                    </a:p>
+                  </a:txBody>
+                  <a:tcPr/>
+                </a:tc>
+                <a:tc hMerge="1">
+                  <a:txBody>
+                    <a:bodyPr/>
+                    <a:lstStyle/>
+                    <a:p>
+                      <a:endParaRPr lang="en-US"/>
+                    </a:p>
+                  </a:txBody>
+                  <a:tcPr/>
+                </a:tc>
+              </a:tr>
+            </a:tbl>
+          </a:graphicData>
+        </a:graphic>
+      </p:graphicFrame>
+      <p:sp>
+        <p:nvSpPr>
+          <p:cNvPr id="8" name="Rectangle 1"/>
+          <p:cNvSpPr>
+            <a:spLocks noChangeArrowheads="1"/>
+          </p:cNvSpPr>
+          <p:nvPr/>
+        </p:nvSpPr>
+        <p:spPr bwMode="auto">
+          <a:xfrm>
+            <a:off x="2438400" y="1963738"/>
             <a:ext cx="9144000" cy="457200"/>
           </a:xfrm>
           <a:prstGeom prst="rect">
@@ -31387,1488 +32541,6 @@
           </a:p>
         </p:txBody>
       </p:sp>
-      <p:graphicFrame>
-        <p:nvGraphicFramePr>
-          <p:cNvPr id="5" name="Table 4"/>
-          <p:cNvGraphicFramePr>
-            <a:graphicFrameLocks noGrp="1"/>
-          </p:cNvGraphicFramePr>
-          <p:nvPr>
-            <p:extLst>
-              <p:ext uri="{D42A27DB-BD31-4B8C-83A1-F6EECF244321}">
-                <p14:modId xmlns:p14="http://schemas.microsoft.com/office/powerpoint/2010/main" val="309613149"/>
-              </p:ext>
-            </p:extLst>
-          </p:nvPr>
-        </p:nvGraphicFramePr>
-        <p:xfrm>
-          <a:off x="325678" y="1219200"/>
-          <a:ext cx="8492644" cy="5274523"/>
-        </p:xfrm>
-        <a:graphic>
-          <a:graphicData uri="http://schemas.openxmlformats.org/drawingml/2006/table">
-            <a:tbl>
-              <a:tblPr firstRow="1" firstCol="1" bandRow="1">
-                <a:tableStyleId>{5A111915-BE36-4E01-A7E5-04B1672EAD32}</a:tableStyleId>
-              </a:tblPr>
-              <a:tblGrid>
-                <a:gridCol w="3436113"/>
-                <a:gridCol w="368854"/>
-                <a:gridCol w="1365343"/>
-                <a:gridCol w="3322334"/>
-              </a:tblGrid>
-              <a:tr h="291228">
-                <a:tc rowSpan="2" gridSpan="2">
-                  <a:txBody>
-                    <a:bodyPr/>
-                    <a:lstStyle/>
-                    <a:p>
-                      <a:pPr marL="0" marR="0">
-                        <a:lnSpc>
-                          <a:spcPct val="115000"/>
-                        </a:lnSpc>
-                        <a:spcBef>
-                          <a:spcPts val="0"/>
-                        </a:spcBef>
-                        <a:spcAft>
-                          <a:spcPts val="0"/>
-                        </a:spcAft>
-                      </a:pPr>
-                      <a:r>
-                        <a:rPr lang="en-US" sz="1800" dirty="0">
-                          <a:solidFill>
-                            <a:schemeClr val="accent5">
-                              <a:lumMod val="25000"/>
-                            </a:schemeClr>
-                          </a:solidFill>
-                          <a:effectLst/>
-                          <a:latin typeface="+mj-lt"/>
-                        </a:rPr>
-                        <a:t>Title of scenario: Block unauthorized access</a:t>
-                      </a:r>
-                      <a:endParaRPr lang="en-US" sz="1800" dirty="0">
-                        <a:solidFill>
-                          <a:schemeClr val="accent5">
-                            <a:lumMod val="25000"/>
-                          </a:schemeClr>
-                        </a:solidFill>
-                        <a:effectLst/>
-                        <a:latin typeface="+mj-lt"/>
-                        <a:ea typeface="Calibri"/>
-                        <a:cs typeface="Times New Roman"/>
-                      </a:endParaRPr>
-                    </a:p>
-                  </a:txBody>
-                  <a:tcPr marL="68580" marR="68580" marT="0" marB="0"/>
-                </a:tc>
-                <a:tc rowSpan="2" hMerge="1">
-                  <a:txBody>
-                    <a:bodyPr/>
-                    <a:lstStyle/>
-                    <a:p>
-                      <a:endParaRPr lang="en-US"/>
-                    </a:p>
-                  </a:txBody>
-                  <a:tcPr/>
-                </a:tc>
-                <a:tc rowSpan="2">
-                  <a:txBody>
-                    <a:bodyPr/>
-                    <a:lstStyle/>
-                    <a:p>
-                      <a:pPr marL="0" marR="0">
-                        <a:lnSpc>
-                          <a:spcPct val="115000"/>
-                        </a:lnSpc>
-                        <a:spcBef>
-                          <a:spcPts val="0"/>
-                        </a:spcBef>
-                        <a:spcAft>
-                          <a:spcPts val="0"/>
-                        </a:spcAft>
-                      </a:pPr>
-                      <a:r>
-                        <a:rPr lang="en-US" sz="1800">
-                          <a:solidFill>
-                            <a:schemeClr val="accent5">
-                              <a:lumMod val="25000"/>
-                            </a:schemeClr>
-                          </a:solidFill>
-                          <a:effectLst/>
-                          <a:latin typeface="+mj-lt"/>
-                        </a:rPr>
-                        <a:t>ID: QAS5</a:t>
-                      </a:r>
-                      <a:endParaRPr lang="en-US" sz="1800">
-                        <a:solidFill>
-                          <a:schemeClr val="accent5">
-                            <a:lumMod val="25000"/>
-                          </a:schemeClr>
-                        </a:solidFill>
-                        <a:effectLst/>
-                        <a:latin typeface="+mj-lt"/>
-                        <a:ea typeface="Calibri"/>
-                        <a:cs typeface="Times New Roman"/>
-                      </a:endParaRPr>
-                    </a:p>
-                  </a:txBody>
-                  <a:tcPr marL="68580" marR="68580" marT="0" marB="0"/>
-                </a:tc>
-                <a:tc>
-                  <a:txBody>
-                    <a:bodyPr/>
-                    <a:lstStyle/>
-                    <a:p>
-                      <a:pPr marL="0" marR="0">
-                        <a:lnSpc>
-                          <a:spcPct val="115000"/>
-                        </a:lnSpc>
-                        <a:spcBef>
-                          <a:spcPts val="0"/>
-                        </a:spcBef>
-                        <a:spcAft>
-                          <a:spcPts val="0"/>
-                        </a:spcAft>
-                      </a:pPr>
-                      <a:r>
-                        <a:rPr lang="en-US" sz="1800" dirty="0">
-                          <a:solidFill>
-                            <a:schemeClr val="accent5">
-                              <a:lumMod val="25000"/>
-                            </a:schemeClr>
-                          </a:solidFill>
-                          <a:effectLst/>
-                          <a:latin typeface="+mj-lt"/>
-                        </a:rPr>
-                        <a:t>Version: 1.1</a:t>
-                      </a:r>
-                      <a:endParaRPr lang="en-US" sz="1800" dirty="0">
-                        <a:solidFill>
-                          <a:schemeClr val="accent5">
-                            <a:lumMod val="25000"/>
-                          </a:schemeClr>
-                        </a:solidFill>
-                        <a:effectLst/>
-                        <a:latin typeface="+mj-lt"/>
-                        <a:ea typeface="Calibri"/>
-                        <a:cs typeface="Times New Roman"/>
-                      </a:endParaRPr>
-                    </a:p>
-                  </a:txBody>
-                  <a:tcPr marL="68580" marR="68580" marT="0" marB="0"/>
-                </a:tc>
-              </a:tr>
-              <a:tr h="552989">
-                <a:tc gridSpan="2" vMerge="1">
-                  <a:txBody>
-                    <a:bodyPr/>
-                    <a:lstStyle/>
-                    <a:p>
-                      <a:endParaRPr lang="en-US"/>
-                    </a:p>
-                  </a:txBody>
-                  <a:tcPr/>
-                </a:tc>
-                <a:tc hMerge="1" vMerge="1">
-                  <a:txBody>
-                    <a:bodyPr/>
-                    <a:lstStyle/>
-                    <a:p>
-                      <a:endParaRPr lang="en-US"/>
-                    </a:p>
-                  </a:txBody>
-                  <a:tcPr/>
-                </a:tc>
-                <a:tc vMerge="1">
-                  <a:txBody>
-                    <a:bodyPr/>
-                    <a:lstStyle/>
-                    <a:p>
-                      <a:endParaRPr lang="en-US"/>
-                    </a:p>
-                  </a:txBody>
-                  <a:tcPr/>
-                </a:tc>
-                <a:tc>
-                  <a:txBody>
-                    <a:bodyPr/>
-                    <a:lstStyle/>
-                    <a:p>
-                      <a:pPr marL="0" marR="0">
-                        <a:lnSpc>
-                          <a:spcPct val="115000"/>
-                        </a:lnSpc>
-                        <a:spcBef>
-                          <a:spcPts val="0"/>
-                        </a:spcBef>
-                        <a:spcAft>
-                          <a:spcPts val="0"/>
-                        </a:spcAft>
-                      </a:pPr>
-                      <a:r>
-                        <a:rPr lang="en-US" sz="1800" dirty="0">
-                          <a:effectLst/>
-                          <a:latin typeface="+mj-lt"/>
-                        </a:rPr>
-                        <a:t>Last Changed: 04/07/2012</a:t>
-                      </a:r>
-                      <a:endParaRPr lang="en-US" sz="1800" dirty="0">
-                        <a:effectLst/>
-                        <a:latin typeface="+mj-lt"/>
-                        <a:ea typeface="Calibri"/>
-                        <a:cs typeface="Times New Roman"/>
-                      </a:endParaRPr>
-                    </a:p>
-                  </a:txBody>
-                  <a:tcPr marL="68580" marR="68580" marT="0" marB="0"/>
-                </a:tc>
-              </a:tr>
-              <a:tr h="537331">
-                <a:tc gridSpan="2">
-                  <a:txBody>
-                    <a:bodyPr/>
-                    <a:lstStyle/>
-                    <a:p>
-                      <a:pPr marL="0" marR="0">
-                        <a:lnSpc>
-                          <a:spcPct val="115000"/>
-                        </a:lnSpc>
-                        <a:spcBef>
-                          <a:spcPts val="0"/>
-                        </a:spcBef>
-                        <a:spcAft>
-                          <a:spcPts val="0"/>
-                        </a:spcAft>
-                      </a:pPr>
-                      <a:r>
-                        <a:rPr lang="en-US" sz="1800">
-                          <a:effectLst/>
-                          <a:latin typeface="+mj-lt"/>
-                        </a:rPr>
-                        <a:t>Quality attribute: Security</a:t>
-                      </a:r>
-                      <a:endParaRPr lang="en-US" sz="1800">
-                        <a:effectLst/>
-                        <a:latin typeface="+mj-lt"/>
-                        <a:ea typeface="Calibri"/>
-                        <a:cs typeface="Times New Roman"/>
-                      </a:endParaRPr>
-                    </a:p>
-                  </a:txBody>
-                  <a:tcPr marL="68580" marR="68580" marT="0" marB="0"/>
-                </a:tc>
-                <a:tc hMerge="1">
-                  <a:txBody>
-                    <a:bodyPr/>
-                    <a:lstStyle/>
-                    <a:p>
-                      <a:endParaRPr lang="en-US"/>
-                    </a:p>
-                  </a:txBody>
-                  <a:tcPr/>
-                </a:tc>
-                <a:tc gridSpan="2">
-                  <a:txBody>
-                    <a:bodyPr/>
-                    <a:lstStyle/>
-                    <a:p>
-                      <a:pPr marL="0" marR="0">
-                        <a:lnSpc>
-                          <a:spcPct val="115000"/>
-                        </a:lnSpc>
-                        <a:spcBef>
-                          <a:spcPts val="0"/>
-                        </a:spcBef>
-                        <a:spcAft>
-                          <a:spcPts val="0"/>
-                        </a:spcAft>
-                      </a:pPr>
-                      <a:r>
-                        <a:rPr lang="en-US" sz="1800">
-                          <a:effectLst/>
-                          <a:latin typeface="+mj-lt"/>
-                        </a:rPr>
-                        <a:t>Characterization ID: QA1</a:t>
-                      </a:r>
-                      <a:endParaRPr lang="en-US" sz="1800">
-                        <a:effectLst/>
-                        <a:latin typeface="+mj-lt"/>
-                        <a:ea typeface="Calibri"/>
-                        <a:cs typeface="Times New Roman"/>
-                      </a:endParaRPr>
-                    </a:p>
-                  </a:txBody>
-                  <a:tcPr marL="68580" marR="68580" marT="0" marB="0"/>
-                </a:tc>
-                <a:tc hMerge="1">
-                  <a:txBody>
-                    <a:bodyPr/>
-                    <a:lstStyle/>
-                    <a:p>
-                      <a:endParaRPr lang="en-US"/>
-                    </a:p>
-                  </a:txBody>
-                  <a:tcPr/>
-                </a:tc>
-              </a:tr>
-              <a:tr h="582456">
-                <a:tc gridSpan="4">
-                  <a:txBody>
-                    <a:bodyPr/>
-                    <a:lstStyle/>
-                    <a:p>
-                      <a:pPr marL="0" marR="0">
-                        <a:lnSpc>
-                          <a:spcPct val="115000"/>
-                        </a:lnSpc>
-                        <a:spcBef>
-                          <a:spcPts val="0"/>
-                        </a:spcBef>
-                        <a:spcAft>
-                          <a:spcPts val="0"/>
-                        </a:spcAft>
-                      </a:pPr>
-                      <a:r>
-                        <a:rPr lang="en-US" sz="1800">
-                          <a:effectLst/>
-                          <a:latin typeface="+mj-lt"/>
-                        </a:rPr>
-                        <a:t>Describe stakeholder role proposing the description: Cashier, manager, staff</a:t>
-                      </a:r>
-                      <a:endParaRPr lang="en-US" sz="1800">
-                        <a:effectLst/>
-                        <a:latin typeface="+mj-lt"/>
-                        <a:ea typeface="Calibri"/>
-                        <a:cs typeface="Times New Roman"/>
-                      </a:endParaRPr>
-                    </a:p>
-                  </a:txBody>
-                  <a:tcPr marL="68580" marR="68580" marT="0" marB="0"/>
-                </a:tc>
-                <a:tc hMerge="1">
-                  <a:txBody>
-                    <a:bodyPr/>
-                    <a:lstStyle/>
-                    <a:p>
-                      <a:endParaRPr lang="en-US"/>
-                    </a:p>
-                  </a:txBody>
-                  <a:tcPr/>
-                </a:tc>
-                <a:tc hMerge="1">
-                  <a:txBody>
-                    <a:bodyPr/>
-                    <a:lstStyle/>
-                    <a:p>
-                      <a:endParaRPr lang="en-US"/>
-                    </a:p>
-                  </a:txBody>
-                  <a:tcPr/>
-                </a:tc>
-                <a:tc hMerge="1">
-                  <a:txBody>
-                    <a:bodyPr/>
-                    <a:lstStyle/>
-                    <a:p>
-                      <a:endParaRPr lang="en-US"/>
-                    </a:p>
-                  </a:txBody>
-                  <a:tcPr/>
-                </a:tc>
-              </a:tr>
-              <a:tr h="353002">
-                <a:tc>
-                  <a:txBody>
-                    <a:bodyPr/>
-                    <a:lstStyle/>
-                    <a:p>
-                      <a:pPr marL="0" marR="0">
-                        <a:lnSpc>
-                          <a:spcPct val="115000"/>
-                        </a:lnSpc>
-                        <a:spcBef>
-                          <a:spcPts val="0"/>
-                        </a:spcBef>
-                        <a:spcAft>
-                          <a:spcPts val="0"/>
-                        </a:spcAft>
-                      </a:pPr>
-                      <a:r>
-                        <a:rPr lang="en-US" sz="1800">
-                          <a:effectLst/>
-                          <a:latin typeface="+mj-lt"/>
-                        </a:rPr>
-                        <a:t>Source(s) of the stimulus</a:t>
-                      </a:r>
-                      <a:endParaRPr lang="en-US" sz="1800">
-                        <a:effectLst/>
-                        <a:latin typeface="+mj-lt"/>
-                        <a:ea typeface="Calibri"/>
-                        <a:cs typeface="Times New Roman"/>
-                      </a:endParaRPr>
-                    </a:p>
-                  </a:txBody>
-                  <a:tcPr marL="68580" marR="68580" marT="0" marB="0"/>
-                </a:tc>
-                <a:tc gridSpan="3">
-                  <a:txBody>
-                    <a:bodyPr/>
-                    <a:lstStyle/>
-                    <a:p>
-                      <a:pPr marL="0" marR="0">
-                        <a:lnSpc>
-                          <a:spcPct val="115000"/>
-                        </a:lnSpc>
-                        <a:spcBef>
-                          <a:spcPts val="0"/>
-                        </a:spcBef>
-                        <a:spcAft>
-                          <a:spcPts val="0"/>
-                        </a:spcAft>
-                      </a:pPr>
-                      <a:r>
-                        <a:rPr lang="en-US" sz="1800">
-                          <a:effectLst/>
-                          <a:latin typeface="+mj-lt"/>
-                        </a:rPr>
-                        <a:t>unknown identity </a:t>
-                      </a:r>
-                      <a:endParaRPr lang="en-US" sz="1800">
-                        <a:effectLst/>
-                        <a:latin typeface="+mj-lt"/>
-                        <a:ea typeface="Calibri"/>
-                        <a:cs typeface="Times New Roman"/>
-                      </a:endParaRPr>
-                    </a:p>
-                  </a:txBody>
-                  <a:tcPr marL="68580" marR="68580" marT="0" marB="0"/>
-                </a:tc>
-                <a:tc hMerge="1">
-                  <a:txBody>
-                    <a:bodyPr/>
-                    <a:lstStyle/>
-                    <a:p>
-                      <a:endParaRPr lang="en-US"/>
-                    </a:p>
-                  </a:txBody>
-                  <a:tcPr/>
-                </a:tc>
-                <a:tc hMerge="1">
-                  <a:txBody>
-                    <a:bodyPr/>
-                    <a:lstStyle/>
-                    <a:p>
-                      <a:endParaRPr lang="en-US"/>
-                    </a:p>
-                  </a:txBody>
-                  <a:tcPr/>
-                </a:tc>
-              </a:tr>
-              <a:tr h="353002">
-                <a:tc>
-                  <a:txBody>
-                    <a:bodyPr/>
-                    <a:lstStyle/>
-                    <a:p>
-                      <a:pPr marL="0" marR="0">
-                        <a:lnSpc>
-                          <a:spcPct val="115000"/>
-                        </a:lnSpc>
-                        <a:spcBef>
-                          <a:spcPts val="0"/>
-                        </a:spcBef>
-                        <a:spcAft>
-                          <a:spcPts val="0"/>
-                        </a:spcAft>
-                      </a:pPr>
-                      <a:r>
-                        <a:rPr lang="en-US" sz="1800">
-                          <a:effectLst/>
-                          <a:latin typeface="+mj-lt"/>
-                        </a:rPr>
-                        <a:t>Stimulus</a:t>
-                      </a:r>
-                      <a:endParaRPr lang="en-US" sz="1800">
-                        <a:effectLst/>
-                        <a:latin typeface="+mj-lt"/>
-                        <a:ea typeface="Calibri"/>
-                        <a:cs typeface="Times New Roman"/>
-                      </a:endParaRPr>
-                    </a:p>
-                  </a:txBody>
-                  <a:tcPr marL="68580" marR="68580" marT="0" marB="0"/>
-                </a:tc>
-                <a:tc gridSpan="3">
-                  <a:txBody>
-                    <a:bodyPr/>
-                    <a:lstStyle/>
-                    <a:p>
-                      <a:pPr marL="0" marR="0">
-                        <a:lnSpc>
-                          <a:spcPct val="115000"/>
-                        </a:lnSpc>
-                        <a:spcBef>
-                          <a:spcPts val="0"/>
-                        </a:spcBef>
-                        <a:spcAft>
-                          <a:spcPts val="0"/>
-                        </a:spcAft>
-                      </a:pPr>
-                      <a:r>
-                        <a:rPr lang="en-US" sz="1800">
-                          <a:effectLst/>
-                          <a:latin typeface="+mj-lt"/>
-                        </a:rPr>
-                        <a:t>Try to access the system illegitimacy</a:t>
-                      </a:r>
-                      <a:endParaRPr lang="en-US" sz="1800">
-                        <a:effectLst/>
-                        <a:latin typeface="+mj-lt"/>
-                        <a:ea typeface="Calibri"/>
-                        <a:cs typeface="Times New Roman"/>
-                      </a:endParaRPr>
-                    </a:p>
-                  </a:txBody>
-                  <a:tcPr marL="68580" marR="68580" marT="0" marB="0"/>
-                </a:tc>
-                <a:tc hMerge="1">
-                  <a:txBody>
-                    <a:bodyPr/>
-                    <a:lstStyle/>
-                    <a:p>
-                      <a:endParaRPr lang="en-US"/>
-                    </a:p>
-                  </a:txBody>
-                  <a:tcPr/>
-                </a:tc>
-                <a:tc hMerge="1">
-                  <a:txBody>
-                    <a:bodyPr/>
-                    <a:lstStyle/>
-                    <a:p>
-                      <a:endParaRPr lang="en-US"/>
-                    </a:p>
-                  </a:txBody>
-                  <a:tcPr/>
-                </a:tc>
-              </a:tr>
-              <a:tr h="582456">
-                <a:tc>
-                  <a:txBody>
-                    <a:bodyPr/>
-                    <a:lstStyle/>
-                    <a:p>
-                      <a:pPr marL="0" marR="0">
-                        <a:lnSpc>
-                          <a:spcPct val="115000"/>
-                        </a:lnSpc>
-                        <a:spcBef>
-                          <a:spcPts val="0"/>
-                        </a:spcBef>
-                        <a:spcAft>
-                          <a:spcPts val="0"/>
-                        </a:spcAft>
-                      </a:pPr>
-                      <a:r>
-                        <a:rPr lang="en-US" sz="1800">
-                          <a:effectLst/>
-                          <a:latin typeface="+mj-lt"/>
-                        </a:rPr>
-                        <a:t>Relevant environmental conditions</a:t>
-                      </a:r>
-                      <a:endParaRPr lang="en-US" sz="1800">
-                        <a:effectLst/>
-                        <a:latin typeface="+mj-lt"/>
-                        <a:ea typeface="Calibri"/>
-                        <a:cs typeface="Times New Roman"/>
-                      </a:endParaRPr>
-                    </a:p>
-                  </a:txBody>
-                  <a:tcPr marL="68580" marR="68580" marT="0" marB="0"/>
-                </a:tc>
-                <a:tc gridSpan="3">
-                  <a:txBody>
-                    <a:bodyPr/>
-                    <a:lstStyle/>
-                    <a:p>
-                      <a:pPr marL="0" marR="0">
-                        <a:lnSpc>
-                          <a:spcPct val="115000"/>
-                        </a:lnSpc>
-                        <a:spcBef>
-                          <a:spcPts val="0"/>
-                        </a:spcBef>
-                        <a:spcAft>
-                          <a:spcPts val="0"/>
-                        </a:spcAft>
-                      </a:pPr>
-                      <a:r>
-                        <a:rPr lang="en-US" sz="1800">
-                          <a:effectLst/>
-                          <a:latin typeface="+mj-lt"/>
-                        </a:rPr>
-                        <a:t>When the system operation normally.</a:t>
-                      </a:r>
-                      <a:endParaRPr lang="en-US" sz="1800">
-                        <a:effectLst/>
-                        <a:latin typeface="+mj-lt"/>
-                        <a:ea typeface="Calibri"/>
-                        <a:cs typeface="Times New Roman"/>
-                      </a:endParaRPr>
-                    </a:p>
-                  </a:txBody>
-                  <a:tcPr marL="68580" marR="68580" marT="0" marB="0"/>
-                </a:tc>
-                <a:tc hMerge="1">
-                  <a:txBody>
-                    <a:bodyPr/>
-                    <a:lstStyle/>
-                    <a:p>
-                      <a:endParaRPr lang="en-US"/>
-                    </a:p>
-                  </a:txBody>
-                  <a:tcPr/>
-                </a:tc>
-                <a:tc hMerge="1">
-                  <a:txBody>
-                    <a:bodyPr/>
-                    <a:lstStyle/>
-                    <a:p>
-                      <a:endParaRPr lang="en-US"/>
-                    </a:p>
-                  </a:txBody>
-                  <a:tcPr/>
-                </a:tc>
-              </a:tr>
-              <a:tr h="537331">
-                <a:tc>
-                  <a:txBody>
-                    <a:bodyPr/>
-                    <a:lstStyle/>
-                    <a:p>
-                      <a:pPr marL="0" marR="0">
-                        <a:lnSpc>
-                          <a:spcPct val="115000"/>
-                        </a:lnSpc>
-                        <a:spcBef>
-                          <a:spcPts val="0"/>
-                        </a:spcBef>
-                        <a:spcAft>
-                          <a:spcPts val="0"/>
-                        </a:spcAft>
-                      </a:pPr>
-                      <a:r>
-                        <a:rPr lang="en-US" sz="1800">
-                          <a:effectLst/>
-                          <a:latin typeface="+mj-lt"/>
-                        </a:rPr>
-                        <a:t>Architectural elements</a:t>
-                      </a:r>
-                      <a:endParaRPr lang="en-US" sz="1800">
-                        <a:effectLst/>
-                        <a:latin typeface="+mj-lt"/>
-                        <a:ea typeface="Calibri"/>
-                        <a:cs typeface="Times New Roman"/>
-                      </a:endParaRPr>
-                    </a:p>
-                  </a:txBody>
-                  <a:tcPr marL="68580" marR="68580" marT="0" marB="0"/>
-                </a:tc>
-                <a:tc gridSpan="3">
-                  <a:txBody>
-                    <a:bodyPr/>
-                    <a:lstStyle/>
-                    <a:p>
-                      <a:pPr marL="0" marR="0">
-                        <a:lnSpc>
-                          <a:spcPct val="115000"/>
-                        </a:lnSpc>
-                        <a:spcBef>
-                          <a:spcPts val="0"/>
-                        </a:spcBef>
-                        <a:spcAft>
-                          <a:spcPts val="0"/>
-                        </a:spcAft>
-                      </a:pPr>
-                      <a:r>
-                        <a:rPr lang="en-US" sz="1800">
-                          <a:effectLst/>
-                          <a:latin typeface="+mj-lt"/>
-                        </a:rPr>
-                        <a:t>System and the information in the system</a:t>
-                      </a:r>
-                      <a:endParaRPr lang="en-US" sz="1800">
-                        <a:effectLst/>
-                        <a:latin typeface="+mj-lt"/>
-                        <a:ea typeface="Calibri"/>
-                        <a:cs typeface="Times New Roman"/>
-                      </a:endParaRPr>
-                    </a:p>
-                  </a:txBody>
-                  <a:tcPr marL="68580" marR="68580" marT="0" marB="0"/>
-                </a:tc>
-                <a:tc hMerge="1">
-                  <a:txBody>
-                    <a:bodyPr/>
-                    <a:lstStyle/>
-                    <a:p>
-                      <a:endParaRPr lang="en-US"/>
-                    </a:p>
-                  </a:txBody>
-                  <a:tcPr/>
-                </a:tc>
-                <a:tc hMerge="1">
-                  <a:txBody>
-                    <a:bodyPr/>
-                    <a:lstStyle/>
-                    <a:p>
-                      <a:endParaRPr lang="en-US"/>
-                    </a:p>
-                  </a:txBody>
-                  <a:tcPr/>
-                </a:tc>
-              </a:tr>
-              <a:tr h="353002">
-                <a:tc>
-                  <a:txBody>
-                    <a:bodyPr/>
-                    <a:lstStyle/>
-                    <a:p>
-                      <a:pPr marL="0" marR="0">
-                        <a:lnSpc>
-                          <a:spcPct val="115000"/>
-                        </a:lnSpc>
-                        <a:spcBef>
-                          <a:spcPts val="0"/>
-                        </a:spcBef>
-                        <a:spcAft>
-                          <a:spcPts val="0"/>
-                        </a:spcAft>
-                      </a:pPr>
-                      <a:r>
-                        <a:rPr lang="en-US" sz="1800">
-                          <a:effectLst/>
-                          <a:latin typeface="+mj-lt"/>
-                        </a:rPr>
-                        <a:t>System response</a:t>
-                      </a:r>
-                      <a:endParaRPr lang="en-US" sz="1800">
-                        <a:effectLst/>
-                        <a:latin typeface="+mj-lt"/>
-                        <a:ea typeface="Calibri"/>
-                        <a:cs typeface="Times New Roman"/>
-                      </a:endParaRPr>
-                    </a:p>
-                  </a:txBody>
-                  <a:tcPr marL="68580" marR="68580" marT="0" marB="0"/>
-                </a:tc>
-                <a:tc gridSpan="3">
-                  <a:txBody>
-                    <a:bodyPr/>
-                    <a:lstStyle/>
-                    <a:p>
-                      <a:pPr marL="0" marR="0">
-                        <a:lnSpc>
-                          <a:spcPct val="115000"/>
-                        </a:lnSpc>
-                        <a:spcBef>
-                          <a:spcPts val="0"/>
-                        </a:spcBef>
-                        <a:spcAft>
-                          <a:spcPts val="0"/>
-                        </a:spcAft>
-                      </a:pPr>
-                      <a:r>
-                        <a:rPr lang="en-US" sz="1800">
-                          <a:effectLst/>
-                          <a:latin typeface="+mj-lt"/>
-                        </a:rPr>
-                        <a:t>The system block this request </a:t>
-                      </a:r>
-                      <a:endParaRPr lang="en-US" sz="1800">
-                        <a:effectLst/>
-                        <a:latin typeface="+mj-lt"/>
-                        <a:ea typeface="Calibri"/>
-                        <a:cs typeface="Times New Roman"/>
-                      </a:endParaRPr>
-                    </a:p>
-                  </a:txBody>
-                  <a:tcPr marL="68580" marR="68580" marT="0" marB="0"/>
-                </a:tc>
-                <a:tc hMerge="1">
-                  <a:txBody>
-                    <a:bodyPr/>
-                    <a:lstStyle/>
-                    <a:p>
-                      <a:endParaRPr lang="en-US"/>
-                    </a:p>
-                  </a:txBody>
-                  <a:tcPr/>
-                </a:tc>
-                <a:tc hMerge="1">
-                  <a:txBody>
-                    <a:bodyPr/>
-                    <a:lstStyle/>
-                    <a:p>
-                      <a:endParaRPr lang="en-US"/>
-                    </a:p>
-                  </a:txBody>
-                  <a:tcPr/>
-                </a:tc>
-              </a:tr>
-              <a:tr h="353002">
-                <a:tc>
-                  <a:txBody>
-                    <a:bodyPr/>
-                    <a:lstStyle/>
-                    <a:p>
-                      <a:pPr marL="0" marR="0">
-                        <a:lnSpc>
-                          <a:spcPct val="115000"/>
-                        </a:lnSpc>
-                        <a:spcBef>
-                          <a:spcPts val="0"/>
-                        </a:spcBef>
-                        <a:spcAft>
-                          <a:spcPts val="0"/>
-                        </a:spcAft>
-                      </a:pPr>
-                      <a:r>
-                        <a:rPr lang="en-US" sz="1800">
-                          <a:effectLst/>
-                          <a:latin typeface="+mj-lt"/>
-                        </a:rPr>
-                        <a:t>Response measure(s)</a:t>
-                      </a:r>
-                      <a:endParaRPr lang="en-US" sz="1800">
-                        <a:effectLst/>
-                        <a:latin typeface="+mj-lt"/>
-                        <a:ea typeface="Calibri"/>
-                        <a:cs typeface="Times New Roman"/>
-                      </a:endParaRPr>
-                    </a:p>
-                  </a:txBody>
-                  <a:tcPr marL="68580" marR="68580" marT="0" marB="0"/>
-                </a:tc>
-                <a:tc gridSpan="3">
-                  <a:txBody>
-                    <a:bodyPr/>
-                    <a:lstStyle/>
-                    <a:p>
-                      <a:pPr marL="0" marR="0">
-                        <a:lnSpc>
-                          <a:spcPct val="115000"/>
-                        </a:lnSpc>
-                        <a:spcBef>
-                          <a:spcPts val="0"/>
-                        </a:spcBef>
-                        <a:spcAft>
-                          <a:spcPts val="0"/>
-                        </a:spcAft>
-                      </a:pPr>
-                      <a:r>
-                        <a:rPr lang="en-US" sz="1800" dirty="0">
-                          <a:effectLst/>
-                          <a:latin typeface="+mj-lt"/>
-                        </a:rPr>
-                        <a:t> </a:t>
-                      </a:r>
-                      <a:endParaRPr lang="en-US" sz="1800" dirty="0">
-                        <a:effectLst/>
-                        <a:latin typeface="+mj-lt"/>
-                        <a:ea typeface="Calibri"/>
-                        <a:cs typeface="Times New Roman"/>
-                      </a:endParaRPr>
-                    </a:p>
-                  </a:txBody>
-                  <a:tcPr marL="68580" marR="68580" marT="0" marB="0"/>
-                </a:tc>
-                <a:tc hMerge="1">
-                  <a:txBody>
-                    <a:bodyPr/>
-                    <a:lstStyle/>
-                    <a:p>
-                      <a:endParaRPr lang="en-US"/>
-                    </a:p>
-                  </a:txBody>
-                  <a:tcPr/>
-                </a:tc>
-                <a:tc hMerge="1">
-                  <a:txBody>
-                    <a:bodyPr/>
-                    <a:lstStyle/>
-                    <a:p>
-                      <a:endParaRPr lang="en-US"/>
-                    </a:p>
-                  </a:txBody>
-                  <a:tcPr/>
-                </a:tc>
-              </a:tr>
-              <a:tr h="353002">
-                <a:tc>
-                  <a:txBody>
-                    <a:bodyPr/>
-                    <a:lstStyle/>
-                    <a:p>
-                      <a:pPr marL="0" marR="0" algn="l" defTabSz="914400" rtl="0" eaLnBrk="1" latinLnBrk="0" hangingPunct="1">
-                        <a:lnSpc>
-                          <a:spcPct val="115000"/>
-                        </a:lnSpc>
-                        <a:spcBef>
-                          <a:spcPts val="0"/>
-                        </a:spcBef>
-                        <a:spcAft>
-                          <a:spcPts val="0"/>
-                        </a:spcAft>
-                      </a:pPr>
-                      <a:r>
-                        <a:rPr lang="en-US" sz="1800" b="1" kern="1200" dirty="0">
-                          <a:solidFill>
-                            <a:schemeClr val="tx1"/>
-                          </a:solidFill>
-                          <a:effectLst/>
-                          <a:latin typeface="+mj-lt"/>
-                          <a:ea typeface="+mn-ea"/>
-                          <a:cs typeface="+mn-cs"/>
-                        </a:rPr>
-                        <a:t>Use-case related</a:t>
-                      </a:r>
-                    </a:p>
-                  </a:txBody>
-                  <a:tcPr marL="68580" marR="68580" marT="0" marB="0"/>
-                </a:tc>
-                <a:tc gridSpan="3">
-                  <a:txBody>
-                    <a:bodyPr/>
-                    <a:lstStyle/>
-                    <a:p>
-                      <a:pPr marL="0" marR="0">
-                        <a:lnSpc>
-                          <a:spcPct val="115000"/>
-                        </a:lnSpc>
-                        <a:spcBef>
-                          <a:spcPts val="0"/>
-                        </a:spcBef>
-                        <a:spcAft>
-                          <a:spcPts val="0"/>
-                        </a:spcAft>
-                      </a:pPr>
-                      <a:r>
-                        <a:rPr lang="en-US" sz="1800" b="1" kern="1200" dirty="0" smtClean="0">
-                          <a:solidFill>
-                            <a:schemeClr val="tx1"/>
-                          </a:solidFill>
-                          <a:effectLst/>
-                          <a:latin typeface="+mj-lt"/>
-                          <a:ea typeface="+mn-ea"/>
-                          <a:cs typeface="+mn-cs"/>
-                        </a:rPr>
-                        <a:t>Login</a:t>
-                      </a:r>
-                      <a:endParaRPr lang="en-US" sz="1800" dirty="0">
-                        <a:effectLst/>
-                        <a:latin typeface="+mj-lt"/>
-                        <a:ea typeface="Calibri"/>
-                        <a:cs typeface="Times New Roman"/>
-                      </a:endParaRPr>
-                    </a:p>
-                  </a:txBody>
-                  <a:tcPr marL="68580" marR="68580" marT="0" marB="0"/>
-                </a:tc>
-                <a:tc hMerge="1">
-                  <a:txBody>
-                    <a:bodyPr/>
-                    <a:lstStyle/>
-                    <a:p>
-                      <a:endParaRPr lang="en-US"/>
-                    </a:p>
-                  </a:txBody>
-                  <a:tcPr/>
-                </a:tc>
-                <a:tc hMerge="1">
-                  <a:txBody>
-                    <a:bodyPr/>
-                    <a:lstStyle/>
-                    <a:p>
-                      <a:endParaRPr lang="en-US"/>
-                    </a:p>
-                  </a:txBody>
-                  <a:tcPr/>
-                </a:tc>
-              </a:tr>
-              <a:tr h="353002">
-                <a:tc>
-                  <a:txBody>
-                    <a:bodyPr/>
-                    <a:lstStyle/>
-                    <a:p>
-                      <a:pPr marL="0" marR="0" algn="l" defTabSz="914400" rtl="0" eaLnBrk="1" latinLnBrk="0" hangingPunct="1">
-                        <a:lnSpc>
-                          <a:spcPct val="115000"/>
-                        </a:lnSpc>
-                        <a:spcBef>
-                          <a:spcPts val="0"/>
-                        </a:spcBef>
-                        <a:spcAft>
-                          <a:spcPts val="0"/>
-                        </a:spcAft>
-                      </a:pPr>
-                      <a:r>
-                        <a:rPr lang="en-US" sz="1800" b="1" kern="1200" dirty="0">
-                          <a:solidFill>
-                            <a:schemeClr val="tx1"/>
-                          </a:solidFill>
-                          <a:effectLst/>
-                          <a:latin typeface="+mj-lt"/>
-                          <a:ea typeface="+mn-ea"/>
-                          <a:cs typeface="+mn-cs"/>
-                        </a:rPr>
-                        <a:t>Concern</a:t>
-                      </a:r>
-                    </a:p>
-                  </a:txBody>
-                  <a:tcPr marL="68580" marR="68580" marT="0" marB="0"/>
-                </a:tc>
-                <a:tc gridSpan="3">
-                  <a:txBody>
-                    <a:bodyPr/>
-                    <a:lstStyle/>
-                    <a:p>
-                      <a:pPr marL="0" marR="0">
-                        <a:lnSpc>
-                          <a:spcPct val="115000"/>
-                        </a:lnSpc>
-                        <a:spcBef>
-                          <a:spcPts val="0"/>
-                        </a:spcBef>
-                        <a:spcAft>
-                          <a:spcPts val="0"/>
-                        </a:spcAft>
-                      </a:pPr>
-                      <a:r>
-                        <a:rPr lang="en-US" sz="1800" kern="1200" dirty="0" smtClean="0">
-                          <a:solidFill>
-                            <a:schemeClr val="tx1"/>
-                          </a:solidFill>
-                          <a:effectLst/>
-                          <a:latin typeface="+mj-lt"/>
-                          <a:ea typeface="+mn-ea"/>
-                          <a:cs typeface="+mn-cs"/>
-                        </a:rPr>
-                        <a:t>Identification</a:t>
-                      </a:r>
-                      <a:endParaRPr lang="en-US" sz="1800" dirty="0">
-                        <a:effectLst/>
-                        <a:latin typeface="+mj-lt"/>
-                        <a:ea typeface="Calibri"/>
-                        <a:cs typeface="Times New Roman"/>
-                      </a:endParaRPr>
-                    </a:p>
-                  </a:txBody>
-                  <a:tcPr marL="68580" marR="68580" marT="0" marB="0"/>
-                </a:tc>
-                <a:tc hMerge="1">
-                  <a:txBody>
-                    <a:bodyPr/>
-                    <a:lstStyle/>
-                    <a:p>
-                      <a:endParaRPr lang="en-US"/>
-                    </a:p>
-                  </a:txBody>
-                  <a:tcPr/>
-                </a:tc>
-                <a:tc hMerge="1">
-                  <a:txBody>
-                    <a:bodyPr/>
-                    <a:lstStyle/>
-                    <a:p>
-                      <a:endParaRPr lang="en-US"/>
-                    </a:p>
-                  </a:txBody>
-                  <a:tcPr/>
-                </a:tc>
-              </a:tr>
-            </a:tbl>
-          </a:graphicData>
-        </a:graphic>
-      </p:graphicFrame>
-      <p:sp>
-        <p:nvSpPr>
-          <p:cNvPr id="8" name="Rectangle 1"/>
-          <p:cNvSpPr>
-            <a:spLocks noChangeArrowheads="1"/>
-          </p:cNvSpPr>
-          <p:nvPr/>
-        </p:nvSpPr>
-        <p:spPr bwMode="auto">
-          <a:xfrm>
-            <a:off x="2438400" y="1963738"/>
-            <a:ext cx="9144000" cy="457200"/>
-          </a:xfrm>
-          <a:prstGeom prst="rect">
-            <a:avLst/>
-          </a:prstGeom>
-          <a:noFill/>
-          <a:ln>
-            <a:noFill/>
-          </a:ln>
-          <a:effectLst/>
-          <a:extLst>
-            <a:ext uri="{909E8E84-426E-40DD-AFC4-6F175D3DCCD1}">
-              <a14:hiddenFill xmlns:a14="http://schemas.microsoft.com/office/drawing/2010/main">
-                <a:solidFill>
-                  <a:schemeClr val="accent1"/>
-                </a:solidFill>
-              </a14:hiddenFill>
-            </a:ext>
-            <a:ext uri="{91240B29-F687-4F45-9708-019B960494DF}">
-              <a14:hiddenLine xmlns:a14="http://schemas.microsoft.com/office/drawing/2010/main" w="9525">
-                <a:solidFill>
-                  <a:schemeClr val="tx1"/>
-                </a:solidFill>
-                <a:miter lim="800000"/>
-                <a:headEnd/>
-                <a:tailEnd/>
-              </a14:hiddenLine>
-            </a:ext>
-            <a:ext uri="{AF507438-7753-43E0-B8FC-AC1667EBCBE1}">
-              <a14:hiddenEffects xmlns:a14="http://schemas.microsoft.com/office/drawing/2010/main">
-                <a:effectLst>
-                  <a:outerShdw dist="35921" dir="2700000" algn="ctr" rotWithShape="0">
-                    <a:schemeClr val="bg2"/>
-                  </a:outerShdw>
-                </a:effectLst>
-              </a14:hiddenEffects>
-            </a:ext>
-          </a:extLst>
-        </p:spPr>
-        <p:txBody>
-          <a:bodyPr vert="horz" wrap="none" lIns="91440" tIns="45720" rIns="91440" bIns="45720" numCol="1" anchor="ctr" anchorCtr="0" compatLnSpc="1">
-            <a:prstTxWarp prst="textNoShape">
-              <a:avLst/>
-            </a:prstTxWarp>
-            <a:spAutoFit/>
-          </a:bodyPr>
-          <a:lstStyle/>
-          <a:p>
-            <a:pPr marL="0" marR="0" lvl="0" indent="0" algn="l" defTabSz="914400" rtl="0" eaLnBrk="1" fontAlgn="base" latinLnBrk="0" hangingPunct="1">
-              <a:lnSpc>
-                <a:spcPct val="100000"/>
-              </a:lnSpc>
-              <a:spcBef>
-                <a:spcPct val="0"/>
-              </a:spcBef>
-              <a:spcAft>
-                <a:spcPct val="0"/>
-              </a:spcAft>
-              <a:buClrTx/>
-              <a:buSzTx/>
-              <a:buFontTx/>
-              <a:buNone/>
-              <a:tabLst/>
-            </a:pPr>
-            <a:endParaRPr kumimoji="0" lang="en-US" sz="1800" b="0" i="0" u="none" strike="noStrike" cap="none" normalizeH="0" baseline="0" smtClean="0">
-              <a:ln>
-                <a:noFill/>
-              </a:ln>
-              <a:solidFill>
-                <a:schemeClr val="tx1"/>
-              </a:solidFill>
-              <a:effectLst/>
-              <a:latin typeface="Arial" pitchFamily="34" charset="0"/>
-              <a:cs typeface="Arial" pitchFamily="34" charset="0"/>
-            </a:endParaRPr>
-          </a:p>
-        </p:txBody>
-      </p:sp>
-    </p:spTree>
-    <p:extLst>
-      <p:ext uri="{BB962C8B-B14F-4D97-AF65-F5344CB8AC3E}">
-        <p14:creationId xmlns:p14="http://schemas.microsoft.com/office/powerpoint/2010/main" val="3927922261"/>
-      </p:ext>
-    </p:extLst>
-  </p:cSld>
-  <p:clrMapOvr>
-    <a:masterClrMapping/>
-  </p:clrMapOvr>
-  <mc:AlternateContent xmlns:mc="http://schemas.openxmlformats.org/markup-compatibility/2006" xmlns:p14="http://schemas.microsoft.com/office/powerpoint/2010/main">
-    <mc:Choice Requires="p14">
-      <p:transition>
-        <p14:flash/>
-      </p:transition>
-    </mc:Choice>
-    <mc:Fallback xmlns="">
-      <p:transition>
-        <p:fade/>
-      </p:transition>
-    </mc:Fallback>
-  </mc:AlternateContent>
-  <p:timing>
-    <p:tnLst>
-      <p:par>
-        <p:cTn id="1" dur="indefinite" restart="never" nodeType="tmRoot"/>
-      </p:par>
-    </p:tnLst>
-  </p:timing>
-</p:sld>
-</file>
-
-<file path=ppt/slides/slide21.xml><?xml version="1.0" encoding="utf-8"?>
-<p:sld xmlns:a="http://schemas.openxmlformats.org/drawingml/2006/main" xmlns:r="http://schemas.openxmlformats.org/officeDocument/2006/relationships" xmlns:p="http://schemas.openxmlformats.org/presentationml/2006/main">
-  <p:cSld>
-    <p:spTree>
-      <p:nvGrpSpPr>
-        <p:cNvPr id="1" name=""/>
-        <p:cNvGrpSpPr/>
-        <p:nvPr/>
-      </p:nvGrpSpPr>
-      <p:grpSpPr>
-        <a:xfrm>
-          <a:off x="0" y="0"/>
-          <a:ext cx="0" cy="0"/>
-          <a:chOff x="0" y="0"/>
-          <a:chExt cx="0" cy="0"/>
-        </a:xfrm>
-      </p:grpSpPr>
-      <p:sp>
-        <p:nvSpPr>
-          <p:cNvPr id="2" name="Title 1"/>
-          <p:cNvSpPr>
-            <a:spLocks noGrp="1"/>
-          </p:cNvSpPr>
-          <p:nvPr>
-            <p:ph type="title"/>
-          </p:nvPr>
-        </p:nvSpPr>
-        <p:spPr/>
-        <p:txBody>
-          <a:bodyPr/>
-          <a:lstStyle/>
-          <a:p>
-            <a:pPr lvl="0"/>
-            <a:r>
-              <a:rPr lang="en-US" dirty="0" smtClean="0"/>
-              <a:t>Quality Attribute Scenarios</a:t>
-            </a:r>
-            <a:endParaRPr lang="en-US" dirty="0"/>
-          </a:p>
-        </p:txBody>
-      </p:sp>
-      <p:sp>
-        <p:nvSpPr>
-          <p:cNvPr id="4" name="Rectangle 2"/>
-          <p:cNvSpPr>
-            <a:spLocks noChangeArrowheads="1"/>
-          </p:cNvSpPr>
-          <p:nvPr/>
-        </p:nvSpPr>
-        <p:spPr bwMode="auto">
-          <a:xfrm>
-            <a:off x="0" y="0"/>
-            <a:ext cx="9144000" cy="0"/>
-          </a:xfrm>
-          <a:prstGeom prst="rect">
-            <a:avLst/>
-          </a:prstGeom>
-          <a:noFill/>
-          <a:ln>
-            <a:noFill/>
-          </a:ln>
-          <a:effectLst/>
-          <a:extLst>
-            <a:ext uri="{909E8E84-426E-40DD-AFC4-6F175D3DCCD1}">
-              <a14:hiddenFill xmlns:a14="http://schemas.microsoft.com/office/drawing/2010/main">
-                <a:solidFill>
-                  <a:schemeClr val="accent1"/>
-                </a:solidFill>
-              </a14:hiddenFill>
-            </a:ext>
-            <a:ext uri="{91240B29-F687-4F45-9708-019B960494DF}">
-              <a14:hiddenLine xmlns:a14="http://schemas.microsoft.com/office/drawing/2010/main" w="9525">
-                <a:solidFill>
-                  <a:schemeClr val="tx1"/>
-                </a:solidFill>
-                <a:miter lim="800000"/>
-                <a:headEnd/>
-                <a:tailEnd/>
-              </a14:hiddenLine>
-            </a:ext>
-            <a:ext uri="{AF507438-7753-43E0-B8FC-AC1667EBCBE1}">
-              <a14:hiddenEffects xmlns:a14="http://schemas.microsoft.com/office/drawing/2010/main">
-                <a:effectLst>
-                  <a:outerShdw dist="35921" dir="2700000" algn="ctr" rotWithShape="0">
-                    <a:schemeClr val="bg2"/>
-                  </a:outerShdw>
-                </a:effectLst>
-              </a14:hiddenEffects>
-            </a:ext>
-          </a:extLst>
-        </p:spPr>
-        <p:txBody>
-          <a:bodyPr vert="horz" wrap="none" lIns="91440" tIns="45720" rIns="91440" bIns="45720" numCol="1" anchor="ctr" anchorCtr="0" compatLnSpc="1">
-            <a:prstTxWarp prst="textNoShape">
-              <a:avLst/>
-            </a:prstTxWarp>
-            <a:spAutoFit/>
-          </a:bodyPr>
-          <a:lstStyle/>
-          <a:p>
-            <a:endParaRPr lang="en-US" dirty="0"/>
-          </a:p>
-        </p:txBody>
-      </p:sp>
-      <p:sp>
-        <p:nvSpPr>
-          <p:cNvPr id="3" name="Rectangle 2"/>
-          <p:cNvSpPr>
-            <a:spLocks noChangeArrowheads="1"/>
-          </p:cNvSpPr>
-          <p:nvPr/>
-        </p:nvSpPr>
-        <p:spPr bwMode="auto">
-          <a:xfrm>
-            <a:off x="0" y="0"/>
-            <a:ext cx="9144000" cy="0"/>
-          </a:xfrm>
-          <a:prstGeom prst="rect">
-            <a:avLst/>
-          </a:prstGeom>
-          <a:noFill/>
-          <a:ln>
-            <a:noFill/>
-          </a:ln>
-          <a:effectLst/>
-          <a:extLst>
-            <a:ext uri="{909E8E84-426E-40DD-AFC4-6F175D3DCCD1}">
-              <a14:hiddenFill xmlns:a14="http://schemas.microsoft.com/office/drawing/2010/main">
-                <a:solidFill>
-                  <a:schemeClr val="accent1"/>
-                </a:solidFill>
-              </a14:hiddenFill>
-            </a:ext>
-            <a:ext uri="{91240B29-F687-4F45-9708-019B960494DF}">
-              <a14:hiddenLine xmlns:a14="http://schemas.microsoft.com/office/drawing/2010/main" w="9525">
-                <a:solidFill>
-                  <a:schemeClr val="tx1"/>
-                </a:solidFill>
-                <a:miter lim="800000"/>
-                <a:headEnd/>
-                <a:tailEnd/>
-              </a14:hiddenLine>
-            </a:ext>
-            <a:ext uri="{AF507438-7753-43E0-B8FC-AC1667EBCBE1}">
-              <a14:hiddenEffects xmlns:a14="http://schemas.microsoft.com/office/drawing/2010/main">
-                <a:effectLst>
-                  <a:outerShdw dist="35921" dir="2700000" algn="ctr" rotWithShape="0">
-                    <a:schemeClr val="bg2"/>
-                  </a:outerShdw>
-                </a:effectLst>
-              </a14:hiddenEffects>
-            </a:ext>
-          </a:extLst>
-        </p:spPr>
-        <p:txBody>
-          <a:bodyPr vert="horz" wrap="none" lIns="91440" tIns="45720" rIns="91440" bIns="45720" numCol="1" anchor="ctr" anchorCtr="0" compatLnSpc="1">
-            <a:prstTxWarp prst="textNoShape">
-              <a:avLst/>
-            </a:prstTxWarp>
-            <a:spAutoFit/>
-          </a:bodyPr>
-          <a:lstStyle/>
-          <a:p>
-            <a:endParaRPr lang="en-US"/>
-          </a:p>
-        </p:txBody>
-      </p:sp>
-      <p:sp>
-        <p:nvSpPr>
-          <p:cNvPr id="7" name="Rectangle 1"/>
-          <p:cNvSpPr>
-            <a:spLocks noChangeArrowheads="1"/>
-          </p:cNvSpPr>
-          <p:nvPr/>
-        </p:nvSpPr>
-        <p:spPr bwMode="auto">
-          <a:xfrm>
-            <a:off x="2438400" y="1754188"/>
-            <a:ext cx="9144000" cy="457200"/>
-          </a:xfrm>
-          <a:prstGeom prst="rect">
-            <a:avLst/>
-          </a:prstGeom>
-          <a:noFill/>
-          <a:ln>
-            <a:noFill/>
-          </a:ln>
-          <a:effectLst/>
-          <a:extLst>
-            <a:ext uri="{909E8E84-426E-40DD-AFC4-6F175D3DCCD1}">
-              <a14:hiddenFill xmlns:a14="http://schemas.microsoft.com/office/drawing/2010/main">
-                <a:solidFill>
-                  <a:schemeClr val="accent1"/>
-                </a:solidFill>
-              </a14:hiddenFill>
-            </a:ext>
-            <a:ext uri="{91240B29-F687-4F45-9708-019B960494DF}">
-              <a14:hiddenLine xmlns:a14="http://schemas.microsoft.com/office/drawing/2010/main" w="9525">
-                <a:solidFill>
-                  <a:schemeClr val="tx1"/>
-                </a:solidFill>
-                <a:miter lim="800000"/>
-                <a:headEnd/>
-                <a:tailEnd/>
-              </a14:hiddenLine>
-            </a:ext>
-            <a:ext uri="{AF507438-7753-43E0-B8FC-AC1667EBCBE1}">
-              <a14:hiddenEffects xmlns:a14="http://schemas.microsoft.com/office/drawing/2010/main">
-                <a:effectLst>
-                  <a:outerShdw dist="35921" dir="2700000" algn="ctr" rotWithShape="0">
-                    <a:schemeClr val="bg2"/>
-                  </a:outerShdw>
-                </a:effectLst>
-              </a14:hiddenEffects>
-            </a:ext>
-          </a:extLst>
-        </p:spPr>
-        <p:txBody>
-          <a:bodyPr vert="horz" wrap="none" lIns="91440" tIns="45720" rIns="91440" bIns="45720" numCol="1" anchor="ctr" anchorCtr="0" compatLnSpc="1">
-            <a:prstTxWarp prst="textNoShape">
-              <a:avLst/>
-            </a:prstTxWarp>
-            <a:spAutoFit/>
-          </a:bodyPr>
-          <a:lstStyle/>
-          <a:p>
-            <a:pPr marL="0" marR="0" lvl="0" indent="0" algn="l" defTabSz="914400" rtl="0" eaLnBrk="1" fontAlgn="base" latinLnBrk="0" hangingPunct="1">
-              <a:lnSpc>
-                <a:spcPct val="100000"/>
-              </a:lnSpc>
-              <a:spcBef>
-                <a:spcPct val="0"/>
-              </a:spcBef>
-              <a:spcAft>
-                <a:spcPct val="0"/>
-              </a:spcAft>
-              <a:buClrTx/>
-              <a:buSzTx/>
-              <a:buFontTx/>
-              <a:buNone/>
-              <a:tabLst/>
-            </a:pPr>
-            <a:endParaRPr kumimoji="0" lang="en-US" sz="1800" b="0" i="0" u="none" strike="noStrike" cap="none" normalizeH="0" baseline="0" smtClean="0">
-              <a:ln>
-                <a:noFill/>
-              </a:ln>
-              <a:solidFill>
-                <a:schemeClr val="tx1"/>
-              </a:solidFill>
-              <a:effectLst/>
-              <a:latin typeface="Arial" pitchFamily="34" charset="0"/>
-              <a:cs typeface="Arial" pitchFamily="34" charset="0"/>
-            </a:endParaRPr>
-          </a:p>
-        </p:txBody>
-      </p:sp>
       <p:sp>
         <p:nvSpPr>
           <p:cNvPr id="8" name="Rectangle 1"/>
@@ -34194,7 +33866,7 @@
 </p:sld>
 </file>
 
-<file path=ppt/slides/slide22.xml><?xml version="1.0" encoding="utf-8"?>
+<file path=ppt/slides/slide21.xml><?xml version="1.0" encoding="utf-8"?>
 <p:sld xmlns:a="http://schemas.openxmlformats.org/drawingml/2006/main" xmlns:r="http://schemas.openxmlformats.org/officeDocument/2006/relationships" xmlns:p="http://schemas.openxmlformats.org/presentationml/2006/main">
   <p:cSld>
     <p:spTree>
@@ -37736,404 +37408,7 @@
 </p:sld>
 </file>
 
-<file path=ppt/slides/slide23.xml><?xml version="1.0" encoding="utf-8"?>
-<p:sld xmlns:a="http://schemas.openxmlformats.org/drawingml/2006/main" xmlns:r="http://schemas.openxmlformats.org/officeDocument/2006/relationships" xmlns:p="http://schemas.openxmlformats.org/presentationml/2006/main">
-  <p:cSld>
-    <p:spTree>
-      <p:nvGrpSpPr>
-        <p:cNvPr id="1" name=""/>
-        <p:cNvGrpSpPr/>
-        <p:nvPr/>
-      </p:nvGrpSpPr>
-      <p:grpSpPr>
-        <a:xfrm>
-          <a:off x="0" y="0"/>
-          <a:ext cx="0" cy="0"/>
-          <a:chOff x="0" y="0"/>
-          <a:chExt cx="0" cy="0"/>
-        </a:xfrm>
-      </p:grpSpPr>
-      <p:sp>
-        <p:nvSpPr>
-          <p:cNvPr id="2" name="Title 1"/>
-          <p:cNvSpPr>
-            <a:spLocks noGrp="1"/>
-          </p:cNvSpPr>
-          <p:nvPr>
-            <p:ph type="title"/>
-          </p:nvPr>
-        </p:nvSpPr>
-        <p:spPr/>
-        <p:txBody>
-          <a:bodyPr/>
-          <a:lstStyle/>
-          <a:p>
-            <a:pPr lvl="0"/>
-            <a:r>
-              <a:rPr lang="en-US" dirty="0" smtClean="0"/>
-              <a:t>Context Diagram</a:t>
-            </a:r>
-            <a:endParaRPr lang="en-US" dirty="0"/>
-          </a:p>
-        </p:txBody>
-      </p:sp>
-      <p:sp>
-        <p:nvSpPr>
-          <p:cNvPr id="4" name="Rectangle 2"/>
-          <p:cNvSpPr>
-            <a:spLocks noChangeArrowheads="1"/>
-          </p:cNvSpPr>
-          <p:nvPr/>
-        </p:nvSpPr>
-        <p:spPr bwMode="auto">
-          <a:xfrm>
-            <a:off x="0" y="0"/>
-            <a:ext cx="9144000" cy="0"/>
-          </a:xfrm>
-          <a:prstGeom prst="rect">
-            <a:avLst/>
-          </a:prstGeom>
-          <a:noFill/>
-          <a:ln>
-            <a:noFill/>
-          </a:ln>
-          <a:effectLst/>
-          <a:extLst>
-            <a:ext uri="{909E8E84-426E-40DD-AFC4-6F175D3DCCD1}">
-              <a14:hiddenFill xmlns:a14="http://schemas.microsoft.com/office/drawing/2010/main">
-                <a:solidFill>
-                  <a:schemeClr val="accent1"/>
-                </a:solidFill>
-              </a14:hiddenFill>
-            </a:ext>
-            <a:ext uri="{91240B29-F687-4F45-9708-019B960494DF}">
-              <a14:hiddenLine xmlns:a14="http://schemas.microsoft.com/office/drawing/2010/main" w="9525">
-                <a:solidFill>
-                  <a:schemeClr val="tx1"/>
-                </a:solidFill>
-                <a:miter lim="800000"/>
-                <a:headEnd/>
-                <a:tailEnd/>
-              </a14:hiddenLine>
-            </a:ext>
-            <a:ext uri="{AF507438-7753-43E0-B8FC-AC1667EBCBE1}">
-              <a14:hiddenEffects xmlns:a14="http://schemas.microsoft.com/office/drawing/2010/main">
-                <a:effectLst>
-                  <a:outerShdw dist="35921" dir="2700000" algn="ctr" rotWithShape="0">
-                    <a:schemeClr val="bg2"/>
-                  </a:outerShdw>
-                </a:effectLst>
-              </a14:hiddenEffects>
-            </a:ext>
-          </a:extLst>
-        </p:spPr>
-        <p:txBody>
-          <a:bodyPr vert="horz" wrap="none" lIns="91440" tIns="45720" rIns="91440" bIns="45720" numCol="1" anchor="ctr" anchorCtr="0" compatLnSpc="1">
-            <a:prstTxWarp prst="textNoShape">
-              <a:avLst/>
-            </a:prstTxWarp>
-            <a:spAutoFit/>
-          </a:bodyPr>
-          <a:lstStyle/>
-          <a:p>
-            <a:endParaRPr lang="en-US" dirty="0"/>
-          </a:p>
-        </p:txBody>
-      </p:sp>
-      <p:sp>
-        <p:nvSpPr>
-          <p:cNvPr id="3" name="Rectangle 2"/>
-          <p:cNvSpPr>
-            <a:spLocks noChangeArrowheads="1"/>
-          </p:cNvSpPr>
-          <p:nvPr/>
-        </p:nvSpPr>
-        <p:spPr bwMode="auto">
-          <a:xfrm>
-            <a:off x="0" y="0"/>
-            <a:ext cx="9144000" cy="0"/>
-          </a:xfrm>
-          <a:prstGeom prst="rect">
-            <a:avLst/>
-          </a:prstGeom>
-          <a:noFill/>
-          <a:ln>
-            <a:noFill/>
-          </a:ln>
-          <a:effectLst/>
-          <a:extLst>
-            <a:ext uri="{909E8E84-426E-40DD-AFC4-6F175D3DCCD1}">
-              <a14:hiddenFill xmlns:a14="http://schemas.microsoft.com/office/drawing/2010/main">
-                <a:solidFill>
-                  <a:schemeClr val="accent1"/>
-                </a:solidFill>
-              </a14:hiddenFill>
-            </a:ext>
-            <a:ext uri="{91240B29-F687-4F45-9708-019B960494DF}">
-              <a14:hiddenLine xmlns:a14="http://schemas.microsoft.com/office/drawing/2010/main" w="9525">
-                <a:solidFill>
-                  <a:schemeClr val="tx1"/>
-                </a:solidFill>
-                <a:miter lim="800000"/>
-                <a:headEnd/>
-                <a:tailEnd/>
-              </a14:hiddenLine>
-            </a:ext>
-            <a:ext uri="{AF507438-7753-43E0-B8FC-AC1667EBCBE1}">
-              <a14:hiddenEffects xmlns:a14="http://schemas.microsoft.com/office/drawing/2010/main">
-                <a:effectLst>
-                  <a:outerShdw dist="35921" dir="2700000" algn="ctr" rotWithShape="0">
-                    <a:schemeClr val="bg2"/>
-                  </a:outerShdw>
-                </a:effectLst>
-              </a14:hiddenEffects>
-            </a:ext>
-          </a:extLst>
-        </p:spPr>
-        <p:txBody>
-          <a:bodyPr vert="horz" wrap="none" lIns="91440" tIns="45720" rIns="91440" bIns="45720" numCol="1" anchor="ctr" anchorCtr="0" compatLnSpc="1">
-            <a:prstTxWarp prst="textNoShape">
-              <a:avLst/>
-            </a:prstTxWarp>
-            <a:spAutoFit/>
-          </a:bodyPr>
-          <a:lstStyle/>
-          <a:p>
-            <a:endParaRPr lang="en-US"/>
-          </a:p>
-        </p:txBody>
-      </p:sp>
-      <p:sp>
-        <p:nvSpPr>
-          <p:cNvPr id="6" name="Rectangle 2"/>
-          <p:cNvSpPr>
-            <a:spLocks noChangeArrowheads="1"/>
-          </p:cNvSpPr>
-          <p:nvPr/>
-        </p:nvSpPr>
-        <p:spPr bwMode="auto">
-          <a:xfrm>
-            <a:off x="0" y="0"/>
-            <a:ext cx="9144000" cy="0"/>
-          </a:xfrm>
-          <a:prstGeom prst="rect">
-            <a:avLst/>
-          </a:prstGeom>
-          <a:noFill/>
-          <a:ln>
-            <a:noFill/>
-          </a:ln>
-          <a:effectLst/>
-          <a:extLst>
-            <a:ext uri="{909E8E84-426E-40DD-AFC4-6F175D3DCCD1}">
-              <a14:hiddenFill xmlns:a14="http://schemas.microsoft.com/office/drawing/2010/main">
-                <a:solidFill>
-                  <a:schemeClr val="accent1"/>
-                </a:solidFill>
-              </a14:hiddenFill>
-            </a:ext>
-            <a:ext uri="{91240B29-F687-4F45-9708-019B960494DF}">
-              <a14:hiddenLine xmlns:a14="http://schemas.microsoft.com/office/drawing/2010/main" w="9525">
-                <a:solidFill>
-                  <a:schemeClr val="tx1"/>
-                </a:solidFill>
-                <a:miter lim="800000"/>
-                <a:headEnd/>
-                <a:tailEnd/>
-              </a14:hiddenLine>
-            </a:ext>
-            <a:ext uri="{AF507438-7753-43E0-B8FC-AC1667EBCBE1}">
-              <a14:hiddenEffects xmlns:a14="http://schemas.microsoft.com/office/drawing/2010/main">
-                <a:effectLst>
-                  <a:outerShdw dist="35921" dir="2700000" algn="ctr" rotWithShape="0">
-                    <a:schemeClr val="bg2"/>
-                  </a:outerShdw>
-                </a:effectLst>
-              </a14:hiddenEffects>
-            </a:ext>
-          </a:extLst>
-        </p:spPr>
-        <p:txBody>
-          <a:bodyPr vert="horz" wrap="none" lIns="91440" tIns="45720" rIns="91440" bIns="45720" numCol="1" anchor="ctr" anchorCtr="0" compatLnSpc="1">
-            <a:prstTxWarp prst="textNoShape">
-              <a:avLst/>
-            </a:prstTxWarp>
-            <a:spAutoFit/>
-          </a:bodyPr>
-          <a:lstStyle/>
-          <a:p>
-            <a:endParaRPr lang="en-US"/>
-          </a:p>
-        </p:txBody>
-      </p:sp>
-      <p:graphicFrame>
-        <p:nvGraphicFramePr>
-          <p:cNvPr id="7" name="Object 6"/>
-          <p:cNvGraphicFramePr>
-            <a:graphicFrameLocks noChangeAspect="1"/>
-          </p:cNvGraphicFramePr>
-          <p:nvPr>
-            <p:extLst>
-              <p:ext uri="{D42A27DB-BD31-4B8C-83A1-F6EECF244321}">
-                <p14:modId xmlns:p14="http://schemas.microsoft.com/office/powerpoint/2010/main" val="3323122739"/>
-              </p:ext>
-            </p:extLst>
-          </p:nvPr>
-        </p:nvGraphicFramePr>
-        <p:xfrm>
-          <a:off x="0" y="1600200"/>
-          <a:ext cx="9135613" cy="4648200"/>
-        </p:xfrm>
-        <a:graphic>
-          <a:graphicData uri="http://schemas.openxmlformats.org/presentationml/2006/ole">
-            <mc:AlternateContent xmlns:mc="http://schemas.openxmlformats.org/markup-compatibility/2006">
-              <mc:Choice xmlns:v="urn:schemas-microsoft-com:vml" Requires="v">
-                <p:oleObj spid="_x0000_s139286" name="Visio" r:id="rId3" imgW="9089179" imgH="4645287" progId="Visio.Drawing.11">
-                  <p:embed/>
-                </p:oleObj>
-              </mc:Choice>
-              <mc:Fallback>
-                <p:oleObj name="Visio" r:id="rId3" imgW="9089179" imgH="4645287" progId="Visio.Drawing.11">
-                  <p:embed/>
-                  <p:pic>
-                    <p:nvPicPr>
-                      <p:cNvPr id="0" name="Object 1"/>
-                      <p:cNvPicPr>
-                        <a:picLocks noChangeAspect="1" noChangeArrowheads="1"/>
-                      </p:cNvPicPr>
-                      <p:nvPr/>
-                    </p:nvPicPr>
-                    <p:blipFill>
-                      <a:blip r:embed="rId4">
-                        <a:extLst>
-                          <a:ext uri="{28A0092B-C50C-407E-A947-70E740481C1C}">
-                            <a14:useLocalDpi xmlns:a14="http://schemas.microsoft.com/office/drawing/2010/main" val="0"/>
-                          </a:ext>
-                        </a:extLst>
-                      </a:blip>
-                      <a:srcRect/>
-                      <a:stretch>
-                        <a:fillRect/>
-                      </a:stretch>
-                    </p:blipFill>
-                    <p:spPr bwMode="auto">
-                      <a:xfrm>
-                        <a:off x="0" y="1600200"/>
-                        <a:ext cx="9135613" cy="4648200"/>
-                      </a:xfrm>
-                      <a:prstGeom prst="rect">
-                        <a:avLst/>
-                      </a:prstGeom>
-                      <a:noFill/>
-                    </p:spPr>
-                  </p:pic>
-                </p:oleObj>
-              </mc:Fallback>
-            </mc:AlternateContent>
-          </a:graphicData>
-        </a:graphic>
-      </p:graphicFrame>
-    </p:spTree>
-    <p:extLst>
-      <p:ext uri="{BB962C8B-B14F-4D97-AF65-F5344CB8AC3E}">
-        <p14:creationId xmlns:p14="http://schemas.microsoft.com/office/powerpoint/2010/main" val="1188712805"/>
-      </p:ext>
-    </p:extLst>
-  </p:cSld>
-  <p:clrMapOvr>
-    <a:masterClrMapping/>
-  </p:clrMapOvr>
-  <mc:AlternateContent xmlns:mc="http://schemas.openxmlformats.org/markup-compatibility/2006" xmlns:p14="http://schemas.microsoft.com/office/powerpoint/2010/main">
-    <mc:Choice Requires="p14">
-      <p:transition>
-        <p14:flash/>
-      </p:transition>
-    </mc:Choice>
-    <mc:Fallback xmlns="">
-      <p:transition>
-        <p:fade/>
-      </p:transition>
-    </mc:Fallback>
-  </mc:AlternateContent>
-  <p:timing>
-    <p:tnLst>
-      <p:par>
-        <p:cTn id="1" dur="indefinite" restart="never" nodeType="tmRoot">
-          <p:childTnLst>
-            <p:seq concurrent="1" nextAc="seek">
-              <p:cTn id="2" dur="indefinite" nodeType="mainSeq">
-                <p:childTnLst>
-                  <p:par>
-                    <p:cTn id="3" fill="hold">
-                      <p:stCondLst>
-                        <p:cond delay="indefinite"/>
-                      </p:stCondLst>
-                      <p:childTnLst>
-                        <p:par>
-                          <p:cTn id="4" fill="hold">
-                            <p:stCondLst>
-                              <p:cond delay="0"/>
-                            </p:stCondLst>
-                            <p:childTnLst>
-                              <p:par>
-                                <p:cTn id="5" presetID="1" presetClass="entr" presetSubtype="0" fill="hold" nodeType="clickEffect">
-                                  <p:stCondLst>
-                                    <p:cond delay="0"/>
-                                  </p:stCondLst>
-                                  <p:childTnLst>
-                                    <p:set>
-                                      <p:cBhvr>
-                                        <p:cTn id="6" dur="1" fill="hold">
-                                          <p:stCondLst>
-                                            <p:cond delay="0"/>
-                                          </p:stCondLst>
-                                        </p:cTn>
-                                        <p:tgtEl>
-                                          <p:spTgt spid="7"/>
-                                        </p:tgtEl>
-                                        <p:attrNameLst>
-                                          <p:attrName>style.visibility</p:attrName>
-                                        </p:attrNameLst>
-                                      </p:cBhvr>
-                                      <p:to>
-                                        <p:strVal val="visible"/>
-                                      </p:to>
-                                    </p:set>
-                                  </p:childTnLst>
-                                </p:cTn>
-                              </p:par>
-                            </p:childTnLst>
-                          </p:cTn>
-                        </p:par>
-                      </p:childTnLst>
-                    </p:cTn>
-                  </p:par>
-                </p:childTnLst>
-              </p:cTn>
-              <p:prevCondLst>
-                <p:cond evt="onPrev" delay="0">
-                  <p:tgtEl>
-                    <p:sldTgt/>
-                  </p:tgtEl>
-                </p:cond>
-              </p:prevCondLst>
-              <p:nextCondLst>
-                <p:cond evt="onNext" delay="0">
-                  <p:tgtEl>
-                    <p:sldTgt/>
-                  </p:tgtEl>
-                </p:cond>
-              </p:nextCondLst>
-            </p:seq>
-          </p:childTnLst>
-        </p:cTn>
-      </p:par>
-    </p:tnLst>
-  </p:timing>
-</p:sld>
-</file>
-
-<file path=ppt/slides/slide24.xml><?xml version="1.0" encoding="utf-8"?>
+<file path=ppt/slides/slide22.xml><?xml version="1.0" encoding="utf-8"?>
 <p:sld xmlns:a="http://schemas.openxmlformats.org/drawingml/2006/main" xmlns:r="http://schemas.openxmlformats.org/officeDocument/2006/relationships" xmlns:p="http://schemas.openxmlformats.org/presentationml/2006/main">
   <p:cSld>
     <p:spTree>
@@ -38259,7 +37534,7 @@
 </p:sld>
 </file>
 
-<file path=ppt/slides/slide25.xml><?xml version="1.0" encoding="utf-8"?>
+<file path=ppt/slides/slide23.xml><?xml version="1.0" encoding="utf-8"?>
 <p:sld xmlns:a="http://schemas.openxmlformats.org/drawingml/2006/main" xmlns:r="http://schemas.openxmlformats.org/officeDocument/2006/relationships" xmlns:p="http://schemas.openxmlformats.org/presentationml/2006/main">
   <p:cSld>
     <p:spTree>
@@ -38384,7 +37659,7 @@
           <a:graphicData uri="http://schemas.openxmlformats.org/presentationml/2006/ole">
             <mc:AlternateContent xmlns:mc="http://schemas.openxmlformats.org/markup-compatibility/2006">
               <mc:Choice xmlns:v="urn:schemas-microsoft-com:vml" Requires="v">
-                <p:oleObj spid="_x0000_s140310" name="Visio" r:id="rId3" imgW="11727851" imgH="7171055" progId="Visio.Drawing.11">
+                <p:oleObj spid="_x0000_s140313" name="Visio" r:id="rId3" imgW="11727851" imgH="7171055" progId="Visio.Drawing.11">
                   <p:embed/>
                 </p:oleObj>
               </mc:Choice>
@@ -38519,7 +37794,7 @@
 </p:sld>
 </file>
 
-<file path=ppt/slides/slide26.xml><?xml version="1.0" encoding="utf-8"?>
+<file path=ppt/slides/slide24.xml><?xml version="1.0" encoding="utf-8"?>
 <p:sld xmlns:a="http://schemas.openxmlformats.org/drawingml/2006/main" xmlns:r="http://schemas.openxmlformats.org/officeDocument/2006/relationships" xmlns:p="http://schemas.openxmlformats.org/presentationml/2006/main">
   <p:cSld>
     <p:spTree>
@@ -38730,7 +38005,7 @@
 </p:sld>
 </file>
 
-<file path=ppt/slides/slide27.xml><?xml version="1.0" encoding="utf-8"?>
+<file path=ppt/slides/slide25.xml><?xml version="1.0" encoding="utf-8"?>
 <p:sld xmlns:a="http://schemas.openxmlformats.org/drawingml/2006/main" xmlns:r="http://schemas.openxmlformats.org/officeDocument/2006/relationships" xmlns:p="http://schemas.openxmlformats.org/presentationml/2006/main">
   <p:cSld>
     <p:spTree>
@@ -38917,7 +38192,7 @@
 </p:sld>
 </file>
 
-<file path=ppt/slides/slide28.xml><?xml version="1.0" encoding="utf-8"?>
+<file path=ppt/slides/slide26.xml><?xml version="1.0" encoding="utf-8"?>
 <p:sld xmlns:a="http://schemas.openxmlformats.org/drawingml/2006/main" xmlns:r="http://schemas.openxmlformats.org/officeDocument/2006/relationships" xmlns:p="http://schemas.openxmlformats.org/presentationml/2006/main">
   <p:cSld>
     <p:spTree>
@@ -39032,7 +38307,7 @@
 </p:sld>
 </file>
 
-<file path=ppt/slides/slide29.xml><?xml version="1.0" encoding="utf-8"?>
+<file path=ppt/slides/slide27.xml><?xml version="1.0" encoding="utf-8"?>
 <p:sld xmlns:a="http://schemas.openxmlformats.org/drawingml/2006/main" xmlns:r="http://schemas.openxmlformats.org/officeDocument/2006/relationships" xmlns:p="http://schemas.openxmlformats.org/presentationml/2006/main">
   <p:cSld>
     <p:spTree>
@@ -39133,6 +38408,270 @@
     <p:extLst>
       <p:ext uri="{BB962C8B-B14F-4D97-AF65-F5344CB8AC3E}">
         <p14:creationId xmlns:p14="http://schemas.microsoft.com/office/powerpoint/2010/main" val="3996824636"/>
+      </p:ext>
+    </p:extLst>
+  </p:cSld>
+  <p:clrMapOvr>
+    <a:masterClrMapping/>
+  </p:clrMapOvr>
+  <p:timing>
+    <p:tnLst>
+      <p:par>
+        <p:cTn id="1" dur="indefinite" restart="never" nodeType="tmRoot"/>
+      </p:par>
+    </p:tnLst>
+  </p:timing>
+</p:sld>
+</file>
+
+<file path=ppt/slides/slide28.xml><?xml version="1.0" encoding="utf-8"?>
+<p:sld xmlns:a="http://schemas.openxmlformats.org/drawingml/2006/main" xmlns:r="http://schemas.openxmlformats.org/officeDocument/2006/relationships" xmlns:p="http://schemas.openxmlformats.org/presentationml/2006/main">
+  <p:cSld>
+    <p:spTree>
+      <p:nvGrpSpPr>
+        <p:cNvPr id="1" name=""/>
+        <p:cNvGrpSpPr/>
+        <p:nvPr/>
+      </p:nvGrpSpPr>
+      <p:grpSpPr>
+        <a:xfrm>
+          <a:off x="0" y="0"/>
+          <a:ext cx="0" cy="0"/>
+          <a:chOff x="0" y="0"/>
+          <a:chExt cx="0" cy="0"/>
+        </a:xfrm>
+      </p:grpSpPr>
+      <p:sp>
+        <p:nvSpPr>
+          <p:cNvPr id="2" name="Title 1"/>
+          <p:cNvSpPr>
+            <a:spLocks noGrp="1"/>
+          </p:cNvSpPr>
+          <p:nvPr>
+            <p:ph type="title"/>
+          </p:nvPr>
+        </p:nvSpPr>
+        <p:spPr/>
+        <p:txBody>
+          <a:bodyPr/>
+          <a:lstStyle/>
+          <a:p>
+            <a:r>
+              <a:rPr lang="en-US" dirty="0" smtClean="0"/>
+              <a:t>Tactics</a:t>
+            </a:r>
+            <a:endParaRPr lang="en-US" dirty="0"/>
+          </a:p>
+        </p:txBody>
+      </p:sp>
+      <p:sp>
+        <p:nvSpPr>
+          <p:cNvPr id="3" name="Content Placeholder 2"/>
+          <p:cNvSpPr>
+            <a:spLocks noGrp="1"/>
+          </p:cNvSpPr>
+          <p:nvPr>
+            <p:ph idx="1"/>
+          </p:nvPr>
+        </p:nvSpPr>
+        <p:spPr/>
+        <p:txBody>
+          <a:bodyPr/>
+          <a:lstStyle/>
+          <a:p>
+            <a:pPr marL="0" indent="0">
+              <a:buNone/>
+            </a:pPr>
+            <a:r>
+              <a:rPr lang="en-US" sz="2000" b="1" dirty="0"/>
+              <a:t>Security: </a:t>
+            </a:r>
+          </a:p>
+          <a:p>
+            <a:pPr marL="0" indent="0">
+              <a:buNone/>
+            </a:pPr>
+            <a:r>
+              <a:rPr lang="en-US" sz="2000" dirty="0" smtClean="0"/>
+              <a:t>Maintain </a:t>
+            </a:r>
+            <a:r>
+              <a:rPr lang="en-US" sz="2000" dirty="0"/>
+              <a:t>data confidentiality: using transmission Secure Sockets Layer (SSL) for a Web-based link to security information and account passwords</a:t>
+            </a:r>
+          </a:p>
+          <a:p>
+            <a:pPr marL="0" indent="0">
+              <a:buNone/>
+            </a:pPr>
+            <a:r>
+              <a:rPr lang="en-US" sz="2000" dirty="0"/>
+              <a:t>Information is transmitted needs to be integrity</a:t>
+            </a:r>
+          </a:p>
+          <a:p>
+            <a:r>
+              <a:rPr lang="en-US" sz="2000" dirty="0"/>
+              <a:t>Maintain integrity: The information is transferred outside of the contained information is also part of checksum check to ensure the information is not lost on the transmission line</a:t>
+            </a:r>
+          </a:p>
+          <a:p>
+            <a:pPr marL="0" indent="0">
+              <a:buNone/>
+            </a:pPr>
+            <a:r>
+              <a:rPr lang="en-US" sz="2000" dirty="0"/>
+              <a:t>The account sales staff can only log into the system from the computer in sales system </a:t>
+            </a:r>
+          </a:p>
+          <a:p>
+            <a:r>
+              <a:rPr lang="en-US" sz="2000" dirty="0"/>
+              <a:t>Limit access: Use the computer's MAC address to be able to prevent the sign outside the system </a:t>
+            </a:r>
+          </a:p>
+        </p:txBody>
+      </p:sp>
+    </p:spTree>
+    <p:extLst>
+      <p:ext uri="{BB962C8B-B14F-4D97-AF65-F5344CB8AC3E}">
+        <p14:creationId xmlns:p14="http://schemas.microsoft.com/office/powerpoint/2010/main" val="3200898708"/>
+      </p:ext>
+    </p:extLst>
+  </p:cSld>
+  <p:clrMapOvr>
+    <a:masterClrMapping/>
+  </p:clrMapOvr>
+  <p:timing>
+    <p:tnLst>
+      <p:par>
+        <p:cTn id="1" dur="indefinite" restart="never" nodeType="tmRoot"/>
+      </p:par>
+    </p:tnLst>
+  </p:timing>
+</p:sld>
+</file>
+
+<file path=ppt/slides/slide29.xml><?xml version="1.0" encoding="utf-8"?>
+<p:sld xmlns:a="http://schemas.openxmlformats.org/drawingml/2006/main" xmlns:r="http://schemas.openxmlformats.org/officeDocument/2006/relationships" xmlns:p="http://schemas.openxmlformats.org/presentationml/2006/main">
+  <p:cSld>
+    <p:spTree>
+      <p:nvGrpSpPr>
+        <p:cNvPr id="1" name=""/>
+        <p:cNvGrpSpPr/>
+        <p:nvPr/>
+      </p:nvGrpSpPr>
+      <p:grpSpPr>
+        <a:xfrm>
+          <a:off x="0" y="0"/>
+          <a:ext cx="0" cy="0"/>
+          <a:chOff x="0" y="0"/>
+          <a:chExt cx="0" cy="0"/>
+        </a:xfrm>
+      </p:grpSpPr>
+      <p:sp>
+        <p:nvSpPr>
+          <p:cNvPr id="2" name="Title 1"/>
+          <p:cNvSpPr>
+            <a:spLocks noGrp="1"/>
+          </p:cNvSpPr>
+          <p:nvPr>
+            <p:ph type="title"/>
+          </p:nvPr>
+        </p:nvSpPr>
+        <p:spPr/>
+        <p:txBody>
+          <a:bodyPr/>
+          <a:lstStyle/>
+          <a:p>
+            <a:r>
+              <a:rPr lang="en-US" dirty="0" smtClean="0"/>
+              <a:t>Mapping View</a:t>
+            </a:r>
+            <a:endParaRPr lang="en-US" dirty="0"/>
+          </a:p>
+        </p:txBody>
+      </p:sp>
+      <p:sp>
+        <p:nvSpPr>
+          <p:cNvPr id="4" name="Rectangle 3">
+            <a:hlinkClick r:id="rId2" action="ppaction://hlinkfile"/>
+          </p:cNvPr>
+          <p:cNvSpPr/>
+          <p:nvPr/>
+        </p:nvSpPr>
+        <p:spPr bwMode="auto">
+          <a:xfrm>
+            <a:off x="3352800" y="2933700"/>
+            <a:ext cx="1905000" cy="419100"/>
+          </a:xfrm>
+          <a:prstGeom prst="rect">
+            <a:avLst/>
+          </a:prstGeom>
+          <a:ln>
+            <a:headEnd type="none" w="med" len="med"/>
+            <a:tailEnd type="none" w="med" len="med"/>
+          </a:ln>
+          <a:extLst/>
+        </p:spPr>
+        <p:style>
+          <a:lnRef idx="1">
+            <a:schemeClr val="accent2"/>
+          </a:lnRef>
+          <a:fillRef idx="3">
+            <a:schemeClr val="accent2"/>
+          </a:fillRef>
+          <a:effectRef idx="2">
+            <a:schemeClr val="accent2"/>
+          </a:effectRef>
+          <a:fontRef idx="minor">
+            <a:schemeClr val="lt1"/>
+          </a:fontRef>
+        </p:style>
+        <p:txBody>
+          <a:bodyPr vert="horz" wrap="square" lIns="91440" tIns="45720" rIns="91440" bIns="45720" numCol="1" rtlCol="0" anchor="t" anchorCtr="0" compatLnSpc="1">
+            <a:prstTxWarp prst="textNoShape">
+              <a:avLst/>
+            </a:prstTxWarp>
+          </a:bodyPr>
+          <a:lstStyle/>
+          <a:p>
+            <a:pPr marL="0" marR="0" indent="0" algn="l" defTabSz="914400" rtl="0" eaLnBrk="1" fontAlgn="base" latinLnBrk="0" hangingPunct="1">
+              <a:lnSpc>
+                <a:spcPct val="100000"/>
+              </a:lnSpc>
+              <a:spcBef>
+                <a:spcPct val="0"/>
+              </a:spcBef>
+              <a:spcAft>
+                <a:spcPct val="0"/>
+              </a:spcAft>
+              <a:buClrTx/>
+              <a:buSzTx/>
+              <a:buFontTx/>
+              <a:buNone/>
+              <a:tabLst/>
+            </a:pPr>
+            <a:r>
+              <a:rPr kumimoji="0" lang="en-US" sz="1800" b="1" i="0" u="none" strike="noStrike" cap="none" normalizeH="0" baseline="0" dirty="0" smtClean="0">
+                <a:ln>
+                  <a:noFill/>
+                </a:ln>
+                <a:solidFill>
+                  <a:schemeClr val="tx1"/>
+                </a:solidFill>
+                <a:effectLst/>
+                <a:latin typeface="Arial" charset="0"/>
+              </a:rPr>
+              <a:t>Mapping View</a:t>
+            </a:r>
+          </a:p>
+        </p:txBody>
+      </p:sp>
+    </p:spTree>
+    <p:extLst>
+      <p:ext uri="{BB962C8B-B14F-4D97-AF65-F5344CB8AC3E}">
+        <p14:creationId xmlns:p14="http://schemas.microsoft.com/office/powerpoint/2010/main" val="3622619532"/>
       </p:ext>
     </p:extLst>
   </p:cSld>
@@ -39273,7 +38812,7 @@
           <a:bodyPr/>
           <a:lstStyle/>
           <a:p>
-            <a:pPr marL="0" indent="0">
+            <a:pPr marL="0" indent="0" algn="just">
               <a:buNone/>
             </a:pPr>
             <a:r>
@@ -39283,7 +38822,36 @@
                 </a:solidFill>
                 <a:latin typeface="+mj-lt"/>
               </a:rPr>
-              <a:t>Company A, a retail chain, has decided to develop a sales system (hereinafter, the system) in conjunction with its launch of a point service. Company A decided to choose the Web solution using ASP.NET MVC 3 framework, only Web browser, no local Database needed for any POS terminal. And authorized managers can display statistic reports from Internet.</a:t>
+              <a:t>Company A, a retail chain, has decided to develop a sales system (hereinafter, the system) in conjunction with its launch of a point service. </a:t>
+            </a:r>
+            <a:endParaRPr lang="en-US" sz="2400" b="1" i="1" dirty="0" smtClean="0">
+              <a:solidFill>
+                <a:srgbClr val="0070C0"/>
+              </a:solidFill>
+              <a:latin typeface="+mj-lt"/>
+            </a:endParaRPr>
+          </a:p>
+          <a:p>
+            <a:pPr marL="0" indent="0" algn="just">
+              <a:buNone/>
+            </a:pPr>
+            <a:r>
+              <a:rPr lang="en-US" sz="2400" b="1" i="1" dirty="0" smtClean="0">
+                <a:solidFill>
+                  <a:srgbClr val="0070C0"/>
+                </a:solidFill>
+                <a:latin typeface="+mj-lt"/>
+              </a:rPr>
+              <a:t>Solution here are Web using </a:t>
+            </a:r>
+            <a:r>
+              <a:rPr lang="en-US" sz="2400" b="1" i="1" dirty="0">
+                <a:solidFill>
+                  <a:srgbClr val="0070C0"/>
+                </a:solidFill>
+                <a:latin typeface="+mj-lt"/>
+              </a:rPr>
+              <a:t>ASP.NET MVC 3 framework, only Web browser, no local Database needed for any POS terminal. And authorized managers can display statistic reports from Internet.</a:t>
             </a:r>
           </a:p>
           <a:p>
@@ -39329,280 +38897,6 @@
 </file>
 
 <file path=ppt/slides/slide30.xml><?xml version="1.0" encoding="utf-8"?>
-<p:sld xmlns:a="http://schemas.openxmlformats.org/drawingml/2006/main" xmlns:r="http://schemas.openxmlformats.org/officeDocument/2006/relationships" xmlns:p="http://schemas.openxmlformats.org/presentationml/2006/main">
-  <p:cSld>
-    <p:spTree>
-      <p:nvGrpSpPr>
-        <p:cNvPr id="1" name=""/>
-        <p:cNvGrpSpPr/>
-        <p:nvPr/>
-      </p:nvGrpSpPr>
-      <p:grpSpPr>
-        <a:xfrm>
-          <a:off x="0" y="0"/>
-          <a:ext cx="0" cy="0"/>
-          <a:chOff x="0" y="0"/>
-          <a:chExt cx="0" cy="0"/>
-        </a:xfrm>
-      </p:grpSpPr>
-      <p:sp>
-        <p:nvSpPr>
-          <p:cNvPr id="2" name="Title 1"/>
-          <p:cNvSpPr>
-            <a:spLocks noGrp="1"/>
-          </p:cNvSpPr>
-          <p:nvPr>
-            <p:ph type="title"/>
-          </p:nvPr>
-        </p:nvSpPr>
-        <p:spPr/>
-        <p:txBody>
-          <a:bodyPr/>
-          <a:lstStyle/>
-          <a:p>
-            <a:r>
-              <a:rPr lang="en-US" dirty="0" smtClean="0"/>
-              <a:t>Tactics</a:t>
-            </a:r>
-            <a:endParaRPr lang="en-US" dirty="0"/>
-          </a:p>
-        </p:txBody>
-      </p:sp>
-      <p:sp>
-        <p:nvSpPr>
-          <p:cNvPr id="3" name="Content Placeholder 2"/>
-          <p:cNvSpPr>
-            <a:spLocks noGrp="1"/>
-          </p:cNvSpPr>
-          <p:nvPr>
-            <p:ph idx="1"/>
-          </p:nvPr>
-        </p:nvSpPr>
-        <p:spPr/>
-        <p:txBody>
-          <a:bodyPr/>
-          <a:lstStyle/>
-          <a:p>
-            <a:pPr marL="0" indent="0">
-              <a:buNone/>
-            </a:pPr>
-            <a:r>
-              <a:rPr lang="en-US" sz="2000" b="1" dirty="0"/>
-              <a:t>Security: </a:t>
-            </a:r>
-          </a:p>
-          <a:p>
-            <a:pPr marL="0" indent="0">
-              <a:buNone/>
-            </a:pPr>
-            <a:r>
-              <a:rPr lang="en-US" sz="2000" dirty="0" smtClean="0"/>
-              <a:t>Maintain </a:t>
-            </a:r>
-            <a:r>
-              <a:rPr lang="en-US" sz="2000" dirty="0"/>
-              <a:t>data confidentiality: using transmission Secure Sockets Layer (SSL) for a Web-based link to security information and account passwords</a:t>
-            </a:r>
-          </a:p>
-          <a:p>
-            <a:pPr marL="0" indent="0">
-              <a:buNone/>
-            </a:pPr>
-            <a:r>
-              <a:rPr lang="en-US" sz="2000" dirty="0"/>
-              <a:t>Information is transmitted needs to be integrity</a:t>
-            </a:r>
-          </a:p>
-          <a:p>
-            <a:r>
-              <a:rPr lang="en-US" sz="2000" dirty="0"/>
-              <a:t>Maintain integrity: The information is transferred outside of the contained information is also part of checksum check to ensure the information is not lost on the transmission line</a:t>
-            </a:r>
-          </a:p>
-          <a:p>
-            <a:pPr marL="0" indent="0">
-              <a:buNone/>
-            </a:pPr>
-            <a:r>
-              <a:rPr lang="en-US" sz="2000" dirty="0"/>
-              <a:t>The account sales staff can only log into the system from the computer in sales system </a:t>
-            </a:r>
-          </a:p>
-          <a:p>
-            <a:r>
-              <a:rPr lang="en-US" sz="2000" dirty="0"/>
-              <a:t>Limit access: Use the computer's MAC address to be able to prevent the sign outside the system </a:t>
-            </a:r>
-          </a:p>
-        </p:txBody>
-      </p:sp>
-    </p:spTree>
-    <p:extLst>
-      <p:ext uri="{BB962C8B-B14F-4D97-AF65-F5344CB8AC3E}">
-        <p14:creationId xmlns:p14="http://schemas.microsoft.com/office/powerpoint/2010/main" val="3200898708"/>
-      </p:ext>
-    </p:extLst>
-  </p:cSld>
-  <p:clrMapOvr>
-    <a:masterClrMapping/>
-  </p:clrMapOvr>
-  <p:timing>
-    <p:tnLst>
-      <p:par>
-        <p:cTn id="1" dur="indefinite" restart="never" nodeType="tmRoot"/>
-      </p:par>
-    </p:tnLst>
-  </p:timing>
-</p:sld>
-</file>
-
-<file path=ppt/slides/slide31.xml><?xml version="1.0" encoding="utf-8"?>
-<p:sld xmlns:a="http://schemas.openxmlformats.org/drawingml/2006/main" xmlns:r="http://schemas.openxmlformats.org/officeDocument/2006/relationships" xmlns:p="http://schemas.openxmlformats.org/presentationml/2006/main">
-  <p:cSld>
-    <p:spTree>
-      <p:nvGrpSpPr>
-        <p:cNvPr id="1" name=""/>
-        <p:cNvGrpSpPr/>
-        <p:nvPr/>
-      </p:nvGrpSpPr>
-      <p:grpSpPr>
-        <a:xfrm>
-          <a:off x="0" y="0"/>
-          <a:ext cx="0" cy="0"/>
-          <a:chOff x="0" y="0"/>
-          <a:chExt cx="0" cy="0"/>
-        </a:xfrm>
-      </p:grpSpPr>
-      <p:sp>
-        <p:nvSpPr>
-          <p:cNvPr id="2" name="Title 1"/>
-          <p:cNvSpPr>
-            <a:spLocks noGrp="1"/>
-          </p:cNvSpPr>
-          <p:nvPr>
-            <p:ph type="title"/>
-          </p:nvPr>
-        </p:nvSpPr>
-        <p:spPr/>
-        <p:txBody>
-          <a:bodyPr/>
-          <a:lstStyle/>
-          <a:p>
-            <a:r>
-              <a:rPr lang="en-US" dirty="0" smtClean="0"/>
-              <a:t>Mapping View</a:t>
-            </a:r>
-            <a:endParaRPr lang="en-US" dirty="0"/>
-          </a:p>
-        </p:txBody>
-      </p:sp>
-      <p:sp>
-        <p:nvSpPr>
-          <p:cNvPr id="4" name="Rectangle 3">
-            <a:hlinkClick r:id="rId2" action="ppaction://hlinkfile"/>
-          </p:cNvPr>
-          <p:cNvSpPr/>
-          <p:nvPr/>
-        </p:nvSpPr>
-        <p:spPr bwMode="auto">
-          <a:xfrm>
-            <a:off x="3352800" y="2933700"/>
-            <a:ext cx="1905000" cy="419100"/>
-          </a:xfrm>
-          <a:prstGeom prst="rect">
-            <a:avLst/>
-          </a:prstGeom>
-          <a:ln>
-            <a:headEnd type="none" w="med" len="med"/>
-            <a:tailEnd type="none" w="med" len="med"/>
-          </a:ln>
-          <a:extLst/>
-        </p:spPr>
-        <p:style>
-          <a:lnRef idx="1">
-            <a:schemeClr val="accent2"/>
-          </a:lnRef>
-          <a:fillRef idx="3">
-            <a:schemeClr val="accent2"/>
-          </a:fillRef>
-          <a:effectRef idx="2">
-            <a:schemeClr val="accent2"/>
-          </a:effectRef>
-          <a:fontRef idx="minor">
-            <a:schemeClr val="lt1"/>
-          </a:fontRef>
-        </p:style>
-        <p:txBody>
-          <a:bodyPr vert="horz" wrap="square" lIns="91440" tIns="45720" rIns="91440" bIns="45720" numCol="1" rtlCol="0" anchor="t" anchorCtr="0" compatLnSpc="1">
-            <a:prstTxWarp prst="textNoShape">
-              <a:avLst/>
-            </a:prstTxWarp>
-          </a:bodyPr>
-          <a:lstStyle/>
-          <a:p>
-            <a:pPr marL="0" marR="0" indent="0" algn="l" defTabSz="914400" rtl="0" eaLnBrk="1" fontAlgn="base" latinLnBrk="0" hangingPunct="1">
-              <a:lnSpc>
-                <a:spcPct val="100000"/>
-              </a:lnSpc>
-              <a:spcBef>
-                <a:spcPct val="0"/>
-              </a:spcBef>
-              <a:spcAft>
-                <a:spcPct val="0"/>
-              </a:spcAft>
-              <a:buClrTx/>
-              <a:buSzTx/>
-              <a:buFontTx/>
-              <a:buNone/>
-              <a:tabLst/>
-            </a:pPr>
-            <a:r>
-              <a:rPr kumimoji="0" lang="en-US" sz="1800" b="1" i="0" u="none" strike="noStrike" cap="none" normalizeH="0" baseline="0" dirty="0" smtClean="0">
-                <a:ln>
-                  <a:noFill/>
-                </a:ln>
-                <a:solidFill>
-                  <a:schemeClr val="tx1"/>
-                </a:solidFill>
-                <a:effectLst/>
-                <a:latin typeface="Arial" charset="0"/>
-              </a:rPr>
-              <a:t>Mapping View</a:t>
-            </a:r>
-            <a:endParaRPr kumimoji="0" lang="en-US" sz="1800" b="1" i="0" u="none" strike="noStrike" cap="none" normalizeH="0" baseline="0" dirty="0" smtClean="0">
-              <a:ln>
-                <a:noFill/>
-              </a:ln>
-              <a:solidFill>
-                <a:schemeClr val="tx1"/>
-              </a:solidFill>
-              <a:effectLst/>
-              <a:latin typeface="Arial" charset="0"/>
-            </a:endParaRPr>
-          </a:p>
-        </p:txBody>
-      </p:sp>
-    </p:spTree>
-    <p:extLst>
-      <p:ext uri="{BB962C8B-B14F-4D97-AF65-F5344CB8AC3E}">
-        <p14:creationId xmlns:p14="http://schemas.microsoft.com/office/powerpoint/2010/main" val="3622619532"/>
-      </p:ext>
-    </p:extLst>
-  </p:cSld>
-  <p:clrMapOvr>
-    <a:masterClrMapping/>
-  </p:clrMapOvr>
-  <p:timing>
-    <p:tnLst>
-      <p:par>
-        <p:cTn id="1" dur="indefinite" restart="never" nodeType="tmRoot"/>
-      </p:par>
-    </p:tnLst>
-  </p:timing>
-</p:sld>
-</file>
-
-<file path=ppt/slides/slide32.xml><?xml version="1.0" encoding="utf-8"?>
 <p:sld xmlns:a="http://schemas.openxmlformats.org/drawingml/2006/main" xmlns:r="http://schemas.openxmlformats.org/officeDocument/2006/relationships" xmlns:p="http://schemas.openxmlformats.org/presentationml/2006/main">
   <p:cSld>
     <p:spTree>
@@ -43144,7 +42438,7 @@
 </p:sld>
 </file>
 
-<file path=ppt/slides/slide33.xml><?xml version="1.0" encoding="utf-8"?>
+<file path=ppt/slides/slide31.xml><?xml version="1.0" encoding="utf-8"?>
 <p:sld xmlns:a="http://schemas.openxmlformats.org/drawingml/2006/main" xmlns:r="http://schemas.openxmlformats.org/officeDocument/2006/relationships" xmlns:p="http://schemas.openxmlformats.org/presentationml/2006/main">
   <p:cSld>
     <p:spTree>
@@ -47415,16 +46709,6 @@
               </a:rPr>
               <a:t>ACDM</a:t>
             </a:r>
-            <a:endParaRPr kumimoji="0" lang="en-US" sz="1800" b="1" i="0" u="none" strike="noStrike" cap="none" normalizeH="0" baseline="0" dirty="0" smtClean="0">
-              <a:ln>
-                <a:noFill/>
-              </a:ln>
-              <a:solidFill>
-                <a:schemeClr val="tx1"/>
-              </a:solidFill>
-              <a:effectLst/>
-              <a:latin typeface="Arial" charset="0"/>
-            </a:endParaRPr>
           </a:p>
         </p:txBody>
       </p:sp>

--- a/Architect and Design/Final Project/K15T2_Team2_FinalProject/POS_Presentation/POS_PresentationSlide.pptx
+++ b/Architect and Design/Final Project/K15T2_Team2_FinalProject/POS_Presentation/POS_PresentationSlide.pptx
@@ -2504,7 +2504,7 @@
         <a:solidFill>
           <a:schemeClr val="accent1">
             <a:shade val="50000"/>
-            <a:hueOff val="-132808"/>
+            <a:hueOff val="-132809"/>
             <a:satOff val="6494"/>
             <a:lumOff val="16418"/>
             <a:alphaOff val="0"/>
@@ -2582,7 +2582,7 @@
         <a:solidFill>
           <a:schemeClr val="accent1">
             <a:shade val="50000"/>
-            <a:hueOff val="-265617"/>
+            <a:hueOff val="-265618"/>
             <a:satOff val="12988"/>
             <a:lumOff val="32836"/>
             <a:alphaOff val="0"/>
@@ -2659,7 +2659,7 @@
         <a:solidFill>
           <a:schemeClr val="accent1">
             <a:shade val="50000"/>
-            <a:hueOff val="-265617"/>
+            <a:hueOff val="-265618"/>
             <a:satOff val="12988"/>
             <a:lumOff val="32836"/>
             <a:alphaOff val="0"/>
@@ -2736,7 +2736,7 @@
         <a:solidFill>
           <a:schemeClr val="accent1">
             <a:shade val="50000"/>
-            <a:hueOff val="-132808"/>
+            <a:hueOff val="-132809"/>
             <a:satOff val="6494"/>
             <a:lumOff val="16418"/>
             <a:alphaOff val="0"/>
@@ -2809,287 +2809,6 @@
       <dsp:cNvGrpSpPr/>
     </dsp:nvGrpSpPr>
     <dsp:grpSpPr/>
-    <dsp:sp modelId="{EFB1DB7E-3B68-445F-B861-CAF5642D19A0}">
-      <dsp:nvSpPr>
-        <dsp:cNvPr id="0" name=""/>
-        <dsp:cNvSpPr/>
-      </dsp:nvSpPr>
-      <dsp:spPr>
-        <a:xfrm>
-          <a:off x="711199" y="0"/>
-          <a:ext cx="4064000" cy="4064000"/>
-        </a:xfrm>
-        <a:prstGeom prst="triangle">
-          <a:avLst/>
-        </a:prstGeom>
-        <a:solidFill>
-          <a:schemeClr val="lt1">
-            <a:hueOff val="0"/>
-            <a:satOff val="0"/>
-            <a:lumOff val="0"/>
-            <a:alphaOff val="0"/>
-          </a:schemeClr>
-        </a:solidFill>
-        <a:ln w="25400" cap="flat" cmpd="sng" algn="ctr">
-          <a:solidFill>
-            <a:schemeClr val="accent1">
-              <a:shade val="80000"/>
-              <a:hueOff val="0"/>
-              <a:satOff val="0"/>
-              <a:lumOff val="0"/>
-              <a:alphaOff val="0"/>
-            </a:schemeClr>
-          </a:solidFill>
-          <a:prstDash val="solid"/>
-        </a:ln>
-        <a:effectLst/>
-      </dsp:spPr>
-      <dsp:style>
-        <a:lnRef idx="2">
-          <a:scrgbClr r="0" g="0" b="0"/>
-        </a:lnRef>
-        <a:fillRef idx="1">
-          <a:scrgbClr r="0" g="0" b="0"/>
-        </a:fillRef>
-        <a:effectRef idx="0">
-          <a:scrgbClr r="0" g="0" b="0"/>
-        </a:effectRef>
-        <a:fontRef idx="minor">
-          <a:schemeClr val="lt1"/>
-        </a:fontRef>
-      </dsp:style>
-    </dsp:sp>
-    <dsp:sp modelId="{5A2C1261-72B2-4971-BE44-C42D81BA437A}">
-      <dsp:nvSpPr>
-        <dsp:cNvPr id="0" name=""/>
-        <dsp:cNvSpPr/>
-      </dsp:nvSpPr>
-      <dsp:spPr>
-        <a:xfrm>
-          <a:off x="2743199" y="408582"/>
-          <a:ext cx="2641600" cy="962025"/>
-        </a:xfrm>
-        <a:prstGeom prst="roundRect">
-          <a:avLst/>
-        </a:prstGeom>
-        <a:solidFill>
-          <a:schemeClr val="accent1">
-            <a:alpha val="90000"/>
-            <a:tint val="40000"/>
-            <a:hueOff val="0"/>
-            <a:satOff val="0"/>
-            <a:lumOff val="0"/>
-            <a:alphaOff val="0"/>
-          </a:schemeClr>
-        </a:solidFill>
-        <a:ln w="25400" cap="flat" cmpd="sng" algn="ctr">
-          <a:solidFill>
-            <a:schemeClr val="accent1">
-              <a:hueOff val="0"/>
-              <a:satOff val="0"/>
-              <a:lumOff val="0"/>
-              <a:alphaOff val="0"/>
-            </a:schemeClr>
-          </a:solidFill>
-          <a:prstDash val="solid"/>
-        </a:ln>
-        <a:effectLst/>
-      </dsp:spPr>
-      <dsp:style>
-        <a:lnRef idx="2">
-          <a:scrgbClr r="0" g="0" b="0"/>
-        </a:lnRef>
-        <a:fillRef idx="1">
-          <a:scrgbClr r="0" g="0" b="0"/>
-        </a:fillRef>
-        <a:effectRef idx="0">
-          <a:scrgbClr r="0" g="0" b="0"/>
-        </a:effectRef>
-        <a:fontRef idx="minor"/>
-      </dsp:style>
-      <dsp:txBody>
-        <a:bodyPr spcFirstLastPara="0" vert="horz" wrap="square" lIns="121920" tIns="121920" rIns="121920" bIns="121920" numCol="1" spcCol="1270" anchor="ctr" anchorCtr="0">
-          <a:noAutofit/>
-        </a:bodyPr>
-        <a:lstStyle/>
-        <a:p>
-          <a:pPr lvl="0" algn="ctr" defTabSz="1422400">
-            <a:lnSpc>
-              <a:spcPct val="90000"/>
-            </a:lnSpc>
-            <a:spcBef>
-              <a:spcPct val="0"/>
-            </a:spcBef>
-            <a:spcAft>
-              <a:spcPct val="35000"/>
-            </a:spcAft>
-          </a:pPr>
-          <a:r>
-            <a:rPr lang="en-US" sz="3200" kern="1200" dirty="0" smtClean="0"/>
-            <a:t>Performance</a:t>
-          </a:r>
-          <a:endParaRPr lang="en-US" sz="3200" kern="1200" dirty="0"/>
-        </a:p>
-      </dsp:txBody>
-      <dsp:txXfrm>
-        <a:off x="2790161" y="455544"/>
-        <a:ext cx="2547676" cy="868101"/>
-      </dsp:txXfrm>
-    </dsp:sp>
-    <dsp:sp modelId="{ED45144E-E51C-45E1-9A99-ABC2D047D306}">
-      <dsp:nvSpPr>
-        <dsp:cNvPr id="0" name=""/>
-        <dsp:cNvSpPr/>
-      </dsp:nvSpPr>
-      <dsp:spPr>
-        <a:xfrm>
-          <a:off x="2743199" y="1490860"/>
-          <a:ext cx="2641600" cy="962025"/>
-        </a:xfrm>
-        <a:prstGeom prst="roundRect">
-          <a:avLst/>
-        </a:prstGeom>
-        <a:solidFill>
-          <a:schemeClr val="accent1">
-            <a:alpha val="90000"/>
-            <a:tint val="40000"/>
-            <a:hueOff val="0"/>
-            <a:satOff val="0"/>
-            <a:lumOff val="0"/>
-            <a:alphaOff val="0"/>
-          </a:schemeClr>
-        </a:solidFill>
-        <a:ln w="25400" cap="flat" cmpd="sng" algn="ctr">
-          <a:solidFill>
-            <a:schemeClr val="accent1">
-              <a:hueOff val="0"/>
-              <a:satOff val="0"/>
-              <a:lumOff val="0"/>
-              <a:alphaOff val="0"/>
-            </a:schemeClr>
-          </a:solidFill>
-          <a:prstDash val="solid"/>
-        </a:ln>
-        <a:effectLst/>
-      </dsp:spPr>
-      <dsp:style>
-        <a:lnRef idx="2">
-          <a:scrgbClr r="0" g="0" b="0"/>
-        </a:lnRef>
-        <a:fillRef idx="1">
-          <a:scrgbClr r="0" g="0" b="0"/>
-        </a:fillRef>
-        <a:effectRef idx="0">
-          <a:scrgbClr r="0" g="0" b="0"/>
-        </a:effectRef>
-        <a:fontRef idx="minor"/>
-      </dsp:style>
-      <dsp:txBody>
-        <a:bodyPr spcFirstLastPara="0" vert="horz" wrap="square" lIns="121920" tIns="121920" rIns="121920" bIns="121920" numCol="1" spcCol="1270" anchor="ctr" anchorCtr="0">
-          <a:noAutofit/>
-        </a:bodyPr>
-        <a:lstStyle/>
-        <a:p>
-          <a:pPr lvl="0" algn="ctr" defTabSz="1422400">
-            <a:lnSpc>
-              <a:spcPct val="90000"/>
-            </a:lnSpc>
-            <a:spcBef>
-              <a:spcPct val="0"/>
-            </a:spcBef>
-            <a:spcAft>
-              <a:spcPct val="35000"/>
-            </a:spcAft>
-          </a:pPr>
-          <a:r>
-            <a:rPr lang="en-US" sz="3200" kern="1200" dirty="0" smtClean="0"/>
-            <a:t>Security</a:t>
-          </a:r>
-          <a:endParaRPr lang="en-US" sz="3200" kern="1200" dirty="0"/>
-        </a:p>
-      </dsp:txBody>
-      <dsp:txXfrm>
-        <a:off x="2790161" y="1537822"/>
-        <a:ext cx="2547676" cy="868101"/>
-      </dsp:txXfrm>
-    </dsp:sp>
-    <dsp:sp modelId="{33728931-8BFB-47F3-9618-AC134A45DDAE}">
-      <dsp:nvSpPr>
-        <dsp:cNvPr id="0" name=""/>
-        <dsp:cNvSpPr/>
-      </dsp:nvSpPr>
-      <dsp:spPr>
-        <a:xfrm>
-          <a:off x="2743199" y="2573139"/>
-          <a:ext cx="2641600" cy="962025"/>
-        </a:xfrm>
-        <a:prstGeom prst="roundRect">
-          <a:avLst/>
-        </a:prstGeom>
-        <a:solidFill>
-          <a:schemeClr val="accent1">
-            <a:alpha val="90000"/>
-            <a:tint val="40000"/>
-            <a:hueOff val="0"/>
-            <a:satOff val="0"/>
-            <a:lumOff val="0"/>
-            <a:alphaOff val="0"/>
-          </a:schemeClr>
-        </a:solidFill>
-        <a:ln w="25400" cap="flat" cmpd="sng" algn="ctr">
-          <a:solidFill>
-            <a:schemeClr val="accent1">
-              <a:hueOff val="0"/>
-              <a:satOff val="0"/>
-              <a:lumOff val="0"/>
-              <a:alphaOff val="0"/>
-            </a:schemeClr>
-          </a:solidFill>
-          <a:prstDash val="solid"/>
-        </a:ln>
-        <a:effectLst/>
-      </dsp:spPr>
-      <dsp:style>
-        <a:lnRef idx="2">
-          <a:scrgbClr r="0" g="0" b="0"/>
-        </a:lnRef>
-        <a:fillRef idx="1">
-          <a:scrgbClr r="0" g="0" b="0"/>
-        </a:fillRef>
-        <a:effectRef idx="0">
-          <a:scrgbClr r="0" g="0" b="0"/>
-        </a:effectRef>
-        <a:fontRef idx="minor"/>
-      </dsp:style>
-      <dsp:txBody>
-        <a:bodyPr spcFirstLastPara="0" vert="horz" wrap="square" lIns="121920" tIns="121920" rIns="121920" bIns="121920" numCol="1" spcCol="1270" anchor="ctr" anchorCtr="0">
-          <a:noAutofit/>
-        </a:bodyPr>
-        <a:lstStyle/>
-        <a:p>
-          <a:pPr lvl="0" algn="ctr" defTabSz="1422400">
-            <a:lnSpc>
-              <a:spcPct val="90000"/>
-            </a:lnSpc>
-            <a:spcBef>
-              <a:spcPct val="0"/>
-            </a:spcBef>
-            <a:spcAft>
-              <a:spcPct val="35000"/>
-            </a:spcAft>
-          </a:pPr>
-          <a:r>
-            <a:rPr lang="en-US" sz="3200" kern="1200" dirty="0" smtClean="0"/>
-            <a:t>Availability </a:t>
-          </a:r>
-          <a:endParaRPr lang="en-US" sz="3200" kern="1200" dirty="0"/>
-        </a:p>
-      </dsp:txBody>
-      <dsp:txXfrm>
-        <a:off x="2790161" y="2620101"/>
-        <a:ext cx="2547676" cy="868101"/>
-      </dsp:txXfrm>
-    </dsp:sp>
   </dsp:spTree>
 </dsp:drawing>
 </file>
@@ -16979,7 +16698,7 @@
           <a:graphicData uri="http://schemas.openxmlformats.org/presentationml/2006/ole">
             <mc:AlternateContent xmlns:mc="http://schemas.openxmlformats.org/markup-compatibility/2006">
               <mc:Choice xmlns:v="urn:schemas-microsoft-com:vml" Requires="v">
-                <p:oleObj spid="_x0000_s146445" name="Visio" r:id="rId3" imgW="9089179" imgH="4645287" progId="Visio.Drawing.11">
+                <p:oleObj spid="_x0000_s146446" name="Visio" r:id="rId3" imgW="9089179" imgH="4645287" progId="Visio.Drawing.11">
                   <p:embed/>
                 </p:oleObj>
               </mc:Choice>
@@ -17296,7 +17015,7 @@
           <a:graphicData uri="http://schemas.openxmlformats.org/presentationml/2006/ole">
             <mc:AlternateContent xmlns:mc="http://schemas.openxmlformats.org/markup-compatibility/2006">
               <mc:Choice xmlns:v="urn:schemas-microsoft-com:vml" Requires="v">
-                <p:oleObj spid="_x0000_s137244" name="Visio" r:id="rId3" imgW="5996197" imgH="8345806" progId="Visio.Drawing.11">
+                <p:oleObj spid="_x0000_s137245" name="Visio" r:id="rId3" imgW="5996197" imgH="8345806" progId="Visio.Drawing.11">
                   <p:embed/>
                 </p:oleObj>
               </mc:Choice>
@@ -37659,7 +37378,7 @@
           <a:graphicData uri="http://schemas.openxmlformats.org/presentationml/2006/ole">
             <mc:AlternateContent xmlns:mc="http://schemas.openxmlformats.org/markup-compatibility/2006">
               <mc:Choice xmlns:v="urn:schemas-microsoft-com:vml" Requires="v">
-                <p:oleObj spid="_x0000_s140313" name="Visio" r:id="rId3" imgW="11727851" imgH="7171055" progId="Visio.Drawing.11">
+                <p:oleObj spid="_x0000_s140314" name="Visio" r:id="rId3" imgW="11727851" imgH="7171055" progId="Visio.Drawing.11">
                   <p:embed/>
                 </p:oleObj>
               </mc:Choice>
@@ -42922,57 +42641,36 @@
               <a:buNone/>
             </a:pPr>
             <a:r>
-              <a:rPr lang="en-US" sz="1800" dirty="0"/>
+              <a:rPr lang="en-US" sz="2200" dirty="0"/>
               <a:t>HIT Team will develop POS System on web platform with following targets:</a:t>
             </a:r>
           </a:p>
           <a:p>
             <a:pPr lvl="0"/>
             <a:r>
-              <a:rPr lang="en-US" sz="1800" dirty="0"/>
+              <a:rPr lang="en-US" sz="2200" dirty="0"/>
               <a:t>Quick Checkout: Each cashier will have a bar-code scanners. Products sold at stores have bar codes attached which indicate the product codes.</a:t>
             </a:r>
           </a:p>
           <a:p>
             <a:pPr lvl="0"/>
             <a:r>
-              <a:rPr lang="en-US" sz="1800" dirty="0"/>
+              <a:rPr lang="en-US" sz="2200" dirty="0"/>
               <a:t>Payment Options: Company A offers payment by cash or by using loyalty point.</a:t>
             </a:r>
           </a:p>
           <a:p>
             <a:pPr lvl="0"/>
             <a:r>
-              <a:rPr lang="en-US" sz="1800" dirty="0"/>
+              <a:rPr lang="en-US" sz="2200" dirty="0"/>
               <a:t>Control: Products are classified into product types such as food, general merchandise, etc. Not all stores carry every product type, and the range of product types carried is designated for each store.</a:t>
             </a:r>
           </a:p>
           <a:p>
             <a:pPr lvl="0"/>
             <a:r>
-              <a:rPr lang="en-US" sz="1800" dirty="0"/>
+              <a:rPr lang="en-US" sz="2200" dirty="0"/>
               <a:t>Competitive prices: the system has capable of performing the statistical analysis on the sales records of all stores in near real-time manner.</a:t>
-            </a:r>
-          </a:p>
-          <a:p>
-            <a:pPr lvl="0"/>
-            <a:r>
-              <a:rPr lang="en-US" sz="1800" dirty="0"/>
-              <a:t>Track product popularity and profitability.</a:t>
-            </a:r>
-          </a:p>
-          <a:p>
-            <a:pPr lvl="0"/>
-            <a:r>
-              <a:rPr lang="en-US" sz="1800" dirty="0"/>
-              <a:t>Improve customer throughput with faster service.</a:t>
-            </a:r>
-          </a:p>
-          <a:p>
-            <a:pPr lvl="0"/>
-            <a:r>
-              <a:rPr lang="en-US" sz="1800" dirty="0"/>
-              <a:t>Accelerate inventory turnover by being able to stock the items known to sell quickly.</a:t>
             </a:r>
           </a:p>
           <a:p>
